--- a/docs/presentations/20220620/slides.pptx
+++ b/docs/presentations/20220620/slides.pptx
@@ -6,10 +6,10 @@
     <p:sldMasterId id="2147483654" r:id="rId5"/>
   </p:sldMasterIdLst>
   <p:notesMasterIdLst>
-    <p:notesMasterId r:id="rId11"/>
+    <p:notesMasterId r:id="rId23"/>
   </p:notesMasterIdLst>
   <p:handoutMasterIdLst>
-    <p:handoutMasterId r:id="rId12"/>
+    <p:handoutMasterId r:id="rId24"/>
   </p:handoutMasterIdLst>
   <p:sldIdLst>
     <p:sldId id="288" r:id="rId6"/>
@@ -17,6 +17,18 @@
     <p:sldId id="301" r:id="rId8"/>
     <p:sldId id="304" r:id="rId9"/>
     <p:sldId id="299" r:id="rId10"/>
+    <p:sldId id="305" r:id="rId11"/>
+    <p:sldId id="306" r:id="rId12"/>
+    <p:sldId id="307" r:id="rId13"/>
+    <p:sldId id="308" r:id="rId14"/>
+    <p:sldId id="309" r:id="rId15"/>
+    <p:sldId id="310" r:id="rId16"/>
+    <p:sldId id="311" r:id="rId17"/>
+    <p:sldId id="312" r:id="rId18"/>
+    <p:sldId id="313" r:id="rId19"/>
+    <p:sldId id="314" r:id="rId20"/>
+    <p:sldId id="315" r:id="rId21"/>
+    <p:sldId id="316" r:id="rId22"/>
   </p:sldIdLst>
   <p:sldSz cx="12192000" cy="6858000"/>
   <p:notesSz cx="6794500" cy="9931400"/>
@@ -176,7 +188,7 @@
 <file path=ppt/revisionInfo.xml><?xml version="1.0" encoding="utf-8"?>
 <p1510:revInfo xmlns:a="http://schemas.openxmlformats.org/drawingml/2006/main" xmlns:r="http://schemas.openxmlformats.org/officeDocument/2006/relationships" xmlns:p1510="http://schemas.microsoft.com/office/powerpoint/2015/10/main">
   <p1510:revLst>
-    <p1510:client id="{4F4D9788-52EB-4706-9467-A83C73F062C3}" v="192" dt="2022-06-19T18:07:26.186"/>
+    <p1510:client id="{4F4D9788-52EB-4706-9467-A83C73F062C3}" v="356" dt="2022-06-20T01:17:51.558"/>
   </p1510:revLst>
 </p1510:revInfo>
 </file>
@@ -8707,7 +8719,7 @@
   <pc:docChgLst>
     <pc:chgData name="Matthew Suderman" userId="2709995e-3ea8-4fb0-9b62-eb8034dec529" providerId="ADAL" clId="{4F4D9788-52EB-4706-9467-A83C73F062C3}"/>
     <pc:docChg chg="undo custSel addSld delSld modSld modMainMaster">
-      <pc:chgData name="Matthew Suderman" userId="2709995e-3ea8-4fb0-9b62-eb8034dec529" providerId="ADAL" clId="{4F4D9788-52EB-4706-9467-A83C73F062C3}" dt="2022-06-19T18:07:31.248" v="448" actId="478"/>
+      <pc:chgData name="Matthew Suderman" userId="2709995e-3ea8-4fb0-9b62-eb8034dec529" providerId="ADAL" clId="{4F4D9788-52EB-4706-9467-A83C73F062C3}" dt="2022-06-20T01:22:57.641" v="5662" actId="20577"/>
       <pc:docMkLst>
         <pc:docMk/>
       </pc:docMkLst>
@@ -8790,20 +8802,28 @@
           <pc:sldMk cId="807748989" sldId="298"/>
         </pc:sldMkLst>
       </pc:sldChg>
-      <pc:sldChg chg="delSp modSp add del mod">
-        <pc:chgData name="Matthew Suderman" userId="2709995e-3ea8-4fb0-9b62-eb8034dec529" providerId="ADAL" clId="{4F4D9788-52EB-4706-9467-A83C73F062C3}" dt="2022-06-19T18:07:31.248" v="448" actId="478"/>
+      <pc:sldChg chg="addSp delSp modSp add del mod">
+        <pc:chgData name="Matthew Suderman" userId="2709995e-3ea8-4fb0-9b62-eb8034dec529" providerId="ADAL" clId="{4F4D9788-52EB-4706-9467-A83C73F062C3}" dt="2022-06-19T22:44:52.401" v="1007" actId="20577"/>
         <pc:sldMkLst>
           <pc:docMk/>
           <pc:sldMk cId="104184540" sldId="299"/>
         </pc:sldMkLst>
         <pc:spChg chg="mod">
-          <ac:chgData name="Matthew Suderman" userId="2709995e-3ea8-4fb0-9b62-eb8034dec529" providerId="ADAL" clId="{4F4D9788-52EB-4706-9467-A83C73F062C3}" dt="2022-06-19T18:07:22.649" v="446" actId="20577"/>
+          <ac:chgData name="Matthew Suderman" userId="2709995e-3ea8-4fb0-9b62-eb8034dec529" providerId="ADAL" clId="{4F4D9788-52EB-4706-9467-A83C73F062C3}" dt="2022-06-19T22:44:52.401" v="1007" actId="20577"/>
           <ac:spMkLst>
             <pc:docMk/>
             <pc:sldMk cId="104184540" sldId="299"/>
             <ac:spMk id="2" creationId="{409AB06F-2C8D-47F3-BC82-C981A390EA53}"/>
           </ac:spMkLst>
         </pc:spChg>
+        <pc:spChg chg="mod">
+          <ac:chgData name="Matthew Suderman" userId="2709995e-3ea8-4fb0-9b62-eb8034dec529" providerId="ADAL" clId="{4F4D9788-52EB-4706-9467-A83C73F062C3}" dt="2022-06-19T22:43:36.100" v="887" actId="20577"/>
+          <ac:spMkLst>
+            <pc:docMk/>
+            <pc:sldMk cId="104184540" sldId="299"/>
+            <ac:spMk id="3" creationId="{FC31CAE2-0CA2-4DA4-9BCF-64AE66A8ADB1}"/>
+          </ac:spMkLst>
+        </pc:spChg>
         <pc:spChg chg="del">
           <ac:chgData name="Matthew Suderman" userId="2709995e-3ea8-4fb0-9b62-eb8034dec529" providerId="ADAL" clId="{4F4D9788-52EB-4706-9467-A83C73F062C3}" dt="2022-06-19T18:07:31.248" v="448" actId="478"/>
           <ac:spMkLst>
@@ -8812,6 +8832,14 @@
             <ac:spMk id="5" creationId="{E4BFD49F-C5DA-43A5-82EC-A968CC7DFABA}"/>
           </ac:spMkLst>
         </pc:spChg>
+        <pc:picChg chg="add mod">
+          <ac:chgData name="Matthew Suderman" userId="2709995e-3ea8-4fb0-9b62-eb8034dec529" providerId="ADAL" clId="{4F4D9788-52EB-4706-9467-A83C73F062C3}" dt="2022-06-19T22:39:27.736" v="500" actId="1037"/>
+          <ac:picMkLst>
+            <pc:docMk/>
+            <pc:sldMk cId="104184540" sldId="299"/>
+            <ac:picMk id="1026" creationId="{51B7BC86-63FF-8BC8-871A-B8EE9BAE68EF}"/>
+          </ac:picMkLst>
+        </pc:picChg>
         <pc:picChg chg="del">
           <ac:chgData name="Matthew Suderman" userId="2709995e-3ea8-4fb0-9b62-eb8034dec529" providerId="ADAL" clId="{4F4D9788-52EB-4706-9467-A83C73F062C3}" dt="2022-06-19T18:07:26.186" v="447" actId="478"/>
           <ac:picMkLst>
@@ -8971,6 +8999,37 @@
           </ac:graphicFrameMkLst>
         </pc:graphicFrameChg>
       </pc:sldChg>
+      <pc:sldChg chg="addSp modSp new mod">
+        <pc:chgData name="Matthew Suderman" userId="2709995e-3ea8-4fb0-9b62-eb8034dec529" providerId="ADAL" clId="{4F4D9788-52EB-4706-9467-A83C73F062C3}" dt="2022-06-19T22:57:27.537" v="1220" actId="1036"/>
+        <pc:sldMkLst>
+          <pc:docMk/>
+          <pc:sldMk cId="3325839693" sldId="305"/>
+        </pc:sldMkLst>
+        <pc:spChg chg="mod">
+          <ac:chgData name="Matthew Suderman" userId="2709995e-3ea8-4fb0-9b62-eb8034dec529" providerId="ADAL" clId="{4F4D9788-52EB-4706-9467-A83C73F062C3}" dt="2022-06-19T22:45:59.856" v="1039" actId="20577"/>
+          <ac:spMkLst>
+            <pc:docMk/>
+            <pc:sldMk cId="3325839693" sldId="305"/>
+            <ac:spMk id="2" creationId="{4DBCB4A7-7978-CB3E-B41D-E817A723E317}"/>
+          </ac:spMkLst>
+        </pc:spChg>
+        <pc:spChg chg="mod">
+          <ac:chgData name="Matthew Suderman" userId="2709995e-3ea8-4fb0-9b62-eb8034dec529" providerId="ADAL" clId="{4F4D9788-52EB-4706-9467-A83C73F062C3}" dt="2022-06-19T22:56:04.221" v="1197" actId="20577"/>
+          <ac:spMkLst>
+            <pc:docMk/>
+            <pc:sldMk cId="3325839693" sldId="305"/>
+            <ac:spMk id="3" creationId="{AD64425A-3EFA-7BFB-A468-6576353898BC}"/>
+          </ac:spMkLst>
+        </pc:spChg>
+        <pc:graphicFrameChg chg="add mod modGraphic">
+          <ac:chgData name="Matthew Suderman" userId="2709995e-3ea8-4fb0-9b62-eb8034dec529" providerId="ADAL" clId="{4F4D9788-52EB-4706-9467-A83C73F062C3}" dt="2022-06-19T22:57:27.537" v="1220" actId="1036"/>
+          <ac:graphicFrameMkLst>
+            <pc:docMk/>
+            <pc:sldMk cId="3325839693" sldId="305"/>
+            <ac:graphicFrameMk id="4" creationId="{2EFAC45B-B7D4-E62C-99A7-8E5BCED804B7}"/>
+          </ac:graphicFrameMkLst>
+        </pc:graphicFrameChg>
+      </pc:sldChg>
       <pc:sldChg chg="del">
         <pc:chgData name="Matthew Suderman" userId="2709995e-3ea8-4fb0-9b62-eb8034dec529" providerId="ADAL" clId="{4F4D9788-52EB-4706-9467-A83C73F062C3}" dt="2022-06-19T17:39:43.703" v="40" actId="47"/>
         <pc:sldMkLst>
@@ -8978,14 +9037,427 @@
           <pc:sldMk cId="3629983762" sldId="305"/>
         </pc:sldMkLst>
       </pc:sldChg>
+      <pc:sldChg chg="addSp delSp modSp new mod">
+        <pc:chgData name="Matthew Suderman" userId="2709995e-3ea8-4fb0-9b62-eb8034dec529" providerId="ADAL" clId="{4F4D9788-52EB-4706-9467-A83C73F062C3}" dt="2022-06-19T23:07:59.620" v="1400" actId="20577"/>
+        <pc:sldMkLst>
+          <pc:docMk/>
+          <pc:sldMk cId="1658377283" sldId="306"/>
+        </pc:sldMkLst>
+        <pc:spChg chg="mod">
+          <ac:chgData name="Matthew Suderman" userId="2709995e-3ea8-4fb0-9b62-eb8034dec529" providerId="ADAL" clId="{4F4D9788-52EB-4706-9467-A83C73F062C3}" dt="2022-06-19T22:58:50.900" v="1230" actId="20577"/>
+          <ac:spMkLst>
+            <pc:docMk/>
+            <pc:sldMk cId="1658377283" sldId="306"/>
+            <ac:spMk id="2" creationId="{94B1B88A-C0A5-4ABD-6070-17EC654A7BA8}"/>
+          </ac:spMkLst>
+        </pc:spChg>
+        <pc:spChg chg="del">
+          <ac:chgData name="Matthew Suderman" userId="2709995e-3ea8-4fb0-9b62-eb8034dec529" providerId="ADAL" clId="{4F4D9788-52EB-4706-9467-A83C73F062C3}" dt="2022-06-19T22:58:35.527" v="1222"/>
+          <ac:spMkLst>
+            <pc:docMk/>
+            <pc:sldMk cId="1658377283" sldId="306"/>
+            <ac:spMk id="3" creationId="{C7229C35-6000-39EB-1FEB-0494F10E09B6}"/>
+          </ac:spMkLst>
+        </pc:spChg>
+        <pc:spChg chg="add mod">
+          <ac:chgData name="Matthew Suderman" userId="2709995e-3ea8-4fb0-9b62-eb8034dec529" providerId="ADAL" clId="{4F4D9788-52EB-4706-9467-A83C73F062C3}" dt="2022-06-19T23:07:09.856" v="1293" actId="2711"/>
+          <ac:spMkLst>
+            <pc:docMk/>
+            <pc:sldMk cId="1658377283" sldId="306"/>
+            <ac:spMk id="4" creationId="{4A837D55-A2D8-AA34-3646-4E67FB6AB50C}"/>
+          </ac:spMkLst>
+        </pc:spChg>
+        <pc:spChg chg="add mod">
+          <ac:chgData name="Matthew Suderman" userId="2709995e-3ea8-4fb0-9b62-eb8034dec529" providerId="ADAL" clId="{4F4D9788-52EB-4706-9467-A83C73F062C3}" dt="2022-06-19T23:07:59.620" v="1400" actId="20577"/>
+          <ac:spMkLst>
+            <pc:docMk/>
+            <pc:sldMk cId="1658377283" sldId="306"/>
+            <ac:spMk id="7" creationId="{2C6E8E7A-8C24-229A-4485-6E7F7CE1ED7C}"/>
+          </ac:spMkLst>
+        </pc:spChg>
+        <pc:picChg chg="add mod">
+          <ac:chgData name="Matthew Suderman" userId="2709995e-3ea8-4fb0-9b62-eb8034dec529" providerId="ADAL" clId="{4F4D9788-52EB-4706-9467-A83C73F062C3}" dt="2022-06-19T23:01:22.026" v="1236" actId="1036"/>
+          <ac:picMkLst>
+            <pc:docMk/>
+            <pc:sldMk cId="1658377283" sldId="306"/>
+            <ac:picMk id="3074" creationId="{4BC30ADE-5E6D-057E-BD0C-0CA53354E668}"/>
+          </ac:picMkLst>
+        </pc:picChg>
+        <pc:picChg chg="add mod">
+          <ac:chgData name="Matthew Suderman" userId="2709995e-3ea8-4fb0-9b62-eb8034dec529" providerId="ADAL" clId="{4F4D9788-52EB-4706-9467-A83C73F062C3}" dt="2022-06-19T23:01:34.549" v="1242" actId="14100"/>
+          <ac:picMkLst>
+            <pc:docMk/>
+            <pc:sldMk cId="1658377283" sldId="306"/>
+            <ac:picMk id="3076" creationId="{02A19BD4-6486-EEC7-DBDB-BB0986D9EE42}"/>
+          </ac:picMkLst>
+        </pc:picChg>
+      </pc:sldChg>
+      <pc:sldChg chg="addSp delSp modSp new mod">
+        <pc:chgData name="Matthew Suderman" userId="2709995e-3ea8-4fb0-9b62-eb8034dec529" providerId="ADAL" clId="{4F4D9788-52EB-4706-9467-A83C73F062C3}" dt="2022-06-19T23:18:48.643" v="1549" actId="113"/>
+        <pc:sldMkLst>
+          <pc:docMk/>
+          <pc:sldMk cId="4096200350" sldId="307"/>
+        </pc:sldMkLst>
+        <pc:spChg chg="mod">
+          <ac:chgData name="Matthew Suderman" userId="2709995e-3ea8-4fb0-9b62-eb8034dec529" providerId="ADAL" clId="{4F4D9788-52EB-4706-9467-A83C73F062C3}" dt="2022-06-19T23:17:59.070" v="1536"/>
+          <ac:spMkLst>
+            <pc:docMk/>
+            <pc:sldMk cId="4096200350" sldId="307"/>
+            <ac:spMk id="2" creationId="{F6B0242D-7DB1-4584-7B3B-E806E74F18F4}"/>
+          </ac:spMkLst>
+        </pc:spChg>
+        <pc:spChg chg="del">
+          <ac:chgData name="Matthew Suderman" userId="2709995e-3ea8-4fb0-9b62-eb8034dec529" providerId="ADAL" clId="{4F4D9788-52EB-4706-9467-A83C73F062C3}" dt="2022-06-19T23:09:08.371" v="1402"/>
+          <ac:spMkLst>
+            <pc:docMk/>
+            <pc:sldMk cId="4096200350" sldId="307"/>
+            <ac:spMk id="3" creationId="{BCABA7E1-BFDD-0226-D34F-B7395B8B0793}"/>
+          </ac:spMkLst>
+        </pc:spChg>
+        <pc:spChg chg="add mod">
+          <ac:chgData name="Matthew Suderman" userId="2709995e-3ea8-4fb0-9b62-eb8034dec529" providerId="ADAL" clId="{4F4D9788-52EB-4706-9467-A83C73F062C3}" dt="2022-06-19T23:17:34.875" v="1535" actId="404"/>
+          <ac:spMkLst>
+            <pc:docMk/>
+            <pc:sldMk cId="4096200350" sldId="307"/>
+            <ac:spMk id="6" creationId="{937FDB6D-E1CE-3A3C-0B0B-29A02FE41D15}"/>
+          </ac:spMkLst>
+        </pc:spChg>
+        <pc:graphicFrameChg chg="add mod modGraphic">
+          <ac:chgData name="Matthew Suderman" userId="2709995e-3ea8-4fb0-9b62-eb8034dec529" providerId="ADAL" clId="{4F4D9788-52EB-4706-9467-A83C73F062C3}" dt="2022-06-19T23:18:48.643" v="1549" actId="113"/>
+          <ac:graphicFrameMkLst>
+            <pc:docMk/>
+            <pc:sldMk cId="4096200350" sldId="307"/>
+            <ac:graphicFrameMk id="4" creationId="{17E0F863-3B53-5B82-D328-0D78C30D46B4}"/>
+          </ac:graphicFrameMkLst>
+        </pc:graphicFrameChg>
+      </pc:sldChg>
+      <pc:sldChg chg="modSp new mod">
+        <pc:chgData name="Matthew Suderman" userId="2709995e-3ea8-4fb0-9b62-eb8034dec529" providerId="ADAL" clId="{4F4D9788-52EB-4706-9467-A83C73F062C3}" dt="2022-06-19T23:22:40.187" v="2209" actId="20577"/>
+        <pc:sldMkLst>
+          <pc:docMk/>
+          <pc:sldMk cId="1747418047" sldId="308"/>
+        </pc:sldMkLst>
+        <pc:spChg chg="mod">
+          <ac:chgData name="Matthew Suderman" userId="2709995e-3ea8-4fb0-9b62-eb8034dec529" providerId="ADAL" clId="{4F4D9788-52EB-4706-9467-A83C73F062C3}" dt="2022-06-19T23:19:19.765" v="1551"/>
+          <ac:spMkLst>
+            <pc:docMk/>
+            <pc:sldMk cId="1747418047" sldId="308"/>
+            <ac:spMk id="2" creationId="{3922B910-B2DF-631D-CCD1-94D4AC2E7E63}"/>
+          </ac:spMkLst>
+        </pc:spChg>
+        <pc:spChg chg="mod">
+          <ac:chgData name="Matthew Suderman" userId="2709995e-3ea8-4fb0-9b62-eb8034dec529" providerId="ADAL" clId="{4F4D9788-52EB-4706-9467-A83C73F062C3}" dt="2022-06-19T23:22:40.187" v="2209" actId="20577"/>
+          <ac:spMkLst>
+            <pc:docMk/>
+            <pc:sldMk cId="1747418047" sldId="308"/>
+            <ac:spMk id="3" creationId="{A871557F-A7E8-8159-8AF7-DC1396C013D6}"/>
+          </ac:spMkLst>
+        </pc:spChg>
+      </pc:sldChg>
+      <pc:sldChg chg="modSp new mod">
+        <pc:chgData name="Matthew Suderman" userId="2709995e-3ea8-4fb0-9b62-eb8034dec529" providerId="ADAL" clId="{4F4D9788-52EB-4706-9467-A83C73F062C3}" dt="2022-06-19T23:51:19.039" v="3146" actId="20577"/>
+        <pc:sldMkLst>
+          <pc:docMk/>
+          <pc:sldMk cId="779003553" sldId="309"/>
+        </pc:sldMkLst>
+        <pc:spChg chg="mod">
+          <ac:chgData name="Matthew Suderman" userId="2709995e-3ea8-4fb0-9b62-eb8034dec529" providerId="ADAL" clId="{4F4D9788-52EB-4706-9467-A83C73F062C3}" dt="2022-06-19T23:27:17.545" v="2577" actId="20577"/>
+          <ac:spMkLst>
+            <pc:docMk/>
+            <pc:sldMk cId="779003553" sldId="309"/>
+            <ac:spMk id="2" creationId="{5D7EF547-58FF-5090-CF6E-AAD85BA89B88}"/>
+          </ac:spMkLst>
+        </pc:spChg>
+        <pc:spChg chg="mod">
+          <ac:chgData name="Matthew Suderman" userId="2709995e-3ea8-4fb0-9b62-eb8034dec529" providerId="ADAL" clId="{4F4D9788-52EB-4706-9467-A83C73F062C3}" dt="2022-06-19T23:51:19.039" v="3146" actId="20577"/>
+          <ac:spMkLst>
+            <pc:docMk/>
+            <pc:sldMk cId="779003553" sldId="309"/>
+            <ac:spMk id="3" creationId="{C61F796F-7E5F-D5E2-EE8E-FA9EA3DDF0D0}"/>
+          </ac:spMkLst>
+        </pc:spChg>
+      </pc:sldChg>
+      <pc:sldChg chg="addSp modSp new mod">
+        <pc:chgData name="Matthew Suderman" userId="2709995e-3ea8-4fb0-9b62-eb8034dec529" providerId="ADAL" clId="{4F4D9788-52EB-4706-9467-A83C73F062C3}" dt="2022-06-19T23:54:48.855" v="3504" actId="20577"/>
+        <pc:sldMkLst>
+          <pc:docMk/>
+          <pc:sldMk cId="2143848098" sldId="310"/>
+        </pc:sldMkLst>
+        <pc:spChg chg="mod">
+          <ac:chgData name="Matthew Suderman" userId="2709995e-3ea8-4fb0-9b62-eb8034dec529" providerId="ADAL" clId="{4F4D9788-52EB-4706-9467-A83C73F062C3}" dt="2022-06-19T23:34:56.809" v="2812" actId="20577"/>
+          <ac:spMkLst>
+            <pc:docMk/>
+            <pc:sldMk cId="2143848098" sldId="310"/>
+            <ac:spMk id="2" creationId="{8DF75671-6516-F47A-21C9-1080B6A2417F}"/>
+          </ac:spMkLst>
+        </pc:spChg>
+        <pc:spChg chg="mod">
+          <ac:chgData name="Matthew Suderman" userId="2709995e-3ea8-4fb0-9b62-eb8034dec529" providerId="ADAL" clId="{4F4D9788-52EB-4706-9467-A83C73F062C3}" dt="2022-06-19T23:54:48.855" v="3504" actId="20577"/>
+          <ac:spMkLst>
+            <pc:docMk/>
+            <pc:sldMk cId="2143848098" sldId="310"/>
+            <ac:spMk id="3" creationId="{717758F0-15EC-9561-0D85-3EA8F647F396}"/>
+          </ac:spMkLst>
+        </pc:spChg>
+        <pc:picChg chg="add mod">
+          <ac:chgData name="Matthew Suderman" userId="2709995e-3ea8-4fb0-9b62-eb8034dec529" providerId="ADAL" clId="{4F4D9788-52EB-4706-9467-A83C73F062C3}" dt="2022-06-19T23:34:12.461" v="2802" actId="14100"/>
+          <ac:picMkLst>
+            <pc:docMk/>
+            <pc:sldMk cId="2143848098" sldId="310"/>
+            <ac:picMk id="5122" creationId="{94B2BB8B-EFA8-1138-54CF-46DDB65F8275}"/>
+          </ac:picMkLst>
+        </pc:picChg>
+      </pc:sldChg>
+      <pc:sldChg chg="addSp delSp modSp new mod chgLayout">
+        <pc:chgData name="Matthew Suderman" userId="2709995e-3ea8-4fb0-9b62-eb8034dec529" providerId="ADAL" clId="{4F4D9788-52EB-4706-9467-A83C73F062C3}" dt="2022-06-20T00:08:10.159" v="4208" actId="20577"/>
+        <pc:sldMkLst>
+          <pc:docMk/>
+          <pc:sldMk cId="1186644141" sldId="311"/>
+        </pc:sldMkLst>
+        <pc:spChg chg="mod ord">
+          <ac:chgData name="Matthew Suderman" userId="2709995e-3ea8-4fb0-9b62-eb8034dec529" providerId="ADAL" clId="{4F4D9788-52EB-4706-9467-A83C73F062C3}" dt="2022-06-20T00:01:09.234" v="3631" actId="700"/>
+          <ac:spMkLst>
+            <pc:docMk/>
+            <pc:sldMk cId="1186644141" sldId="311"/>
+            <ac:spMk id="2" creationId="{B359BBBB-179D-B005-DAB5-4DF951E408D9}"/>
+          </ac:spMkLst>
+        </pc:spChg>
+        <pc:spChg chg="del">
+          <ac:chgData name="Matthew Suderman" userId="2709995e-3ea8-4fb0-9b62-eb8034dec529" providerId="ADAL" clId="{4F4D9788-52EB-4706-9467-A83C73F062C3}" dt="2022-06-19T23:55:20.701" v="3506"/>
+          <ac:spMkLst>
+            <pc:docMk/>
+            <pc:sldMk cId="1186644141" sldId="311"/>
+            <ac:spMk id="3" creationId="{B190B67B-C92E-886D-11B6-03FD2A51A727}"/>
+          </ac:spMkLst>
+        </pc:spChg>
+        <pc:spChg chg="add mod">
+          <ac:chgData name="Matthew Suderman" userId="2709995e-3ea8-4fb0-9b62-eb8034dec529" providerId="ADAL" clId="{4F4D9788-52EB-4706-9467-A83C73F062C3}" dt="2022-06-20T00:08:10.159" v="4208" actId="20577"/>
+          <ac:spMkLst>
+            <pc:docMk/>
+            <pc:sldMk cId="1186644141" sldId="311"/>
+            <ac:spMk id="5" creationId="{7B1F19EC-15D3-3664-D84E-2C0591E7B5B8}"/>
+          </ac:spMkLst>
+        </pc:spChg>
+        <pc:picChg chg="add mod ord">
+          <ac:chgData name="Matthew Suderman" userId="2709995e-3ea8-4fb0-9b62-eb8034dec529" providerId="ADAL" clId="{4F4D9788-52EB-4706-9467-A83C73F062C3}" dt="2022-06-20T00:01:21.793" v="3634" actId="1076"/>
+          <ac:picMkLst>
+            <pc:docMk/>
+            <pc:sldMk cId="1186644141" sldId="311"/>
+            <ac:picMk id="6146" creationId="{ED7B9946-207A-886B-1461-B69D007B6078}"/>
+          </ac:picMkLst>
+        </pc:picChg>
+      </pc:sldChg>
+      <pc:sldChg chg="addSp modSp new mod">
+        <pc:chgData name="Matthew Suderman" userId="2709995e-3ea8-4fb0-9b62-eb8034dec529" providerId="ADAL" clId="{4F4D9788-52EB-4706-9467-A83C73F062C3}" dt="2022-06-20T00:24:35.259" v="4442" actId="20577"/>
+        <pc:sldMkLst>
+          <pc:docMk/>
+          <pc:sldMk cId="2249447717" sldId="312"/>
+        </pc:sldMkLst>
+        <pc:spChg chg="mod">
+          <ac:chgData name="Matthew Suderman" userId="2709995e-3ea8-4fb0-9b62-eb8034dec529" providerId="ADAL" clId="{4F4D9788-52EB-4706-9467-A83C73F062C3}" dt="2022-06-20T00:24:35.259" v="4442" actId="20577"/>
+          <ac:spMkLst>
+            <pc:docMk/>
+            <pc:sldMk cId="2249447717" sldId="312"/>
+            <ac:spMk id="2" creationId="{EF4EC6AB-CAA1-3704-B9BA-9E82A8F2C80C}"/>
+          </ac:spMkLst>
+        </pc:spChg>
+        <pc:spChg chg="mod">
+          <ac:chgData name="Matthew Suderman" userId="2709995e-3ea8-4fb0-9b62-eb8034dec529" providerId="ADAL" clId="{4F4D9788-52EB-4706-9467-A83C73F062C3}" dt="2022-06-20T00:20:42.727" v="4253" actId="14100"/>
+          <ac:spMkLst>
+            <pc:docMk/>
+            <pc:sldMk cId="2249447717" sldId="312"/>
+            <ac:spMk id="3" creationId="{E12B133B-FAFD-61C4-451F-E492FDE43FAF}"/>
+          </ac:spMkLst>
+        </pc:spChg>
+        <pc:picChg chg="add mod">
+          <ac:chgData name="Matthew Suderman" userId="2709995e-3ea8-4fb0-9b62-eb8034dec529" providerId="ADAL" clId="{4F4D9788-52EB-4706-9467-A83C73F062C3}" dt="2022-06-20T00:20:35.463" v="4252" actId="1076"/>
+          <ac:picMkLst>
+            <pc:docMk/>
+            <pc:sldMk cId="2249447717" sldId="312"/>
+            <ac:picMk id="7170" creationId="{50DCADB1-3316-E35C-7598-9F441ECFD00D}"/>
+          </ac:picMkLst>
+        </pc:picChg>
+      </pc:sldChg>
+      <pc:sldChg chg="addSp delSp modSp new mod">
+        <pc:chgData name="Matthew Suderman" userId="2709995e-3ea8-4fb0-9b62-eb8034dec529" providerId="ADAL" clId="{4F4D9788-52EB-4706-9467-A83C73F062C3}" dt="2022-06-20T01:06:17.961" v="4884" actId="20577"/>
+        <pc:sldMkLst>
+          <pc:docMk/>
+          <pc:sldMk cId="2015654169" sldId="313"/>
+        </pc:sldMkLst>
+        <pc:spChg chg="mod">
+          <ac:chgData name="Matthew Suderman" userId="2709995e-3ea8-4fb0-9b62-eb8034dec529" providerId="ADAL" clId="{4F4D9788-52EB-4706-9467-A83C73F062C3}" dt="2022-06-20T01:02:26.202" v="4694" actId="14100"/>
+          <ac:spMkLst>
+            <pc:docMk/>
+            <pc:sldMk cId="2015654169" sldId="313"/>
+            <ac:spMk id="2" creationId="{1429B821-BB32-7EAB-D843-3555293C53BE}"/>
+          </ac:spMkLst>
+        </pc:spChg>
+        <pc:spChg chg="mod">
+          <ac:chgData name="Matthew Suderman" userId="2709995e-3ea8-4fb0-9b62-eb8034dec529" providerId="ADAL" clId="{4F4D9788-52EB-4706-9467-A83C73F062C3}" dt="2022-06-20T01:04:38.840" v="4770" actId="20577"/>
+          <ac:spMkLst>
+            <pc:docMk/>
+            <pc:sldMk cId="2015654169" sldId="313"/>
+            <ac:spMk id="3" creationId="{B3CFCC20-1C07-B66A-135C-B27CF278A9D0}"/>
+          </ac:spMkLst>
+        </pc:spChg>
+        <pc:spChg chg="add del">
+          <ac:chgData name="Matthew Suderman" userId="2709995e-3ea8-4fb0-9b62-eb8034dec529" providerId="ADAL" clId="{4F4D9788-52EB-4706-9467-A83C73F062C3}" dt="2022-06-20T00:35:45.888" v="4445" actId="22"/>
+          <ac:spMkLst>
+            <pc:docMk/>
+            <pc:sldMk cId="2015654169" sldId="313"/>
+            <ac:spMk id="5" creationId="{FA492425-C44A-2789-7764-099E94D4AE6E}"/>
+          </ac:spMkLst>
+        </pc:spChg>
+        <pc:spChg chg="add mod">
+          <ac:chgData name="Matthew Suderman" userId="2709995e-3ea8-4fb0-9b62-eb8034dec529" providerId="ADAL" clId="{4F4D9788-52EB-4706-9467-A83C73F062C3}" dt="2022-06-20T01:06:17.961" v="4884" actId="20577"/>
+          <ac:spMkLst>
+            <pc:docMk/>
+            <pc:sldMk cId="2015654169" sldId="313"/>
+            <ac:spMk id="8" creationId="{AF641ED7-CA18-BE7B-2D71-2FFBC5931B49}"/>
+          </ac:spMkLst>
+        </pc:spChg>
+        <pc:picChg chg="add mod">
+          <ac:chgData name="Matthew Suderman" userId="2709995e-3ea8-4fb0-9b62-eb8034dec529" providerId="ADAL" clId="{4F4D9788-52EB-4706-9467-A83C73F062C3}" dt="2022-06-20T01:02:50.600" v="4699" actId="1076"/>
+          <ac:picMkLst>
+            <pc:docMk/>
+            <pc:sldMk cId="2015654169" sldId="313"/>
+            <ac:picMk id="7" creationId="{E7D28682-8709-5D59-ADE4-DABB18025A85}"/>
+          </ac:picMkLst>
+        </pc:picChg>
+        <pc:picChg chg="add mod">
+          <ac:chgData name="Matthew Suderman" userId="2709995e-3ea8-4fb0-9b62-eb8034dec529" providerId="ADAL" clId="{4F4D9788-52EB-4706-9467-A83C73F062C3}" dt="2022-06-20T01:02:12.816" v="4692" actId="1076"/>
+          <ac:picMkLst>
+            <pc:docMk/>
+            <pc:sldMk cId="2015654169" sldId="313"/>
+            <ac:picMk id="8194" creationId="{2F0EFC12-B1D7-9FC5-A67D-3E7D1BB2D99E}"/>
+          </ac:picMkLst>
+        </pc:picChg>
+      </pc:sldChg>
+      <pc:sldChg chg="addSp modSp new mod">
+        <pc:chgData name="Matthew Suderman" userId="2709995e-3ea8-4fb0-9b62-eb8034dec529" providerId="ADAL" clId="{4F4D9788-52EB-4706-9467-A83C73F062C3}" dt="2022-06-20T01:21:43.506" v="5574" actId="20577"/>
+        <pc:sldMkLst>
+          <pc:docMk/>
+          <pc:sldMk cId="3471130135" sldId="314"/>
+        </pc:sldMkLst>
+        <pc:spChg chg="mod">
+          <ac:chgData name="Matthew Suderman" userId="2709995e-3ea8-4fb0-9b62-eb8034dec529" providerId="ADAL" clId="{4F4D9788-52EB-4706-9467-A83C73F062C3}" dt="2022-06-20T01:21:34.377" v="5564" actId="20577"/>
+          <ac:spMkLst>
+            <pc:docMk/>
+            <pc:sldMk cId="3471130135" sldId="314"/>
+            <ac:spMk id="2" creationId="{2500C00B-0958-60C2-FBAA-0593C107F205}"/>
+          </ac:spMkLst>
+        </pc:spChg>
+        <pc:spChg chg="mod">
+          <ac:chgData name="Matthew Suderman" userId="2709995e-3ea8-4fb0-9b62-eb8034dec529" providerId="ADAL" clId="{4F4D9788-52EB-4706-9467-A83C73F062C3}" dt="2022-06-20T01:21:38.340" v="5569" actId="20577"/>
+          <ac:spMkLst>
+            <pc:docMk/>
+            <pc:sldMk cId="3471130135" sldId="314"/>
+            <ac:spMk id="3" creationId="{DBB47986-B563-F7BC-4BD7-FE9D941BB523}"/>
+          </ac:spMkLst>
+        </pc:spChg>
+        <pc:spChg chg="add mod">
+          <ac:chgData name="Matthew Suderman" userId="2709995e-3ea8-4fb0-9b62-eb8034dec529" providerId="ADAL" clId="{4F4D9788-52EB-4706-9467-A83C73F062C3}" dt="2022-06-20T01:21:43.506" v="5574" actId="20577"/>
+          <ac:spMkLst>
+            <pc:docMk/>
+            <pc:sldMk cId="3471130135" sldId="314"/>
+            <ac:spMk id="5" creationId="{224CC45E-647B-73A3-B83D-D1CAF73C1736}"/>
+          </ac:spMkLst>
+        </pc:spChg>
+        <pc:picChg chg="add mod">
+          <ac:chgData name="Matthew Suderman" userId="2709995e-3ea8-4fb0-9b62-eb8034dec529" providerId="ADAL" clId="{4F4D9788-52EB-4706-9467-A83C73F062C3}" dt="2022-06-20T01:09:29.366" v="4968" actId="1076"/>
+          <ac:picMkLst>
+            <pc:docMk/>
+            <pc:sldMk cId="3471130135" sldId="314"/>
+            <ac:picMk id="9218" creationId="{2E8C84B4-7A34-FF5A-3D65-7A5D898718BF}"/>
+          </ac:picMkLst>
+        </pc:picChg>
+      </pc:sldChg>
+      <pc:sldChg chg="addSp modSp new mod">
+        <pc:chgData name="Matthew Suderman" userId="2709995e-3ea8-4fb0-9b62-eb8034dec529" providerId="ADAL" clId="{4F4D9788-52EB-4706-9467-A83C73F062C3}" dt="2022-06-20T01:16:47.016" v="5523" actId="14100"/>
+        <pc:sldMkLst>
+          <pc:docMk/>
+          <pc:sldMk cId="2452632026" sldId="315"/>
+        </pc:sldMkLst>
+        <pc:spChg chg="mod">
+          <ac:chgData name="Matthew Suderman" userId="2709995e-3ea8-4fb0-9b62-eb8034dec529" providerId="ADAL" clId="{4F4D9788-52EB-4706-9467-A83C73F062C3}" dt="2022-06-20T01:11:39.861" v="5132" actId="20577"/>
+          <ac:spMkLst>
+            <pc:docMk/>
+            <pc:sldMk cId="2452632026" sldId="315"/>
+            <ac:spMk id="2" creationId="{4EACF770-3C02-A03D-02BE-121ADF81E9F6}"/>
+          </ac:spMkLst>
+        </pc:spChg>
+        <pc:spChg chg="mod">
+          <ac:chgData name="Matthew Suderman" userId="2709995e-3ea8-4fb0-9b62-eb8034dec529" providerId="ADAL" clId="{4F4D9788-52EB-4706-9467-A83C73F062C3}" dt="2022-06-20T01:16:36.428" v="5521" actId="20577"/>
+          <ac:spMkLst>
+            <pc:docMk/>
+            <pc:sldMk cId="2452632026" sldId="315"/>
+            <ac:spMk id="3" creationId="{D34FF5BA-0A52-66B5-22D1-A417EDCBDFF6}"/>
+          </ac:spMkLst>
+        </pc:spChg>
+        <pc:picChg chg="add mod">
+          <ac:chgData name="Matthew Suderman" userId="2709995e-3ea8-4fb0-9b62-eb8034dec529" providerId="ADAL" clId="{4F4D9788-52EB-4706-9467-A83C73F062C3}" dt="2022-06-20T01:16:27.219" v="5519" actId="1035"/>
+          <ac:picMkLst>
+            <pc:docMk/>
+            <pc:sldMk cId="2452632026" sldId="315"/>
+            <ac:picMk id="10242" creationId="{5B8BB110-9856-7A8A-493B-41C108FCF1F4}"/>
+          </ac:picMkLst>
+        </pc:picChg>
+        <pc:picChg chg="add mod">
+          <ac:chgData name="Matthew Suderman" userId="2709995e-3ea8-4fb0-9b62-eb8034dec529" providerId="ADAL" clId="{4F4D9788-52EB-4706-9467-A83C73F062C3}" dt="2022-06-20T01:16:47.016" v="5523" actId="14100"/>
+          <ac:picMkLst>
+            <pc:docMk/>
+            <pc:sldMk cId="2452632026" sldId="315"/>
+            <ac:picMk id="10244" creationId="{7E571CF1-6E18-90EA-74B9-8A1A254B208C}"/>
+          </ac:picMkLst>
+        </pc:picChg>
+      </pc:sldChg>
+      <pc:sldChg chg="addSp delSp modSp new mod">
+        <pc:chgData name="Matthew Suderman" userId="2709995e-3ea8-4fb0-9b62-eb8034dec529" providerId="ADAL" clId="{4F4D9788-52EB-4706-9467-A83C73F062C3}" dt="2022-06-20T01:22:57.641" v="5662" actId="20577"/>
+        <pc:sldMkLst>
+          <pc:docMk/>
+          <pc:sldMk cId="725422551" sldId="316"/>
+        </pc:sldMkLst>
+        <pc:spChg chg="mod">
+          <ac:chgData name="Matthew Suderman" userId="2709995e-3ea8-4fb0-9b62-eb8034dec529" providerId="ADAL" clId="{4F4D9788-52EB-4706-9467-A83C73F062C3}" dt="2022-06-20T01:22:57.641" v="5662" actId="20577"/>
+          <ac:spMkLst>
+            <pc:docMk/>
+            <pc:sldMk cId="725422551" sldId="316"/>
+            <ac:spMk id="2" creationId="{886947FA-5019-4EE8-1628-49DA90231179}"/>
+          </ac:spMkLst>
+        </pc:spChg>
+        <pc:spChg chg="del">
+          <ac:chgData name="Matthew Suderman" userId="2709995e-3ea8-4fb0-9b62-eb8034dec529" providerId="ADAL" clId="{4F4D9788-52EB-4706-9467-A83C73F062C3}" dt="2022-06-20T00:56:37.726" v="4616"/>
+          <ac:spMkLst>
+            <pc:docMk/>
+            <pc:sldMk cId="725422551" sldId="316"/>
+            <ac:spMk id="3" creationId="{BFAB86A3-739C-7096-9C68-E0C0CBE97401}"/>
+          </ac:spMkLst>
+        </pc:spChg>
+        <pc:spChg chg="add del">
+          <ac:chgData name="Matthew Suderman" userId="2709995e-3ea8-4fb0-9b62-eb8034dec529" providerId="ADAL" clId="{4F4D9788-52EB-4706-9467-A83C73F062C3}" dt="2022-06-20T01:22:38.058" v="5576" actId="478"/>
+          <ac:spMkLst>
+            <pc:docMk/>
+            <pc:sldMk cId="725422551" sldId="316"/>
+            <ac:spMk id="6" creationId="{F120E5BF-39AF-2F3B-26C4-8E96609ABE83}"/>
+          </ac:spMkLst>
+        </pc:spChg>
+        <pc:picChg chg="add mod">
+          <ac:chgData name="Matthew Suderman" userId="2709995e-3ea8-4fb0-9b62-eb8034dec529" providerId="ADAL" clId="{4F4D9788-52EB-4706-9467-A83C73F062C3}" dt="2022-06-20T01:17:51.558" v="5543" actId="1076"/>
+          <ac:picMkLst>
+            <pc:docMk/>
+            <pc:sldMk cId="725422551" sldId="316"/>
+            <ac:picMk id="11266" creationId="{A2774F6F-BEB9-A675-362B-6DCB623141D3}"/>
+          </ac:picMkLst>
+        </pc:picChg>
+      </pc:sldChg>
       <pc:sldMasterChg chg="setBg modSldLayout">
-        <pc:chgData name="Matthew Suderman" userId="2709995e-3ea8-4fb0-9b62-eb8034dec529" providerId="ADAL" clId="{4F4D9788-52EB-4706-9467-A83C73F062C3}" dt="2022-06-19T17:42:16.661" v="227"/>
+        <pc:chgData name="Matthew Suderman" userId="2709995e-3ea8-4fb0-9b62-eb8034dec529" providerId="ADAL" clId="{4F4D9788-52EB-4706-9467-A83C73F062C3}" dt="2022-06-19T22:44:16.496" v="938"/>
         <pc:sldMasterMkLst>
           <pc:docMk/>
           <pc:sldMasterMk cId="0" sldId="2147483648"/>
         </pc:sldMasterMkLst>
         <pc:sldLayoutChg chg="setBg">
-          <pc:chgData name="Matthew Suderman" userId="2709995e-3ea8-4fb0-9b62-eb8034dec529" providerId="ADAL" clId="{4F4D9788-52EB-4706-9467-A83C73F062C3}" dt="2022-06-19T17:42:16.661" v="227"/>
+          <pc:chgData name="Matthew Suderman" userId="2709995e-3ea8-4fb0-9b62-eb8034dec529" providerId="ADAL" clId="{4F4D9788-52EB-4706-9467-A83C73F062C3}" dt="2022-06-19T22:44:16.496" v="938"/>
           <pc:sldLayoutMkLst>
             <pc:docMk/>
             <pc:sldMasterMk cId="0" sldId="2147483648"/>
@@ -8993,7 +9465,7 @@
           </pc:sldLayoutMkLst>
         </pc:sldLayoutChg>
         <pc:sldLayoutChg chg="setBg">
-          <pc:chgData name="Matthew Suderman" userId="2709995e-3ea8-4fb0-9b62-eb8034dec529" providerId="ADAL" clId="{4F4D9788-52EB-4706-9467-A83C73F062C3}" dt="2022-06-19T17:42:16.661" v="227"/>
+          <pc:chgData name="Matthew Suderman" userId="2709995e-3ea8-4fb0-9b62-eb8034dec529" providerId="ADAL" clId="{4F4D9788-52EB-4706-9467-A83C73F062C3}" dt="2022-06-19T22:44:16.496" v="938"/>
           <pc:sldLayoutMkLst>
             <pc:docMk/>
             <pc:sldMasterMk cId="0" sldId="2147483648"/>
@@ -9001,7 +9473,7 @@
           </pc:sldLayoutMkLst>
         </pc:sldLayoutChg>
         <pc:sldLayoutChg chg="setBg">
-          <pc:chgData name="Matthew Suderman" userId="2709995e-3ea8-4fb0-9b62-eb8034dec529" providerId="ADAL" clId="{4F4D9788-52EB-4706-9467-A83C73F062C3}" dt="2022-06-19T17:42:16.661" v="227"/>
+          <pc:chgData name="Matthew Suderman" userId="2709995e-3ea8-4fb0-9b62-eb8034dec529" providerId="ADAL" clId="{4F4D9788-52EB-4706-9467-A83C73F062C3}" dt="2022-06-19T22:44:16.496" v="938"/>
           <pc:sldLayoutMkLst>
             <pc:docMk/>
             <pc:sldMasterMk cId="0" sldId="2147483648"/>
@@ -9010,13 +9482,13 @@
         </pc:sldLayoutChg>
       </pc:sldMasterChg>
       <pc:sldMasterChg chg="setBg modSldLayout">
-        <pc:chgData name="Matthew Suderman" userId="2709995e-3ea8-4fb0-9b62-eb8034dec529" providerId="ADAL" clId="{4F4D9788-52EB-4706-9467-A83C73F062C3}" dt="2022-06-19T17:42:16.661" v="227"/>
+        <pc:chgData name="Matthew Suderman" userId="2709995e-3ea8-4fb0-9b62-eb8034dec529" providerId="ADAL" clId="{4F4D9788-52EB-4706-9467-A83C73F062C3}" dt="2022-06-19T22:44:16.496" v="938"/>
         <pc:sldMasterMkLst>
           <pc:docMk/>
           <pc:sldMasterMk cId="0" sldId="2147483654"/>
         </pc:sldMasterMkLst>
         <pc:sldLayoutChg chg="setBg">
-          <pc:chgData name="Matthew Suderman" userId="2709995e-3ea8-4fb0-9b62-eb8034dec529" providerId="ADAL" clId="{4F4D9788-52EB-4706-9467-A83C73F062C3}" dt="2022-06-19T17:42:16.661" v="227"/>
+          <pc:chgData name="Matthew Suderman" userId="2709995e-3ea8-4fb0-9b62-eb8034dec529" providerId="ADAL" clId="{4F4D9788-52EB-4706-9467-A83C73F062C3}" dt="2022-06-19T22:44:16.496" v="938"/>
           <pc:sldLayoutMkLst>
             <pc:docMk/>
             <pc:sldMasterMk cId="0" sldId="2147483654"/>
@@ -9024,7 +9496,7 @@
           </pc:sldLayoutMkLst>
         </pc:sldLayoutChg>
         <pc:sldLayoutChg chg="setBg">
-          <pc:chgData name="Matthew Suderman" userId="2709995e-3ea8-4fb0-9b62-eb8034dec529" providerId="ADAL" clId="{4F4D9788-52EB-4706-9467-A83C73F062C3}" dt="2022-06-19T17:42:16.661" v="227"/>
+          <pc:chgData name="Matthew Suderman" userId="2709995e-3ea8-4fb0-9b62-eb8034dec529" providerId="ADAL" clId="{4F4D9788-52EB-4706-9467-A83C73F062C3}" dt="2022-06-19T22:44:16.496" v="938"/>
           <pc:sldLayoutMkLst>
             <pc:docMk/>
             <pc:sldMasterMk cId="0" sldId="2147483654"/>
@@ -9032,7 +9504,7 @@
           </pc:sldLayoutMkLst>
         </pc:sldLayoutChg>
         <pc:sldLayoutChg chg="setBg">
-          <pc:chgData name="Matthew Suderman" userId="2709995e-3ea8-4fb0-9b62-eb8034dec529" providerId="ADAL" clId="{4F4D9788-52EB-4706-9467-A83C73F062C3}" dt="2022-06-19T17:42:16.661" v="227"/>
+          <pc:chgData name="Matthew Suderman" userId="2709995e-3ea8-4fb0-9b62-eb8034dec529" providerId="ADAL" clId="{4F4D9788-52EB-4706-9467-A83C73F062C3}" dt="2022-06-19T22:44:16.496" v="938"/>
           <pc:sldLayoutMkLst>
             <pc:docMk/>
             <pc:sldMasterMk cId="0" sldId="2147483654"/>
@@ -9040,7 +9512,7 @@
           </pc:sldLayoutMkLst>
         </pc:sldLayoutChg>
         <pc:sldLayoutChg chg="setBg">
-          <pc:chgData name="Matthew Suderman" userId="2709995e-3ea8-4fb0-9b62-eb8034dec529" providerId="ADAL" clId="{4F4D9788-52EB-4706-9467-A83C73F062C3}" dt="2022-06-19T17:42:16.661" v="227"/>
+          <pc:chgData name="Matthew Suderman" userId="2709995e-3ea8-4fb0-9b62-eb8034dec529" providerId="ADAL" clId="{4F4D9788-52EB-4706-9467-A83C73F062C3}" dt="2022-06-19T22:44:16.496" v="938"/>
           <pc:sldLayoutMkLst>
             <pc:docMk/>
             <pc:sldMasterMk cId="0" sldId="2147483654"/>
@@ -9048,7 +9520,7 @@
           </pc:sldLayoutMkLst>
         </pc:sldLayoutChg>
         <pc:sldLayoutChg chg="setBg">
-          <pc:chgData name="Matthew Suderman" userId="2709995e-3ea8-4fb0-9b62-eb8034dec529" providerId="ADAL" clId="{4F4D9788-52EB-4706-9467-A83C73F062C3}" dt="2022-06-19T17:42:16.661" v="227"/>
+          <pc:chgData name="Matthew Suderman" userId="2709995e-3ea8-4fb0-9b62-eb8034dec529" providerId="ADAL" clId="{4F4D9788-52EB-4706-9467-A83C73F062C3}" dt="2022-06-19T22:44:16.496" v="938"/>
           <pc:sldLayoutMkLst>
             <pc:docMk/>
             <pc:sldMasterMk cId="0" sldId="2147483654"/>
@@ -10961,7 +11433,7 @@
       <p:bgPr>
         <a:blipFill dpi="0" rotWithShape="1">
           <a:blip r:embed="rId5">
-            <a:alphaModFix amt="29000"/>
+            <a:alphaModFix amt="89000"/>
             <a:lum/>
           </a:blip>
           <a:srcRect/>
@@ -11567,7 +12039,7 @@
       <p:bgPr>
         <a:blipFill dpi="0" rotWithShape="1">
           <a:blip r:embed="rId7">
-            <a:alphaModFix amt="29000"/>
+            <a:alphaModFix amt="89000"/>
             <a:lum/>
           </a:blip>
           <a:srcRect/>
@@ -12319,6 +12791,2297 @@
 </p:sld>
 </file>
 
+<file path=ppt/slides/slide10.xml><?xml version="1.0" encoding="utf-8"?>
+<p:sld xmlns:a="http://schemas.openxmlformats.org/drawingml/2006/main" xmlns:r="http://schemas.openxmlformats.org/officeDocument/2006/relationships" xmlns:p="http://schemas.openxmlformats.org/presentationml/2006/main">
+  <p:cSld>
+    <p:spTree>
+      <p:nvGrpSpPr>
+        <p:cNvPr id="1" name=""/>
+        <p:cNvGrpSpPr/>
+        <p:nvPr/>
+      </p:nvGrpSpPr>
+      <p:grpSpPr>
+        <a:xfrm>
+          <a:off x="0" y="0"/>
+          <a:ext cx="0" cy="0"/>
+          <a:chOff x="0" y="0"/>
+          <a:chExt cx="0" cy="0"/>
+        </a:xfrm>
+      </p:grpSpPr>
+      <p:sp>
+        <p:nvSpPr>
+          <p:cNvPr id="2" name="Title 1">
+            <a:extLst>
+              <a:ext uri="{FF2B5EF4-FFF2-40B4-BE49-F238E27FC236}">
+                <a16:creationId xmlns:a16="http://schemas.microsoft.com/office/drawing/2014/main" id="{5D7EF547-58FF-5090-CF6E-AAD85BA89B88}"/>
+              </a:ext>
+            </a:extLst>
+          </p:cNvPr>
+          <p:cNvSpPr>
+            <a:spLocks noGrp="1"/>
+          </p:cNvSpPr>
+          <p:nvPr>
+            <p:ph type="title"/>
+          </p:nvPr>
+        </p:nvSpPr>
+        <p:spPr/>
+        <p:txBody>
+          <a:bodyPr/>
+          <a:lstStyle/>
+          <a:p>
+            <a:r>
+              <a:rPr lang="en-CA" dirty="0"/>
+              <a:t>Predicting gene expression</a:t>
+            </a:r>
+            <a:endParaRPr lang="en-US" dirty="0"/>
+          </a:p>
+        </p:txBody>
+      </p:sp>
+      <p:sp>
+        <p:nvSpPr>
+          <p:cNvPr id="3" name="Content Placeholder 2">
+            <a:extLst>
+              <a:ext uri="{FF2B5EF4-FFF2-40B4-BE49-F238E27FC236}">
+                <a16:creationId xmlns:a16="http://schemas.microsoft.com/office/drawing/2014/main" id="{C61F796F-7E5F-D5E2-EE8E-FA9EA3DDF0D0}"/>
+              </a:ext>
+            </a:extLst>
+          </p:cNvPr>
+          <p:cNvSpPr>
+            <a:spLocks noGrp="1"/>
+          </p:cNvSpPr>
+          <p:nvPr>
+            <p:ph idx="1"/>
+          </p:nvPr>
+        </p:nvSpPr>
+        <p:spPr/>
+        <p:txBody>
+          <a:bodyPr/>
+          <a:lstStyle/>
+          <a:p>
+            <a:pPr marL="0" indent="0">
+              <a:buNone/>
+            </a:pPr>
+            <a:r>
+              <a:rPr lang="en-US" dirty="0" err="1"/>
+              <a:t>Khunsriraksakul</a:t>
+            </a:r>
+            <a:r>
+              <a:rPr lang="en-US" dirty="0"/>
+              <a:t>, C., McGuire, D., </a:t>
+            </a:r>
+            <a:r>
+              <a:rPr lang="en-US" dirty="0" err="1"/>
+              <a:t>Sauteraud</a:t>
+            </a:r>
+            <a:r>
+              <a:rPr lang="en-US" dirty="0"/>
+              <a:t>, R., Chen, F., Yang, L., Wang, L., Hughey, J., Eckert, S., Dylan </a:t>
+            </a:r>
+            <a:r>
+              <a:rPr lang="en-US" dirty="0" err="1"/>
+              <a:t>Weissenkampen</a:t>
+            </a:r>
+            <a:r>
+              <a:rPr lang="en-US" dirty="0"/>
+              <a:t>, J., Shenoy, G., Marx, O., Carrel, L., Jiang, B., &amp; Liu, D. J. (2022). </a:t>
+            </a:r>
+            <a:r>
+              <a:rPr lang="en-US" b="1" dirty="0"/>
+              <a:t>Integrating 3D genomic and epigenomic data to enhance target gene discovery and drug repurposing in transcriptome-wide association studies</a:t>
+            </a:r>
+            <a:r>
+              <a:rPr lang="en-US" dirty="0"/>
+              <a:t>. Nature communications, 13(1), 3258. </a:t>
+            </a:r>
+          </a:p>
+          <a:p>
+            <a:pPr marL="0" indent="0">
+              <a:buNone/>
+            </a:pPr>
+            <a:endParaRPr lang="en-US" dirty="0"/>
+          </a:p>
+          <a:p>
+            <a:pPr marL="0" indent="0">
+              <a:buNone/>
+            </a:pPr>
+            <a:r>
+              <a:rPr lang="en-US" b="1" dirty="0"/>
+              <a:t>PUMICE: </a:t>
+            </a:r>
+            <a:r>
+              <a:rPr lang="en-US" dirty="0"/>
+              <a:t>A new method to</a:t>
+            </a:r>
+            <a:r>
+              <a:rPr lang="en-US" b="1" dirty="0"/>
+              <a:t> </a:t>
+            </a:r>
+            <a:r>
+              <a:rPr lang="en-US" dirty="0"/>
+              <a:t>predict gene expression levels from </a:t>
+            </a:r>
+          </a:p>
+          <a:p>
+            <a:pPr marL="457200" indent="-457200">
+              <a:buAutoNum type="arabicPeriod"/>
+            </a:pPr>
+            <a:r>
+              <a:rPr lang="en-US" dirty="0" err="1"/>
+              <a:t>eQTLs</a:t>
+            </a:r>
+            <a:r>
+              <a:rPr lang="en-US" dirty="0"/>
+              <a:t>, </a:t>
+            </a:r>
+          </a:p>
+          <a:p>
+            <a:pPr marL="457200" indent="-457200">
+              <a:buAutoNum type="arabicPeriod"/>
+            </a:pPr>
+            <a:r>
+              <a:rPr lang="en-US" dirty="0"/>
+              <a:t>epigenomic annotation (H3K27ac, H3K4me3, DNase, and CTCF from ENCODE), and </a:t>
+            </a:r>
+          </a:p>
+          <a:p>
+            <a:pPr marL="457200" indent="-457200">
+              <a:buAutoNum type="arabicPeriod"/>
+            </a:pPr>
+            <a:r>
+              <a:rPr lang="en-US" dirty="0"/>
+              <a:t>3D genomes</a:t>
+            </a:r>
+          </a:p>
+          <a:p>
+            <a:pPr marL="0" indent="0">
+              <a:buNone/>
+            </a:pPr>
+            <a:r>
+              <a:rPr lang="en-US" dirty="0"/>
+              <a:t>Using a variation of elastic net to build predictors of gene expression from these inputs.</a:t>
+            </a:r>
+          </a:p>
+          <a:p>
+            <a:pPr marL="0" indent="0">
+              <a:buNone/>
+            </a:pPr>
+            <a:endParaRPr lang="en-US" dirty="0"/>
+          </a:p>
+          <a:p>
+            <a:pPr marL="0" indent="0">
+              <a:buNone/>
+            </a:pPr>
+            <a:r>
+              <a:rPr lang="en-US" dirty="0"/>
+              <a:t>* Only one previous method used data other than </a:t>
+            </a:r>
+            <a:r>
+              <a:rPr lang="en-US" dirty="0" err="1"/>
+              <a:t>eQTLs</a:t>
+            </a:r>
+            <a:r>
+              <a:rPr lang="en-US" dirty="0"/>
+              <a:t> (</a:t>
+            </a:r>
+            <a:r>
+              <a:rPr lang="en-US" dirty="0" err="1"/>
+              <a:t>EpiXcan</a:t>
+            </a:r>
+            <a:r>
+              <a:rPr lang="en-US" dirty="0"/>
+              <a:t> used epigenomic reference data from Roadmap).</a:t>
+            </a:r>
+          </a:p>
+        </p:txBody>
+      </p:sp>
+    </p:spTree>
+    <p:extLst>
+      <p:ext uri="{BB962C8B-B14F-4D97-AF65-F5344CB8AC3E}">
+        <p14:creationId xmlns:p14="http://schemas.microsoft.com/office/powerpoint/2010/main" val="779003553"/>
+      </p:ext>
+    </p:extLst>
+  </p:cSld>
+  <p:clrMapOvr>
+    <a:masterClrMapping/>
+  </p:clrMapOvr>
+  <p:transition spd="med"/>
+</p:sld>
+</file>
+
+<file path=ppt/slides/slide11.xml><?xml version="1.0" encoding="utf-8"?>
+<p:sld xmlns:a="http://schemas.openxmlformats.org/drawingml/2006/main" xmlns:r="http://schemas.openxmlformats.org/officeDocument/2006/relationships" xmlns:p="http://schemas.openxmlformats.org/presentationml/2006/main">
+  <p:cSld>
+    <p:spTree>
+      <p:nvGrpSpPr>
+        <p:cNvPr id="1" name=""/>
+        <p:cNvGrpSpPr/>
+        <p:nvPr/>
+      </p:nvGrpSpPr>
+      <p:grpSpPr>
+        <a:xfrm>
+          <a:off x="0" y="0"/>
+          <a:ext cx="0" cy="0"/>
+          <a:chOff x="0" y="0"/>
+          <a:chExt cx="0" cy="0"/>
+        </a:xfrm>
+      </p:grpSpPr>
+      <p:sp>
+        <p:nvSpPr>
+          <p:cNvPr id="2" name="Title 1">
+            <a:extLst>
+              <a:ext uri="{FF2B5EF4-FFF2-40B4-BE49-F238E27FC236}">
+                <a16:creationId xmlns:a16="http://schemas.microsoft.com/office/drawing/2014/main" id="{8DF75671-6516-F47A-21C9-1080B6A2417F}"/>
+              </a:ext>
+            </a:extLst>
+          </p:cNvPr>
+          <p:cNvSpPr>
+            <a:spLocks noGrp="1"/>
+          </p:cNvSpPr>
+          <p:nvPr>
+            <p:ph type="title"/>
+          </p:nvPr>
+        </p:nvSpPr>
+        <p:spPr/>
+        <p:txBody>
+          <a:bodyPr/>
+          <a:lstStyle/>
+          <a:p>
+            <a:r>
+              <a:rPr lang="en-CA" dirty="0"/>
+              <a:t>Comparison to other</a:t>
+            </a:r>
+            <a:br>
+              <a:rPr lang="en-CA" dirty="0"/>
+            </a:br>
+            <a:r>
+              <a:rPr lang="en-CA" dirty="0"/>
+              <a:t>methods in </a:t>
+            </a:r>
+            <a:r>
+              <a:rPr lang="en-CA" dirty="0" err="1"/>
+              <a:t>GTEx</a:t>
+            </a:r>
+            <a:endParaRPr lang="en-US" dirty="0"/>
+          </a:p>
+        </p:txBody>
+      </p:sp>
+      <p:sp>
+        <p:nvSpPr>
+          <p:cNvPr id="3" name="Content Placeholder 2">
+            <a:extLst>
+              <a:ext uri="{FF2B5EF4-FFF2-40B4-BE49-F238E27FC236}">
+                <a16:creationId xmlns:a16="http://schemas.microsoft.com/office/drawing/2014/main" id="{717758F0-15EC-9561-0D85-3EA8F647F396}"/>
+              </a:ext>
+            </a:extLst>
+          </p:cNvPr>
+          <p:cNvSpPr>
+            <a:spLocks noGrp="1"/>
+          </p:cNvSpPr>
+          <p:nvPr>
+            <p:ph idx="1"/>
+          </p:nvPr>
+        </p:nvSpPr>
+        <p:spPr/>
+        <p:txBody>
+          <a:bodyPr/>
+          <a:lstStyle/>
+          <a:p>
+            <a:pPr marL="0" indent="0">
+              <a:buNone/>
+            </a:pPr>
+            <a:r>
+              <a:rPr lang="en-CA" dirty="0"/>
+              <a:t>Outperforms previous </a:t>
+            </a:r>
+            <a:br>
+              <a:rPr lang="en-CA" dirty="0"/>
+            </a:br>
+            <a:r>
+              <a:rPr lang="en-CA" dirty="0"/>
+              <a:t>methods in terms of </a:t>
+            </a:r>
+            <a:br>
+              <a:rPr lang="en-CA" dirty="0"/>
+            </a:br>
+            <a:r>
+              <a:rPr lang="en-CA" dirty="0"/>
+              <a:t>number of gene predictions </a:t>
+            </a:r>
+            <a:br>
+              <a:rPr lang="en-CA" dirty="0"/>
+            </a:br>
+            <a:r>
+              <a:rPr lang="en-CA" dirty="0"/>
+              <a:t>correlated with </a:t>
+            </a:r>
+            <a:br>
+              <a:rPr lang="en-CA" dirty="0"/>
+            </a:br>
+            <a:r>
+              <a:rPr lang="en-CA" dirty="0"/>
+              <a:t>actual gene expression</a:t>
+            </a:r>
+          </a:p>
+        </p:txBody>
+      </p:sp>
+      <p:pic>
+        <p:nvPicPr>
+          <p:cNvPr id="5122" name="Picture 2">
+            <a:extLst>
+              <a:ext uri="{FF2B5EF4-FFF2-40B4-BE49-F238E27FC236}">
+                <a16:creationId xmlns:a16="http://schemas.microsoft.com/office/drawing/2014/main" id="{94B2BB8B-EFA8-1138-54CF-46DDB65F8275}"/>
+              </a:ext>
+            </a:extLst>
+          </p:cNvPr>
+          <p:cNvPicPr>
+            <a:picLocks noChangeAspect="1" noChangeArrowheads="1"/>
+          </p:cNvPicPr>
+          <p:nvPr/>
+        </p:nvPicPr>
+        <p:blipFill>
+          <a:blip r:embed="rId2">
+            <a:extLst>
+              <a:ext uri="{28A0092B-C50C-407E-A947-70E740481C1C}">
+                <a14:useLocalDpi xmlns:a14="http://schemas.microsoft.com/office/drawing/2010/main" val="0"/>
+              </a:ext>
+            </a:extLst>
+          </a:blip>
+          <a:srcRect/>
+          <a:stretch>
+            <a:fillRect/>
+          </a:stretch>
+        </p:blipFill>
+        <p:spPr bwMode="auto">
+          <a:xfrm>
+            <a:off x="4079776" y="120636"/>
+            <a:ext cx="7913866" cy="6548724"/>
+          </a:xfrm>
+          <a:prstGeom prst="rect">
+            <a:avLst/>
+          </a:prstGeom>
+          <a:noFill/>
+          <a:extLst>
+            <a:ext uri="{909E8E84-426E-40DD-AFC4-6F175D3DCCD1}">
+              <a14:hiddenFill xmlns:a14="http://schemas.microsoft.com/office/drawing/2010/main">
+                <a:solidFill>
+                  <a:srgbClr val="FFFFFF"/>
+                </a:solidFill>
+              </a14:hiddenFill>
+            </a:ext>
+          </a:extLst>
+        </p:spPr>
+      </p:pic>
+    </p:spTree>
+    <p:extLst>
+      <p:ext uri="{BB962C8B-B14F-4D97-AF65-F5344CB8AC3E}">
+        <p14:creationId xmlns:p14="http://schemas.microsoft.com/office/powerpoint/2010/main" val="2143848098"/>
+      </p:ext>
+    </p:extLst>
+  </p:cSld>
+  <p:clrMapOvr>
+    <a:masterClrMapping/>
+  </p:clrMapOvr>
+  <p:transition spd="med"/>
+</p:sld>
+</file>
+
+<file path=ppt/slides/slide12.xml><?xml version="1.0" encoding="utf-8"?>
+<p:sld xmlns:a="http://schemas.openxmlformats.org/drawingml/2006/main" xmlns:r="http://schemas.openxmlformats.org/officeDocument/2006/relationships" xmlns:p="http://schemas.openxmlformats.org/presentationml/2006/main">
+  <p:cSld>
+    <p:spTree>
+      <p:nvGrpSpPr>
+        <p:cNvPr id="1" name=""/>
+        <p:cNvGrpSpPr/>
+        <p:nvPr/>
+      </p:nvGrpSpPr>
+      <p:grpSpPr>
+        <a:xfrm>
+          <a:off x="0" y="0"/>
+          <a:ext cx="0" cy="0"/>
+          <a:chOff x="0" y="0"/>
+          <a:chExt cx="0" cy="0"/>
+        </a:xfrm>
+      </p:grpSpPr>
+      <p:sp>
+        <p:nvSpPr>
+          <p:cNvPr id="2" name="Title 1">
+            <a:extLst>
+              <a:ext uri="{FF2B5EF4-FFF2-40B4-BE49-F238E27FC236}">
+                <a16:creationId xmlns:a16="http://schemas.microsoft.com/office/drawing/2014/main" id="{B359BBBB-179D-B005-DAB5-4DF951E408D9}"/>
+              </a:ext>
+            </a:extLst>
+          </p:cNvPr>
+          <p:cNvSpPr>
+            <a:spLocks noGrp="1"/>
+          </p:cNvSpPr>
+          <p:nvPr>
+            <p:ph type="title"/>
+          </p:nvPr>
+        </p:nvSpPr>
+        <p:spPr/>
+        <p:txBody>
+          <a:bodyPr/>
+          <a:lstStyle/>
+          <a:p>
+            <a:r>
+              <a:rPr lang="en-CA" dirty="0"/>
+              <a:t>Comparison to other </a:t>
+            </a:r>
+            <a:br>
+              <a:rPr lang="en-CA" dirty="0"/>
+            </a:br>
+            <a:r>
+              <a:rPr lang="en-CA" dirty="0"/>
+              <a:t>methods for identifying</a:t>
+            </a:r>
+            <a:br>
+              <a:rPr lang="en-CA" dirty="0"/>
+            </a:br>
+            <a:r>
+              <a:rPr lang="en-CA" dirty="0"/>
+              <a:t>gene x trait associations </a:t>
+            </a:r>
+            <a:endParaRPr lang="en-US" dirty="0"/>
+          </a:p>
+        </p:txBody>
+      </p:sp>
+      <p:pic>
+        <p:nvPicPr>
+          <p:cNvPr id="6146" name="Picture 2">
+            <a:extLst>
+              <a:ext uri="{FF2B5EF4-FFF2-40B4-BE49-F238E27FC236}">
+                <a16:creationId xmlns:a16="http://schemas.microsoft.com/office/drawing/2014/main" id="{ED7B9946-207A-886B-1461-B69D007B6078}"/>
+              </a:ext>
+            </a:extLst>
+          </p:cNvPr>
+          <p:cNvPicPr>
+            <a:picLocks noGrp="1" noChangeAspect="1" noChangeArrowheads="1"/>
+          </p:cNvPicPr>
+          <p:nvPr>
+            <p:ph idx="1"/>
+          </p:nvPr>
+        </p:nvPicPr>
+        <p:blipFill>
+          <a:blip r:embed="rId2">
+            <a:extLst>
+              <a:ext uri="{28A0092B-C50C-407E-A947-70E740481C1C}">
+                <a14:useLocalDpi xmlns:a14="http://schemas.microsoft.com/office/drawing/2010/main" val="0"/>
+              </a:ext>
+            </a:extLst>
+          </a:blip>
+          <a:stretch>
+            <a:fillRect/>
+          </a:stretch>
+        </p:blipFill>
+        <p:spPr bwMode="auto">
+          <a:xfrm>
+            <a:off x="5015880" y="115966"/>
+            <a:ext cx="6854552" cy="6626068"/>
+          </a:xfrm>
+          <a:prstGeom prst="rect">
+            <a:avLst/>
+          </a:prstGeom>
+          <a:noFill/>
+          <a:extLst>
+            <a:ext uri="{909E8E84-426E-40DD-AFC4-6F175D3DCCD1}">
+              <a14:hiddenFill xmlns:a14="http://schemas.microsoft.com/office/drawing/2010/main">
+                <a:solidFill>
+                  <a:srgbClr val="FFFFFF"/>
+                </a:solidFill>
+              </a14:hiddenFill>
+            </a:ext>
+          </a:extLst>
+        </p:spPr>
+      </p:pic>
+      <p:sp>
+        <p:nvSpPr>
+          <p:cNvPr id="5" name="Content Placeholder 2">
+            <a:extLst>
+              <a:ext uri="{FF2B5EF4-FFF2-40B4-BE49-F238E27FC236}">
+                <a16:creationId xmlns:a16="http://schemas.microsoft.com/office/drawing/2014/main" id="{7B1F19EC-15D3-3664-D84E-2C0591E7B5B8}"/>
+              </a:ext>
+            </a:extLst>
+          </p:cNvPr>
+          <p:cNvSpPr txBox="1">
+            <a:spLocks/>
+          </p:cNvSpPr>
+          <p:nvPr/>
+        </p:nvSpPr>
+        <p:spPr bwMode="auto">
+          <a:xfrm>
+            <a:off x="609600" y="1772816"/>
+            <a:ext cx="10871200" cy="4696384"/>
+          </a:xfrm>
+          <a:prstGeom prst="rect">
+            <a:avLst/>
+          </a:prstGeom>
+          <a:noFill/>
+          <a:ln w="9525">
+            <a:noFill/>
+            <a:miter lim="800000"/>
+            <a:headEnd/>
+            <a:tailEnd/>
+          </a:ln>
+          <a:effectLst/>
+        </p:spPr>
+        <p:txBody>
+          <a:bodyPr vert="horz" wrap="square" lIns="91440" tIns="45720" rIns="91440" bIns="45720" numCol="1" anchor="t" anchorCtr="0" compatLnSpc="1">
+            <a:prstTxWarp prst="textNoShape">
+              <a:avLst/>
+            </a:prstTxWarp>
+          </a:bodyPr>
+          <a:lstStyle>
+            <a:lvl1pPr marL="342900" indent="-342900" algn="l" rtl="0" fontAlgn="base">
+              <a:spcBef>
+                <a:spcPct val="20000"/>
+              </a:spcBef>
+              <a:spcAft>
+                <a:spcPct val="0"/>
+              </a:spcAft>
+              <a:buClr>
+                <a:schemeClr val="tx2"/>
+              </a:buClr>
+              <a:buChar char="•"/>
+              <a:defRPr sz="2000">
+                <a:solidFill>
+                  <a:schemeClr val="tx1"/>
+                </a:solidFill>
+                <a:latin typeface="+mn-lt"/>
+                <a:ea typeface="+mn-ea"/>
+                <a:cs typeface="+mn-cs"/>
+              </a:defRPr>
+            </a:lvl1pPr>
+            <a:lvl2pPr marL="742950" indent="-285750" algn="l" rtl="0" fontAlgn="base">
+              <a:spcBef>
+                <a:spcPct val="20000"/>
+              </a:spcBef>
+              <a:spcAft>
+                <a:spcPct val="0"/>
+              </a:spcAft>
+              <a:buClr>
+                <a:schemeClr val="tx2"/>
+              </a:buClr>
+              <a:buChar char="•"/>
+              <a:defRPr sz="2000">
+                <a:solidFill>
+                  <a:schemeClr val="tx1"/>
+                </a:solidFill>
+                <a:latin typeface="+mn-lt"/>
+                <a:ea typeface="ＭＳ Ｐゴシック" pitchFamily="-1" charset="-128"/>
+              </a:defRPr>
+            </a:lvl2pPr>
+            <a:lvl3pPr marL="1143000" indent="-228600" algn="l" rtl="0" fontAlgn="base">
+              <a:spcBef>
+                <a:spcPct val="20000"/>
+              </a:spcBef>
+              <a:spcAft>
+                <a:spcPct val="0"/>
+              </a:spcAft>
+              <a:buClr>
+                <a:schemeClr val="tx2"/>
+              </a:buClr>
+              <a:buChar char="•"/>
+              <a:defRPr>
+                <a:solidFill>
+                  <a:schemeClr val="tx1"/>
+                </a:solidFill>
+                <a:latin typeface="+mn-lt"/>
+                <a:ea typeface="ＭＳ Ｐゴシック" pitchFamily="-1" charset="-128"/>
+              </a:defRPr>
+            </a:lvl3pPr>
+            <a:lvl4pPr marL="1562100" indent="-228600" algn="l" rtl="0" fontAlgn="base">
+              <a:spcBef>
+                <a:spcPct val="20000"/>
+              </a:spcBef>
+              <a:spcAft>
+                <a:spcPct val="0"/>
+              </a:spcAft>
+              <a:buClr>
+                <a:schemeClr val="tx2"/>
+              </a:buClr>
+              <a:buChar char="–"/>
+              <a:defRPr>
+                <a:solidFill>
+                  <a:schemeClr val="tx1"/>
+                </a:solidFill>
+                <a:latin typeface="+mn-lt"/>
+                <a:ea typeface="ＭＳ Ｐゴシック" pitchFamily="-1" charset="-128"/>
+              </a:defRPr>
+            </a:lvl4pPr>
+            <a:lvl5pPr marL="1981200" indent="-228600" algn="l" rtl="0" fontAlgn="base">
+              <a:spcBef>
+                <a:spcPct val="20000"/>
+              </a:spcBef>
+              <a:spcAft>
+                <a:spcPct val="0"/>
+              </a:spcAft>
+              <a:buClr>
+                <a:schemeClr val="tx2"/>
+              </a:buClr>
+              <a:buChar char="»"/>
+              <a:defRPr i="1">
+                <a:solidFill>
+                  <a:schemeClr val="tx1"/>
+                </a:solidFill>
+                <a:latin typeface="+mn-lt"/>
+                <a:ea typeface="ＭＳ Ｐゴシック" pitchFamily="-1" charset="-128"/>
+              </a:defRPr>
+            </a:lvl5pPr>
+            <a:lvl6pPr marL="2438400" indent="-228600" algn="l" rtl="0" fontAlgn="base">
+              <a:spcBef>
+                <a:spcPct val="20000"/>
+              </a:spcBef>
+              <a:spcAft>
+                <a:spcPct val="0"/>
+              </a:spcAft>
+              <a:buClr>
+                <a:srgbClr val="920049"/>
+              </a:buClr>
+              <a:buChar char="»"/>
+              <a:defRPr i="1">
+                <a:solidFill>
+                  <a:schemeClr val="tx1"/>
+                </a:solidFill>
+                <a:latin typeface="+mn-lt"/>
+                <a:ea typeface="ＭＳ Ｐゴシック" pitchFamily="-1" charset="-128"/>
+              </a:defRPr>
+            </a:lvl6pPr>
+            <a:lvl7pPr marL="2895600" indent="-228600" algn="l" rtl="0" fontAlgn="base">
+              <a:spcBef>
+                <a:spcPct val="20000"/>
+              </a:spcBef>
+              <a:spcAft>
+                <a:spcPct val="0"/>
+              </a:spcAft>
+              <a:buClr>
+                <a:srgbClr val="920049"/>
+              </a:buClr>
+              <a:buChar char="»"/>
+              <a:defRPr i="1">
+                <a:solidFill>
+                  <a:schemeClr val="tx1"/>
+                </a:solidFill>
+                <a:latin typeface="+mn-lt"/>
+                <a:ea typeface="ＭＳ Ｐゴシック" pitchFamily="-1" charset="-128"/>
+              </a:defRPr>
+            </a:lvl7pPr>
+            <a:lvl8pPr marL="3352800" indent="-228600" algn="l" rtl="0" fontAlgn="base">
+              <a:spcBef>
+                <a:spcPct val="20000"/>
+              </a:spcBef>
+              <a:spcAft>
+                <a:spcPct val="0"/>
+              </a:spcAft>
+              <a:buClr>
+                <a:srgbClr val="920049"/>
+              </a:buClr>
+              <a:buChar char="»"/>
+              <a:defRPr i="1">
+                <a:solidFill>
+                  <a:schemeClr val="tx1"/>
+                </a:solidFill>
+                <a:latin typeface="+mn-lt"/>
+                <a:ea typeface="ＭＳ Ｐゴシック" pitchFamily="-1" charset="-128"/>
+              </a:defRPr>
+            </a:lvl8pPr>
+            <a:lvl9pPr marL="3810000" indent="-228600" algn="l" rtl="0" fontAlgn="base">
+              <a:spcBef>
+                <a:spcPct val="20000"/>
+              </a:spcBef>
+              <a:spcAft>
+                <a:spcPct val="0"/>
+              </a:spcAft>
+              <a:buClr>
+                <a:srgbClr val="920049"/>
+              </a:buClr>
+              <a:buChar char="»"/>
+              <a:defRPr i="1">
+                <a:solidFill>
+                  <a:schemeClr val="tx1"/>
+                </a:solidFill>
+                <a:latin typeface="+mn-lt"/>
+                <a:ea typeface="ＭＳ Ｐゴシック" pitchFamily="-1" charset="-128"/>
+              </a:defRPr>
+            </a:lvl9pPr>
+          </a:lstStyle>
+          <a:p>
+            <a:pPr marL="0" indent="0" eaLnBrk="1" hangingPunct="1">
+              <a:buFontTx/>
+              <a:buNone/>
+            </a:pPr>
+            <a:r>
+              <a:rPr lang="en-CA" kern="0" dirty="0"/>
+              <a:t>PUMICE performs well but PUMICE+</a:t>
+            </a:r>
+            <a:br>
+              <a:rPr lang="en-CA" kern="0" dirty="0"/>
+            </a:br>
+            <a:r>
+              <a:rPr lang="en-CA" kern="0" dirty="0"/>
+              <a:t>outperforms all methods.</a:t>
+            </a:r>
+          </a:p>
+          <a:p>
+            <a:pPr marL="0" indent="0" eaLnBrk="1" hangingPunct="1">
+              <a:buFontTx/>
+              <a:buNone/>
+            </a:pPr>
+            <a:endParaRPr lang="en-CA" kern="0" dirty="0"/>
+          </a:p>
+          <a:p>
+            <a:pPr marL="0" indent="0" eaLnBrk="1" hangingPunct="1">
+              <a:buFontTx/>
+              <a:buNone/>
+            </a:pPr>
+            <a:r>
+              <a:rPr lang="en-CA" kern="0" dirty="0"/>
+              <a:t>PUMICE+ </a:t>
+            </a:r>
+          </a:p>
+          <a:p>
+            <a:pPr marL="0" indent="0" eaLnBrk="1" hangingPunct="1">
+              <a:buFontTx/>
+              <a:buNone/>
+            </a:pPr>
+            <a:r>
+              <a:rPr lang="en-CA" kern="0" dirty="0"/>
+              <a:t>= PUMICE </a:t>
+            </a:r>
+            <a:br>
+              <a:rPr lang="en-CA" kern="0" dirty="0"/>
+            </a:br>
+            <a:r>
+              <a:rPr lang="en-CA" kern="0" dirty="0"/>
+              <a:t>  + </a:t>
+            </a:r>
+            <a:r>
+              <a:rPr lang="en-CA" kern="0" dirty="0" err="1"/>
+              <a:t>eQTLs</a:t>
+            </a:r>
+            <a:r>
+              <a:rPr lang="en-CA" kern="0" dirty="0"/>
+              <a:t> from multiple tissues</a:t>
+            </a:r>
+          </a:p>
+          <a:p>
+            <a:pPr marL="0" indent="0" eaLnBrk="1" hangingPunct="1">
+              <a:buFontTx/>
+              <a:buNone/>
+            </a:pPr>
+            <a:endParaRPr lang="en-CA" kern="0" dirty="0"/>
+          </a:p>
+          <a:p>
+            <a:pPr marL="0" indent="0" eaLnBrk="1" hangingPunct="1">
+              <a:buFontTx/>
+              <a:buNone/>
+            </a:pPr>
+            <a:endParaRPr lang="en-CA" kern="0" dirty="0"/>
+          </a:p>
+          <a:p>
+            <a:pPr marL="0" indent="0" eaLnBrk="1" hangingPunct="1">
+              <a:buFontTx/>
+              <a:buNone/>
+            </a:pPr>
+            <a:r>
+              <a:rPr lang="en-CA" kern="0" dirty="0"/>
+              <a:t>Conclusions</a:t>
+            </a:r>
+          </a:p>
+          <a:p>
+            <a:pPr eaLnBrk="1" hangingPunct="1">
+              <a:buFontTx/>
+              <a:buChar char="-"/>
+            </a:pPr>
+            <a:r>
+              <a:rPr lang="en-CA" kern="0" dirty="0"/>
+              <a:t>Epigenomic data and</a:t>
+            </a:r>
+          </a:p>
+          <a:p>
+            <a:pPr eaLnBrk="1" hangingPunct="1">
+              <a:buFontTx/>
+              <a:buChar char="-"/>
+            </a:pPr>
+            <a:r>
+              <a:rPr lang="en-CA" kern="0" dirty="0"/>
+              <a:t>Multiple tissues</a:t>
+            </a:r>
+          </a:p>
+          <a:p>
+            <a:pPr marL="0" indent="0" eaLnBrk="1" hangingPunct="1">
+              <a:buNone/>
+            </a:pPr>
+            <a:r>
+              <a:rPr lang="en-CA" kern="0" dirty="0"/>
+              <a:t>  provide information about gene </a:t>
+            </a:r>
+            <a:br>
+              <a:rPr lang="en-CA" kern="0" dirty="0"/>
+            </a:br>
+            <a:r>
+              <a:rPr lang="en-CA" kern="0" dirty="0"/>
+              <a:t>  expression beyond genotype.</a:t>
+            </a:r>
+          </a:p>
+          <a:p>
+            <a:pPr marL="0" indent="0" eaLnBrk="1" hangingPunct="1">
+              <a:buFontTx/>
+              <a:buNone/>
+            </a:pPr>
+            <a:endParaRPr lang="en-CA" kern="0" dirty="0"/>
+          </a:p>
+        </p:txBody>
+      </p:sp>
+    </p:spTree>
+    <p:extLst>
+      <p:ext uri="{BB962C8B-B14F-4D97-AF65-F5344CB8AC3E}">
+        <p14:creationId xmlns:p14="http://schemas.microsoft.com/office/powerpoint/2010/main" val="1186644141"/>
+      </p:ext>
+    </p:extLst>
+  </p:cSld>
+  <p:clrMapOvr>
+    <a:masterClrMapping/>
+  </p:clrMapOvr>
+  <p:transition spd="med"/>
+</p:sld>
+</file>
+
+<file path=ppt/slides/slide13.xml><?xml version="1.0" encoding="utf-8"?>
+<p:sld xmlns:a="http://schemas.openxmlformats.org/drawingml/2006/main" xmlns:r="http://schemas.openxmlformats.org/officeDocument/2006/relationships" xmlns:p="http://schemas.openxmlformats.org/presentationml/2006/main">
+  <p:cSld>
+    <p:spTree>
+      <p:nvGrpSpPr>
+        <p:cNvPr id="1" name=""/>
+        <p:cNvGrpSpPr/>
+        <p:nvPr/>
+      </p:nvGrpSpPr>
+      <p:grpSpPr>
+        <a:xfrm>
+          <a:off x="0" y="0"/>
+          <a:ext cx="0" cy="0"/>
+          <a:chOff x="0" y="0"/>
+          <a:chExt cx="0" cy="0"/>
+        </a:xfrm>
+      </p:grpSpPr>
+      <p:sp>
+        <p:nvSpPr>
+          <p:cNvPr id="2" name="Title 1">
+            <a:extLst>
+              <a:ext uri="{FF2B5EF4-FFF2-40B4-BE49-F238E27FC236}">
+                <a16:creationId xmlns:a16="http://schemas.microsoft.com/office/drawing/2014/main" id="{EF4EC6AB-CAA1-3704-B9BA-9E82A8F2C80C}"/>
+              </a:ext>
+            </a:extLst>
+          </p:cNvPr>
+          <p:cNvSpPr>
+            <a:spLocks noGrp="1"/>
+          </p:cNvSpPr>
+          <p:nvPr>
+            <p:ph type="title"/>
+          </p:nvPr>
+        </p:nvSpPr>
+        <p:spPr/>
+        <p:txBody>
+          <a:bodyPr/>
+          <a:lstStyle/>
+          <a:p>
+            <a:r>
+              <a:rPr lang="en-CA" dirty="0"/>
+              <a:t>Multi-omics of kidney function from GWAS to </a:t>
+            </a:r>
+            <a:r>
+              <a:rPr lang="en-CA" dirty="0" err="1"/>
+              <a:t>PheWAS</a:t>
+            </a:r>
+            <a:endParaRPr lang="en-US" dirty="0"/>
+          </a:p>
+        </p:txBody>
+      </p:sp>
+      <p:sp>
+        <p:nvSpPr>
+          <p:cNvPr id="3" name="Content Placeholder 2">
+            <a:extLst>
+              <a:ext uri="{FF2B5EF4-FFF2-40B4-BE49-F238E27FC236}">
+                <a16:creationId xmlns:a16="http://schemas.microsoft.com/office/drawing/2014/main" id="{E12B133B-FAFD-61C4-451F-E492FDE43FAF}"/>
+              </a:ext>
+            </a:extLst>
+          </p:cNvPr>
+          <p:cNvSpPr>
+            <a:spLocks noGrp="1"/>
+          </p:cNvSpPr>
+          <p:nvPr>
+            <p:ph idx="1"/>
+          </p:nvPr>
+        </p:nvSpPr>
+        <p:spPr>
+          <a:xfrm>
+            <a:off x="609600" y="1484784"/>
+            <a:ext cx="3470176" cy="4984416"/>
+          </a:xfrm>
+        </p:spPr>
+        <p:txBody>
+          <a:bodyPr/>
+          <a:lstStyle/>
+          <a:p>
+            <a:pPr marL="0" indent="0">
+              <a:buNone/>
+            </a:pPr>
+            <a:r>
+              <a:rPr lang="en-US" dirty="0"/>
+              <a:t>Liu, H., Doke, T., Guo, D., Sheng, X., Ma, Z., Park, J., </a:t>
+            </a:r>
+            <a:r>
+              <a:rPr lang="en-US" dirty="0" err="1"/>
+              <a:t>Vy</a:t>
+            </a:r>
+            <a:r>
+              <a:rPr lang="en-US" dirty="0"/>
+              <a:t>, H., Nadkarni, G. N., </a:t>
+            </a:r>
+            <a:r>
+              <a:rPr lang="en-US" dirty="0" err="1"/>
+              <a:t>Abedini</a:t>
+            </a:r>
+            <a:r>
+              <a:rPr lang="en-US" dirty="0"/>
+              <a:t>, A., Miao, Z., Palmer, M., Voight, B. F., Li, H., Brown, C. D., Ritchie, M. D., Shu, Y., &amp; </a:t>
+            </a:r>
+            <a:r>
+              <a:rPr lang="en-US" dirty="0" err="1"/>
+              <a:t>Susztak</a:t>
+            </a:r>
+            <a:r>
+              <a:rPr lang="en-US" dirty="0"/>
+              <a:t>, K. (2022). </a:t>
+            </a:r>
+            <a:r>
+              <a:rPr lang="en-US" b="1" dirty="0"/>
+              <a:t>Epigenomic and transcriptomic analyses define core cell types, genes and targetable mechanisms for kidney disease</a:t>
+            </a:r>
+            <a:r>
+              <a:rPr lang="en-US" dirty="0"/>
+              <a:t>. Nature genetics, 10.1038/s41588-022-01097-w. </a:t>
+            </a:r>
+          </a:p>
+          <a:p>
+            <a:pPr marL="0" indent="0">
+              <a:buNone/>
+            </a:pPr>
+            <a:endParaRPr lang="en-US" dirty="0"/>
+          </a:p>
+          <a:p>
+            <a:pPr marL="0" indent="0">
+              <a:buNone/>
+            </a:pPr>
+            <a:endParaRPr lang="en-US" dirty="0"/>
+          </a:p>
+        </p:txBody>
+      </p:sp>
+      <p:pic>
+        <p:nvPicPr>
+          <p:cNvPr id="7170" name="Picture 2" descr="figure 1">
+            <a:extLst>
+              <a:ext uri="{FF2B5EF4-FFF2-40B4-BE49-F238E27FC236}">
+                <a16:creationId xmlns:a16="http://schemas.microsoft.com/office/drawing/2014/main" id="{50DCADB1-3316-E35C-7598-9F441ECFD00D}"/>
+              </a:ext>
+            </a:extLst>
+          </p:cNvPr>
+          <p:cNvPicPr>
+            <a:picLocks noChangeAspect="1" noChangeArrowheads="1"/>
+          </p:cNvPicPr>
+          <p:nvPr/>
+        </p:nvPicPr>
+        <p:blipFill>
+          <a:blip r:embed="rId2">
+            <a:extLst>
+              <a:ext uri="{28A0092B-C50C-407E-A947-70E740481C1C}">
+                <a14:useLocalDpi xmlns:a14="http://schemas.microsoft.com/office/drawing/2010/main" val="0"/>
+              </a:ext>
+            </a:extLst>
+          </a:blip>
+          <a:srcRect/>
+          <a:stretch>
+            <a:fillRect/>
+          </a:stretch>
+        </p:blipFill>
+        <p:spPr bwMode="auto">
+          <a:xfrm>
+            <a:off x="4223792" y="1454408"/>
+            <a:ext cx="7672640" cy="4984416"/>
+          </a:xfrm>
+          <a:prstGeom prst="rect">
+            <a:avLst/>
+          </a:prstGeom>
+          <a:noFill/>
+          <a:extLst>
+            <a:ext uri="{909E8E84-426E-40DD-AFC4-6F175D3DCCD1}">
+              <a14:hiddenFill xmlns:a14="http://schemas.microsoft.com/office/drawing/2010/main">
+                <a:solidFill>
+                  <a:srgbClr val="FFFFFF"/>
+                </a:solidFill>
+              </a14:hiddenFill>
+            </a:ext>
+          </a:extLst>
+        </p:spPr>
+      </p:pic>
+    </p:spTree>
+    <p:extLst>
+      <p:ext uri="{BB962C8B-B14F-4D97-AF65-F5344CB8AC3E}">
+        <p14:creationId xmlns:p14="http://schemas.microsoft.com/office/powerpoint/2010/main" val="2249447717"/>
+      </p:ext>
+    </p:extLst>
+  </p:cSld>
+  <p:clrMapOvr>
+    <a:masterClrMapping/>
+  </p:clrMapOvr>
+  <p:transition spd="med"/>
+</p:sld>
+</file>
+
+<file path=ppt/slides/slide14.xml><?xml version="1.0" encoding="utf-8"?>
+<p:sld xmlns:a="http://schemas.openxmlformats.org/drawingml/2006/main" xmlns:r="http://schemas.openxmlformats.org/officeDocument/2006/relationships" xmlns:p="http://schemas.openxmlformats.org/presentationml/2006/main">
+  <p:cSld>
+    <p:spTree>
+      <p:nvGrpSpPr>
+        <p:cNvPr id="1" name=""/>
+        <p:cNvGrpSpPr/>
+        <p:nvPr/>
+      </p:nvGrpSpPr>
+      <p:grpSpPr>
+        <a:xfrm>
+          <a:off x="0" y="0"/>
+          <a:ext cx="0" cy="0"/>
+          <a:chOff x="0" y="0"/>
+          <a:chExt cx="0" cy="0"/>
+        </a:xfrm>
+      </p:grpSpPr>
+      <p:sp>
+        <p:nvSpPr>
+          <p:cNvPr id="2" name="Title 1">
+            <a:extLst>
+              <a:ext uri="{FF2B5EF4-FFF2-40B4-BE49-F238E27FC236}">
+                <a16:creationId xmlns:a16="http://schemas.microsoft.com/office/drawing/2014/main" id="{1429B821-BB32-7EAB-D843-3555293C53BE}"/>
+              </a:ext>
+            </a:extLst>
+          </p:cNvPr>
+          <p:cNvSpPr>
+            <a:spLocks noGrp="1"/>
+          </p:cNvSpPr>
+          <p:nvPr>
+            <p:ph type="title"/>
+          </p:nvPr>
+        </p:nvSpPr>
+        <p:spPr>
+          <a:xfrm>
+            <a:off x="609600" y="458791"/>
+            <a:ext cx="7070576" cy="809625"/>
+          </a:xfrm>
+        </p:spPr>
+        <p:txBody>
+          <a:bodyPr/>
+          <a:lstStyle/>
+          <a:p>
+            <a:r>
+              <a:rPr lang="en-CA" dirty="0"/>
+              <a:t>Heritability explained by </a:t>
+            </a:r>
+            <a:r>
+              <a:rPr lang="en-CA" dirty="0" err="1"/>
+              <a:t>DNAm</a:t>
+            </a:r>
+            <a:r>
+              <a:rPr lang="en-CA" dirty="0"/>
+              <a:t> and gene expression</a:t>
+            </a:r>
+            <a:endParaRPr lang="en-US" dirty="0"/>
+          </a:p>
+        </p:txBody>
+      </p:sp>
+      <p:sp>
+        <p:nvSpPr>
+          <p:cNvPr id="3" name="Content Placeholder 2">
+            <a:extLst>
+              <a:ext uri="{FF2B5EF4-FFF2-40B4-BE49-F238E27FC236}">
+                <a16:creationId xmlns:a16="http://schemas.microsoft.com/office/drawing/2014/main" id="{B3CFCC20-1C07-B66A-135C-B27CF278A9D0}"/>
+              </a:ext>
+            </a:extLst>
+          </p:cNvPr>
+          <p:cNvSpPr>
+            <a:spLocks noGrp="1"/>
+          </p:cNvSpPr>
+          <p:nvPr>
+            <p:ph idx="1"/>
+          </p:nvPr>
+        </p:nvSpPr>
+        <p:spPr>
+          <a:xfrm>
+            <a:off x="609600" y="1484784"/>
+            <a:ext cx="4190256" cy="4984416"/>
+          </a:xfrm>
+        </p:spPr>
+        <p:txBody>
+          <a:bodyPr/>
+          <a:lstStyle/>
+          <a:p>
+            <a:pPr marL="0" indent="0">
+              <a:buNone/>
+            </a:pPr>
+            <a:r>
+              <a:rPr lang="en-CA" dirty="0"/>
+              <a:t>Heritability about 0.45 for </a:t>
+            </a:r>
+            <a:r>
+              <a:rPr lang="en-CA" dirty="0" err="1"/>
+              <a:t>DNAm</a:t>
+            </a:r>
+            <a:r>
+              <a:rPr lang="en-CA" dirty="0"/>
+              <a:t> and 0.2 for gene expression</a:t>
+            </a:r>
+            <a:endParaRPr lang="en-US" dirty="0"/>
+          </a:p>
+        </p:txBody>
+      </p:sp>
+      <p:pic>
+        <p:nvPicPr>
+          <p:cNvPr id="8194" name="Picture 2" descr="figure 4">
+            <a:extLst>
+              <a:ext uri="{FF2B5EF4-FFF2-40B4-BE49-F238E27FC236}">
+                <a16:creationId xmlns:a16="http://schemas.microsoft.com/office/drawing/2014/main" id="{2F0EFC12-B1D7-9FC5-A67D-3E7D1BB2D99E}"/>
+              </a:ext>
+            </a:extLst>
+          </p:cNvPr>
+          <p:cNvPicPr>
+            <a:picLocks noChangeAspect="1" noChangeArrowheads="1"/>
+          </p:cNvPicPr>
+          <p:nvPr/>
+        </p:nvPicPr>
+        <p:blipFill rotWithShape="1">
+          <a:blip r:embed="rId2">
+            <a:extLst>
+              <a:ext uri="{28A0092B-C50C-407E-A947-70E740481C1C}">
+                <a14:useLocalDpi xmlns:a14="http://schemas.microsoft.com/office/drawing/2010/main" val="0"/>
+              </a:ext>
+            </a:extLst>
+          </a:blip>
+          <a:srcRect l="67658" b="62282"/>
+          <a:stretch/>
+        </p:blipFill>
+        <p:spPr bwMode="auto">
+          <a:xfrm>
+            <a:off x="609600" y="2420888"/>
+            <a:ext cx="3865000" cy="3645517"/>
+          </a:xfrm>
+          <a:prstGeom prst="rect">
+            <a:avLst/>
+          </a:prstGeom>
+          <a:noFill/>
+          <a:extLst>
+            <a:ext uri="{909E8E84-426E-40DD-AFC4-6F175D3DCCD1}">
+              <a14:hiddenFill xmlns:a14="http://schemas.microsoft.com/office/drawing/2010/main">
+                <a:solidFill>
+                  <a:srgbClr val="FFFFFF"/>
+                </a:solidFill>
+              </a14:hiddenFill>
+            </a:ext>
+          </a:extLst>
+        </p:spPr>
+      </p:pic>
+      <p:pic>
+        <p:nvPicPr>
+          <p:cNvPr id="7" name="Picture 2" descr="figure 4">
+            <a:extLst>
+              <a:ext uri="{FF2B5EF4-FFF2-40B4-BE49-F238E27FC236}">
+                <a16:creationId xmlns:a16="http://schemas.microsoft.com/office/drawing/2014/main" id="{E7D28682-8709-5D59-ADE4-DABB18025A85}"/>
+              </a:ext>
+            </a:extLst>
+          </p:cNvPr>
+          <p:cNvPicPr>
+            <a:picLocks noChangeAspect="1" noChangeArrowheads="1"/>
+          </p:cNvPicPr>
+          <p:nvPr/>
+        </p:nvPicPr>
+        <p:blipFill rotWithShape="1">
+          <a:blip r:embed="rId2">
+            <a:extLst>
+              <a:ext uri="{28A0092B-C50C-407E-A947-70E740481C1C}">
+                <a14:useLocalDpi xmlns:a14="http://schemas.microsoft.com/office/drawing/2010/main" val="0"/>
+              </a:ext>
+            </a:extLst>
+          </a:blip>
+          <a:srcRect l="37784" t="39791" r="29874" b="-883"/>
+          <a:stretch/>
+        </p:blipFill>
+        <p:spPr bwMode="auto">
+          <a:xfrm>
+            <a:off x="4799856" y="1024664"/>
+            <a:ext cx="3865000" cy="5904656"/>
+          </a:xfrm>
+          <a:prstGeom prst="rect">
+            <a:avLst/>
+          </a:prstGeom>
+          <a:noFill/>
+          <a:extLst>
+            <a:ext uri="{909E8E84-426E-40DD-AFC4-6F175D3DCCD1}">
+              <a14:hiddenFill xmlns:a14="http://schemas.microsoft.com/office/drawing/2010/main">
+                <a:solidFill>
+                  <a:srgbClr val="FFFFFF"/>
+                </a:solidFill>
+              </a14:hiddenFill>
+            </a:ext>
+          </a:extLst>
+        </p:spPr>
+      </p:pic>
+      <p:sp>
+        <p:nvSpPr>
+          <p:cNvPr id="8" name="Content Placeholder 2">
+            <a:extLst>
+              <a:ext uri="{FF2B5EF4-FFF2-40B4-BE49-F238E27FC236}">
+                <a16:creationId xmlns:a16="http://schemas.microsoft.com/office/drawing/2014/main" id="{AF641ED7-CA18-BE7B-2D71-2FFBC5931B49}"/>
+              </a:ext>
+            </a:extLst>
+          </p:cNvPr>
+          <p:cNvSpPr txBox="1">
+            <a:spLocks/>
+          </p:cNvSpPr>
+          <p:nvPr/>
+        </p:nvSpPr>
+        <p:spPr bwMode="auto">
+          <a:xfrm>
+            <a:off x="8832304" y="909153"/>
+            <a:ext cx="2088232" cy="4984416"/>
+          </a:xfrm>
+          <a:prstGeom prst="rect">
+            <a:avLst/>
+          </a:prstGeom>
+          <a:noFill/>
+          <a:ln w="9525">
+            <a:noFill/>
+            <a:miter lim="800000"/>
+            <a:headEnd/>
+            <a:tailEnd/>
+          </a:ln>
+          <a:effectLst/>
+        </p:spPr>
+        <p:txBody>
+          <a:bodyPr vert="horz" wrap="square" lIns="91440" tIns="45720" rIns="91440" bIns="45720" numCol="1" anchor="t" anchorCtr="0" compatLnSpc="1">
+            <a:prstTxWarp prst="textNoShape">
+              <a:avLst/>
+            </a:prstTxWarp>
+          </a:bodyPr>
+          <a:lstStyle>
+            <a:lvl1pPr marL="342900" indent="-342900" algn="l" rtl="0" fontAlgn="base">
+              <a:spcBef>
+                <a:spcPct val="20000"/>
+              </a:spcBef>
+              <a:spcAft>
+                <a:spcPct val="0"/>
+              </a:spcAft>
+              <a:buClr>
+                <a:schemeClr val="tx2"/>
+              </a:buClr>
+              <a:buChar char="•"/>
+              <a:defRPr sz="2000">
+                <a:solidFill>
+                  <a:schemeClr val="tx1"/>
+                </a:solidFill>
+                <a:latin typeface="+mn-lt"/>
+                <a:ea typeface="+mn-ea"/>
+                <a:cs typeface="+mn-cs"/>
+              </a:defRPr>
+            </a:lvl1pPr>
+            <a:lvl2pPr marL="742950" indent="-285750" algn="l" rtl="0" fontAlgn="base">
+              <a:spcBef>
+                <a:spcPct val="20000"/>
+              </a:spcBef>
+              <a:spcAft>
+                <a:spcPct val="0"/>
+              </a:spcAft>
+              <a:buClr>
+                <a:schemeClr val="tx2"/>
+              </a:buClr>
+              <a:buChar char="•"/>
+              <a:defRPr sz="2000">
+                <a:solidFill>
+                  <a:schemeClr val="tx1"/>
+                </a:solidFill>
+                <a:latin typeface="+mn-lt"/>
+                <a:ea typeface="ＭＳ Ｐゴシック" pitchFamily="-1" charset="-128"/>
+              </a:defRPr>
+            </a:lvl2pPr>
+            <a:lvl3pPr marL="1143000" indent="-228600" algn="l" rtl="0" fontAlgn="base">
+              <a:spcBef>
+                <a:spcPct val="20000"/>
+              </a:spcBef>
+              <a:spcAft>
+                <a:spcPct val="0"/>
+              </a:spcAft>
+              <a:buClr>
+                <a:schemeClr val="tx2"/>
+              </a:buClr>
+              <a:buChar char="•"/>
+              <a:defRPr>
+                <a:solidFill>
+                  <a:schemeClr val="tx1"/>
+                </a:solidFill>
+                <a:latin typeface="+mn-lt"/>
+                <a:ea typeface="ＭＳ Ｐゴシック" pitchFamily="-1" charset="-128"/>
+              </a:defRPr>
+            </a:lvl3pPr>
+            <a:lvl4pPr marL="1562100" indent="-228600" algn="l" rtl="0" fontAlgn="base">
+              <a:spcBef>
+                <a:spcPct val="20000"/>
+              </a:spcBef>
+              <a:spcAft>
+                <a:spcPct val="0"/>
+              </a:spcAft>
+              <a:buClr>
+                <a:schemeClr val="tx2"/>
+              </a:buClr>
+              <a:buChar char="–"/>
+              <a:defRPr>
+                <a:solidFill>
+                  <a:schemeClr val="tx1"/>
+                </a:solidFill>
+                <a:latin typeface="+mn-lt"/>
+                <a:ea typeface="ＭＳ Ｐゴシック" pitchFamily="-1" charset="-128"/>
+              </a:defRPr>
+            </a:lvl4pPr>
+            <a:lvl5pPr marL="1981200" indent="-228600" algn="l" rtl="0" fontAlgn="base">
+              <a:spcBef>
+                <a:spcPct val="20000"/>
+              </a:spcBef>
+              <a:spcAft>
+                <a:spcPct val="0"/>
+              </a:spcAft>
+              <a:buClr>
+                <a:schemeClr val="tx2"/>
+              </a:buClr>
+              <a:buChar char="»"/>
+              <a:defRPr i="1">
+                <a:solidFill>
+                  <a:schemeClr val="tx1"/>
+                </a:solidFill>
+                <a:latin typeface="+mn-lt"/>
+                <a:ea typeface="ＭＳ Ｐゴシック" pitchFamily="-1" charset="-128"/>
+              </a:defRPr>
+            </a:lvl5pPr>
+            <a:lvl6pPr marL="2438400" indent="-228600" algn="l" rtl="0" fontAlgn="base">
+              <a:spcBef>
+                <a:spcPct val="20000"/>
+              </a:spcBef>
+              <a:spcAft>
+                <a:spcPct val="0"/>
+              </a:spcAft>
+              <a:buClr>
+                <a:srgbClr val="920049"/>
+              </a:buClr>
+              <a:buChar char="»"/>
+              <a:defRPr i="1">
+                <a:solidFill>
+                  <a:schemeClr val="tx1"/>
+                </a:solidFill>
+                <a:latin typeface="+mn-lt"/>
+                <a:ea typeface="ＭＳ Ｐゴシック" pitchFamily="-1" charset="-128"/>
+              </a:defRPr>
+            </a:lvl6pPr>
+            <a:lvl7pPr marL="2895600" indent="-228600" algn="l" rtl="0" fontAlgn="base">
+              <a:spcBef>
+                <a:spcPct val="20000"/>
+              </a:spcBef>
+              <a:spcAft>
+                <a:spcPct val="0"/>
+              </a:spcAft>
+              <a:buClr>
+                <a:srgbClr val="920049"/>
+              </a:buClr>
+              <a:buChar char="»"/>
+              <a:defRPr i="1">
+                <a:solidFill>
+                  <a:schemeClr val="tx1"/>
+                </a:solidFill>
+                <a:latin typeface="+mn-lt"/>
+                <a:ea typeface="ＭＳ Ｐゴシック" pitchFamily="-1" charset="-128"/>
+              </a:defRPr>
+            </a:lvl7pPr>
+            <a:lvl8pPr marL="3352800" indent="-228600" algn="l" rtl="0" fontAlgn="base">
+              <a:spcBef>
+                <a:spcPct val="20000"/>
+              </a:spcBef>
+              <a:spcAft>
+                <a:spcPct val="0"/>
+              </a:spcAft>
+              <a:buClr>
+                <a:srgbClr val="920049"/>
+              </a:buClr>
+              <a:buChar char="»"/>
+              <a:defRPr i="1">
+                <a:solidFill>
+                  <a:schemeClr val="tx1"/>
+                </a:solidFill>
+                <a:latin typeface="+mn-lt"/>
+                <a:ea typeface="ＭＳ Ｐゴシック" pitchFamily="-1" charset="-128"/>
+              </a:defRPr>
+            </a:lvl8pPr>
+            <a:lvl9pPr marL="3810000" indent="-228600" algn="l" rtl="0" fontAlgn="base">
+              <a:spcBef>
+                <a:spcPct val="20000"/>
+              </a:spcBef>
+              <a:spcAft>
+                <a:spcPct val="0"/>
+              </a:spcAft>
+              <a:buClr>
+                <a:srgbClr val="920049"/>
+              </a:buClr>
+              <a:buChar char="»"/>
+              <a:defRPr i="1">
+                <a:solidFill>
+                  <a:schemeClr val="tx1"/>
+                </a:solidFill>
+                <a:latin typeface="+mn-lt"/>
+                <a:ea typeface="ＭＳ Ｐゴシック" pitchFamily="-1" charset="-128"/>
+              </a:defRPr>
+            </a:lvl9pPr>
+          </a:lstStyle>
+          <a:p>
+            <a:pPr marL="0" indent="0" eaLnBrk="1" hangingPunct="1">
+              <a:buFontTx/>
+              <a:buNone/>
+            </a:pPr>
+            <a:r>
+              <a:rPr lang="en-CA" kern="0" dirty="0" err="1"/>
+              <a:t>DNAm</a:t>
+            </a:r>
+            <a:r>
+              <a:rPr lang="en-CA" kern="0" dirty="0"/>
+              <a:t>-mediated heritability of kidney function is specifically enriched in enhancers</a:t>
+            </a:r>
+            <a:endParaRPr lang="en-US" kern="0" dirty="0"/>
+          </a:p>
+        </p:txBody>
+      </p:sp>
+    </p:spTree>
+    <p:extLst>
+      <p:ext uri="{BB962C8B-B14F-4D97-AF65-F5344CB8AC3E}">
+        <p14:creationId xmlns:p14="http://schemas.microsoft.com/office/powerpoint/2010/main" val="2015654169"/>
+      </p:ext>
+    </p:extLst>
+  </p:cSld>
+  <p:clrMapOvr>
+    <a:masterClrMapping/>
+  </p:clrMapOvr>
+  <p:transition spd="med"/>
+</p:sld>
+</file>
+
+<file path=ppt/slides/slide15.xml><?xml version="1.0" encoding="utf-8"?>
+<p:sld xmlns:a="http://schemas.openxmlformats.org/drawingml/2006/main" xmlns:r="http://schemas.openxmlformats.org/officeDocument/2006/relationships" xmlns:p="http://schemas.openxmlformats.org/presentationml/2006/main">
+  <p:cSld>
+    <p:spTree>
+      <p:nvGrpSpPr>
+        <p:cNvPr id="1" name=""/>
+        <p:cNvGrpSpPr/>
+        <p:nvPr/>
+      </p:nvGrpSpPr>
+      <p:grpSpPr>
+        <a:xfrm>
+          <a:off x="0" y="0"/>
+          <a:ext cx="0" cy="0"/>
+          <a:chOff x="0" y="0"/>
+          <a:chExt cx="0" cy="0"/>
+        </a:xfrm>
+      </p:grpSpPr>
+      <p:sp>
+        <p:nvSpPr>
+          <p:cNvPr id="2" name="Title 1">
+            <a:extLst>
+              <a:ext uri="{FF2B5EF4-FFF2-40B4-BE49-F238E27FC236}">
+                <a16:creationId xmlns:a16="http://schemas.microsoft.com/office/drawing/2014/main" id="{2500C00B-0958-60C2-FBAA-0593C107F205}"/>
+              </a:ext>
+            </a:extLst>
+          </p:cNvPr>
+          <p:cNvSpPr>
+            <a:spLocks noGrp="1"/>
+          </p:cNvSpPr>
+          <p:nvPr>
+            <p:ph type="title"/>
+          </p:nvPr>
+        </p:nvSpPr>
+        <p:spPr/>
+        <p:txBody>
+          <a:bodyPr/>
+          <a:lstStyle/>
+          <a:p>
+            <a:r>
+              <a:rPr lang="en-CA" dirty="0"/>
+              <a:t>Identify causal kidney cell type – proximal tubules</a:t>
+            </a:r>
+            <a:endParaRPr lang="en-US" dirty="0"/>
+          </a:p>
+        </p:txBody>
+      </p:sp>
+      <p:sp>
+        <p:nvSpPr>
+          <p:cNvPr id="3" name="Content Placeholder 2">
+            <a:extLst>
+              <a:ext uri="{FF2B5EF4-FFF2-40B4-BE49-F238E27FC236}">
+                <a16:creationId xmlns:a16="http://schemas.microsoft.com/office/drawing/2014/main" id="{DBB47986-B563-F7BC-4BD7-FE9D941BB523}"/>
+              </a:ext>
+            </a:extLst>
+          </p:cNvPr>
+          <p:cNvSpPr>
+            <a:spLocks noGrp="1"/>
+          </p:cNvSpPr>
+          <p:nvPr>
+            <p:ph idx="1"/>
+          </p:nvPr>
+        </p:nvSpPr>
+        <p:spPr>
+          <a:xfrm>
+            <a:off x="609600" y="1399088"/>
+            <a:ext cx="1886000" cy="4984416"/>
+          </a:xfrm>
+        </p:spPr>
+        <p:txBody>
+          <a:bodyPr/>
+          <a:lstStyle/>
+          <a:p>
+            <a:pPr marL="0" indent="0">
+              <a:buNone/>
+            </a:pPr>
+            <a:r>
+              <a:rPr lang="en-CA" kern="0" dirty="0" err="1"/>
+              <a:t>DNAm</a:t>
+            </a:r>
+            <a:r>
+              <a:rPr lang="en-CA" kern="0" dirty="0"/>
+              <a:t>-mediated heritability of kidney function is enriched in open chromatin of proximal tubules</a:t>
+            </a:r>
+            <a:endParaRPr lang="en-US" dirty="0">
+              <a:solidFill>
+                <a:srgbClr val="222222"/>
+              </a:solidFill>
+              <a:latin typeface="Harding"/>
+            </a:endParaRPr>
+          </a:p>
+        </p:txBody>
+      </p:sp>
+      <p:pic>
+        <p:nvPicPr>
+          <p:cNvPr id="9218" name="Picture 2" descr="figure 5">
+            <a:extLst>
+              <a:ext uri="{FF2B5EF4-FFF2-40B4-BE49-F238E27FC236}">
+                <a16:creationId xmlns:a16="http://schemas.microsoft.com/office/drawing/2014/main" id="{2E8C84B4-7A34-FF5A-3D65-7A5D898718BF}"/>
+              </a:ext>
+            </a:extLst>
+          </p:cNvPr>
+          <p:cNvPicPr>
+            <a:picLocks noChangeAspect="1" noChangeArrowheads="1"/>
+          </p:cNvPicPr>
+          <p:nvPr/>
+        </p:nvPicPr>
+        <p:blipFill rotWithShape="1">
+          <a:blip r:embed="rId2">
+            <a:extLst>
+              <a:ext uri="{28A0092B-C50C-407E-A947-70E740481C1C}">
+                <a14:useLocalDpi xmlns:a14="http://schemas.microsoft.com/office/drawing/2010/main" val="0"/>
+              </a:ext>
+            </a:extLst>
+          </a:blip>
+          <a:srcRect l="36678" b="67850"/>
+          <a:stretch/>
+        </p:blipFill>
+        <p:spPr bwMode="auto">
+          <a:xfrm>
+            <a:off x="2497803" y="1399088"/>
+            <a:ext cx="6926014" cy="4466709"/>
+          </a:xfrm>
+          <a:prstGeom prst="rect">
+            <a:avLst/>
+          </a:prstGeom>
+          <a:noFill/>
+          <a:extLst>
+            <a:ext uri="{909E8E84-426E-40DD-AFC4-6F175D3DCCD1}">
+              <a14:hiddenFill xmlns:a14="http://schemas.microsoft.com/office/drawing/2010/main">
+                <a:solidFill>
+                  <a:srgbClr val="FFFFFF"/>
+                </a:solidFill>
+              </a14:hiddenFill>
+            </a:ext>
+          </a:extLst>
+        </p:spPr>
+      </p:pic>
+      <p:sp>
+        <p:nvSpPr>
+          <p:cNvPr id="5" name="Content Placeholder 2">
+            <a:extLst>
+              <a:ext uri="{FF2B5EF4-FFF2-40B4-BE49-F238E27FC236}">
+                <a16:creationId xmlns:a16="http://schemas.microsoft.com/office/drawing/2014/main" id="{224CC45E-647B-73A3-B83D-D1CAF73C1736}"/>
+              </a:ext>
+            </a:extLst>
+          </p:cNvPr>
+          <p:cNvSpPr txBox="1">
+            <a:spLocks/>
+          </p:cNvSpPr>
+          <p:nvPr/>
+        </p:nvSpPr>
+        <p:spPr bwMode="auto">
+          <a:xfrm>
+            <a:off x="9594800" y="1399088"/>
+            <a:ext cx="1886000" cy="4782080"/>
+          </a:xfrm>
+          <a:prstGeom prst="rect">
+            <a:avLst/>
+          </a:prstGeom>
+          <a:noFill/>
+          <a:ln w="9525">
+            <a:noFill/>
+            <a:miter lim="800000"/>
+            <a:headEnd/>
+            <a:tailEnd/>
+          </a:ln>
+          <a:effectLst/>
+        </p:spPr>
+        <p:txBody>
+          <a:bodyPr vert="horz" wrap="square" lIns="91440" tIns="45720" rIns="91440" bIns="45720" numCol="1" anchor="t" anchorCtr="0" compatLnSpc="1">
+            <a:prstTxWarp prst="textNoShape">
+              <a:avLst/>
+            </a:prstTxWarp>
+          </a:bodyPr>
+          <a:lstStyle>
+            <a:lvl1pPr marL="342900" indent="-342900" algn="l" rtl="0" fontAlgn="base">
+              <a:spcBef>
+                <a:spcPct val="20000"/>
+              </a:spcBef>
+              <a:spcAft>
+                <a:spcPct val="0"/>
+              </a:spcAft>
+              <a:buClr>
+                <a:schemeClr val="tx2"/>
+              </a:buClr>
+              <a:buChar char="•"/>
+              <a:defRPr sz="2000">
+                <a:solidFill>
+                  <a:schemeClr val="tx1"/>
+                </a:solidFill>
+                <a:latin typeface="+mn-lt"/>
+                <a:ea typeface="+mn-ea"/>
+                <a:cs typeface="+mn-cs"/>
+              </a:defRPr>
+            </a:lvl1pPr>
+            <a:lvl2pPr marL="742950" indent="-285750" algn="l" rtl="0" fontAlgn="base">
+              <a:spcBef>
+                <a:spcPct val="20000"/>
+              </a:spcBef>
+              <a:spcAft>
+                <a:spcPct val="0"/>
+              </a:spcAft>
+              <a:buClr>
+                <a:schemeClr val="tx2"/>
+              </a:buClr>
+              <a:buChar char="•"/>
+              <a:defRPr sz="2000">
+                <a:solidFill>
+                  <a:schemeClr val="tx1"/>
+                </a:solidFill>
+                <a:latin typeface="+mn-lt"/>
+                <a:ea typeface="ＭＳ Ｐゴシック" pitchFamily="-1" charset="-128"/>
+              </a:defRPr>
+            </a:lvl2pPr>
+            <a:lvl3pPr marL="1143000" indent="-228600" algn="l" rtl="0" fontAlgn="base">
+              <a:spcBef>
+                <a:spcPct val="20000"/>
+              </a:spcBef>
+              <a:spcAft>
+                <a:spcPct val="0"/>
+              </a:spcAft>
+              <a:buClr>
+                <a:schemeClr val="tx2"/>
+              </a:buClr>
+              <a:buChar char="•"/>
+              <a:defRPr>
+                <a:solidFill>
+                  <a:schemeClr val="tx1"/>
+                </a:solidFill>
+                <a:latin typeface="+mn-lt"/>
+                <a:ea typeface="ＭＳ Ｐゴシック" pitchFamily="-1" charset="-128"/>
+              </a:defRPr>
+            </a:lvl3pPr>
+            <a:lvl4pPr marL="1562100" indent="-228600" algn="l" rtl="0" fontAlgn="base">
+              <a:spcBef>
+                <a:spcPct val="20000"/>
+              </a:spcBef>
+              <a:spcAft>
+                <a:spcPct val="0"/>
+              </a:spcAft>
+              <a:buClr>
+                <a:schemeClr val="tx2"/>
+              </a:buClr>
+              <a:buChar char="–"/>
+              <a:defRPr>
+                <a:solidFill>
+                  <a:schemeClr val="tx1"/>
+                </a:solidFill>
+                <a:latin typeface="+mn-lt"/>
+                <a:ea typeface="ＭＳ Ｐゴシック" pitchFamily="-1" charset="-128"/>
+              </a:defRPr>
+            </a:lvl4pPr>
+            <a:lvl5pPr marL="1981200" indent="-228600" algn="l" rtl="0" fontAlgn="base">
+              <a:spcBef>
+                <a:spcPct val="20000"/>
+              </a:spcBef>
+              <a:spcAft>
+                <a:spcPct val="0"/>
+              </a:spcAft>
+              <a:buClr>
+                <a:schemeClr val="tx2"/>
+              </a:buClr>
+              <a:buChar char="»"/>
+              <a:defRPr i="1">
+                <a:solidFill>
+                  <a:schemeClr val="tx1"/>
+                </a:solidFill>
+                <a:latin typeface="+mn-lt"/>
+                <a:ea typeface="ＭＳ Ｐゴシック" pitchFamily="-1" charset="-128"/>
+              </a:defRPr>
+            </a:lvl5pPr>
+            <a:lvl6pPr marL="2438400" indent="-228600" algn="l" rtl="0" fontAlgn="base">
+              <a:spcBef>
+                <a:spcPct val="20000"/>
+              </a:spcBef>
+              <a:spcAft>
+                <a:spcPct val="0"/>
+              </a:spcAft>
+              <a:buClr>
+                <a:srgbClr val="920049"/>
+              </a:buClr>
+              <a:buChar char="»"/>
+              <a:defRPr i="1">
+                <a:solidFill>
+                  <a:schemeClr val="tx1"/>
+                </a:solidFill>
+                <a:latin typeface="+mn-lt"/>
+                <a:ea typeface="ＭＳ Ｐゴシック" pitchFamily="-1" charset="-128"/>
+              </a:defRPr>
+            </a:lvl6pPr>
+            <a:lvl7pPr marL="2895600" indent="-228600" algn="l" rtl="0" fontAlgn="base">
+              <a:spcBef>
+                <a:spcPct val="20000"/>
+              </a:spcBef>
+              <a:spcAft>
+                <a:spcPct val="0"/>
+              </a:spcAft>
+              <a:buClr>
+                <a:srgbClr val="920049"/>
+              </a:buClr>
+              <a:buChar char="»"/>
+              <a:defRPr i="1">
+                <a:solidFill>
+                  <a:schemeClr val="tx1"/>
+                </a:solidFill>
+                <a:latin typeface="+mn-lt"/>
+                <a:ea typeface="ＭＳ Ｐゴシック" pitchFamily="-1" charset="-128"/>
+              </a:defRPr>
+            </a:lvl7pPr>
+            <a:lvl8pPr marL="3352800" indent="-228600" algn="l" rtl="0" fontAlgn="base">
+              <a:spcBef>
+                <a:spcPct val="20000"/>
+              </a:spcBef>
+              <a:spcAft>
+                <a:spcPct val="0"/>
+              </a:spcAft>
+              <a:buClr>
+                <a:srgbClr val="920049"/>
+              </a:buClr>
+              <a:buChar char="»"/>
+              <a:defRPr i="1">
+                <a:solidFill>
+                  <a:schemeClr val="tx1"/>
+                </a:solidFill>
+                <a:latin typeface="+mn-lt"/>
+                <a:ea typeface="ＭＳ Ｐゴシック" pitchFamily="-1" charset="-128"/>
+              </a:defRPr>
+            </a:lvl8pPr>
+            <a:lvl9pPr marL="3810000" indent="-228600" algn="l" rtl="0" fontAlgn="base">
+              <a:spcBef>
+                <a:spcPct val="20000"/>
+              </a:spcBef>
+              <a:spcAft>
+                <a:spcPct val="0"/>
+              </a:spcAft>
+              <a:buClr>
+                <a:srgbClr val="920049"/>
+              </a:buClr>
+              <a:buChar char="»"/>
+              <a:defRPr i="1">
+                <a:solidFill>
+                  <a:schemeClr val="tx1"/>
+                </a:solidFill>
+                <a:latin typeface="+mn-lt"/>
+                <a:ea typeface="ＭＳ Ｐゴシック" pitchFamily="-1" charset="-128"/>
+              </a:defRPr>
+            </a:lvl9pPr>
+          </a:lstStyle>
+          <a:p>
+            <a:pPr marL="0" indent="0" eaLnBrk="1" hangingPunct="1">
+              <a:buNone/>
+            </a:pPr>
+            <a:r>
+              <a:rPr lang="en-US" kern="0" dirty="0">
+                <a:solidFill>
+                  <a:srgbClr val="222222"/>
+                </a:solidFill>
+              </a:rPr>
+              <a:t>Top GWAS loci enriched in open chromatin of proximal tubules</a:t>
+            </a:r>
+          </a:p>
+        </p:txBody>
+      </p:sp>
+    </p:spTree>
+    <p:extLst>
+      <p:ext uri="{BB962C8B-B14F-4D97-AF65-F5344CB8AC3E}">
+        <p14:creationId xmlns:p14="http://schemas.microsoft.com/office/powerpoint/2010/main" val="3471130135"/>
+      </p:ext>
+    </p:extLst>
+  </p:cSld>
+  <p:clrMapOvr>
+    <a:masterClrMapping/>
+  </p:clrMapOvr>
+  <p:transition spd="med"/>
+</p:sld>
+</file>
+
+<file path=ppt/slides/slide16.xml><?xml version="1.0" encoding="utf-8"?>
+<p:sld xmlns:a="http://schemas.openxmlformats.org/drawingml/2006/main" xmlns:r="http://schemas.openxmlformats.org/officeDocument/2006/relationships" xmlns:p="http://schemas.openxmlformats.org/presentationml/2006/main">
+  <p:cSld>
+    <p:spTree>
+      <p:nvGrpSpPr>
+        <p:cNvPr id="1" name=""/>
+        <p:cNvGrpSpPr/>
+        <p:nvPr/>
+      </p:nvGrpSpPr>
+      <p:grpSpPr>
+        <a:xfrm>
+          <a:off x="0" y="0"/>
+          <a:ext cx="0" cy="0"/>
+          <a:chOff x="0" y="0"/>
+          <a:chExt cx="0" cy="0"/>
+        </a:xfrm>
+      </p:grpSpPr>
+      <p:sp>
+        <p:nvSpPr>
+          <p:cNvPr id="2" name="Title 1">
+            <a:extLst>
+              <a:ext uri="{FF2B5EF4-FFF2-40B4-BE49-F238E27FC236}">
+                <a16:creationId xmlns:a16="http://schemas.microsoft.com/office/drawing/2014/main" id="{4EACF770-3C02-A03D-02BE-121ADF81E9F6}"/>
+              </a:ext>
+            </a:extLst>
+          </p:cNvPr>
+          <p:cNvSpPr>
+            <a:spLocks noGrp="1"/>
+          </p:cNvSpPr>
+          <p:nvPr>
+            <p:ph type="title"/>
+          </p:nvPr>
+        </p:nvSpPr>
+        <p:spPr/>
+        <p:txBody>
+          <a:bodyPr/>
+          <a:lstStyle/>
+          <a:p>
+            <a:r>
+              <a:rPr lang="en-CA" dirty="0"/>
+              <a:t>Prioritizing genes</a:t>
+            </a:r>
+            <a:endParaRPr lang="en-US" dirty="0"/>
+          </a:p>
+        </p:txBody>
+      </p:sp>
+      <p:sp>
+        <p:nvSpPr>
+          <p:cNvPr id="3" name="Content Placeholder 2">
+            <a:extLst>
+              <a:ext uri="{FF2B5EF4-FFF2-40B4-BE49-F238E27FC236}">
+                <a16:creationId xmlns:a16="http://schemas.microsoft.com/office/drawing/2014/main" id="{D34FF5BA-0A52-66B5-22D1-A417EDCBDFF6}"/>
+              </a:ext>
+            </a:extLst>
+          </p:cNvPr>
+          <p:cNvSpPr>
+            <a:spLocks noGrp="1"/>
+          </p:cNvSpPr>
+          <p:nvPr>
+            <p:ph idx="1"/>
+          </p:nvPr>
+        </p:nvSpPr>
+        <p:spPr/>
+        <p:txBody>
+          <a:bodyPr/>
+          <a:lstStyle/>
+          <a:p>
+            <a:pPr marL="0" indent="0">
+              <a:buNone/>
+            </a:pPr>
+            <a:r>
+              <a:rPr lang="en-US" dirty="0">
+                <a:solidFill>
+                  <a:srgbClr val="222222"/>
+                </a:solidFill>
+              </a:rPr>
+              <a:t>Long process, but basically do colocalization on GWAS loci (G), </a:t>
+            </a:r>
+            <a:r>
+              <a:rPr lang="en-US" dirty="0" err="1">
+                <a:solidFill>
+                  <a:srgbClr val="222222"/>
+                </a:solidFill>
+              </a:rPr>
+              <a:t>eQTLs</a:t>
+            </a:r>
+            <a:r>
+              <a:rPr lang="en-US" dirty="0">
+                <a:solidFill>
+                  <a:srgbClr val="222222"/>
+                </a:solidFill>
+              </a:rPr>
+              <a:t> (E) and </a:t>
+            </a:r>
+            <a:r>
+              <a:rPr lang="en-US" dirty="0" err="1">
+                <a:solidFill>
+                  <a:srgbClr val="222222"/>
+                </a:solidFill>
+              </a:rPr>
+              <a:t>mQTLs</a:t>
+            </a:r>
+            <a:r>
+              <a:rPr lang="en-US" dirty="0">
+                <a:solidFill>
+                  <a:srgbClr val="222222"/>
+                </a:solidFill>
+              </a:rPr>
+              <a:t> (M) as well as summary MR … </a:t>
+            </a:r>
+          </a:p>
+          <a:p>
+            <a:pPr marL="0" indent="0">
+              <a:buNone/>
+            </a:pPr>
+            <a:endParaRPr lang="en-US" dirty="0">
+              <a:solidFill>
+                <a:srgbClr val="222222"/>
+              </a:solidFill>
+            </a:endParaRPr>
+          </a:p>
+          <a:p>
+            <a:pPr marL="0" indent="0">
+              <a:buNone/>
+            </a:pPr>
+            <a:endParaRPr lang="en-US" dirty="0">
+              <a:solidFill>
+                <a:srgbClr val="222222"/>
+              </a:solidFill>
+            </a:endParaRPr>
+          </a:p>
+          <a:p>
+            <a:pPr marL="0" indent="0">
+              <a:buNone/>
+            </a:pPr>
+            <a:endParaRPr lang="en-US" dirty="0">
+              <a:solidFill>
+                <a:srgbClr val="222222"/>
+              </a:solidFill>
+            </a:endParaRPr>
+          </a:p>
+          <a:p>
+            <a:pPr marL="0" indent="0">
+              <a:buNone/>
+            </a:pPr>
+            <a:endParaRPr lang="en-US" dirty="0">
+              <a:solidFill>
+                <a:srgbClr val="222222"/>
+              </a:solidFill>
+            </a:endParaRPr>
+          </a:p>
+          <a:p>
+            <a:pPr marL="0" indent="0">
+              <a:buNone/>
+            </a:pPr>
+            <a:endParaRPr lang="en-US" dirty="0">
+              <a:solidFill>
+                <a:srgbClr val="222222"/>
+              </a:solidFill>
+            </a:endParaRPr>
+          </a:p>
+          <a:p>
+            <a:pPr marL="0" indent="0">
+              <a:buNone/>
+            </a:pPr>
+            <a:br>
+              <a:rPr lang="en-US" dirty="0">
+                <a:solidFill>
+                  <a:srgbClr val="222222"/>
+                </a:solidFill>
+              </a:rPr>
+            </a:br>
+            <a:br>
+              <a:rPr lang="en-US" dirty="0">
+                <a:solidFill>
+                  <a:srgbClr val="222222"/>
+                </a:solidFill>
+              </a:rPr>
+            </a:br>
+            <a:br>
+              <a:rPr lang="en-US" dirty="0">
+                <a:solidFill>
+                  <a:srgbClr val="222222"/>
+                </a:solidFill>
+              </a:rPr>
+            </a:br>
+            <a:r>
+              <a:rPr lang="en-US" dirty="0">
+                <a:solidFill>
+                  <a:srgbClr val="222222"/>
+                </a:solidFill>
+              </a:rPr>
+              <a:t>Each test contributes to an </a:t>
+            </a:r>
+            <a:br>
+              <a:rPr lang="en-US" dirty="0">
+                <a:solidFill>
+                  <a:srgbClr val="222222"/>
+                </a:solidFill>
+              </a:rPr>
+            </a:br>
+            <a:r>
+              <a:rPr lang="en-US" dirty="0">
+                <a:solidFill>
+                  <a:srgbClr val="222222"/>
+                </a:solidFill>
+              </a:rPr>
+              <a:t>overall ‘prioritization score’</a:t>
+            </a:r>
+          </a:p>
+          <a:p>
+            <a:endParaRPr lang="en-US" dirty="0"/>
+          </a:p>
+        </p:txBody>
+      </p:sp>
+      <p:pic>
+        <p:nvPicPr>
+          <p:cNvPr id="10242" name="Picture 2" descr="figure 6">
+            <a:extLst>
+              <a:ext uri="{FF2B5EF4-FFF2-40B4-BE49-F238E27FC236}">
+                <a16:creationId xmlns:a16="http://schemas.microsoft.com/office/drawing/2014/main" id="{5B8BB110-9856-7A8A-493B-41C108FCF1F4}"/>
+              </a:ext>
+            </a:extLst>
+          </p:cNvPr>
+          <p:cNvPicPr>
+            <a:picLocks noChangeAspect="1" noChangeArrowheads="1"/>
+          </p:cNvPicPr>
+          <p:nvPr/>
+        </p:nvPicPr>
+        <p:blipFill rotWithShape="1">
+          <a:blip r:embed="rId2">
+            <a:extLst>
+              <a:ext uri="{28A0092B-C50C-407E-A947-70E740481C1C}">
+                <a14:useLocalDpi xmlns:a14="http://schemas.microsoft.com/office/drawing/2010/main" val="0"/>
+              </a:ext>
+            </a:extLst>
+          </a:blip>
+          <a:srcRect b="73100"/>
+          <a:stretch/>
+        </p:blipFill>
+        <p:spPr bwMode="auto">
+          <a:xfrm>
+            <a:off x="1811524" y="2132856"/>
+            <a:ext cx="8568952" cy="2635069"/>
+          </a:xfrm>
+          <a:prstGeom prst="rect">
+            <a:avLst/>
+          </a:prstGeom>
+          <a:noFill/>
+          <a:extLst>
+            <a:ext uri="{909E8E84-426E-40DD-AFC4-6F175D3DCCD1}">
+              <a14:hiddenFill xmlns:a14="http://schemas.microsoft.com/office/drawing/2010/main">
+                <a:solidFill>
+                  <a:srgbClr val="FFFFFF"/>
+                </a:solidFill>
+              </a14:hiddenFill>
+            </a:ext>
+          </a:extLst>
+        </p:spPr>
+      </p:pic>
+      <p:pic>
+        <p:nvPicPr>
+          <p:cNvPr id="10244" name="Picture 4" descr="figure 6">
+            <a:extLst>
+              <a:ext uri="{FF2B5EF4-FFF2-40B4-BE49-F238E27FC236}">
+                <a16:creationId xmlns:a16="http://schemas.microsoft.com/office/drawing/2014/main" id="{7E571CF1-6E18-90EA-74B9-8A1A254B208C}"/>
+              </a:ext>
+            </a:extLst>
+          </p:cNvPr>
+          <p:cNvPicPr>
+            <a:picLocks noChangeAspect="1" noChangeArrowheads="1"/>
+          </p:cNvPicPr>
+          <p:nvPr/>
+        </p:nvPicPr>
+        <p:blipFill rotWithShape="1">
+          <a:blip r:embed="rId2">
+            <a:extLst>
+              <a:ext uri="{28A0092B-C50C-407E-A947-70E740481C1C}">
+                <a14:useLocalDpi xmlns:a14="http://schemas.microsoft.com/office/drawing/2010/main" val="0"/>
+              </a:ext>
+            </a:extLst>
+          </a:blip>
+          <a:srcRect t="74150" r="70392"/>
+          <a:stretch/>
+        </p:blipFill>
+        <p:spPr bwMode="auto">
+          <a:xfrm>
+            <a:off x="5157080" y="4904671"/>
+            <a:ext cx="1947032" cy="1943280"/>
+          </a:xfrm>
+          <a:prstGeom prst="rect">
+            <a:avLst/>
+          </a:prstGeom>
+          <a:noFill/>
+          <a:extLst>
+            <a:ext uri="{909E8E84-426E-40DD-AFC4-6F175D3DCCD1}">
+              <a14:hiddenFill xmlns:a14="http://schemas.microsoft.com/office/drawing/2010/main">
+                <a:solidFill>
+                  <a:srgbClr val="FFFFFF"/>
+                </a:solidFill>
+              </a14:hiddenFill>
+            </a:ext>
+          </a:extLst>
+        </p:spPr>
+      </p:pic>
+    </p:spTree>
+    <p:extLst>
+      <p:ext uri="{BB962C8B-B14F-4D97-AF65-F5344CB8AC3E}">
+        <p14:creationId xmlns:p14="http://schemas.microsoft.com/office/powerpoint/2010/main" val="2452632026"/>
+      </p:ext>
+    </p:extLst>
+  </p:cSld>
+  <p:clrMapOvr>
+    <a:masterClrMapping/>
+  </p:clrMapOvr>
+  <p:transition spd="med"/>
+</p:sld>
+</file>
+
+<file path=ppt/slides/slide17.xml><?xml version="1.0" encoding="utf-8"?>
+<p:sld xmlns:a="http://schemas.openxmlformats.org/drawingml/2006/main" xmlns:r="http://schemas.openxmlformats.org/officeDocument/2006/relationships" xmlns:p="http://schemas.openxmlformats.org/presentationml/2006/main">
+  <p:cSld>
+    <p:spTree>
+      <p:nvGrpSpPr>
+        <p:cNvPr id="1" name=""/>
+        <p:cNvGrpSpPr/>
+        <p:nvPr/>
+      </p:nvGrpSpPr>
+      <p:grpSpPr>
+        <a:xfrm>
+          <a:off x="0" y="0"/>
+          <a:ext cx="0" cy="0"/>
+          <a:chOff x="0" y="0"/>
+          <a:chExt cx="0" cy="0"/>
+        </a:xfrm>
+      </p:grpSpPr>
+      <p:sp>
+        <p:nvSpPr>
+          <p:cNvPr id="2" name="Title 1">
+            <a:extLst>
+              <a:ext uri="{FF2B5EF4-FFF2-40B4-BE49-F238E27FC236}">
+                <a16:creationId xmlns:a16="http://schemas.microsoft.com/office/drawing/2014/main" id="{886947FA-5019-4EE8-1628-49DA90231179}"/>
+              </a:ext>
+            </a:extLst>
+          </p:cNvPr>
+          <p:cNvSpPr>
+            <a:spLocks noGrp="1"/>
+          </p:cNvSpPr>
+          <p:nvPr>
+            <p:ph type="title"/>
+          </p:nvPr>
+        </p:nvSpPr>
+        <p:spPr/>
+        <p:txBody>
+          <a:bodyPr/>
+          <a:lstStyle/>
+          <a:p>
+            <a:r>
+              <a:rPr lang="en-CA" i="1" dirty="0"/>
+              <a:t>SLC47A1</a:t>
+            </a:r>
+            <a:r>
+              <a:rPr lang="en-CA" dirty="0"/>
+              <a:t> appears to causal play a role in kidney function</a:t>
+            </a:r>
+            <a:endParaRPr lang="en-US" dirty="0"/>
+          </a:p>
+        </p:txBody>
+      </p:sp>
+      <p:pic>
+        <p:nvPicPr>
+          <p:cNvPr id="11266" name="Picture 2" descr="figure 7">
+            <a:extLst>
+              <a:ext uri="{FF2B5EF4-FFF2-40B4-BE49-F238E27FC236}">
+                <a16:creationId xmlns:a16="http://schemas.microsoft.com/office/drawing/2014/main" id="{A2774F6F-BEB9-A675-362B-6DCB623141D3}"/>
+              </a:ext>
+            </a:extLst>
+          </p:cNvPr>
+          <p:cNvPicPr>
+            <a:picLocks noGrp="1" noChangeAspect="1" noChangeArrowheads="1"/>
+          </p:cNvPicPr>
+          <p:nvPr>
+            <p:ph idx="1"/>
+          </p:nvPr>
+        </p:nvPicPr>
+        <p:blipFill>
+          <a:blip r:embed="rId2">
+            <a:extLst>
+              <a:ext uri="{28A0092B-C50C-407E-A947-70E740481C1C}">
+                <a14:useLocalDpi xmlns:a14="http://schemas.microsoft.com/office/drawing/2010/main" val="0"/>
+              </a:ext>
+            </a:extLst>
+          </a:blip>
+          <a:srcRect/>
+          <a:stretch>
+            <a:fillRect/>
+          </a:stretch>
+        </p:blipFill>
+        <p:spPr bwMode="auto">
+          <a:xfrm>
+            <a:off x="1840632" y="1248899"/>
+            <a:ext cx="8510736" cy="4969773"/>
+          </a:xfrm>
+          <a:prstGeom prst="rect">
+            <a:avLst/>
+          </a:prstGeom>
+          <a:noFill/>
+          <a:extLst>
+            <a:ext uri="{909E8E84-426E-40DD-AFC4-6F175D3DCCD1}">
+              <a14:hiddenFill xmlns:a14="http://schemas.microsoft.com/office/drawing/2010/main">
+                <a:solidFill>
+                  <a:srgbClr val="FFFFFF"/>
+                </a:solidFill>
+              </a14:hiddenFill>
+            </a:ext>
+          </a:extLst>
+        </p:spPr>
+      </p:pic>
+    </p:spTree>
+    <p:extLst>
+      <p:ext uri="{BB962C8B-B14F-4D97-AF65-F5344CB8AC3E}">
+        <p14:creationId xmlns:p14="http://schemas.microsoft.com/office/powerpoint/2010/main" val="725422551"/>
+      </p:ext>
+    </p:extLst>
+  </p:cSld>
+  <p:clrMapOvr>
+    <a:masterClrMapping/>
+  </p:clrMapOvr>
+  <p:transition spd="med"/>
+</p:sld>
+</file>
+
 <file path=ppt/slides/slide2.xml><?xml version="1.0" encoding="utf-8"?>
 <p:sld xmlns:a="http://schemas.openxmlformats.org/drawingml/2006/main" xmlns:r="http://schemas.openxmlformats.org/officeDocument/2006/relationships" xmlns:p="http://schemas.openxmlformats.org/presentationml/2006/main">
   <p:cSld>
@@ -20916,6 +23679,14 @@
           <a:bodyPr/>
           <a:lstStyle/>
           <a:p>
+            <a:r>
+              <a:rPr lang="en-CA" dirty="0" err="1"/>
+              <a:t>DNAm</a:t>
+            </a:r>
+            <a:r>
+              <a:rPr lang="en-CA" dirty="0"/>
+              <a:t> age fluctuates by up to 12 years in the same person!</a:t>
+            </a:r>
             <a:endParaRPr lang="en-US" dirty="0"/>
           </a:p>
         </p:txBody>
@@ -20938,8 +23709,8 @@
         </p:nvSpPr>
         <p:spPr>
           <a:xfrm>
-            <a:off x="609600" y="1556792"/>
-            <a:ext cx="10871200" cy="4609473"/>
+            <a:off x="609600" y="1268416"/>
+            <a:ext cx="10871200" cy="4897849"/>
           </a:xfrm>
         </p:spPr>
         <p:txBody>
@@ -20950,28 +23721,6322 @@
               <a:buNone/>
             </a:pPr>
             <a:r>
+              <a:rPr lang="en-US" dirty="0"/>
+              <a:t>Komaki, S., </a:t>
+            </a:r>
+            <a:r>
               <a:rPr lang="en-US" dirty="0" err="1"/>
-              <a:t>Fauman</a:t>
+              <a:t>Ohmomo</a:t>
             </a:r>
             <a:r>
               <a:rPr lang="en-US" dirty="0"/>
-              <a:t>, E. B., &amp; Hyde, C. (2022</a:t>
+              <a:t>, H., </a:t>
+            </a:r>
+            <a:r>
+              <a:rPr lang="en-US" dirty="0" err="1"/>
+              <a:t>Hachiya</a:t>
+            </a:r>
+            <a:r>
+              <a:rPr lang="en-US" dirty="0"/>
+              <a:t>, T., </a:t>
+            </a:r>
+            <a:r>
+              <a:rPr lang="en-US" dirty="0" err="1"/>
+              <a:t>Sutoh</a:t>
+            </a:r>
+            <a:r>
+              <a:rPr lang="en-US" dirty="0"/>
+              <a:t>, Y., Ono, K., Furukawa, R., </a:t>
+            </a:r>
+            <a:r>
+              <a:rPr lang="en-US" dirty="0" err="1"/>
+              <a:t>Umekage</a:t>
+            </a:r>
+            <a:r>
+              <a:rPr lang="en-US" dirty="0"/>
+              <a:t>, S., Otsuka-Yamasaki, Y., </a:t>
+            </a:r>
+            <a:r>
+              <a:rPr lang="en-US" dirty="0" err="1"/>
+              <a:t>Minabe</a:t>
+            </a:r>
+            <a:r>
+              <a:rPr lang="en-US" dirty="0"/>
+              <a:t>, S., Takashima, A., </a:t>
+            </a:r>
+            <a:r>
+              <a:rPr lang="en-US" dirty="0" err="1"/>
+              <a:t>Tanno</a:t>
+            </a:r>
+            <a:r>
+              <a:rPr lang="en-US" dirty="0"/>
+              <a:t>, K., Sasaki, M., &amp; Shimizu, A. (2022). </a:t>
             </a:r>
             <a:r>
               <a:rPr lang="en-US" b="1" dirty="0"/>
-              <a:t>). An optimal variant to gene distance window derived from an empirical definition of cis and trans protein QTLs</a:t>
+              <a:t>Evaluation of short-term epigenetic age fluctuation</a:t>
             </a:r>
             <a:r>
               <a:rPr lang="en-US" dirty="0"/>
-              <a:t>. BMC bioinformatics, 23(1), 169.</a:t>
+              <a:t>. Clinical epigenetics, 14(1), 76. </a:t>
             </a:r>
+          </a:p>
+          <a:p>
+            <a:pPr marL="0" indent="0">
+              <a:buNone/>
+            </a:pPr>
+            <a:endParaRPr lang="en-US" dirty="0"/>
+          </a:p>
+          <a:p>
+            <a:pPr marL="0" indent="0">
+              <a:buNone/>
+            </a:pPr>
+            <a:r>
+              <a:rPr lang="en-US" dirty="0" err="1"/>
+              <a:t>DNAm</a:t>
+            </a:r>
+            <a:r>
+              <a:rPr lang="en-US" dirty="0"/>
+              <a:t> age measured</a:t>
+            </a:r>
+            <a:br>
+              <a:rPr lang="en-US" dirty="0"/>
+            </a:br>
+            <a:r>
+              <a:rPr lang="en-US" dirty="0"/>
+              <a:t>in two individuals </a:t>
+            </a:r>
+            <a:br>
+              <a:rPr lang="en-US" dirty="0"/>
+            </a:br>
+            <a:r>
+              <a:rPr lang="en-US" dirty="0"/>
+              <a:t>24 times</a:t>
+            </a:r>
+            <a:br>
+              <a:rPr lang="en-US" dirty="0"/>
+            </a:br>
+            <a:r>
+              <a:rPr lang="en-US" dirty="0"/>
+              <a:t>over 3 months</a:t>
+            </a:r>
+          </a:p>
+          <a:p>
+            <a:pPr marL="0" indent="0">
+              <a:buNone/>
+            </a:pPr>
+            <a:endParaRPr lang="en-US" dirty="0"/>
+          </a:p>
+          <a:p>
+            <a:pPr marL="0" indent="0">
+              <a:buNone/>
+            </a:pPr>
+            <a:r>
+              <a:rPr lang="en-US" dirty="0"/>
+              <a:t>(a) Shows fluctuations</a:t>
+            </a:r>
+            <a:br>
+              <a:rPr lang="en-US" dirty="0"/>
+            </a:br>
+            <a:r>
+              <a:rPr lang="en-US" dirty="0"/>
+              <a:t>(range up to 12 years </a:t>
+            </a:r>
+            <a:br>
+              <a:rPr lang="en-US" dirty="0"/>
+            </a:br>
+            <a:r>
+              <a:rPr lang="en-US" dirty="0"/>
+              <a:t>for </a:t>
+            </a:r>
+            <a:r>
+              <a:rPr lang="en-US" dirty="0" err="1"/>
+              <a:t>Phenoage</a:t>
+            </a:r>
+            <a:r>
+              <a:rPr lang="en-US" dirty="0"/>
+              <a:t>)</a:t>
+            </a:r>
+          </a:p>
+          <a:p>
+            <a:pPr marL="0" indent="0">
+              <a:buNone/>
+            </a:pPr>
+            <a:r>
+              <a:rPr lang="en-US" dirty="0"/>
+              <a:t>(b) Most fluctuation from</a:t>
+            </a:r>
+            <a:br>
+              <a:rPr lang="en-US" dirty="0"/>
+            </a:br>
+            <a:r>
+              <a:rPr lang="en-US" dirty="0"/>
+              <a:t>sites with low weights in</a:t>
+            </a:r>
+            <a:br>
+              <a:rPr lang="en-US" dirty="0"/>
+            </a:br>
+            <a:r>
+              <a:rPr lang="en-US" dirty="0" err="1"/>
+              <a:t>DNAm</a:t>
+            </a:r>
+            <a:r>
+              <a:rPr lang="en-US" dirty="0"/>
+              <a:t> age models</a:t>
+            </a:r>
+          </a:p>
+        </p:txBody>
+      </p:sp>
+      <p:pic>
+        <p:nvPicPr>
+          <p:cNvPr id="1026" name="Picture 2">
+            <a:extLst>
+              <a:ext uri="{FF2B5EF4-FFF2-40B4-BE49-F238E27FC236}">
+                <a16:creationId xmlns:a16="http://schemas.microsoft.com/office/drawing/2014/main" id="{51B7BC86-63FF-8BC8-871A-B8EE9BAE68EF}"/>
+              </a:ext>
+            </a:extLst>
+          </p:cNvPr>
+          <p:cNvPicPr>
+            <a:picLocks noChangeAspect="1" noChangeArrowheads="1"/>
+          </p:cNvPicPr>
+          <p:nvPr/>
+        </p:nvPicPr>
+        <p:blipFill rotWithShape="1">
+          <a:blip r:embed="rId2">
+            <a:extLst>
+              <a:ext uri="{28A0092B-C50C-407E-A947-70E740481C1C}">
+                <a14:useLocalDpi xmlns:a14="http://schemas.microsoft.com/office/drawing/2010/main" val="0"/>
+              </a:ext>
+            </a:extLst>
+          </a:blip>
+          <a:srcRect b="54200"/>
+          <a:stretch/>
+        </p:blipFill>
+        <p:spPr bwMode="auto">
+          <a:xfrm>
+            <a:off x="3431704" y="2348880"/>
+            <a:ext cx="8428754" cy="4176513"/>
+          </a:xfrm>
+          <a:prstGeom prst="rect">
+            <a:avLst/>
+          </a:prstGeom>
+          <a:noFill/>
+          <a:extLst>
+            <a:ext uri="{909E8E84-426E-40DD-AFC4-6F175D3DCCD1}">
+              <a14:hiddenFill xmlns:a14="http://schemas.microsoft.com/office/drawing/2010/main">
+                <a:solidFill>
+                  <a:srgbClr val="FFFFFF"/>
+                </a:solidFill>
+              </a14:hiddenFill>
+            </a:ext>
+          </a:extLst>
+        </p:spPr>
+      </p:pic>
+    </p:spTree>
+    <p:extLst>
+      <p:ext uri="{BB962C8B-B14F-4D97-AF65-F5344CB8AC3E}">
+        <p14:creationId xmlns:p14="http://schemas.microsoft.com/office/powerpoint/2010/main" val="104184540"/>
+      </p:ext>
+    </p:extLst>
+  </p:cSld>
+  <p:clrMapOvr>
+    <a:masterClrMapping/>
+  </p:clrMapOvr>
+  <p:transition spd="med"/>
+</p:sld>
+</file>
+
+<file path=ppt/slides/slide6.xml><?xml version="1.0" encoding="utf-8"?>
+<p:sld xmlns:a="http://schemas.openxmlformats.org/drawingml/2006/main" xmlns:r="http://schemas.openxmlformats.org/officeDocument/2006/relationships" xmlns:p="http://schemas.openxmlformats.org/presentationml/2006/main">
+  <p:cSld>
+    <p:spTree>
+      <p:nvGrpSpPr>
+        <p:cNvPr id="1" name=""/>
+        <p:cNvGrpSpPr/>
+        <p:nvPr/>
+      </p:nvGrpSpPr>
+      <p:grpSpPr>
+        <a:xfrm>
+          <a:off x="0" y="0"/>
+          <a:ext cx="0" cy="0"/>
+          <a:chOff x="0" y="0"/>
+          <a:chExt cx="0" cy="0"/>
+        </a:xfrm>
+      </p:grpSpPr>
+      <p:sp>
+        <p:nvSpPr>
+          <p:cNvPr id="2" name="Title 1">
+            <a:extLst>
+              <a:ext uri="{FF2B5EF4-FFF2-40B4-BE49-F238E27FC236}">
+                <a16:creationId xmlns:a16="http://schemas.microsoft.com/office/drawing/2014/main" id="{4DBCB4A7-7978-CB3E-B41D-E817A723E317}"/>
+              </a:ext>
+            </a:extLst>
+          </p:cNvPr>
+          <p:cNvSpPr>
+            <a:spLocks noGrp="1"/>
+          </p:cNvSpPr>
+          <p:nvPr>
+            <p:ph type="title"/>
+          </p:nvPr>
+        </p:nvSpPr>
+        <p:spPr/>
+        <p:txBody>
+          <a:bodyPr/>
+          <a:lstStyle/>
+          <a:p>
+            <a:r>
+              <a:rPr lang="en-CA" dirty="0"/>
+              <a:t>Linking </a:t>
+            </a:r>
+            <a:r>
+              <a:rPr lang="en-CA" dirty="0" err="1"/>
+              <a:t>DNAm</a:t>
+            </a:r>
+            <a:r>
+              <a:rPr lang="en-CA" dirty="0"/>
+              <a:t> sites to genes</a:t>
+            </a:r>
+            <a:endParaRPr lang="en-US" dirty="0"/>
+          </a:p>
+        </p:txBody>
+      </p:sp>
+      <p:sp>
+        <p:nvSpPr>
+          <p:cNvPr id="3" name="Content Placeholder 2">
+            <a:extLst>
+              <a:ext uri="{FF2B5EF4-FFF2-40B4-BE49-F238E27FC236}">
+                <a16:creationId xmlns:a16="http://schemas.microsoft.com/office/drawing/2014/main" id="{AD64425A-3EFA-7BFB-A468-6576353898BC}"/>
+              </a:ext>
+            </a:extLst>
+          </p:cNvPr>
+          <p:cNvSpPr>
+            <a:spLocks noGrp="1"/>
+          </p:cNvSpPr>
+          <p:nvPr>
+            <p:ph idx="1"/>
+          </p:nvPr>
+        </p:nvSpPr>
+        <p:spPr/>
+        <p:txBody>
+          <a:bodyPr/>
+          <a:lstStyle/>
+          <a:p>
+            <a:pPr marL="0" indent="0">
+              <a:buNone/>
+            </a:pPr>
+            <a:r>
+              <a:rPr lang="en-US" dirty="0"/>
+              <a:t>Lancaster, E. E., </a:t>
+            </a:r>
+            <a:r>
+              <a:rPr lang="en-US" dirty="0" err="1"/>
+              <a:t>Vladimirov</a:t>
+            </a:r>
+            <a:r>
+              <a:rPr lang="en-US" dirty="0"/>
+              <a:t>, V. I., Riley, B. P., Landry, J. W., Roberson-Nay, R., &amp; York, T. P. (2022). </a:t>
+            </a:r>
+            <a:r>
+              <a:rPr lang="en-US" b="1" dirty="0"/>
+              <a:t>Large-scale integration of DNA methylation and gene expression array platforms identifies both cis and trans relationships</a:t>
+            </a:r>
+            <a:r>
+              <a:rPr lang="en-US" dirty="0"/>
+              <a:t>. Epigenetics, 1–21.</a:t>
+            </a:r>
+          </a:p>
+          <a:p>
+            <a:pPr marL="0" indent="0">
+              <a:buNone/>
+            </a:pPr>
+            <a:endParaRPr lang="en-US" dirty="0"/>
+          </a:p>
+          <a:p>
+            <a:pPr marL="0" indent="0">
+              <a:buNone/>
+            </a:pPr>
+            <a:r>
+              <a:rPr lang="en-US" dirty="0" err="1"/>
+              <a:t>DNAm</a:t>
+            </a:r>
+            <a:r>
+              <a:rPr lang="en-US" dirty="0"/>
+              <a:t> and gene expression in</a:t>
+            </a:r>
+          </a:p>
+          <a:p>
+            <a:pPr marL="457200" indent="-457200">
+              <a:buAutoNum type="arabicPeriod"/>
+            </a:pPr>
+            <a:r>
+              <a:rPr lang="en-US" dirty="0"/>
+              <a:t>N=137 Adolescent and </a:t>
+            </a:r>
+            <a:br>
+              <a:rPr lang="en-US" dirty="0"/>
+            </a:br>
+            <a:r>
+              <a:rPr lang="en-US" dirty="0"/>
+              <a:t>Young Adult Twin Study </a:t>
+            </a:r>
+            <a:br>
+              <a:rPr lang="en-US" dirty="0"/>
+            </a:br>
+            <a:r>
+              <a:rPr lang="en-US" dirty="0"/>
+              <a:t>(AYATS) and </a:t>
+            </a:r>
+          </a:p>
+          <a:p>
+            <a:pPr marL="457200" indent="-457200">
+              <a:buAutoNum type="arabicPeriod"/>
+            </a:pPr>
+            <a:r>
+              <a:rPr lang="en-US" dirty="0"/>
+              <a:t>N=131 Pregnancy, Race, </a:t>
+            </a:r>
+            <a:br>
+              <a:rPr lang="en-US" dirty="0"/>
+            </a:br>
+            <a:r>
+              <a:rPr lang="en-US" dirty="0"/>
+              <a:t>Environment, Genes </a:t>
+            </a:r>
+            <a:br>
+              <a:rPr lang="en-US" dirty="0"/>
+            </a:br>
+            <a:r>
+              <a:rPr lang="en-US" dirty="0"/>
+              <a:t>(PREG) study</a:t>
+            </a:r>
+          </a:p>
+        </p:txBody>
+      </p:sp>
+      <p:graphicFrame>
+        <p:nvGraphicFramePr>
+          <p:cNvPr id="4" name="Table 3">
+            <a:extLst>
+              <a:ext uri="{FF2B5EF4-FFF2-40B4-BE49-F238E27FC236}">
+                <a16:creationId xmlns:a16="http://schemas.microsoft.com/office/drawing/2014/main" id="{2EFAC45B-B7D4-E62C-99A7-8E5BCED804B7}"/>
+              </a:ext>
+            </a:extLst>
+          </p:cNvPr>
+          <p:cNvGraphicFramePr>
+            <a:graphicFrameLocks noGrp="1"/>
+          </p:cNvGraphicFramePr>
+          <p:nvPr>
+            <p:extLst>
+              <p:ext uri="{D42A27DB-BD31-4B8C-83A1-F6EECF244321}">
+                <p14:modId xmlns:p14="http://schemas.microsoft.com/office/powerpoint/2010/main" val="1044743328"/>
+              </p:ext>
+            </p:extLst>
+          </p:nvPr>
+        </p:nvGraphicFramePr>
+        <p:xfrm>
+          <a:off x="4439816" y="3050624"/>
+          <a:ext cx="7425537" cy="3474720"/>
+        </p:xfrm>
+        <a:graphic>
+          <a:graphicData uri="http://schemas.openxmlformats.org/drawingml/2006/table">
+            <a:tbl>
+              <a:tblPr/>
+              <a:tblGrid>
+                <a:gridCol w="944817">
+                  <a:extLst>
+                    <a:ext uri="{9D8B030D-6E8A-4147-A177-3AD203B41FA5}">
+                      <a16:colId xmlns:a16="http://schemas.microsoft.com/office/drawing/2014/main" val="3268697984"/>
+                    </a:ext>
+                  </a:extLst>
+                </a:gridCol>
+                <a:gridCol w="1643106">
+                  <a:extLst>
+                    <a:ext uri="{9D8B030D-6E8A-4147-A177-3AD203B41FA5}">
+                      <a16:colId xmlns:a16="http://schemas.microsoft.com/office/drawing/2014/main" val="1780281788"/>
+                    </a:ext>
+                  </a:extLst>
+                </a:gridCol>
+                <a:gridCol w="1381230">
+                  <a:extLst>
+                    <a:ext uri="{9D8B030D-6E8A-4147-A177-3AD203B41FA5}">
+                      <a16:colId xmlns:a16="http://schemas.microsoft.com/office/drawing/2014/main" val="4237375168"/>
+                    </a:ext>
+                  </a:extLst>
+                </a:gridCol>
+                <a:gridCol w="1080120">
+                  <a:extLst>
+                    <a:ext uri="{9D8B030D-6E8A-4147-A177-3AD203B41FA5}">
+                      <a16:colId xmlns:a16="http://schemas.microsoft.com/office/drawing/2014/main" val="2066357030"/>
+                    </a:ext>
+                  </a:extLst>
+                </a:gridCol>
+                <a:gridCol w="1152128">
+                  <a:extLst>
+                    <a:ext uri="{9D8B030D-6E8A-4147-A177-3AD203B41FA5}">
+                      <a16:colId xmlns:a16="http://schemas.microsoft.com/office/drawing/2014/main" val="1998711381"/>
+                    </a:ext>
+                  </a:extLst>
+                </a:gridCol>
+                <a:gridCol w="1224136">
+                  <a:extLst>
+                    <a:ext uri="{9D8B030D-6E8A-4147-A177-3AD203B41FA5}">
+                      <a16:colId xmlns:a16="http://schemas.microsoft.com/office/drawing/2014/main" val="3312395138"/>
+                    </a:ext>
+                  </a:extLst>
+                </a:gridCol>
+              </a:tblGrid>
+              <a:tr h="0">
+                <a:tc>
+                  <a:txBody>
+                    <a:bodyPr/>
+                    <a:lstStyle/>
+                    <a:p>
+                      <a:pPr algn="ctr"/>
+                      <a:r>
+                        <a:rPr lang="en-US" b="1" dirty="0">
+                          <a:effectLst/>
+                        </a:rPr>
+                        <a:t>Study</a:t>
+                      </a:r>
+                    </a:p>
+                  </a:txBody>
+                  <a:tcPr>
+                    <a:lnL w="6350" cap="flat" cmpd="sng" algn="ctr">
+                      <a:solidFill>
+                        <a:srgbClr val="000000"/>
+                      </a:solidFill>
+                      <a:prstDash val="solid"/>
+                      <a:round/>
+                      <a:headEnd type="none" w="med" len="med"/>
+                      <a:tailEnd type="none" w="med" len="med"/>
+                    </a:lnL>
+                    <a:lnR w="6350" cap="flat" cmpd="sng" algn="ctr">
+                      <a:solidFill>
+                        <a:srgbClr val="000000"/>
+                      </a:solidFill>
+                      <a:prstDash val="solid"/>
+                      <a:round/>
+                      <a:headEnd type="none" w="med" len="med"/>
+                      <a:tailEnd type="none" w="med" len="med"/>
+                    </a:lnR>
+                    <a:lnT w="6350" cap="flat" cmpd="sng" algn="ctr">
+                      <a:solidFill>
+                        <a:srgbClr val="000000"/>
+                      </a:solidFill>
+                      <a:prstDash val="solid"/>
+                      <a:round/>
+                      <a:headEnd type="none" w="med" len="med"/>
+                      <a:tailEnd type="none" w="med" len="med"/>
+                    </a:lnT>
+                    <a:lnB w="6350" cap="flat" cmpd="sng" algn="ctr">
+                      <a:solidFill>
+                        <a:srgbClr val="000000"/>
+                      </a:solidFill>
+                      <a:prstDash val="solid"/>
+                      <a:round/>
+                      <a:headEnd type="none" w="med" len="med"/>
+                      <a:tailEnd type="none" w="med" len="med"/>
+                    </a:lnB>
+                    <a:solidFill>
+                      <a:srgbClr val="FFFFFF"/>
+                    </a:solidFill>
+                  </a:tcPr>
+                </a:tc>
+                <a:tc>
+                  <a:txBody>
+                    <a:bodyPr/>
+                    <a:lstStyle/>
+                    <a:p>
+                      <a:pPr algn="ctr"/>
+                      <a:r>
+                        <a:rPr lang="en-US" b="1" dirty="0">
+                          <a:effectLst/>
+                        </a:rPr>
+                        <a:t>Significant</a:t>
+                      </a:r>
+                      <a:br>
+                        <a:rPr lang="en-US" b="1" dirty="0">
+                          <a:effectLst/>
+                        </a:rPr>
+                      </a:br>
+                      <a:r>
+                        <a:rPr lang="en-US" b="1" dirty="0">
+                          <a:effectLst/>
+                        </a:rPr>
+                        <a:t>associations</a:t>
+                      </a:r>
+                    </a:p>
+                  </a:txBody>
+                  <a:tcPr>
+                    <a:lnL w="6350" cap="flat" cmpd="sng" algn="ctr">
+                      <a:solidFill>
+                        <a:srgbClr val="000000"/>
+                      </a:solidFill>
+                      <a:prstDash val="solid"/>
+                      <a:round/>
+                      <a:headEnd type="none" w="med" len="med"/>
+                      <a:tailEnd type="none" w="med" len="med"/>
+                    </a:lnL>
+                    <a:lnR w="6350" cap="flat" cmpd="sng" algn="ctr">
+                      <a:solidFill>
+                        <a:srgbClr val="000000"/>
+                      </a:solidFill>
+                      <a:prstDash val="solid"/>
+                      <a:round/>
+                      <a:headEnd type="none" w="med" len="med"/>
+                      <a:tailEnd type="none" w="med" len="med"/>
+                    </a:lnR>
+                    <a:lnT w="6350" cap="flat" cmpd="sng" algn="ctr">
+                      <a:solidFill>
+                        <a:srgbClr val="000000"/>
+                      </a:solidFill>
+                      <a:prstDash val="solid"/>
+                      <a:round/>
+                      <a:headEnd type="none" w="med" len="med"/>
+                      <a:tailEnd type="none" w="med" len="med"/>
+                    </a:lnT>
+                    <a:lnB w="6350" cap="flat" cmpd="sng" algn="ctr">
+                      <a:solidFill>
+                        <a:srgbClr val="000000"/>
+                      </a:solidFill>
+                      <a:prstDash val="solid"/>
+                      <a:round/>
+                      <a:headEnd type="none" w="med" len="med"/>
+                      <a:tailEnd type="none" w="med" len="med"/>
+                    </a:lnB>
+                    <a:solidFill>
+                      <a:srgbClr val="FFFFFF"/>
+                    </a:solidFill>
+                  </a:tcPr>
+                </a:tc>
+                <a:tc>
+                  <a:txBody>
+                    <a:bodyPr/>
+                    <a:lstStyle/>
+                    <a:p>
+                      <a:pPr algn="ctr"/>
+                      <a:r>
+                        <a:rPr lang="en-US" b="1" dirty="0">
+                          <a:effectLst/>
+                        </a:rPr>
+                        <a:t>Direction</a:t>
+                      </a:r>
+                      <a:br>
+                        <a:rPr lang="en-US" b="1" dirty="0">
+                          <a:effectLst/>
+                        </a:rPr>
+                      </a:br>
+                      <a:endParaRPr lang="en-US" b="1" dirty="0">
+                        <a:effectLst/>
+                      </a:endParaRPr>
+                    </a:p>
+                  </a:txBody>
+                  <a:tcPr>
+                    <a:lnL w="6350" cap="flat" cmpd="sng" algn="ctr">
+                      <a:solidFill>
+                        <a:srgbClr val="000000"/>
+                      </a:solidFill>
+                      <a:prstDash val="solid"/>
+                      <a:round/>
+                      <a:headEnd type="none" w="med" len="med"/>
+                      <a:tailEnd type="none" w="med" len="med"/>
+                    </a:lnL>
+                    <a:lnR w="6350" cap="flat" cmpd="sng" algn="ctr">
+                      <a:solidFill>
+                        <a:srgbClr val="000000"/>
+                      </a:solidFill>
+                      <a:prstDash val="solid"/>
+                      <a:round/>
+                      <a:headEnd type="none" w="med" len="med"/>
+                      <a:tailEnd type="none" w="med" len="med"/>
+                    </a:lnR>
+                    <a:lnT w="6350" cap="flat" cmpd="sng" algn="ctr">
+                      <a:solidFill>
+                        <a:srgbClr val="000000"/>
+                      </a:solidFill>
+                      <a:prstDash val="solid"/>
+                      <a:round/>
+                      <a:headEnd type="none" w="med" len="med"/>
+                      <a:tailEnd type="none" w="med" len="med"/>
+                    </a:lnT>
+                    <a:lnB w="6350" cap="flat" cmpd="sng" algn="ctr">
+                      <a:solidFill>
+                        <a:srgbClr val="000000"/>
+                      </a:solidFill>
+                      <a:prstDash val="solid"/>
+                      <a:round/>
+                      <a:headEnd type="none" w="med" len="med"/>
+                      <a:tailEnd type="none" w="med" len="med"/>
+                    </a:lnB>
+                    <a:solidFill>
+                      <a:srgbClr val="FFFFFF"/>
+                    </a:solidFill>
+                  </a:tcPr>
+                </a:tc>
+                <a:tc>
+                  <a:txBody>
+                    <a:bodyPr/>
+                    <a:lstStyle/>
+                    <a:p>
+                      <a:pPr algn="ctr"/>
+                      <a:r>
+                        <a:rPr lang="en-US" b="1" dirty="0">
+                          <a:effectLst/>
+                        </a:rPr>
+                        <a:t>Unique </a:t>
+                      </a:r>
+                      <a:r>
+                        <a:rPr lang="en-US" b="1" dirty="0" err="1">
+                          <a:effectLst/>
+                        </a:rPr>
+                        <a:t>CpGs</a:t>
+                      </a:r>
+                      <a:br>
+                        <a:rPr lang="en-US" b="1" dirty="0">
+                          <a:effectLst/>
+                        </a:rPr>
+                      </a:br>
+                      <a:endParaRPr lang="en-US" b="1" dirty="0">
+                        <a:effectLst/>
+                      </a:endParaRPr>
+                    </a:p>
+                  </a:txBody>
+                  <a:tcPr>
+                    <a:lnL w="6350" cap="flat" cmpd="sng" algn="ctr">
+                      <a:solidFill>
+                        <a:srgbClr val="000000"/>
+                      </a:solidFill>
+                      <a:prstDash val="solid"/>
+                      <a:round/>
+                      <a:headEnd type="none" w="med" len="med"/>
+                      <a:tailEnd type="none" w="med" len="med"/>
+                    </a:lnL>
+                    <a:lnR w="6350" cap="flat" cmpd="sng" algn="ctr">
+                      <a:solidFill>
+                        <a:srgbClr val="000000"/>
+                      </a:solidFill>
+                      <a:prstDash val="solid"/>
+                      <a:round/>
+                      <a:headEnd type="none" w="med" len="med"/>
+                      <a:tailEnd type="none" w="med" len="med"/>
+                    </a:lnR>
+                    <a:lnT w="6350" cap="flat" cmpd="sng" algn="ctr">
+                      <a:solidFill>
+                        <a:srgbClr val="000000"/>
+                      </a:solidFill>
+                      <a:prstDash val="solid"/>
+                      <a:round/>
+                      <a:headEnd type="none" w="med" len="med"/>
+                      <a:tailEnd type="none" w="med" len="med"/>
+                    </a:lnT>
+                    <a:lnB w="6350" cap="flat" cmpd="sng" algn="ctr">
+                      <a:solidFill>
+                        <a:srgbClr val="000000"/>
+                      </a:solidFill>
+                      <a:prstDash val="solid"/>
+                      <a:round/>
+                      <a:headEnd type="none" w="med" len="med"/>
+                      <a:tailEnd type="none" w="med" len="med"/>
+                    </a:lnB>
+                    <a:solidFill>
+                      <a:srgbClr val="FFFFFF"/>
+                    </a:solidFill>
+                  </a:tcPr>
+                </a:tc>
+                <a:tc>
+                  <a:txBody>
+                    <a:bodyPr/>
+                    <a:lstStyle/>
+                    <a:p>
+                      <a:pPr algn="ctr"/>
+                      <a:r>
+                        <a:rPr lang="en-US" b="1" dirty="0">
+                          <a:effectLst/>
+                        </a:rPr>
+                        <a:t>Unique </a:t>
+                      </a:r>
+                      <a:r>
+                        <a:rPr lang="en-US" b="1" dirty="0" err="1">
+                          <a:effectLst/>
+                        </a:rPr>
+                        <a:t>tran</a:t>
+                      </a:r>
+                      <a:r>
+                        <a:rPr lang="en-US" b="1" dirty="0">
+                          <a:effectLst/>
+                        </a:rPr>
+                        <a:t>-scripts</a:t>
+                      </a:r>
+                    </a:p>
+                  </a:txBody>
+                  <a:tcPr>
+                    <a:lnL w="6350" cap="flat" cmpd="sng" algn="ctr">
+                      <a:solidFill>
+                        <a:srgbClr val="000000"/>
+                      </a:solidFill>
+                      <a:prstDash val="solid"/>
+                      <a:round/>
+                      <a:headEnd type="none" w="med" len="med"/>
+                      <a:tailEnd type="none" w="med" len="med"/>
+                    </a:lnL>
+                    <a:lnR w="6350" cap="flat" cmpd="sng" algn="ctr">
+                      <a:solidFill>
+                        <a:srgbClr val="000000"/>
+                      </a:solidFill>
+                      <a:prstDash val="solid"/>
+                      <a:round/>
+                      <a:headEnd type="none" w="med" len="med"/>
+                      <a:tailEnd type="none" w="med" len="med"/>
+                    </a:lnR>
+                    <a:lnT w="6350" cap="flat" cmpd="sng" algn="ctr">
+                      <a:solidFill>
+                        <a:srgbClr val="000000"/>
+                      </a:solidFill>
+                      <a:prstDash val="solid"/>
+                      <a:round/>
+                      <a:headEnd type="none" w="med" len="med"/>
+                      <a:tailEnd type="none" w="med" len="med"/>
+                    </a:lnT>
+                    <a:lnB w="6350" cap="flat" cmpd="sng" algn="ctr">
+                      <a:solidFill>
+                        <a:srgbClr val="000000"/>
+                      </a:solidFill>
+                      <a:prstDash val="solid"/>
+                      <a:round/>
+                      <a:headEnd type="none" w="med" len="med"/>
+                      <a:tailEnd type="none" w="med" len="med"/>
+                    </a:lnB>
+                    <a:solidFill>
+                      <a:srgbClr val="FFFFFF"/>
+                    </a:solidFill>
+                  </a:tcPr>
+                </a:tc>
+                <a:tc>
+                  <a:txBody>
+                    <a:bodyPr/>
+                    <a:lstStyle/>
+                    <a:p>
+                      <a:pPr algn="ctr"/>
+                      <a:r>
+                        <a:rPr lang="en-US" b="1" dirty="0">
+                          <a:effectLst/>
+                        </a:rPr>
+                        <a:t>Mean adjR</a:t>
+                      </a:r>
+                      <a:r>
+                        <a:rPr lang="en-US" b="1" baseline="30000" dirty="0">
+                          <a:effectLst/>
+                        </a:rPr>
+                        <a:t>2 </a:t>
+                      </a:r>
+                      <a:r>
+                        <a:rPr lang="en-US" b="1" dirty="0">
+                          <a:effectLst/>
+                        </a:rPr>
+                        <a:t>(SD)</a:t>
+                      </a:r>
+                      <a:endParaRPr lang="en-US" b="1" baseline="30000" dirty="0">
+                        <a:effectLst/>
+                      </a:endParaRPr>
+                    </a:p>
+                  </a:txBody>
+                  <a:tcPr>
+                    <a:lnL w="6350" cap="flat" cmpd="sng" algn="ctr">
+                      <a:solidFill>
+                        <a:srgbClr val="000000"/>
+                      </a:solidFill>
+                      <a:prstDash val="solid"/>
+                      <a:round/>
+                      <a:headEnd type="none" w="med" len="med"/>
+                      <a:tailEnd type="none" w="med" len="med"/>
+                    </a:lnL>
+                    <a:lnR w="6350" cap="flat" cmpd="sng" algn="ctr">
+                      <a:solidFill>
+                        <a:srgbClr val="000000"/>
+                      </a:solidFill>
+                      <a:prstDash val="solid"/>
+                      <a:round/>
+                      <a:headEnd type="none" w="med" len="med"/>
+                      <a:tailEnd type="none" w="med" len="med"/>
+                    </a:lnR>
+                    <a:lnT w="6350" cap="flat" cmpd="sng" algn="ctr">
+                      <a:solidFill>
+                        <a:srgbClr val="000000"/>
+                      </a:solidFill>
+                      <a:prstDash val="solid"/>
+                      <a:round/>
+                      <a:headEnd type="none" w="med" len="med"/>
+                      <a:tailEnd type="none" w="med" len="med"/>
+                    </a:lnT>
+                    <a:lnB w="6350" cap="flat" cmpd="sng" algn="ctr">
+                      <a:solidFill>
+                        <a:srgbClr val="000000"/>
+                      </a:solidFill>
+                      <a:prstDash val="solid"/>
+                      <a:round/>
+                      <a:headEnd type="none" w="med" len="med"/>
+                      <a:tailEnd type="none" w="med" len="med"/>
+                    </a:lnB>
+                    <a:solidFill>
+                      <a:srgbClr val="FFFFFF"/>
+                    </a:solidFill>
+                  </a:tcPr>
+                </a:tc>
+                <a:extLst>
+                  <a:ext uri="{0D108BD9-81ED-4DB2-BD59-A6C34878D82A}">
+                    <a16:rowId xmlns:a16="http://schemas.microsoft.com/office/drawing/2014/main" val="2377113163"/>
+                  </a:ext>
+                </a:extLst>
+              </a:tr>
+              <a:tr h="0">
+                <a:tc>
+                  <a:txBody>
+                    <a:bodyPr/>
+                    <a:lstStyle/>
+                    <a:p>
+                      <a:pPr marL="0" marR="0" lvl="0" indent="0" algn="l" defTabSz="457200" rtl="0" eaLnBrk="1" fontAlgn="auto" latinLnBrk="0" hangingPunct="1">
+                        <a:lnSpc>
+                          <a:spcPct val="100000"/>
+                        </a:lnSpc>
+                        <a:spcBef>
+                          <a:spcPts val="0"/>
+                        </a:spcBef>
+                        <a:spcAft>
+                          <a:spcPts val="0"/>
+                        </a:spcAft>
+                        <a:buClrTx/>
+                        <a:buSzTx/>
+                        <a:buFontTx/>
+                        <a:buNone/>
+                        <a:tabLst/>
+                        <a:defRPr/>
+                      </a:pPr>
+                      <a:r>
+                        <a:rPr lang="en-US" dirty="0">
+                          <a:effectLst/>
+                        </a:rPr>
+                        <a:t>AYATS</a:t>
+                      </a:r>
+                    </a:p>
+                    <a:p>
+                      <a:pPr algn="l"/>
+                      <a:r>
+                        <a:rPr lang="en-US" i="1" dirty="0">
+                          <a:effectLst/>
+                        </a:rPr>
+                        <a:t>cis</a:t>
+                      </a:r>
+                      <a:endParaRPr lang="en-US" dirty="0">
+                        <a:effectLst/>
+                      </a:endParaRPr>
+                    </a:p>
+                  </a:txBody>
+                  <a:tcPr>
+                    <a:lnL w="6350" cap="flat" cmpd="sng" algn="ctr">
+                      <a:solidFill>
+                        <a:srgbClr val="000000"/>
+                      </a:solidFill>
+                      <a:prstDash val="solid"/>
+                      <a:round/>
+                      <a:headEnd type="none" w="med" len="med"/>
+                      <a:tailEnd type="none" w="med" len="med"/>
+                    </a:lnL>
+                    <a:lnR w="6350" cap="flat" cmpd="sng" algn="ctr">
+                      <a:solidFill>
+                        <a:srgbClr val="000000"/>
+                      </a:solidFill>
+                      <a:prstDash val="solid"/>
+                      <a:round/>
+                      <a:headEnd type="none" w="med" len="med"/>
+                      <a:tailEnd type="none" w="med" len="med"/>
+                    </a:lnR>
+                    <a:lnT w="6350" cap="flat" cmpd="sng" algn="ctr">
+                      <a:solidFill>
+                        <a:srgbClr val="000000"/>
+                      </a:solidFill>
+                      <a:prstDash val="solid"/>
+                      <a:round/>
+                      <a:headEnd type="none" w="med" len="med"/>
+                      <a:tailEnd type="none" w="med" len="med"/>
+                    </a:lnT>
+                    <a:lnB w="6350" cap="flat" cmpd="sng" algn="ctr">
+                      <a:solidFill>
+                        <a:srgbClr val="000000"/>
+                      </a:solidFill>
+                      <a:prstDash val="solid"/>
+                      <a:round/>
+                      <a:headEnd type="none" w="med" len="med"/>
+                      <a:tailEnd type="none" w="med" len="med"/>
+                    </a:lnB>
+                    <a:solidFill>
+                      <a:srgbClr val="FFFFFF"/>
+                    </a:solidFill>
+                  </a:tcPr>
+                </a:tc>
+                <a:tc>
+                  <a:txBody>
+                    <a:bodyPr/>
+                    <a:lstStyle/>
+                    <a:p>
+                      <a:pPr algn="ctr"/>
+                      <a:r>
+                        <a:rPr lang="en-US">
+                          <a:effectLst/>
+                        </a:rPr>
+                        <a:t>169</a:t>
+                      </a:r>
+                    </a:p>
+                  </a:txBody>
+                  <a:tcPr>
+                    <a:lnL w="6350" cap="flat" cmpd="sng" algn="ctr">
+                      <a:solidFill>
+                        <a:srgbClr val="000000"/>
+                      </a:solidFill>
+                      <a:prstDash val="solid"/>
+                      <a:round/>
+                      <a:headEnd type="none" w="med" len="med"/>
+                      <a:tailEnd type="none" w="med" len="med"/>
+                    </a:lnL>
+                    <a:lnR w="6350" cap="flat" cmpd="sng" algn="ctr">
+                      <a:solidFill>
+                        <a:srgbClr val="000000"/>
+                      </a:solidFill>
+                      <a:prstDash val="solid"/>
+                      <a:round/>
+                      <a:headEnd type="none" w="med" len="med"/>
+                      <a:tailEnd type="none" w="med" len="med"/>
+                    </a:lnR>
+                    <a:lnT w="6350" cap="flat" cmpd="sng" algn="ctr">
+                      <a:solidFill>
+                        <a:srgbClr val="000000"/>
+                      </a:solidFill>
+                      <a:prstDash val="solid"/>
+                      <a:round/>
+                      <a:headEnd type="none" w="med" len="med"/>
+                      <a:tailEnd type="none" w="med" len="med"/>
+                    </a:lnT>
+                    <a:lnB w="6350" cap="flat" cmpd="sng" algn="ctr">
+                      <a:solidFill>
+                        <a:srgbClr val="000000"/>
+                      </a:solidFill>
+                      <a:prstDash val="solid"/>
+                      <a:round/>
+                      <a:headEnd type="none" w="med" len="med"/>
+                      <a:tailEnd type="none" w="med" len="med"/>
+                    </a:lnB>
+                    <a:solidFill>
+                      <a:srgbClr val="FFFFFF"/>
+                    </a:solidFill>
+                  </a:tcPr>
+                </a:tc>
+                <a:tc>
+                  <a:txBody>
+                    <a:bodyPr/>
+                    <a:lstStyle/>
+                    <a:p>
+                      <a:pPr algn="ctr"/>
+                      <a:r>
+                        <a:rPr lang="en-US">
+                          <a:effectLst/>
+                        </a:rPr>
+                        <a:t>65% negative</a:t>
+                      </a:r>
+                    </a:p>
+                  </a:txBody>
+                  <a:tcPr>
+                    <a:lnL w="6350" cap="flat" cmpd="sng" algn="ctr">
+                      <a:solidFill>
+                        <a:srgbClr val="000000"/>
+                      </a:solidFill>
+                      <a:prstDash val="solid"/>
+                      <a:round/>
+                      <a:headEnd type="none" w="med" len="med"/>
+                      <a:tailEnd type="none" w="med" len="med"/>
+                    </a:lnL>
+                    <a:lnR w="6350" cap="flat" cmpd="sng" algn="ctr">
+                      <a:solidFill>
+                        <a:srgbClr val="000000"/>
+                      </a:solidFill>
+                      <a:prstDash val="solid"/>
+                      <a:round/>
+                      <a:headEnd type="none" w="med" len="med"/>
+                      <a:tailEnd type="none" w="med" len="med"/>
+                    </a:lnR>
+                    <a:lnT w="6350" cap="flat" cmpd="sng" algn="ctr">
+                      <a:solidFill>
+                        <a:srgbClr val="000000"/>
+                      </a:solidFill>
+                      <a:prstDash val="solid"/>
+                      <a:round/>
+                      <a:headEnd type="none" w="med" len="med"/>
+                      <a:tailEnd type="none" w="med" len="med"/>
+                    </a:lnT>
+                    <a:lnB w="6350" cap="flat" cmpd="sng" algn="ctr">
+                      <a:solidFill>
+                        <a:srgbClr val="000000"/>
+                      </a:solidFill>
+                      <a:prstDash val="solid"/>
+                      <a:round/>
+                      <a:headEnd type="none" w="med" len="med"/>
+                      <a:tailEnd type="none" w="med" len="med"/>
+                    </a:lnB>
+                    <a:solidFill>
+                      <a:srgbClr val="FFFFFF"/>
+                    </a:solidFill>
+                  </a:tcPr>
+                </a:tc>
+                <a:tc>
+                  <a:txBody>
+                    <a:bodyPr/>
+                    <a:lstStyle/>
+                    <a:p>
+                      <a:pPr algn="ctr"/>
+                      <a:r>
+                        <a:rPr lang="en-US">
+                          <a:effectLst/>
+                        </a:rPr>
+                        <a:t>107</a:t>
+                      </a:r>
+                    </a:p>
+                  </a:txBody>
+                  <a:tcPr>
+                    <a:lnL w="6350" cap="flat" cmpd="sng" algn="ctr">
+                      <a:solidFill>
+                        <a:srgbClr val="000000"/>
+                      </a:solidFill>
+                      <a:prstDash val="solid"/>
+                      <a:round/>
+                      <a:headEnd type="none" w="med" len="med"/>
+                      <a:tailEnd type="none" w="med" len="med"/>
+                    </a:lnL>
+                    <a:lnR w="6350" cap="flat" cmpd="sng" algn="ctr">
+                      <a:solidFill>
+                        <a:srgbClr val="000000"/>
+                      </a:solidFill>
+                      <a:prstDash val="solid"/>
+                      <a:round/>
+                      <a:headEnd type="none" w="med" len="med"/>
+                      <a:tailEnd type="none" w="med" len="med"/>
+                    </a:lnR>
+                    <a:lnT w="6350" cap="flat" cmpd="sng" algn="ctr">
+                      <a:solidFill>
+                        <a:srgbClr val="000000"/>
+                      </a:solidFill>
+                      <a:prstDash val="solid"/>
+                      <a:round/>
+                      <a:headEnd type="none" w="med" len="med"/>
+                      <a:tailEnd type="none" w="med" len="med"/>
+                    </a:lnT>
+                    <a:lnB w="6350" cap="flat" cmpd="sng" algn="ctr">
+                      <a:solidFill>
+                        <a:srgbClr val="000000"/>
+                      </a:solidFill>
+                      <a:prstDash val="solid"/>
+                      <a:round/>
+                      <a:headEnd type="none" w="med" len="med"/>
+                      <a:tailEnd type="none" w="med" len="med"/>
+                    </a:lnB>
+                    <a:solidFill>
+                      <a:srgbClr val="FFFFFF"/>
+                    </a:solidFill>
+                  </a:tcPr>
+                </a:tc>
+                <a:tc>
+                  <a:txBody>
+                    <a:bodyPr/>
+                    <a:lstStyle/>
+                    <a:p>
+                      <a:pPr algn="ctr"/>
+                      <a:r>
+                        <a:rPr lang="en-US">
+                          <a:effectLst/>
+                        </a:rPr>
+                        <a:t>42</a:t>
+                      </a:r>
+                    </a:p>
+                  </a:txBody>
+                  <a:tcPr>
+                    <a:lnL w="6350" cap="flat" cmpd="sng" algn="ctr">
+                      <a:solidFill>
+                        <a:srgbClr val="000000"/>
+                      </a:solidFill>
+                      <a:prstDash val="solid"/>
+                      <a:round/>
+                      <a:headEnd type="none" w="med" len="med"/>
+                      <a:tailEnd type="none" w="med" len="med"/>
+                    </a:lnL>
+                    <a:lnR w="6350" cap="flat" cmpd="sng" algn="ctr">
+                      <a:solidFill>
+                        <a:srgbClr val="000000"/>
+                      </a:solidFill>
+                      <a:prstDash val="solid"/>
+                      <a:round/>
+                      <a:headEnd type="none" w="med" len="med"/>
+                      <a:tailEnd type="none" w="med" len="med"/>
+                    </a:lnR>
+                    <a:lnT w="6350" cap="flat" cmpd="sng" algn="ctr">
+                      <a:solidFill>
+                        <a:srgbClr val="000000"/>
+                      </a:solidFill>
+                      <a:prstDash val="solid"/>
+                      <a:round/>
+                      <a:headEnd type="none" w="med" len="med"/>
+                      <a:tailEnd type="none" w="med" len="med"/>
+                    </a:lnT>
+                    <a:lnB w="6350" cap="flat" cmpd="sng" algn="ctr">
+                      <a:solidFill>
+                        <a:srgbClr val="000000"/>
+                      </a:solidFill>
+                      <a:prstDash val="solid"/>
+                      <a:round/>
+                      <a:headEnd type="none" w="med" len="med"/>
+                      <a:tailEnd type="none" w="med" len="med"/>
+                    </a:lnB>
+                    <a:solidFill>
+                      <a:srgbClr val="FFFFFF"/>
+                    </a:solidFill>
+                  </a:tcPr>
+                </a:tc>
+                <a:tc>
+                  <a:txBody>
+                    <a:bodyPr/>
+                    <a:lstStyle/>
+                    <a:p>
+                      <a:pPr algn="ctr"/>
+                      <a:r>
+                        <a:rPr lang="en-US" dirty="0">
+                          <a:effectLst/>
+                        </a:rPr>
+                        <a:t>0.58 (0.11)</a:t>
+                      </a:r>
+                    </a:p>
+                  </a:txBody>
+                  <a:tcPr>
+                    <a:lnL w="6350" cap="flat" cmpd="sng" algn="ctr">
+                      <a:solidFill>
+                        <a:srgbClr val="000000"/>
+                      </a:solidFill>
+                      <a:prstDash val="solid"/>
+                      <a:round/>
+                      <a:headEnd type="none" w="med" len="med"/>
+                      <a:tailEnd type="none" w="med" len="med"/>
+                    </a:lnL>
+                    <a:lnR w="6350" cap="flat" cmpd="sng" algn="ctr">
+                      <a:solidFill>
+                        <a:srgbClr val="000000"/>
+                      </a:solidFill>
+                      <a:prstDash val="solid"/>
+                      <a:round/>
+                      <a:headEnd type="none" w="med" len="med"/>
+                      <a:tailEnd type="none" w="med" len="med"/>
+                    </a:lnR>
+                    <a:lnT w="6350" cap="flat" cmpd="sng" algn="ctr">
+                      <a:solidFill>
+                        <a:srgbClr val="000000"/>
+                      </a:solidFill>
+                      <a:prstDash val="solid"/>
+                      <a:round/>
+                      <a:headEnd type="none" w="med" len="med"/>
+                      <a:tailEnd type="none" w="med" len="med"/>
+                    </a:lnT>
+                    <a:lnB w="6350" cap="flat" cmpd="sng" algn="ctr">
+                      <a:solidFill>
+                        <a:srgbClr val="000000"/>
+                      </a:solidFill>
+                      <a:prstDash val="solid"/>
+                      <a:round/>
+                      <a:headEnd type="none" w="med" len="med"/>
+                      <a:tailEnd type="none" w="med" len="med"/>
+                    </a:lnB>
+                    <a:solidFill>
+                      <a:srgbClr val="FFFFFF"/>
+                    </a:solidFill>
+                  </a:tcPr>
+                </a:tc>
+                <a:extLst>
+                  <a:ext uri="{0D108BD9-81ED-4DB2-BD59-A6C34878D82A}">
+                    <a16:rowId xmlns:a16="http://schemas.microsoft.com/office/drawing/2014/main" val="3230162754"/>
+                  </a:ext>
+                </a:extLst>
+              </a:tr>
+              <a:tr h="0">
+                <a:tc>
+                  <a:txBody>
+                    <a:bodyPr/>
+                    <a:lstStyle/>
+                    <a:p>
+                      <a:pPr marL="0" marR="0" lvl="0" indent="0" algn="l" defTabSz="457200" rtl="0" eaLnBrk="1" fontAlgn="auto" latinLnBrk="0" hangingPunct="1">
+                        <a:lnSpc>
+                          <a:spcPct val="100000"/>
+                        </a:lnSpc>
+                        <a:spcBef>
+                          <a:spcPts val="0"/>
+                        </a:spcBef>
+                        <a:spcAft>
+                          <a:spcPts val="0"/>
+                        </a:spcAft>
+                        <a:buClrTx/>
+                        <a:buSzTx/>
+                        <a:buFontTx/>
+                        <a:buNone/>
+                        <a:tabLst/>
+                        <a:defRPr/>
+                      </a:pPr>
+                      <a:r>
+                        <a:rPr lang="en-US" dirty="0">
+                          <a:effectLst/>
+                        </a:rPr>
+                        <a:t>AYATS</a:t>
+                      </a:r>
+                    </a:p>
+                    <a:p>
+                      <a:pPr algn="l"/>
+                      <a:r>
+                        <a:rPr lang="en-US" i="1" dirty="0">
+                          <a:effectLst/>
+                        </a:rPr>
+                        <a:t>trans</a:t>
+                      </a:r>
+                      <a:endParaRPr lang="en-US" dirty="0">
+                        <a:effectLst/>
+                      </a:endParaRPr>
+                    </a:p>
+                  </a:txBody>
+                  <a:tcPr>
+                    <a:lnL w="6350" cap="flat" cmpd="sng" algn="ctr">
+                      <a:solidFill>
+                        <a:srgbClr val="000000"/>
+                      </a:solidFill>
+                      <a:prstDash val="solid"/>
+                      <a:round/>
+                      <a:headEnd type="none" w="med" len="med"/>
+                      <a:tailEnd type="none" w="med" len="med"/>
+                    </a:lnL>
+                    <a:lnR w="6350" cap="flat" cmpd="sng" algn="ctr">
+                      <a:solidFill>
+                        <a:srgbClr val="000000"/>
+                      </a:solidFill>
+                      <a:prstDash val="solid"/>
+                      <a:round/>
+                      <a:headEnd type="none" w="med" len="med"/>
+                      <a:tailEnd type="none" w="med" len="med"/>
+                    </a:lnR>
+                    <a:lnT w="6350" cap="flat" cmpd="sng" algn="ctr">
+                      <a:solidFill>
+                        <a:srgbClr val="000000"/>
+                      </a:solidFill>
+                      <a:prstDash val="solid"/>
+                      <a:round/>
+                      <a:headEnd type="none" w="med" len="med"/>
+                      <a:tailEnd type="none" w="med" len="med"/>
+                    </a:lnT>
+                    <a:lnB w="6350" cap="flat" cmpd="sng" algn="ctr">
+                      <a:solidFill>
+                        <a:srgbClr val="000000"/>
+                      </a:solidFill>
+                      <a:prstDash val="solid"/>
+                      <a:round/>
+                      <a:headEnd type="none" w="med" len="med"/>
+                      <a:tailEnd type="none" w="med" len="med"/>
+                    </a:lnB>
+                    <a:solidFill>
+                      <a:srgbClr val="FFFFFF"/>
+                    </a:solidFill>
+                  </a:tcPr>
+                </a:tc>
+                <a:tc>
+                  <a:txBody>
+                    <a:bodyPr/>
+                    <a:lstStyle/>
+                    <a:p>
+                      <a:pPr algn="ctr"/>
+                      <a:r>
+                        <a:rPr lang="en-US">
+                          <a:effectLst/>
+                        </a:rPr>
+                        <a:t>734</a:t>
+                      </a:r>
+                    </a:p>
+                  </a:txBody>
+                  <a:tcPr>
+                    <a:lnL w="6350" cap="flat" cmpd="sng" algn="ctr">
+                      <a:solidFill>
+                        <a:srgbClr val="000000"/>
+                      </a:solidFill>
+                      <a:prstDash val="solid"/>
+                      <a:round/>
+                      <a:headEnd type="none" w="med" len="med"/>
+                      <a:tailEnd type="none" w="med" len="med"/>
+                    </a:lnL>
+                    <a:lnR w="6350" cap="flat" cmpd="sng" algn="ctr">
+                      <a:solidFill>
+                        <a:srgbClr val="000000"/>
+                      </a:solidFill>
+                      <a:prstDash val="solid"/>
+                      <a:round/>
+                      <a:headEnd type="none" w="med" len="med"/>
+                      <a:tailEnd type="none" w="med" len="med"/>
+                    </a:lnR>
+                    <a:lnT w="6350" cap="flat" cmpd="sng" algn="ctr">
+                      <a:solidFill>
+                        <a:srgbClr val="000000"/>
+                      </a:solidFill>
+                      <a:prstDash val="solid"/>
+                      <a:round/>
+                      <a:headEnd type="none" w="med" len="med"/>
+                      <a:tailEnd type="none" w="med" len="med"/>
+                    </a:lnT>
+                    <a:lnB w="6350" cap="flat" cmpd="sng" algn="ctr">
+                      <a:solidFill>
+                        <a:srgbClr val="000000"/>
+                      </a:solidFill>
+                      <a:prstDash val="solid"/>
+                      <a:round/>
+                      <a:headEnd type="none" w="med" len="med"/>
+                      <a:tailEnd type="none" w="med" len="med"/>
+                    </a:lnB>
+                    <a:solidFill>
+                      <a:srgbClr val="FFFFFF"/>
+                    </a:solidFill>
+                  </a:tcPr>
+                </a:tc>
+                <a:tc>
+                  <a:txBody>
+                    <a:bodyPr/>
+                    <a:lstStyle/>
+                    <a:p>
+                      <a:pPr algn="ctr"/>
+                      <a:r>
+                        <a:rPr lang="en-US">
+                          <a:effectLst/>
+                        </a:rPr>
+                        <a:t>78% negative</a:t>
+                      </a:r>
+                    </a:p>
+                  </a:txBody>
+                  <a:tcPr>
+                    <a:lnL w="6350" cap="flat" cmpd="sng" algn="ctr">
+                      <a:solidFill>
+                        <a:srgbClr val="000000"/>
+                      </a:solidFill>
+                      <a:prstDash val="solid"/>
+                      <a:round/>
+                      <a:headEnd type="none" w="med" len="med"/>
+                      <a:tailEnd type="none" w="med" len="med"/>
+                    </a:lnL>
+                    <a:lnR w="6350" cap="flat" cmpd="sng" algn="ctr">
+                      <a:solidFill>
+                        <a:srgbClr val="000000"/>
+                      </a:solidFill>
+                      <a:prstDash val="solid"/>
+                      <a:round/>
+                      <a:headEnd type="none" w="med" len="med"/>
+                      <a:tailEnd type="none" w="med" len="med"/>
+                    </a:lnR>
+                    <a:lnT w="6350" cap="flat" cmpd="sng" algn="ctr">
+                      <a:solidFill>
+                        <a:srgbClr val="000000"/>
+                      </a:solidFill>
+                      <a:prstDash val="solid"/>
+                      <a:round/>
+                      <a:headEnd type="none" w="med" len="med"/>
+                      <a:tailEnd type="none" w="med" len="med"/>
+                    </a:lnT>
+                    <a:lnB w="6350" cap="flat" cmpd="sng" algn="ctr">
+                      <a:solidFill>
+                        <a:srgbClr val="000000"/>
+                      </a:solidFill>
+                      <a:prstDash val="solid"/>
+                      <a:round/>
+                      <a:headEnd type="none" w="med" len="med"/>
+                      <a:tailEnd type="none" w="med" len="med"/>
+                    </a:lnB>
+                    <a:solidFill>
+                      <a:srgbClr val="FFFFFF"/>
+                    </a:solidFill>
+                  </a:tcPr>
+                </a:tc>
+                <a:tc>
+                  <a:txBody>
+                    <a:bodyPr/>
+                    <a:lstStyle/>
+                    <a:p>
+                      <a:pPr algn="ctr"/>
+                      <a:r>
+                        <a:rPr lang="en-US">
+                          <a:effectLst/>
+                        </a:rPr>
+                        <a:t>266</a:t>
+                      </a:r>
+                    </a:p>
+                  </a:txBody>
+                  <a:tcPr>
+                    <a:lnL w="6350" cap="flat" cmpd="sng" algn="ctr">
+                      <a:solidFill>
+                        <a:srgbClr val="000000"/>
+                      </a:solidFill>
+                      <a:prstDash val="solid"/>
+                      <a:round/>
+                      <a:headEnd type="none" w="med" len="med"/>
+                      <a:tailEnd type="none" w="med" len="med"/>
+                    </a:lnL>
+                    <a:lnR w="6350" cap="flat" cmpd="sng" algn="ctr">
+                      <a:solidFill>
+                        <a:srgbClr val="000000"/>
+                      </a:solidFill>
+                      <a:prstDash val="solid"/>
+                      <a:round/>
+                      <a:headEnd type="none" w="med" len="med"/>
+                      <a:tailEnd type="none" w="med" len="med"/>
+                    </a:lnR>
+                    <a:lnT w="6350" cap="flat" cmpd="sng" algn="ctr">
+                      <a:solidFill>
+                        <a:srgbClr val="000000"/>
+                      </a:solidFill>
+                      <a:prstDash val="solid"/>
+                      <a:round/>
+                      <a:headEnd type="none" w="med" len="med"/>
+                      <a:tailEnd type="none" w="med" len="med"/>
+                    </a:lnT>
+                    <a:lnB w="6350" cap="flat" cmpd="sng" algn="ctr">
+                      <a:solidFill>
+                        <a:srgbClr val="000000"/>
+                      </a:solidFill>
+                      <a:prstDash val="solid"/>
+                      <a:round/>
+                      <a:headEnd type="none" w="med" len="med"/>
+                      <a:tailEnd type="none" w="med" len="med"/>
+                    </a:lnB>
+                    <a:solidFill>
+                      <a:srgbClr val="FFFFFF"/>
+                    </a:solidFill>
+                  </a:tcPr>
+                </a:tc>
+                <a:tc>
+                  <a:txBody>
+                    <a:bodyPr/>
+                    <a:lstStyle/>
+                    <a:p>
+                      <a:pPr algn="ctr"/>
+                      <a:r>
+                        <a:rPr lang="en-US">
+                          <a:effectLst/>
+                        </a:rPr>
+                        <a:t>96</a:t>
+                      </a:r>
+                    </a:p>
+                  </a:txBody>
+                  <a:tcPr>
+                    <a:lnL w="6350" cap="flat" cmpd="sng" algn="ctr">
+                      <a:solidFill>
+                        <a:srgbClr val="000000"/>
+                      </a:solidFill>
+                      <a:prstDash val="solid"/>
+                      <a:round/>
+                      <a:headEnd type="none" w="med" len="med"/>
+                      <a:tailEnd type="none" w="med" len="med"/>
+                    </a:lnL>
+                    <a:lnR w="6350" cap="flat" cmpd="sng" algn="ctr">
+                      <a:solidFill>
+                        <a:srgbClr val="000000"/>
+                      </a:solidFill>
+                      <a:prstDash val="solid"/>
+                      <a:round/>
+                      <a:headEnd type="none" w="med" len="med"/>
+                      <a:tailEnd type="none" w="med" len="med"/>
+                    </a:lnR>
+                    <a:lnT w="6350" cap="flat" cmpd="sng" algn="ctr">
+                      <a:solidFill>
+                        <a:srgbClr val="000000"/>
+                      </a:solidFill>
+                      <a:prstDash val="solid"/>
+                      <a:round/>
+                      <a:headEnd type="none" w="med" len="med"/>
+                      <a:tailEnd type="none" w="med" len="med"/>
+                    </a:lnT>
+                    <a:lnB w="6350" cap="flat" cmpd="sng" algn="ctr">
+                      <a:solidFill>
+                        <a:srgbClr val="000000"/>
+                      </a:solidFill>
+                      <a:prstDash val="solid"/>
+                      <a:round/>
+                      <a:headEnd type="none" w="med" len="med"/>
+                      <a:tailEnd type="none" w="med" len="med"/>
+                    </a:lnB>
+                    <a:solidFill>
+                      <a:srgbClr val="FFFFFF"/>
+                    </a:solidFill>
+                  </a:tcPr>
+                </a:tc>
+                <a:tc>
+                  <a:txBody>
+                    <a:bodyPr/>
+                    <a:lstStyle/>
+                    <a:p>
+                      <a:pPr algn="ctr"/>
+                      <a:r>
+                        <a:rPr lang="en-US" dirty="0">
+                          <a:effectLst/>
+                        </a:rPr>
+                        <a:t>0.48 (0.10)</a:t>
+                      </a:r>
+                    </a:p>
+                  </a:txBody>
+                  <a:tcPr>
+                    <a:lnL w="6350" cap="flat" cmpd="sng" algn="ctr">
+                      <a:solidFill>
+                        <a:srgbClr val="000000"/>
+                      </a:solidFill>
+                      <a:prstDash val="solid"/>
+                      <a:round/>
+                      <a:headEnd type="none" w="med" len="med"/>
+                      <a:tailEnd type="none" w="med" len="med"/>
+                    </a:lnL>
+                    <a:lnR w="6350" cap="flat" cmpd="sng" algn="ctr">
+                      <a:solidFill>
+                        <a:srgbClr val="000000"/>
+                      </a:solidFill>
+                      <a:prstDash val="solid"/>
+                      <a:round/>
+                      <a:headEnd type="none" w="med" len="med"/>
+                      <a:tailEnd type="none" w="med" len="med"/>
+                    </a:lnR>
+                    <a:lnT w="6350" cap="flat" cmpd="sng" algn="ctr">
+                      <a:solidFill>
+                        <a:srgbClr val="000000"/>
+                      </a:solidFill>
+                      <a:prstDash val="solid"/>
+                      <a:round/>
+                      <a:headEnd type="none" w="med" len="med"/>
+                      <a:tailEnd type="none" w="med" len="med"/>
+                    </a:lnT>
+                    <a:lnB w="6350" cap="flat" cmpd="sng" algn="ctr">
+                      <a:solidFill>
+                        <a:srgbClr val="000000"/>
+                      </a:solidFill>
+                      <a:prstDash val="solid"/>
+                      <a:round/>
+                      <a:headEnd type="none" w="med" len="med"/>
+                      <a:tailEnd type="none" w="med" len="med"/>
+                    </a:lnB>
+                    <a:solidFill>
+                      <a:srgbClr val="FFFFFF"/>
+                    </a:solidFill>
+                  </a:tcPr>
+                </a:tc>
+                <a:extLst>
+                  <a:ext uri="{0D108BD9-81ED-4DB2-BD59-A6C34878D82A}">
+                    <a16:rowId xmlns:a16="http://schemas.microsoft.com/office/drawing/2014/main" val="2978405454"/>
+                  </a:ext>
+                </a:extLst>
+              </a:tr>
+              <a:tr h="0">
+                <a:tc>
+                  <a:txBody>
+                    <a:bodyPr/>
+                    <a:lstStyle/>
+                    <a:p>
+                      <a:pPr algn="l"/>
+                      <a:r>
+                        <a:rPr lang="en-US" dirty="0">
+                          <a:effectLst/>
+                        </a:rPr>
+                        <a:t>PREG </a:t>
+                      </a:r>
+                      <a:r>
+                        <a:rPr lang="en-US" i="1" dirty="0">
+                          <a:effectLst/>
+                        </a:rPr>
+                        <a:t>cis</a:t>
+                      </a:r>
+                      <a:endParaRPr lang="en-US" dirty="0">
+                        <a:effectLst/>
+                      </a:endParaRPr>
+                    </a:p>
+                  </a:txBody>
+                  <a:tcPr>
+                    <a:lnL w="6350" cap="flat" cmpd="sng" algn="ctr">
+                      <a:solidFill>
+                        <a:srgbClr val="000000"/>
+                      </a:solidFill>
+                      <a:prstDash val="solid"/>
+                      <a:round/>
+                      <a:headEnd type="none" w="med" len="med"/>
+                      <a:tailEnd type="none" w="med" len="med"/>
+                    </a:lnL>
+                    <a:lnR w="6350" cap="flat" cmpd="sng" algn="ctr">
+                      <a:solidFill>
+                        <a:srgbClr val="000000"/>
+                      </a:solidFill>
+                      <a:prstDash val="solid"/>
+                      <a:round/>
+                      <a:headEnd type="none" w="med" len="med"/>
+                      <a:tailEnd type="none" w="med" len="med"/>
+                    </a:lnR>
+                    <a:lnT w="6350" cap="flat" cmpd="sng" algn="ctr">
+                      <a:solidFill>
+                        <a:srgbClr val="000000"/>
+                      </a:solidFill>
+                      <a:prstDash val="solid"/>
+                      <a:round/>
+                      <a:headEnd type="none" w="med" len="med"/>
+                      <a:tailEnd type="none" w="med" len="med"/>
+                    </a:lnT>
+                    <a:lnB w="6350" cap="flat" cmpd="sng" algn="ctr">
+                      <a:solidFill>
+                        <a:srgbClr val="000000"/>
+                      </a:solidFill>
+                      <a:prstDash val="solid"/>
+                      <a:round/>
+                      <a:headEnd type="none" w="med" len="med"/>
+                      <a:tailEnd type="none" w="med" len="med"/>
+                    </a:lnB>
+                    <a:solidFill>
+                      <a:srgbClr val="FFFFFF"/>
+                    </a:solidFill>
+                  </a:tcPr>
+                </a:tc>
+                <a:tc>
+                  <a:txBody>
+                    <a:bodyPr/>
+                    <a:lstStyle/>
+                    <a:p>
+                      <a:pPr algn="ctr"/>
+                      <a:r>
+                        <a:rPr lang="en-US">
+                          <a:effectLst/>
+                        </a:rPr>
+                        <a:t>121</a:t>
+                      </a:r>
+                    </a:p>
+                  </a:txBody>
+                  <a:tcPr>
+                    <a:lnL w="6350" cap="flat" cmpd="sng" algn="ctr">
+                      <a:solidFill>
+                        <a:srgbClr val="000000"/>
+                      </a:solidFill>
+                      <a:prstDash val="solid"/>
+                      <a:round/>
+                      <a:headEnd type="none" w="med" len="med"/>
+                      <a:tailEnd type="none" w="med" len="med"/>
+                    </a:lnL>
+                    <a:lnR w="6350" cap="flat" cmpd="sng" algn="ctr">
+                      <a:solidFill>
+                        <a:srgbClr val="000000"/>
+                      </a:solidFill>
+                      <a:prstDash val="solid"/>
+                      <a:round/>
+                      <a:headEnd type="none" w="med" len="med"/>
+                      <a:tailEnd type="none" w="med" len="med"/>
+                    </a:lnR>
+                    <a:lnT w="6350" cap="flat" cmpd="sng" algn="ctr">
+                      <a:solidFill>
+                        <a:srgbClr val="000000"/>
+                      </a:solidFill>
+                      <a:prstDash val="solid"/>
+                      <a:round/>
+                      <a:headEnd type="none" w="med" len="med"/>
+                      <a:tailEnd type="none" w="med" len="med"/>
+                    </a:lnT>
+                    <a:lnB w="6350" cap="flat" cmpd="sng" algn="ctr">
+                      <a:solidFill>
+                        <a:srgbClr val="000000"/>
+                      </a:solidFill>
+                      <a:prstDash val="solid"/>
+                      <a:round/>
+                      <a:headEnd type="none" w="med" len="med"/>
+                      <a:tailEnd type="none" w="med" len="med"/>
+                    </a:lnB>
+                    <a:solidFill>
+                      <a:srgbClr val="FFFFFF"/>
+                    </a:solidFill>
+                  </a:tcPr>
+                </a:tc>
+                <a:tc>
+                  <a:txBody>
+                    <a:bodyPr/>
+                    <a:lstStyle/>
+                    <a:p>
+                      <a:pPr algn="ctr"/>
+                      <a:r>
+                        <a:rPr lang="en-US">
+                          <a:effectLst/>
+                        </a:rPr>
+                        <a:t>79% negative</a:t>
+                      </a:r>
+                    </a:p>
+                  </a:txBody>
+                  <a:tcPr>
+                    <a:lnL w="6350" cap="flat" cmpd="sng" algn="ctr">
+                      <a:solidFill>
+                        <a:srgbClr val="000000"/>
+                      </a:solidFill>
+                      <a:prstDash val="solid"/>
+                      <a:round/>
+                      <a:headEnd type="none" w="med" len="med"/>
+                      <a:tailEnd type="none" w="med" len="med"/>
+                    </a:lnL>
+                    <a:lnR w="6350" cap="flat" cmpd="sng" algn="ctr">
+                      <a:solidFill>
+                        <a:srgbClr val="000000"/>
+                      </a:solidFill>
+                      <a:prstDash val="solid"/>
+                      <a:round/>
+                      <a:headEnd type="none" w="med" len="med"/>
+                      <a:tailEnd type="none" w="med" len="med"/>
+                    </a:lnR>
+                    <a:lnT w="6350" cap="flat" cmpd="sng" algn="ctr">
+                      <a:solidFill>
+                        <a:srgbClr val="000000"/>
+                      </a:solidFill>
+                      <a:prstDash val="solid"/>
+                      <a:round/>
+                      <a:headEnd type="none" w="med" len="med"/>
+                      <a:tailEnd type="none" w="med" len="med"/>
+                    </a:lnT>
+                    <a:lnB w="6350" cap="flat" cmpd="sng" algn="ctr">
+                      <a:solidFill>
+                        <a:srgbClr val="000000"/>
+                      </a:solidFill>
+                      <a:prstDash val="solid"/>
+                      <a:round/>
+                      <a:headEnd type="none" w="med" len="med"/>
+                      <a:tailEnd type="none" w="med" len="med"/>
+                    </a:lnB>
+                    <a:solidFill>
+                      <a:srgbClr val="FFFFFF"/>
+                    </a:solidFill>
+                  </a:tcPr>
+                </a:tc>
+                <a:tc>
+                  <a:txBody>
+                    <a:bodyPr/>
+                    <a:lstStyle/>
+                    <a:p>
+                      <a:pPr algn="ctr"/>
+                      <a:r>
+                        <a:rPr lang="en-US">
+                          <a:effectLst/>
+                        </a:rPr>
+                        <a:t>87</a:t>
+                      </a:r>
+                    </a:p>
+                  </a:txBody>
+                  <a:tcPr>
+                    <a:lnL w="6350" cap="flat" cmpd="sng" algn="ctr">
+                      <a:solidFill>
+                        <a:srgbClr val="000000"/>
+                      </a:solidFill>
+                      <a:prstDash val="solid"/>
+                      <a:round/>
+                      <a:headEnd type="none" w="med" len="med"/>
+                      <a:tailEnd type="none" w="med" len="med"/>
+                    </a:lnL>
+                    <a:lnR w="6350" cap="flat" cmpd="sng" algn="ctr">
+                      <a:solidFill>
+                        <a:srgbClr val="000000"/>
+                      </a:solidFill>
+                      <a:prstDash val="solid"/>
+                      <a:round/>
+                      <a:headEnd type="none" w="med" len="med"/>
+                      <a:tailEnd type="none" w="med" len="med"/>
+                    </a:lnR>
+                    <a:lnT w="6350" cap="flat" cmpd="sng" algn="ctr">
+                      <a:solidFill>
+                        <a:srgbClr val="000000"/>
+                      </a:solidFill>
+                      <a:prstDash val="solid"/>
+                      <a:round/>
+                      <a:headEnd type="none" w="med" len="med"/>
+                      <a:tailEnd type="none" w="med" len="med"/>
+                    </a:lnT>
+                    <a:lnB w="6350" cap="flat" cmpd="sng" algn="ctr">
+                      <a:solidFill>
+                        <a:srgbClr val="000000"/>
+                      </a:solidFill>
+                      <a:prstDash val="solid"/>
+                      <a:round/>
+                      <a:headEnd type="none" w="med" len="med"/>
+                      <a:tailEnd type="none" w="med" len="med"/>
+                    </a:lnB>
+                    <a:solidFill>
+                      <a:srgbClr val="FFFFFF"/>
+                    </a:solidFill>
+                  </a:tcPr>
+                </a:tc>
+                <a:tc>
+                  <a:txBody>
+                    <a:bodyPr/>
+                    <a:lstStyle/>
+                    <a:p>
+                      <a:pPr algn="ctr"/>
+                      <a:r>
+                        <a:rPr lang="en-US">
+                          <a:effectLst/>
+                        </a:rPr>
+                        <a:t>31</a:t>
+                      </a:r>
+                    </a:p>
+                  </a:txBody>
+                  <a:tcPr>
+                    <a:lnL w="6350" cap="flat" cmpd="sng" algn="ctr">
+                      <a:solidFill>
+                        <a:srgbClr val="000000"/>
+                      </a:solidFill>
+                      <a:prstDash val="solid"/>
+                      <a:round/>
+                      <a:headEnd type="none" w="med" len="med"/>
+                      <a:tailEnd type="none" w="med" len="med"/>
+                    </a:lnL>
+                    <a:lnR w="6350" cap="flat" cmpd="sng" algn="ctr">
+                      <a:solidFill>
+                        <a:srgbClr val="000000"/>
+                      </a:solidFill>
+                      <a:prstDash val="solid"/>
+                      <a:round/>
+                      <a:headEnd type="none" w="med" len="med"/>
+                      <a:tailEnd type="none" w="med" len="med"/>
+                    </a:lnR>
+                    <a:lnT w="6350" cap="flat" cmpd="sng" algn="ctr">
+                      <a:solidFill>
+                        <a:srgbClr val="000000"/>
+                      </a:solidFill>
+                      <a:prstDash val="solid"/>
+                      <a:round/>
+                      <a:headEnd type="none" w="med" len="med"/>
+                      <a:tailEnd type="none" w="med" len="med"/>
+                    </a:lnT>
+                    <a:lnB w="6350" cap="flat" cmpd="sng" algn="ctr">
+                      <a:solidFill>
+                        <a:srgbClr val="000000"/>
+                      </a:solidFill>
+                      <a:prstDash val="solid"/>
+                      <a:round/>
+                      <a:headEnd type="none" w="med" len="med"/>
+                      <a:tailEnd type="none" w="med" len="med"/>
+                    </a:lnB>
+                    <a:solidFill>
+                      <a:srgbClr val="FFFFFF"/>
+                    </a:solidFill>
+                  </a:tcPr>
+                </a:tc>
+                <a:tc>
+                  <a:txBody>
+                    <a:bodyPr/>
+                    <a:lstStyle/>
+                    <a:p>
+                      <a:pPr algn="ctr"/>
+                      <a:r>
+                        <a:rPr lang="en-US" dirty="0">
+                          <a:effectLst/>
+                        </a:rPr>
+                        <a:t>0.46 (0.10)</a:t>
+                      </a:r>
+                    </a:p>
+                  </a:txBody>
+                  <a:tcPr>
+                    <a:lnL w="6350" cap="flat" cmpd="sng" algn="ctr">
+                      <a:solidFill>
+                        <a:srgbClr val="000000"/>
+                      </a:solidFill>
+                      <a:prstDash val="solid"/>
+                      <a:round/>
+                      <a:headEnd type="none" w="med" len="med"/>
+                      <a:tailEnd type="none" w="med" len="med"/>
+                    </a:lnL>
+                    <a:lnR w="6350" cap="flat" cmpd="sng" algn="ctr">
+                      <a:solidFill>
+                        <a:srgbClr val="000000"/>
+                      </a:solidFill>
+                      <a:prstDash val="solid"/>
+                      <a:round/>
+                      <a:headEnd type="none" w="med" len="med"/>
+                      <a:tailEnd type="none" w="med" len="med"/>
+                    </a:lnR>
+                    <a:lnT w="6350" cap="flat" cmpd="sng" algn="ctr">
+                      <a:solidFill>
+                        <a:srgbClr val="000000"/>
+                      </a:solidFill>
+                      <a:prstDash val="solid"/>
+                      <a:round/>
+                      <a:headEnd type="none" w="med" len="med"/>
+                      <a:tailEnd type="none" w="med" len="med"/>
+                    </a:lnT>
+                    <a:lnB w="6350" cap="flat" cmpd="sng" algn="ctr">
+                      <a:solidFill>
+                        <a:srgbClr val="000000"/>
+                      </a:solidFill>
+                      <a:prstDash val="solid"/>
+                      <a:round/>
+                      <a:headEnd type="none" w="med" len="med"/>
+                      <a:tailEnd type="none" w="med" len="med"/>
+                    </a:lnB>
+                    <a:solidFill>
+                      <a:srgbClr val="FFFFFF"/>
+                    </a:solidFill>
+                  </a:tcPr>
+                </a:tc>
+                <a:extLst>
+                  <a:ext uri="{0D108BD9-81ED-4DB2-BD59-A6C34878D82A}">
+                    <a16:rowId xmlns:a16="http://schemas.microsoft.com/office/drawing/2014/main" val="179736458"/>
+                  </a:ext>
+                </a:extLst>
+              </a:tr>
+              <a:tr h="0">
+                <a:tc>
+                  <a:txBody>
+                    <a:bodyPr/>
+                    <a:lstStyle/>
+                    <a:p>
+                      <a:pPr algn="l"/>
+                      <a:r>
+                        <a:rPr lang="en-US" dirty="0">
+                          <a:effectLst/>
+                        </a:rPr>
+                        <a:t>PREG </a:t>
+                      </a:r>
+                      <a:r>
+                        <a:rPr lang="en-US" i="1" dirty="0">
+                          <a:effectLst/>
+                        </a:rPr>
+                        <a:t>trans</a:t>
+                      </a:r>
+                      <a:endParaRPr lang="en-US" dirty="0">
+                        <a:effectLst/>
+                      </a:endParaRPr>
+                    </a:p>
+                  </a:txBody>
+                  <a:tcPr>
+                    <a:lnL w="6350" cap="flat" cmpd="sng" algn="ctr">
+                      <a:solidFill>
+                        <a:srgbClr val="000000"/>
+                      </a:solidFill>
+                      <a:prstDash val="solid"/>
+                      <a:round/>
+                      <a:headEnd type="none" w="med" len="med"/>
+                      <a:tailEnd type="none" w="med" len="med"/>
+                    </a:lnL>
+                    <a:lnR w="6350" cap="flat" cmpd="sng" algn="ctr">
+                      <a:solidFill>
+                        <a:srgbClr val="000000"/>
+                      </a:solidFill>
+                      <a:prstDash val="solid"/>
+                      <a:round/>
+                      <a:headEnd type="none" w="med" len="med"/>
+                      <a:tailEnd type="none" w="med" len="med"/>
+                    </a:lnR>
+                    <a:lnT w="6350" cap="flat" cmpd="sng" algn="ctr">
+                      <a:solidFill>
+                        <a:srgbClr val="000000"/>
+                      </a:solidFill>
+                      <a:prstDash val="solid"/>
+                      <a:round/>
+                      <a:headEnd type="none" w="med" len="med"/>
+                      <a:tailEnd type="none" w="med" len="med"/>
+                    </a:lnT>
+                    <a:lnB w="6350" cap="flat" cmpd="sng" algn="ctr">
+                      <a:solidFill>
+                        <a:srgbClr val="000000"/>
+                      </a:solidFill>
+                      <a:prstDash val="solid"/>
+                      <a:round/>
+                      <a:headEnd type="none" w="med" len="med"/>
+                      <a:tailEnd type="none" w="med" len="med"/>
+                    </a:lnB>
+                    <a:solidFill>
+                      <a:srgbClr val="FFFFFF"/>
+                    </a:solidFill>
+                  </a:tcPr>
+                </a:tc>
+                <a:tc>
+                  <a:txBody>
+                    <a:bodyPr/>
+                    <a:lstStyle/>
+                    <a:p>
+                      <a:pPr algn="ctr"/>
+                      <a:r>
+                        <a:rPr lang="en-US">
+                          <a:effectLst/>
+                        </a:rPr>
+                        <a:t>258</a:t>
+                      </a:r>
+                    </a:p>
+                  </a:txBody>
+                  <a:tcPr>
+                    <a:lnL w="6350" cap="flat" cmpd="sng" algn="ctr">
+                      <a:solidFill>
+                        <a:srgbClr val="000000"/>
+                      </a:solidFill>
+                      <a:prstDash val="solid"/>
+                      <a:round/>
+                      <a:headEnd type="none" w="med" len="med"/>
+                      <a:tailEnd type="none" w="med" len="med"/>
+                    </a:lnL>
+                    <a:lnR w="6350" cap="flat" cmpd="sng" algn="ctr">
+                      <a:solidFill>
+                        <a:srgbClr val="000000"/>
+                      </a:solidFill>
+                      <a:prstDash val="solid"/>
+                      <a:round/>
+                      <a:headEnd type="none" w="med" len="med"/>
+                      <a:tailEnd type="none" w="med" len="med"/>
+                    </a:lnR>
+                    <a:lnT w="6350" cap="flat" cmpd="sng" algn="ctr">
+                      <a:solidFill>
+                        <a:srgbClr val="000000"/>
+                      </a:solidFill>
+                      <a:prstDash val="solid"/>
+                      <a:round/>
+                      <a:headEnd type="none" w="med" len="med"/>
+                      <a:tailEnd type="none" w="med" len="med"/>
+                    </a:lnT>
+                    <a:lnB w="6350" cap="flat" cmpd="sng" algn="ctr">
+                      <a:solidFill>
+                        <a:srgbClr val="000000"/>
+                      </a:solidFill>
+                      <a:prstDash val="solid"/>
+                      <a:round/>
+                      <a:headEnd type="none" w="med" len="med"/>
+                      <a:tailEnd type="none" w="med" len="med"/>
+                    </a:lnB>
+                    <a:solidFill>
+                      <a:srgbClr val="FFFFFF"/>
+                    </a:solidFill>
+                  </a:tcPr>
+                </a:tc>
+                <a:tc>
+                  <a:txBody>
+                    <a:bodyPr/>
+                    <a:lstStyle/>
+                    <a:p>
+                      <a:pPr algn="ctr"/>
+                      <a:r>
+                        <a:rPr lang="en-US" dirty="0">
+                          <a:effectLst/>
+                        </a:rPr>
+                        <a:t>49% negative</a:t>
+                      </a:r>
+                    </a:p>
+                  </a:txBody>
+                  <a:tcPr>
+                    <a:lnL w="6350" cap="flat" cmpd="sng" algn="ctr">
+                      <a:solidFill>
+                        <a:srgbClr val="000000"/>
+                      </a:solidFill>
+                      <a:prstDash val="solid"/>
+                      <a:round/>
+                      <a:headEnd type="none" w="med" len="med"/>
+                      <a:tailEnd type="none" w="med" len="med"/>
+                    </a:lnL>
+                    <a:lnR w="6350" cap="flat" cmpd="sng" algn="ctr">
+                      <a:solidFill>
+                        <a:srgbClr val="000000"/>
+                      </a:solidFill>
+                      <a:prstDash val="solid"/>
+                      <a:round/>
+                      <a:headEnd type="none" w="med" len="med"/>
+                      <a:tailEnd type="none" w="med" len="med"/>
+                    </a:lnR>
+                    <a:lnT w="6350" cap="flat" cmpd="sng" algn="ctr">
+                      <a:solidFill>
+                        <a:srgbClr val="000000"/>
+                      </a:solidFill>
+                      <a:prstDash val="solid"/>
+                      <a:round/>
+                      <a:headEnd type="none" w="med" len="med"/>
+                      <a:tailEnd type="none" w="med" len="med"/>
+                    </a:lnT>
+                    <a:lnB w="6350" cap="flat" cmpd="sng" algn="ctr">
+                      <a:solidFill>
+                        <a:srgbClr val="000000"/>
+                      </a:solidFill>
+                      <a:prstDash val="solid"/>
+                      <a:round/>
+                      <a:headEnd type="none" w="med" len="med"/>
+                      <a:tailEnd type="none" w="med" len="med"/>
+                    </a:lnB>
+                    <a:solidFill>
+                      <a:srgbClr val="FFFFFF"/>
+                    </a:solidFill>
+                  </a:tcPr>
+                </a:tc>
+                <a:tc>
+                  <a:txBody>
+                    <a:bodyPr/>
+                    <a:lstStyle/>
+                    <a:p>
+                      <a:pPr algn="ctr"/>
+                      <a:r>
+                        <a:rPr lang="en-US" dirty="0">
+                          <a:effectLst/>
+                        </a:rPr>
+                        <a:t>156</a:t>
+                      </a:r>
+                    </a:p>
+                  </a:txBody>
+                  <a:tcPr>
+                    <a:lnL w="6350" cap="flat" cmpd="sng" algn="ctr">
+                      <a:solidFill>
+                        <a:srgbClr val="000000"/>
+                      </a:solidFill>
+                      <a:prstDash val="solid"/>
+                      <a:round/>
+                      <a:headEnd type="none" w="med" len="med"/>
+                      <a:tailEnd type="none" w="med" len="med"/>
+                    </a:lnL>
+                    <a:lnR w="6350" cap="flat" cmpd="sng" algn="ctr">
+                      <a:solidFill>
+                        <a:srgbClr val="000000"/>
+                      </a:solidFill>
+                      <a:prstDash val="solid"/>
+                      <a:round/>
+                      <a:headEnd type="none" w="med" len="med"/>
+                      <a:tailEnd type="none" w="med" len="med"/>
+                    </a:lnR>
+                    <a:lnT w="6350" cap="flat" cmpd="sng" algn="ctr">
+                      <a:solidFill>
+                        <a:srgbClr val="000000"/>
+                      </a:solidFill>
+                      <a:prstDash val="solid"/>
+                      <a:round/>
+                      <a:headEnd type="none" w="med" len="med"/>
+                      <a:tailEnd type="none" w="med" len="med"/>
+                    </a:lnT>
+                    <a:lnB w="6350" cap="flat" cmpd="sng" algn="ctr">
+                      <a:solidFill>
+                        <a:srgbClr val="000000"/>
+                      </a:solidFill>
+                      <a:prstDash val="solid"/>
+                      <a:round/>
+                      <a:headEnd type="none" w="med" len="med"/>
+                      <a:tailEnd type="none" w="med" len="med"/>
+                    </a:lnB>
+                    <a:solidFill>
+                      <a:srgbClr val="FFFFFF"/>
+                    </a:solidFill>
+                  </a:tcPr>
+                </a:tc>
+                <a:tc>
+                  <a:txBody>
+                    <a:bodyPr/>
+                    <a:lstStyle/>
+                    <a:p>
+                      <a:pPr algn="ctr"/>
+                      <a:r>
+                        <a:rPr lang="en-US" dirty="0">
+                          <a:effectLst/>
+                        </a:rPr>
+                        <a:t>43</a:t>
+                      </a:r>
+                    </a:p>
+                  </a:txBody>
+                  <a:tcPr>
+                    <a:lnL w="6350" cap="flat" cmpd="sng" algn="ctr">
+                      <a:solidFill>
+                        <a:srgbClr val="000000"/>
+                      </a:solidFill>
+                      <a:prstDash val="solid"/>
+                      <a:round/>
+                      <a:headEnd type="none" w="med" len="med"/>
+                      <a:tailEnd type="none" w="med" len="med"/>
+                    </a:lnL>
+                    <a:lnR w="6350" cap="flat" cmpd="sng" algn="ctr">
+                      <a:solidFill>
+                        <a:srgbClr val="000000"/>
+                      </a:solidFill>
+                      <a:prstDash val="solid"/>
+                      <a:round/>
+                      <a:headEnd type="none" w="med" len="med"/>
+                      <a:tailEnd type="none" w="med" len="med"/>
+                    </a:lnR>
+                    <a:lnT w="6350" cap="flat" cmpd="sng" algn="ctr">
+                      <a:solidFill>
+                        <a:srgbClr val="000000"/>
+                      </a:solidFill>
+                      <a:prstDash val="solid"/>
+                      <a:round/>
+                      <a:headEnd type="none" w="med" len="med"/>
+                      <a:tailEnd type="none" w="med" len="med"/>
+                    </a:lnT>
+                    <a:lnB w="6350" cap="flat" cmpd="sng" algn="ctr">
+                      <a:solidFill>
+                        <a:srgbClr val="000000"/>
+                      </a:solidFill>
+                      <a:prstDash val="solid"/>
+                      <a:round/>
+                      <a:headEnd type="none" w="med" len="med"/>
+                      <a:tailEnd type="none" w="med" len="med"/>
+                    </a:lnB>
+                    <a:solidFill>
+                      <a:srgbClr val="FFFFFF"/>
+                    </a:solidFill>
+                  </a:tcPr>
+                </a:tc>
+                <a:tc>
+                  <a:txBody>
+                    <a:bodyPr/>
+                    <a:lstStyle/>
+                    <a:p>
+                      <a:pPr algn="ctr"/>
+                      <a:r>
+                        <a:rPr lang="en-US" dirty="0">
+                          <a:effectLst/>
+                        </a:rPr>
+                        <a:t>0.40 (0.08)</a:t>
+                      </a:r>
+                    </a:p>
+                  </a:txBody>
+                  <a:tcPr>
+                    <a:lnL w="6350" cap="flat" cmpd="sng" algn="ctr">
+                      <a:solidFill>
+                        <a:srgbClr val="000000"/>
+                      </a:solidFill>
+                      <a:prstDash val="solid"/>
+                      <a:round/>
+                      <a:headEnd type="none" w="med" len="med"/>
+                      <a:tailEnd type="none" w="med" len="med"/>
+                    </a:lnL>
+                    <a:lnR w="6350" cap="flat" cmpd="sng" algn="ctr">
+                      <a:solidFill>
+                        <a:srgbClr val="000000"/>
+                      </a:solidFill>
+                      <a:prstDash val="solid"/>
+                      <a:round/>
+                      <a:headEnd type="none" w="med" len="med"/>
+                      <a:tailEnd type="none" w="med" len="med"/>
+                    </a:lnR>
+                    <a:lnT w="6350" cap="flat" cmpd="sng" algn="ctr">
+                      <a:solidFill>
+                        <a:srgbClr val="000000"/>
+                      </a:solidFill>
+                      <a:prstDash val="solid"/>
+                      <a:round/>
+                      <a:headEnd type="none" w="med" len="med"/>
+                      <a:tailEnd type="none" w="med" len="med"/>
+                    </a:lnT>
+                    <a:lnB w="6350" cap="flat" cmpd="sng" algn="ctr">
+                      <a:solidFill>
+                        <a:srgbClr val="000000"/>
+                      </a:solidFill>
+                      <a:prstDash val="solid"/>
+                      <a:round/>
+                      <a:headEnd type="none" w="med" len="med"/>
+                      <a:tailEnd type="none" w="med" len="med"/>
+                    </a:lnB>
+                    <a:solidFill>
+                      <a:srgbClr val="FFFFFF"/>
+                    </a:solidFill>
+                  </a:tcPr>
+                </a:tc>
+                <a:extLst>
+                  <a:ext uri="{0D108BD9-81ED-4DB2-BD59-A6C34878D82A}">
+                    <a16:rowId xmlns:a16="http://schemas.microsoft.com/office/drawing/2014/main" val="3608286370"/>
+                  </a:ext>
+                </a:extLst>
+              </a:tr>
+            </a:tbl>
+          </a:graphicData>
+        </a:graphic>
+      </p:graphicFrame>
+    </p:spTree>
+    <p:extLst>
+      <p:ext uri="{BB962C8B-B14F-4D97-AF65-F5344CB8AC3E}">
+        <p14:creationId xmlns:p14="http://schemas.microsoft.com/office/powerpoint/2010/main" val="3325839693"/>
+      </p:ext>
+    </p:extLst>
+  </p:cSld>
+  <p:clrMapOvr>
+    <a:masterClrMapping/>
+  </p:clrMapOvr>
+  <p:transition spd="med"/>
+</p:sld>
+</file>
+
+<file path=ppt/slides/slide7.xml><?xml version="1.0" encoding="utf-8"?>
+<p:sld xmlns:a="http://schemas.openxmlformats.org/drawingml/2006/main" xmlns:r="http://schemas.openxmlformats.org/officeDocument/2006/relationships" xmlns:p="http://schemas.openxmlformats.org/presentationml/2006/main">
+  <p:cSld>
+    <p:spTree>
+      <p:nvGrpSpPr>
+        <p:cNvPr id="1" name=""/>
+        <p:cNvGrpSpPr/>
+        <p:nvPr/>
+      </p:nvGrpSpPr>
+      <p:grpSpPr>
+        <a:xfrm>
+          <a:off x="0" y="0"/>
+          <a:ext cx="0" cy="0"/>
+          <a:chOff x="0" y="0"/>
+          <a:chExt cx="0" cy="0"/>
+        </a:xfrm>
+      </p:grpSpPr>
+      <p:sp>
+        <p:nvSpPr>
+          <p:cNvPr id="2" name="Title 1">
+            <a:extLst>
+              <a:ext uri="{FF2B5EF4-FFF2-40B4-BE49-F238E27FC236}">
+                <a16:creationId xmlns:a16="http://schemas.microsoft.com/office/drawing/2014/main" id="{94B1B88A-C0A5-4ABD-6070-17EC654A7BA8}"/>
+              </a:ext>
+            </a:extLst>
+          </p:cNvPr>
+          <p:cNvSpPr>
+            <a:spLocks noGrp="1"/>
+          </p:cNvSpPr>
+          <p:nvPr>
+            <p:ph type="title"/>
+          </p:nvPr>
+        </p:nvSpPr>
+        <p:spPr/>
+        <p:txBody>
+          <a:bodyPr/>
+          <a:lstStyle/>
+          <a:p>
+            <a:r>
+              <a:rPr lang="en-CA" dirty="0"/>
+              <a:t>Linking </a:t>
+            </a:r>
+            <a:r>
+              <a:rPr lang="en-CA" dirty="0" err="1"/>
+              <a:t>DNAm</a:t>
+            </a:r>
+            <a:r>
+              <a:rPr lang="en-CA" dirty="0"/>
+              <a:t> sites to genes, cont.</a:t>
+            </a:r>
+            <a:endParaRPr lang="en-US" dirty="0"/>
+          </a:p>
+        </p:txBody>
+      </p:sp>
+      <p:pic>
+        <p:nvPicPr>
+          <p:cNvPr id="3074" name="Picture 2">
+            <a:extLst>
+              <a:ext uri="{FF2B5EF4-FFF2-40B4-BE49-F238E27FC236}">
+                <a16:creationId xmlns:a16="http://schemas.microsoft.com/office/drawing/2014/main" id="{4BC30ADE-5E6D-057E-BD0C-0CA53354E668}"/>
+              </a:ext>
+            </a:extLst>
+          </p:cNvPr>
+          <p:cNvPicPr>
+            <a:picLocks noGrp="1" noChangeAspect="1" noChangeArrowheads="1"/>
+          </p:cNvPicPr>
+          <p:nvPr>
+            <p:ph idx="1"/>
+          </p:nvPr>
+        </p:nvPicPr>
+        <p:blipFill>
+          <a:blip r:embed="rId2">
+            <a:extLst>
+              <a:ext uri="{28A0092B-C50C-407E-A947-70E740481C1C}">
+                <a14:useLocalDpi xmlns:a14="http://schemas.microsoft.com/office/drawing/2010/main" val="0"/>
+              </a:ext>
+            </a:extLst>
+          </a:blip>
+          <a:srcRect/>
+          <a:stretch>
+            <a:fillRect/>
+          </a:stretch>
+        </p:blipFill>
+        <p:spPr bwMode="auto">
+          <a:xfrm>
+            <a:off x="1045468" y="1690836"/>
+            <a:ext cx="4762500" cy="4762500"/>
+          </a:xfrm>
+          <a:prstGeom prst="rect">
+            <a:avLst/>
+          </a:prstGeom>
+          <a:noFill/>
+          <a:extLst>
+            <a:ext uri="{909E8E84-426E-40DD-AFC4-6F175D3DCCD1}">
+              <a14:hiddenFill xmlns:a14="http://schemas.microsoft.com/office/drawing/2010/main">
+                <a:solidFill>
+                  <a:srgbClr val="FFFFFF"/>
+                </a:solidFill>
+              </a14:hiddenFill>
+            </a:ext>
+          </a:extLst>
+        </p:spPr>
+      </p:pic>
+      <p:pic>
+        <p:nvPicPr>
+          <p:cNvPr id="3076" name="Picture 4">
+            <a:extLst>
+              <a:ext uri="{FF2B5EF4-FFF2-40B4-BE49-F238E27FC236}">
+                <a16:creationId xmlns:a16="http://schemas.microsoft.com/office/drawing/2014/main" id="{02A19BD4-6486-EEC7-DBDB-BB0986D9EE42}"/>
+              </a:ext>
+            </a:extLst>
+          </p:cNvPr>
+          <p:cNvPicPr>
+            <a:picLocks noChangeAspect="1" noChangeArrowheads="1"/>
+          </p:cNvPicPr>
+          <p:nvPr/>
+        </p:nvPicPr>
+        <p:blipFill>
+          <a:blip r:embed="rId3">
+            <a:extLst>
+              <a:ext uri="{28A0092B-C50C-407E-A947-70E740481C1C}">
+                <a14:useLocalDpi xmlns:a14="http://schemas.microsoft.com/office/drawing/2010/main" val="0"/>
+              </a:ext>
+            </a:extLst>
+          </a:blip>
+          <a:srcRect/>
+          <a:stretch>
+            <a:fillRect/>
+          </a:stretch>
+        </p:blipFill>
+        <p:spPr bwMode="auto">
+          <a:xfrm>
+            <a:off x="6384032" y="1700808"/>
+            <a:ext cx="4810606" cy="4762500"/>
+          </a:xfrm>
+          <a:prstGeom prst="rect">
+            <a:avLst/>
+          </a:prstGeom>
+          <a:noFill/>
+          <a:extLst>
+            <a:ext uri="{909E8E84-426E-40DD-AFC4-6F175D3DCCD1}">
+              <a14:hiddenFill xmlns:a14="http://schemas.microsoft.com/office/drawing/2010/main">
+                <a:solidFill>
+                  <a:srgbClr val="FFFFFF"/>
+                </a:solidFill>
+              </a14:hiddenFill>
+            </a:ext>
+          </a:extLst>
+        </p:spPr>
+      </p:pic>
+      <p:sp>
+        <p:nvSpPr>
+          <p:cNvPr id="4" name="TextBox 3">
+            <a:extLst>
+              <a:ext uri="{FF2B5EF4-FFF2-40B4-BE49-F238E27FC236}">
+                <a16:creationId xmlns:a16="http://schemas.microsoft.com/office/drawing/2014/main" id="{4A837D55-A2D8-AA34-3646-4E67FB6AB50C}"/>
+              </a:ext>
+            </a:extLst>
+          </p:cNvPr>
+          <p:cNvSpPr txBox="1"/>
+          <p:nvPr/>
+        </p:nvSpPr>
+        <p:spPr>
+          <a:xfrm>
+            <a:off x="997362" y="1268416"/>
+            <a:ext cx="4810606" cy="400110"/>
+          </a:xfrm>
+          <a:prstGeom prst="rect">
+            <a:avLst/>
+          </a:prstGeom>
+          <a:noFill/>
+        </p:spPr>
+        <p:txBody>
+          <a:bodyPr wrap="square" rtlCol="0">
+            <a:spAutoFit/>
+          </a:bodyPr>
+          <a:lstStyle/>
+          <a:p>
+            <a:r>
+              <a:rPr lang="en-CA" sz="2000" dirty="0">
+                <a:latin typeface="+mn-lt"/>
+              </a:rPr>
+              <a:t>Negative associations and gene regions</a:t>
+            </a:r>
+            <a:endParaRPr lang="en-US" sz="2000" dirty="0">
+              <a:latin typeface="+mn-lt"/>
+            </a:endParaRPr>
+          </a:p>
+        </p:txBody>
+      </p:sp>
+      <p:sp>
+        <p:nvSpPr>
+          <p:cNvPr id="7" name="TextBox 6">
+            <a:extLst>
+              <a:ext uri="{FF2B5EF4-FFF2-40B4-BE49-F238E27FC236}">
+                <a16:creationId xmlns:a16="http://schemas.microsoft.com/office/drawing/2014/main" id="{2C6E8E7A-8C24-229A-4485-6E7F7CE1ED7C}"/>
+              </a:ext>
+            </a:extLst>
+          </p:cNvPr>
+          <p:cNvSpPr txBox="1"/>
+          <p:nvPr/>
+        </p:nvSpPr>
+        <p:spPr>
+          <a:xfrm>
+            <a:off x="6384713" y="1268416"/>
+            <a:ext cx="4810606" cy="707886"/>
+          </a:xfrm>
+          <a:prstGeom prst="rect">
+            <a:avLst/>
+          </a:prstGeom>
+          <a:noFill/>
+        </p:spPr>
+        <p:txBody>
+          <a:bodyPr wrap="square" rtlCol="0">
+            <a:spAutoFit/>
+          </a:bodyPr>
+          <a:lstStyle/>
+          <a:p>
+            <a:r>
+              <a:rPr lang="en-CA" sz="2000" dirty="0">
+                <a:latin typeface="+mn-lt"/>
+              </a:rPr>
+              <a:t>Distribution of distances</a:t>
+            </a:r>
+            <a:br>
+              <a:rPr lang="en-CA" sz="2000" dirty="0">
+                <a:latin typeface="+mn-lt"/>
+              </a:rPr>
+            </a:br>
+            <a:r>
+              <a:rPr lang="en-CA" sz="2000" dirty="0">
+                <a:latin typeface="+mn-lt"/>
+              </a:rPr>
+              <a:t>(note difference between datasets!)</a:t>
+            </a:r>
+            <a:endParaRPr lang="en-US" sz="2000" dirty="0">
+              <a:latin typeface="+mn-lt"/>
+            </a:endParaRPr>
           </a:p>
         </p:txBody>
       </p:sp>
     </p:spTree>
     <p:extLst>
       <p:ext uri="{BB962C8B-B14F-4D97-AF65-F5344CB8AC3E}">
-        <p14:creationId xmlns:p14="http://schemas.microsoft.com/office/powerpoint/2010/main" val="104184540"/>
+        <p14:creationId xmlns:p14="http://schemas.microsoft.com/office/powerpoint/2010/main" val="1658377283"/>
+      </p:ext>
+    </p:extLst>
+  </p:cSld>
+  <p:clrMapOvr>
+    <a:masterClrMapping/>
+  </p:clrMapOvr>
+  <p:transition spd="med"/>
+</p:sld>
+</file>
+
+<file path=ppt/slides/slide8.xml><?xml version="1.0" encoding="utf-8"?>
+<p:sld xmlns:a="http://schemas.openxmlformats.org/drawingml/2006/main" xmlns:r="http://schemas.openxmlformats.org/officeDocument/2006/relationships" xmlns:p="http://schemas.openxmlformats.org/presentationml/2006/main">
+  <p:cSld>
+    <p:spTree>
+      <p:nvGrpSpPr>
+        <p:cNvPr id="1" name=""/>
+        <p:cNvGrpSpPr/>
+        <p:nvPr/>
+      </p:nvGrpSpPr>
+      <p:grpSpPr>
+        <a:xfrm>
+          <a:off x="0" y="0"/>
+          <a:ext cx="0" cy="0"/>
+          <a:chOff x="0" y="0"/>
+          <a:chExt cx="0" cy="0"/>
+        </a:xfrm>
+      </p:grpSpPr>
+      <p:sp>
+        <p:nvSpPr>
+          <p:cNvPr id="2" name="Title 1">
+            <a:extLst>
+              <a:ext uri="{FF2B5EF4-FFF2-40B4-BE49-F238E27FC236}">
+                <a16:creationId xmlns:a16="http://schemas.microsoft.com/office/drawing/2014/main" id="{F6B0242D-7DB1-4584-7B3B-E806E74F18F4}"/>
+              </a:ext>
+            </a:extLst>
+          </p:cNvPr>
+          <p:cNvSpPr>
+            <a:spLocks noGrp="1"/>
+          </p:cNvSpPr>
+          <p:nvPr>
+            <p:ph type="title"/>
+          </p:nvPr>
+        </p:nvSpPr>
+        <p:spPr/>
+        <p:txBody>
+          <a:bodyPr/>
+          <a:lstStyle/>
+          <a:p>
+            <a:r>
+              <a:rPr lang="en-CA" dirty="0"/>
+              <a:t>Linking </a:t>
+            </a:r>
+            <a:r>
+              <a:rPr lang="en-CA" dirty="0" err="1"/>
+              <a:t>DNAm</a:t>
+            </a:r>
+            <a:r>
+              <a:rPr lang="en-CA" dirty="0"/>
+              <a:t> sites to genes, cont.</a:t>
+            </a:r>
+            <a:endParaRPr lang="en-US" dirty="0"/>
+          </a:p>
+        </p:txBody>
+      </p:sp>
+      <p:graphicFrame>
+        <p:nvGraphicFramePr>
+          <p:cNvPr id="4" name="Content Placeholder 3">
+            <a:extLst>
+              <a:ext uri="{FF2B5EF4-FFF2-40B4-BE49-F238E27FC236}">
+                <a16:creationId xmlns:a16="http://schemas.microsoft.com/office/drawing/2014/main" id="{17E0F863-3B53-5B82-D328-0D78C30D46B4}"/>
+              </a:ext>
+            </a:extLst>
+          </p:cNvPr>
+          <p:cNvGraphicFramePr>
+            <a:graphicFrameLocks noGrp="1"/>
+          </p:cNvGraphicFramePr>
+          <p:nvPr>
+            <p:ph idx="1"/>
+            <p:extLst>
+              <p:ext uri="{D42A27DB-BD31-4B8C-83A1-F6EECF244321}">
+                <p14:modId xmlns:p14="http://schemas.microsoft.com/office/powerpoint/2010/main" val="277213390"/>
+              </p:ext>
+            </p:extLst>
+          </p:nvPr>
+        </p:nvGraphicFramePr>
+        <p:xfrm>
+          <a:off x="609600" y="1412776"/>
+          <a:ext cx="11175032" cy="4815840"/>
+        </p:xfrm>
+        <a:graphic>
+          <a:graphicData uri="http://schemas.openxmlformats.org/drawingml/2006/table">
+            <a:tbl>
+              <a:tblPr/>
+              <a:tblGrid>
+                <a:gridCol w="1813992">
+                  <a:extLst>
+                    <a:ext uri="{9D8B030D-6E8A-4147-A177-3AD203B41FA5}">
+                      <a16:colId xmlns:a16="http://schemas.microsoft.com/office/drawing/2014/main" val="1913715101"/>
+                    </a:ext>
+                  </a:extLst>
+                </a:gridCol>
+                <a:gridCol w="1800200">
+                  <a:extLst>
+                    <a:ext uri="{9D8B030D-6E8A-4147-A177-3AD203B41FA5}">
+                      <a16:colId xmlns:a16="http://schemas.microsoft.com/office/drawing/2014/main" val="470280578"/>
+                    </a:ext>
+                  </a:extLst>
+                </a:gridCol>
+                <a:gridCol w="1584176">
+                  <a:extLst>
+                    <a:ext uri="{9D8B030D-6E8A-4147-A177-3AD203B41FA5}">
+                      <a16:colId xmlns:a16="http://schemas.microsoft.com/office/drawing/2014/main" val="3023613809"/>
+                    </a:ext>
+                  </a:extLst>
+                </a:gridCol>
+                <a:gridCol w="2880320">
+                  <a:extLst>
+                    <a:ext uri="{9D8B030D-6E8A-4147-A177-3AD203B41FA5}">
+                      <a16:colId xmlns:a16="http://schemas.microsoft.com/office/drawing/2014/main" val="3782805851"/>
+                    </a:ext>
+                  </a:extLst>
+                </a:gridCol>
+                <a:gridCol w="3096344">
+                  <a:extLst>
+                    <a:ext uri="{9D8B030D-6E8A-4147-A177-3AD203B41FA5}">
+                      <a16:colId xmlns:a16="http://schemas.microsoft.com/office/drawing/2014/main" val="3719987668"/>
+                    </a:ext>
+                  </a:extLst>
+                </a:gridCol>
+              </a:tblGrid>
+              <a:tr h="0">
+                <a:tc>
+                  <a:txBody>
+                    <a:bodyPr/>
+                    <a:lstStyle/>
+                    <a:p>
+                      <a:pPr algn="ctr"/>
+                      <a:r>
+                        <a:rPr lang="en-US" sz="1600" b="1" dirty="0">
+                          <a:solidFill>
+                            <a:schemeClr val="bg1"/>
+                          </a:solidFill>
+                          <a:effectLst/>
+                        </a:rPr>
+                        <a:t>Annotation</a:t>
+                      </a:r>
+                    </a:p>
+                  </a:txBody>
+                  <a:tcPr>
+                    <a:lnL w="6350" cap="flat" cmpd="sng" algn="ctr">
+                      <a:solidFill>
+                        <a:srgbClr val="000000"/>
+                      </a:solidFill>
+                      <a:prstDash val="solid"/>
+                      <a:round/>
+                      <a:headEnd type="none" w="med" len="med"/>
+                      <a:tailEnd type="none" w="med" len="med"/>
+                    </a:lnL>
+                    <a:lnR w="6350" cap="flat" cmpd="sng" algn="ctr">
+                      <a:solidFill>
+                        <a:srgbClr val="000000"/>
+                      </a:solidFill>
+                      <a:prstDash val="solid"/>
+                      <a:round/>
+                      <a:headEnd type="none" w="med" len="med"/>
+                      <a:tailEnd type="none" w="med" len="med"/>
+                    </a:lnR>
+                    <a:lnT w="6350" cap="flat" cmpd="sng" algn="ctr">
+                      <a:solidFill>
+                        <a:srgbClr val="000000"/>
+                      </a:solidFill>
+                      <a:prstDash val="solid"/>
+                      <a:round/>
+                      <a:headEnd type="none" w="med" len="med"/>
+                      <a:tailEnd type="none" w="med" len="med"/>
+                    </a:lnT>
+                    <a:lnB w="6350" cap="flat" cmpd="sng" algn="ctr">
+                      <a:solidFill>
+                        <a:srgbClr val="000000"/>
+                      </a:solidFill>
+                      <a:prstDash val="solid"/>
+                      <a:round/>
+                      <a:headEnd type="none" w="med" len="med"/>
+                      <a:tailEnd type="none" w="med" len="med"/>
+                    </a:lnB>
+                    <a:solidFill>
+                      <a:schemeClr val="tx1"/>
+                    </a:solidFill>
+                  </a:tcPr>
+                </a:tc>
+                <a:tc>
+                  <a:txBody>
+                    <a:bodyPr/>
+                    <a:lstStyle/>
+                    <a:p>
+                      <a:pPr algn="ctr"/>
+                      <a:r>
+                        <a:rPr lang="en-US" sz="1600" b="1" i="1" dirty="0">
+                          <a:solidFill>
+                            <a:schemeClr val="bg1"/>
+                          </a:solidFill>
+                          <a:effectLst/>
+                        </a:rPr>
+                        <a:t>Cis</a:t>
+                      </a:r>
+                      <a:endParaRPr lang="en-US" sz="1600" b="1" dirty="0">
+                        <a:solidFill>
+                          <a:schemeClr val="bg1"/>
+                        </a:solidFill>
+                        <a:effectLst/>
+                      </a:endParaRPr>
+                    </a:p>
+                  </a:txBody>
+                  <a:tcPr>
+                    <a:lnL w="6350" cap="flat" cmpd="sng" algn="ctr">
+                      <a:solidFill>
+                        <a:srgbClr val="000000"/>
+                      </a:solidFill>
+                      <a:prstDash val="solid"/>
+                      <a:round/>
+                      <a:headEnd type="none" w="med" len="med"/>
+                      <a:tailEnd type="none" w="med" len="med"/>
+                    </a:lnL>
+                    <a:lnR w="6350" cap="flat" cmpd="sng" algn="ctr">
+                      <a:solidFill>
+                        <a:srgbClr val="000000"/>
+                      </a:solidFill>
+                      <a:prstDash val="solid"/>
+                      <a:round/>
+                      <a:headEnd type="none" w="med" len="med"/>
+                      <a:tailEnd type="none" w="med" len="med"/>
+                    </a:lnR>
+                    <a:lnT w="6350" cap="flat" cmpd="sng" algn="ctr">
+                      <a:solidFill>
+                        <a:srgbClr val="000000"/>
+                      </a:solidFill>
+                      <a:prstDash val="solid"/>
+                      <a:round/>
+                      <a:headEnd type="none" w="med" len="med"/>
+                      <a:tailEnd type="none" w="med" len="med"/>
+                    </a:lnT>
+                    <a:lnB w="6350" cap="flat" cmpd="sng" algn="ctr">
+                      <a:solidFill>
+                        <a:srgbClr val="000000"/>
+                      </a:solidFill>
+                      <a:prstDash val="solid"/>
+                      <a:round/>
+                      <a:headEnd type="none" w="med" len="med"/>
+                      <a:tailEnd type="none" w="med" len="med"/>
+                    </a:lnB>
+                    <a:solidFill>
+                      <a:schemeClr val="tx1"/>
+                    </a:solidFill>
+                  </a:tcPr>
+                </a:tc>
+                <a:tc>
+                  <a:txBody>
+                    <a:bodyPr/>
+                    <a:lstStyle/>
+                    <a:p>
+                      <a:pPr algn="ctr"/>
+                      <a:r>
+                        <a:rPr lang="en-US" sz="1600" b="1" dirty="0">
+                          <a:solidFill>
+                            <a:schemeClr val="bg1"/>
+                          </a:solidFill>
+                          <a:effectLst/>
+                        </a:rPr>
+                        <a:t> </a:t>
+                      </a:r>
+                    </a:p>
+                  </a:txBody>
+                  <a:tcPr>
+                    <a:lnL w="6350" cap="flat" cmpd="sng" algn="ctr">
+                      <a:solidFill>
+                        <a:srgbClr val="000000"/>
+                      </a:solidFill>
+                      <a:prstDash val="solid"/>
+                      <a:round/>
+                      <a:headEnd type="none" w="med" len="med"/>
+                      <a:tailEnd type="none" w="med" len="med"/>
+                    </a:lnL>
+                    <a:lnR w="6350" cap="flat" cmpd="sng" algn="ctr">
+                      <a:solidFill>
+                        <a:srgbClr val="000000"/>
+                      </a:solidFill>
+                      <a:prstDash val="solid"/>
+                      <a:round/>
+                      <a:headEnd type="none" w="med" len="med"/>
+                      <a:tailEnd type="none" w="med" len="med"/>
+                    </a:lnR>
+                    <a:lnT w="6350" cap="flat" cmpd="sng" algn="ctr">
+                      <a:solidFill>
+                        <a:srgbClr val="000000"/>
+                      </a:solidFill>
+                      <a:prstDash val="solid"/>
+                      <a:round/>
+                      <a:headEnd type="none" w="med" len="med"/>
+                      <a:tailEnd type="none" w="med" len="med"/>
+                    </a:lnT>
+                    <a:lnB w="6350" cap="flat" cmpd="sng" algn="ctr">
+                      <a:solidFill>
+                        <a:srgbClr val="000000"/>
+                      </a:solidFill>
+                      <a:prstDash val="solid"/>
+                      <a:round/>
+                      <a:headEnd type="none" w="med" len="med"/>
+                      <a:tailEnd type="none" w="med" len="med"/>
+                    </a:lnB>
+                    <a:solidFill>
+                      <a:schemeClr val="tx1"/>
+                    </a:solidFill>
+                  </a:tcPr>
+                </a:tc>
+                <a:tc>
+                  <a:txBody>
+                    <a:bodyPr/>
+                    <a:lstStyle/>
+                    <a:p>
+                      <a:pPr algn="ctr"/>
+                      <a:r>
+                        <a:rPr lang="en-US" sz="1600" b="1" dirty="0">
+                          <a:solidFill>
+                            <a:schemeClr val="bg1"/>
+                          </a:solidFill>
+                          <a:effectLst/>
+                        </a:rPr>
+                        <a:t> </a:t>
+                      </a:r>
+                    </a:p>
+                  </a:txBody>
+                  <a:tcPr>
+                    <a:lnL w="6350" cap="flat" cmpd="sng" algn="ctr">
+                      <a:solidFill>
+                        <a:srgbClr val="000000"/>
+                      </a:solidFill>
+                      <a:prstDash val="solid"/>
+                      <a:round/>
+                      <a:headEnd type="none" w="med" len="med"/>
+                      <a:tailEnd type="none" w="med" len="med"/>
+                    </a:lnL>
+                    <a:lnR w="6350" cap="flat" cmpd="sng" algn="ctr">
+                      <a:solidFill>
+                        <a:srgbClr val="000000"/>
+                      </a:solidFill>
+                      <a:prstDash val="solid"/>
+                      <a:round/>
+                      <a:headEnd type="none" w="med" len="med"/>
+                      <a:tailEnd type="none" w="med" len="med"/>
+                    </a:lnR>
+                    <a:lnT w="6350" cap="flat" cmpd="sng" algn="ctr">
+                      <a:solidFill>
+                        <a:srgbClr val="000000"/>
+                      </a:solidFill>
+                      <a:prstDash val="solid"/>
+                      <a:round/>
+                      <a:headEnd type="none" w="med" len="med"/>
+                      <a:tailEnd type="none" w="med" len="med"/>
+                    </a:lnT>
+                    <a:lnB w="6350" cap="flat" cmpd="sng" algn="ctr">
+                      <a:solidFill>
+                        <a:srgbClr val="000000"/>
+                      </a:solidFill>
+                      <a:prstDash val="solid"/>
+                      <a:round/>
+                      <a:headEnd type="none" w="med" len="med"/>
+                      <a:tailEnd type="none" w="med" len="med"/>
+                    </a:lnB>
+                    <a:solidFill>
+                      <a:schemeClr val="tx1"/>
+                    </a:solidFill>
+                  </a:tcPr>
+                </a:tc>
+                <a:tc>
+                  <a:txBody>
+                    <a:bodyPr/>
+                    <a:lstStyle/>
+                    <a:p>
+                      <a:pPr algn="ctr"/>
+                      <a:r>
+                        <a:rPr lang="en-US" sz="1600" b="1" i="1">
+                          <a:solidFill>
+                            <a:schemeClr val="bg1"/>
+                          </a:solidFill>
+                          <a:effectLst/>
+                        </a:rPr>
+                        <a:t>trans</a:t>
+                      </a:r>
+                      <a:endParaRPr lang="en-US" sz="1600" b="1">
+                        <a:solidFill>
+                          <a:schemeClr val="bg1"/>
+                        </a:solidFill>
+                        <a:effectLst/>
+                      </a:endParaRPr>
+                    </a:p>
+                  </a:txBody>
+                  <a:tcPr>
+                    <a:lnL w="6350" cap="flat" cmpd="sng" algn="ctr">
+                      <a:solidFill>
+                        <a:srgbClr val="000000"/>
+                      </a:solidFill>
+                      <a:prstDash val="solid"/>
+                      <a:round/>
+                      <a:headEnd type="none" w="med" len="med"/>
+                      <a:tailEnd type="none" w="med" len="med"/>
+                    </a:lnL>
+                    <a:lnR w="6350" cap="flat" cmpd="sng" algn="ctr">
+                      <a:solidFill>
+                        <a:srgbClr val="000000"/>
+                      </a:solidFill>
+                      <a:prstDash val="solid"/>
+                      <a:round/>
+                      <a:headEnd type="none" w="med" len="med"/>
+                      <a:tailEnd type="none" w="med" len="med"/>
+                    </a:lnR>
+                    <a:lnT w="6350" cap="flat" cmpd="sng" algn="ctr">
+                      <a:solidFill>
+                        <a:srgbClr val="000000"/>
+                      </a:solidFill>
+                      <a:prstDash val="solid"/>
+                      <a:round/>
+                      <a:headEnd type="none" w="med" len="med"/>
+                      <a:tailEnd type="none" w="med" len="med"/>
+                    </a:lnT>
+                    <a:lnB w="6350" cap="flat" cmpd="sng" algn="ctr">
+                      <a:solidFill>
+                        <a:srgbClr val="000000"/>
+                      </a:solidFill>
+                      <a:prstDash val="solid"/>
+                      <a:round/>
+                      <a:headEnd type="none" w="med" len="med"/>
+                      <a:tailEnd type="none" w="med" len="med"/>
+                    </a:lnB>
+                    <a:solidFill>
+                      <a:schemeClr val="tx1"/>
+                    </a:solidFill>
+                  </a:tcPr>
+                </a:tc>
+                <a:extLst>
+                  <a:ext uri="{0D108BD9-81ED-4DB2-BD59-A6C34878D82A}">
+                    <a16:rowId xmlns:a16="http://schemas.microsoft.com/office/drawing/2014/main" val="2346998415"/>
+                  </a:ext>
+                </a:extLst>
+              </a:tr>
+              <a:tr h="0">
+                <a:tc>
+                  <a:txBody>
+                    <a:bodyPr/>
+                    <a:lstStyle/>
+                    <a:p>
+                      <a:pPr algn="ctr"/>
+                      <a:r>
+                        <a:rPr lang="en-US" sz="1600" b="1">
+                          <a:solidFill>
+                            <a:schemeClr val="bg1"/>
+                          </a:solidFill>
+                          <a:effectLst/>
+                        </a:rPr>
+                        <a:t> </a:t>
+                      </a:r>
+                    </a:p>
+                  </a:txBody>
+                  <a:tcPr>
+                    <a:lnL w="6350" cap="flat" cmpd="sng" algn="ctr">
+                      <a:solidFill>
+                        <a:srgbClr val="000000"/>
+                      </a:solidFill>
+                      <a:prstDash val="solid"/>
+                      <a:round/>
+                      <a:headEnd type="none" w="med" len="med"/>
+                      <a:tailEnd type="none" w="med" len="med"/>
+                    </a:lnL>
+                    <a:lnR w="6350" cap="flat" cmpd="sng" algn="ctr">
+                      <a:solidFill>
+                        <a:srgbClr val="000000"/>
+                      </a:solidFill>
+                      <a:prstDash val="solid"/>
+                      <a:round/>
+                      <a:headEnd type="none" w="med" len="med"/>
+                      <a:tailEnd type="none" w="med" len="med"/>
+                    </a:lnR>
+                    <a:lnT w="6350" cap="flat" cmpd="sng" algn="ctr">
+                      <a:solidFill>
+                        <a:srgbClr val="000000"/>
+                      </a:solidFill>
+                      <a:prstDash val="solid"/>
+                      <a:round/>
+                      <a:headEnd type="none" w="med" len="med"/>
+                      <a:tailEnd type="none" w="med" len="med"/>
+                    </a:lnT>
+                    <a:lnB w="6350" cap="flat" cmpd="sng" algn="ctr">
+                      <a:solidFill>
+                        <a:srgbClr val="000000"/>
+                      </a:solidFill>
+                      <a:prstDash val="solid"/>
+                      <a:round/>
+                      <a:headEnd type="none" w="med" len="med"/>
+                      <a:tailEnd type="none" w="med" len="med"/>
+                    </a:lnB>
+                    <a:solidFill>
+                      <a:schemeClr val="tx1"/>
+                    </a:solidFill>
+                  </a:tcPr>
+                </a:tc>
+                <a:tc>
+                  <a:txBody>
+                    <a:bodyPr/>
+                    <a:lstStyle/>
+                    <a:p>
+                      <a:pPr algn="ctr"/>
+                      <a:r>
+                        <a:rPr lang="en-US" sz="1600" b="1">
+                          <a:solidFill>
+                            <a:schemeClr val="bg1"/>
+                          </a:solidFill>
+                          <a:effectLst/>
+                        </a:rPr>
+                        <a:t>Enriched</a:t>
+                      </a:r>
+                    </a:p>
+                  </a:txBody>
+                  <a:tcPr>
+                    <a:lnL w="6350" cap="flat" cmpd="sng" algn="ctr">
+                      <a:solidFill>
+                        <a:srgbClr val="000000"/>
+                      </a:solidFill>
+                      <a:prstDash val="solid"/>
+                      <a:round/>
+                      <a:headEnd type="none" w="med" len="med"/>
+                      <a:tailEnd type="none" w="med" len="med"/>
+                    </a:lnL>
+                    <a:lnR w="6350" cap="flat" cmpd="sng" algn="ctr">
+                      <a:solidFill>
+                        <a:srgbClr val="000000"/>
+                      </a:solidFill>
+                      <a:prstDash val="solid"/>
+                      <a:round/>
+                      <a:headEnd type="none" w="med" len="med"/>
+                      <a:tailEnd type="none" w="med" len="med"/>
+                    </a:lnR>
+                    <a:lnT w="6350" cap="flat" cmpd="sng" algn="ctr">
+                      <a:solidFill>
+                        <a:srgbClr val="000000"/>
+                      </a:solidFill>
+                      <a:prstDash val="solid"/>
+                      <a:round/>
+                      <a:headEnd type="none" w="med" len="med"/>
+                      <a:tailEnd type="none" w="med" len="med"/>
+                    </a:lnT>
+                    <a:lnB w="6350" cap="flat" cmpd="sng" algn="ctr">
+                      <a:solidFill>
+                        <a:srgbClr val="000000"/>
+                      </a:solidFill>
+                      <a:prstDash val="solid"/>
+                      <a:round/>
+                      <a:headEnd type="none" w="med" len="med"/>
+                      <a:tailEnd type="none" w="med" len="med"/>
+                    </a:lnB>
+                    <a:solidFill>
+                      <a:schemeClr val="tx1"/>
+                    </a:solidFill>
+                  </a:tcPr>
+                </a:tc>
+                <a:tc>
+                  <a:txBody>
+                    <a:bodyPr/>
+                    <a:lstStyle/>
+                    <a:p>
+                      <a:pPr algn="ctr"/>
+                      <a:r>
+                        <a:rPr lang="en-US" sz="1600" b="1">
+                          <a:solidFill>
+                            <a:schemeClr val="bg1"/>
+                          </a:solidFill>
+                          <a:effectLst/>
+                        </a:rPr>
+                        <a:t>Depleted</a:t>
+                      </a:r>
+                    </a:p>
+                  </a:txBody>
+                  <a:tcPr>
+                    <a:lnL w="6350" cap="flat" cmpd="sng" algn="ctr">
+                      <a:solidFill>
+                        <a:srgbClr val="000000"/>
+                      </a:solidFill>
+                      <a:prstDash val="solid"/>
+                      <a:round/>
+                      <a:headEnd type="none" w="med" len="med"/>
+                      <a:tailEnd type="none" w="med" len="med"/>
+                    </a:lnL>
+                    <a:lnR w="6350" cap="flat" cmpd="sng" algn="ctr">
+                      <a:solidFill>
+                        <a:srgbClr val="000000"/>
+                      </a:solidFill>
+                      <a:prstDash val="solid"/>
+                      <a:round/>
+                      <a:headEnd type="none" w="med" len="med"/>
+                      <a:tailEnd type="none" w="med" len="med"/>
+                    </a:lnR>
+                    <a:lnT w="6350" cap="flat" cmpd="sng" algn="ctr">
+                      <a:solidFill>
+                        <a:srgbClr val="000000"/>
+                      </a:solidFill>
+                      <a:prstDash val="solid"/>
+                      <a:round/>
+                      <a:headEnd type="none" w="med" len="med"/>
+                      <a:tailEnd type="none" w="med" len="med"/>
+                    </a:lnT>
+                    <a:lnB w="6350" cap="flat" cmpd="sng" algn="ctr">
+                      <a:solidFill>
+                        <a:srgbClr val="000000"/>
+                      </a:solidFill>
+                      <a:prstDash val="solid"/>
+                      <a:round/>
+                      <a:headEnd type="none" w="med" len="med"/>
+                      <a:tailEnd type="none" w="med" len="med"/>
+                    </a:lnB>
+                    <a:solidFill>
+                      <a:schemeClr val="tx1"/>
+                    </a:solidFill>
+                  </a:tcPr>
+                </a:tc>
+                <a:tc>
+                  <a:txBody>
+                    <a:bodyPr/>
+                    <a:lstStyle/>
+                    <a:p>
+                      <a:pPr algn="ctr"/>
+                      <a:r>
+                        <a:rPr lang="en-US" sz="1600" b="1" dirty="0">
+                          <a:solidFill>
+                            <a:schemeClr val="bg1"/>
+                          </a:solidFill>
+                          <a:effectLst/>
+                        </a:rPr>
+                        <a:t>Enriched</a:t>
+                      </a:r>
+                    </a:p>
+                  </a:txBody>
+                  <a:tcPr>
+                    <a:lnL w="6350" cap="flat" cmpd="sng" algn="ctr">
+                      <a:solidFill>
+                        <a:srgbClr val="000000"/>
+                      </a:solidFill>
+                      <a:prstDash val="solid"/>
+                      <a:round/>
+                      <a:headEnd type="none" w="med" len="med"/>
+                      <a:tailEnd type="none" w="med" len="med"/>
+                    </a:lnL>
+                    <a:lnR w="6350" cap="flat" cmpd="sng" algn="ctr">
+                      <a:solidFill>
+                        <a:srgbClr val="000000"/>
+                      </a:solidFill>
+                      <a:prstDash val="solid"/>
+                      <a:round/>
+                      <a:headEnd type="none" w="med" len="med"/>
+                      <a:tailEnd type="none" w="med" len="med"/>
+                    </a:lnR>
+                    <a:lnT w="6350" cap="flat" cmpd="sng" algn="ctr">
+                      <a:solidFill>
+                        <a:srgbClr val="000000"/>
+                      </a:solidFill>
+                      <a:prstDash val="solid"/>
+                      <a:round/>
+                      <a:headEnd type="none" w="med" len="med"/>
+                      <a:tailEnd type="none" w="med" len="med"/>
+                    </a:lnT>
+                    <a:lnB w="6350" cap="flat" cmpd="sng" algn="ctr">
+                      <a:solidFill>
+                        <a:srgbClr val="000000"/>
+                      </a:solidFill>
+                      <a:prstDash val="solid"/>
+                      <a:round/>
+                      <a:headEnd type="none" w="med" len="med"/>
+                      <a:tailEnd type="none" w="med" len="med"/>
+                    </a:lnB>
+                    <a:solidFill>
+                      <a:schemeClr val="tx1"/>
+                    </a:solidFill>
+                  </a:tcPr>
+                </a:tc>
+                <a:tc>
+                  <a:txBody>
+                    <a:bodyPr/>
+                    <a:lstStyle/>
+                    <a:p>
+                      <a:pPr algn="ctr"/>
+                      <a:r>
+                        <a:rPr lang="en-US" sz="1600" b="1" dirty="0">
+                          <a:solidFill>
+                            <a:schemeClr val="bg1"/>
+                          </a:solidFill>
+                          <a:effectLst/>
+                        </a:rPr>
+                        <a:t>Depleted</a:t>
+                      </a:r>
+                    </a:p>
+                  </a:txBody>
+                  <a:tcPr>
+                    <a:lnL w="6350" cap="flat" cmpd="sng" algn="ctr">
+                      <a:solidFill>
+                        <a:srgbClr val="000000"/>
+                      </a:solidFill>
+                      <a:prstDash val="solid"/>
+                      <a:round/>
+                      <a:headEnd type="none" w="med" len="med"/>
+                      <a:tailEnd type="none" w="med" len="med"/>
+                    </a:lnL>
+                    <a:lnR w="6350" cap="flat" cmpd="sng" algn="ctr">
+                      <a:solidFill>
+                        <a:srgbClr val="000000"/>
+                      </a:solidFill>
+                      <a:prstDash val="solid"/>
+                      <a:round/>
+                      <a:headEnd type="none" w="med" len="med"/>
+                      <a:tailEnd type="none" w="med" len="med"/>
+                    </a:lnR>
+                    <a:lnT w="6350" cap="flat" cmpd="sng" algn="ctr">
+                      <a:solidFill>
+                        <a:srgbClr val="000000"/>
+                      </a:solidFill>
+                      <a:prstDash val="solid"/>
+                      <a:round/>
+                      <a:headEnd type="none" w="med" len="med"/>
+                      <a:tailEnd type="none" w="med" len="med"/>
+                    </a:lnT>
+                    <a:lnB w="6350" cap="flat" cmpd="sng" algn="ctr">
+                      <a:solidFill>
+                        <a:srgbClr val="000000"/>
+                      </a:solidFill>
+                      <a:prstDash val="solid"/>
+                      <a:round/>
+                      <a:headEnd type="none" w="med" len="med"/>
+                      <a:tailEnd type="none" w="med" len="med"/>
+                    </a:lnB>
+                    <a:solidFill>
+                      <a:schemeClr val="tx1"/>
+                    </a:solidFill>
+                  </a:tcPr>
+                </a:tc>
+                <a:extLst>
+                  <a:ext uri="{0D108BD9-81ED-4DB2-BD59-A6C34878D82A}">
+                    <a16:rowId xmlns:a16="http://schemas.microsoft.com/office/drawing/2014/main" val="1243831596"/>
+                  </a:ext>
+                </a:extLst>
+              </a:tr>
+              <a:tr h="0">
+                <a:tc>
+                  <a:txBody>
+                    <a:bodyPr/>
+                    <a:lstStyle/>
+                    <a:p>
+                      <a:pPr algn="l"/>
+                      <a:r>
+                        <a:rPr lang="en-US" sz="1600" b="1" dirty="0">
+                          <a:effectLst/>
+                        </a:rPr>
+                        <a:t>PREG</a:t>
+                      </a:r>
+                    </a:p>
+                    <a:p>
+                      <a:pPr algn="l"/>
+                      <a:r>
+                        <a:rPr lang="en-US" sz="1600" dirty="0">
+                          <a:effectLst/>
+                        </a:rPr>
+                        <a:t>Chromatin States</a:t>
+                      </a:r>
+                    </a:p>
+                  </a:txBody>
+                  <a:tcPr>
+                    <a:lnL w="6350" cap="flat" cmpd="sng" algn="ctr">
+                      <a:solidFill>
+                        <a:srgbClr val="000000"/>
+                      </a:solidFill>
+                      <a:prstDash val="solid"/>
+                      <a:round/>
+                      <a:headEnd type="none" w="med" len="med"/>
+                      <a:tailEnd type="none" w="med" len="med"/>
+                    </a:lnL>
+                    <a:lnR w="6350" cap="flat" cmpd="sng" algn="ctr">
+                      <a:solidFill>
+                        <a:srgbClr val="000000"/>
+                      </a:solidFill>
+                      <a:prstDash val="solid"/>
+                      <a:round/>
+                      <a:headEnd type="none" w="med" len="med"/>
+                      <a:tailEnd type="none" w="med" len="med"/>
+                    </a:lnR>
+                    <a:lnT w="6350" cap="flat" cmpd="sng" algn="ctr">
+                      <a:solidFill>
+                        <a:srgbClr val="000000"/>
+                      </a:solidFill>
+                      <a:prstDash val="solid"/>
+                      <a:round/>
+                      <a:headEnd type="none" w="med" len="med"/>
+                      <a:tailEnd type="none" w="med" len="med"/>
+                    </a:lnT>
+                    <a:lnB w="6350" cap="flat" cmpd="sng" algn="ctr">
+                      <a:solidFill>
+                        <a:srgbClr val="000000"/>
+                      </a:solidFill>
+                      <a:prstDash val="solid"/>
+                      <a:round/>
+                      <a:headEnd type="none" w="med" len="med"/>
+                      <a:tailEnd type="none" w="med" len="med"/>
+                    </a:lnB>
+                    <a:solidFill>
+                      <a:srgbClr val="FFFFFF"/>
+                    </a:solidFill>
+                  </a:tcPr>
+                </a:tc>
+                <a:tc>
+                  <a:txBody>
+                    <a:bodyPr/>
+                    <a:lstStyle/>
+                    <a:p>
+                      <a:pPr algn="l"/>
+                      <a:r>
+                        <a:rPr lang="de-DE" sz="1600">
+                          <a:effectLst/>
+                        </a:rPr>
+                        <a:t>TssA (1),</a:t>
+                      </a:r>
+                      <a:br>
+                        <a:rPr lang="de-DE" sz="1600">
+                          <a:effectLst/>
+                        </a:rPr>
+                      </a:br>
+                      <a:r>
+                        <a:rPr lang="de-DE" sz="1600" b="1" u="sng">
+                          <a:effectLst/>
+                        </a:rPr>
+                        <a:t>ZNF/Rpts (8)</a:t>
+                      </a:r>
+                      <a:endParaRPr lang="de-DE" sz="1600">
+                        <a:effectLst/>
+                      </a:endParaRPr>
+                    </a:p>
+                  </a:txBody>
+                  <a:tcPr>
+                    <a:lnL w="6350" cap="flat" cmpd="sng" algn="ctr">
+                      <a:solidFill>
+                        <a:srgbClr val="000000"/>
+                      </a:solidFill>
+                      <a:prstDash val="solid"/>
+                      <a:round/>
+                      <a:headEnd type="none" w="med" len="med"/>
+                      <a:tailEnd type="none" w="med" len="med"/>
+                    </a:lnL>
+                    <a:lnR w="6350" cap="flat" cmpd="sng" algn="ctr">
+                      <a:solidFill>
+                        <a:srgbClr val="000000"/>
+                      </a:solidFill>
+                      <a:prstDash val="solid"/>
+                      <a:round/>
+                      <a:headEnd type="none" w="med" len="med"/>
+                      <a:tailEnd type="none" w="med" len="med"/>
+                    </a:lnR>
+                    <a:lnT w="6350" cap="flat" cmpd="sng" algn="ctr">
+                      <a:solidFill>
+                        <a:srgbClr val="000000"/>
+                      </a:solidFill>
+                      <a:prstDash val="solid"/>
+                      <a:round/>
+                      <a:headEnd type="none" w="med" len="med"/>
+                      <a:tailEnd type="none" w="med" len="med"/>
+                    </a:lnT>
+                    <a:lnB w="6350" cap="flat" cmpd="sng" algn="ctr">
+                      <a:solidFill>
+                        <a:srgbClr val="000000"/>
+                      </a:solidFill>
+                      <a:prstDash val="solid"/>
+                      <a:round/>
+                      <a:headEnd type="none" w="med" len="med"/>
+                      <a:tailEnd type="none" w="med" len="med"/>
+                    </a:lnB>
+                    <a:solidFill>
+                      <a:srgbClr val="FFFFFF"/>
+                    </a:solidFill>
+                  </a:tcPr>
+                </a:tc>
+                <a:tc>
+                  <a:txBody>
+                    <a:bodyPr/>
+                    <a:lstStyle/>
+                    <a:p>
+                      <a:pPr algn="ctr"/>
+                      <a:r>
+                        <a:rPr lang="en-US" sz="1600" b="1">
+                          <a:effectLst/>
+                        </a:rPr>
+                        <a:t>TssAFlnk (2), </a:t>
+                      </a:r>
+                      <a:r>
+                        <a:rPr lang="en-US" sz="1600" b="1" u="sng">
+                          <a:effectLst/>
+                        </a:rPr>
+                        <a:t>Tx (4)</a:t>
+                      </a:r>
+                      <a:endParaRPr lang="en-US" sz="1600">
+                        <a:effectLst/>
+                      </a:endParaRPr>
+                    </a:p>
+                  </a:txBody>
+                  <a:tcPr>
+                    <a:lnL w="6350" cap="flat" cmpd="sng" algn="ctr">
+                      <a:solidFill>
+                        <a:srgbClr val="000000"/>
+                      </a:solidFill>
+                      <a:prstDash val="solid"/>
+                      <a:round/>
+                      <a:headEnd type="none" w="med" len="med"/>
+                      <a:tailEnd type="none" w="med" len="med"/>
+                    </a:lnL>
+                    <a:lnR w="6350" cap="flat" cmpd="sng" algn="ctr">
+                      <a:solidFill>
+                        <a:srgbClr val="000000"/>
+                      </a:solidFill>
+                      <a:prstDash val="solid"/>
+                      <a:round/>
+                      <a:headEnd type="none" w="med" len="med"/>
+                      <a:tailEnd type="none" w="med" len="med"/>
+                    </a:lnR>
+                    <a:lnT w="6350" cap="flat" cmpd="sng" algn="ctr">
+                      <a:solidFill>
+                        <a:srgbClr val="000000"/>
+                      </a:solidFill>
+                      <a:prstDash val="solid"/>
+                      <a:round/>
+                      <a:headEnd type="none" w="med" len="med"/>
+                      <a:tailEnd type="none" w="med" len="med"/>
+                    </a:lnT>
+                    <a:lnB w="6350" cap="flat" cmpd="sng" algn="ctr">
+                      <a:solidFill>
+                        <a:srgbClr val="000000"/>
+                      </a:solidFill>
+                      <a:prstDash val="solid"/>
+                      <a:round/>
+                      <a:headEnd type="none" w="med" len="med"/>
+                      <a:tailEnd type="none" w="med" len="med"/>
+                    </a:lnB>
+                    <a:solidFill>
+                      <a:srgbClr val="FFFFFF"/>
+                    </a:solidFill>
+                  </a:tcPr>
+                </a:tc>
+                <a:tc>
+                  <a:txBody>
+                    <a:bodyPr/>
+                    <a:lstStyle/>
+                    <a:p>
+                      <a:pPr algn="l"/>
+                      <a:r>
+                        <a:rPr lang="en-US" sz="1600" b="1" u="sng" dirty="0" err="1">
+                          <a:effectLst/>
+                        </a:rPr>
+                        <a:t>TssAFlnk</a:t>
+                      </a:r>
+                      <a:r>
+                        <a:rPr lang="en-US" sz="1600" b="1" u="sng" dirty="0">
+                          <a:effectLst/>
+                        </a:rPr>
+                        <a:t>(2), </a:t>
+                      </a:r>
+                      <a:r>
+                        <a:rPr lang="en-US" sz="1600" b="1" u="sng" dirty="0" err="1">
+                          <a:effectLst/>
+                        </a:rPr>
+                        <a:t>TxFlnk</a:t>
+                      </a:r>
+                      <a:r>
+                        <a:rPr lang="en-US" sz="1600" b="1" u="sng" dirty="0">
+                          <a:effectLst/>
+                        </a:rPr>
+                        <a:t> (3),</a:t>
+                      </a:r>
+                      <a:br>
+                        <a:rPr lang="en-US" sz="1600" b="1" u="sng" dirty="0">
+                          <a:effectLst/>
+                        </a:rPr>
+                      </a:br>
+                      <a:r>
+                        <a:rPr lang="en-US" sz="1600" b="1" u="sng" dirty="0" err="1">
+                          <a:effectLst/>
+                        </a:rPr>
+                        <a:t>Enh</a:t>
+                      </a:r>
+                      <a:r>
+                        <a:rPr lang="en-US" sz="1600" b="1" u="sng" dirty="0">
+                          <a:effectLst/>
+                        </a:rPr>
+                        <a:t> (7), </a:t>
+                      </a:r>
+                      <a:r>
+                        <a:rPr lang="en-US" sz="1600" b="1" dirty="0" err="1">
+                          <a:effectLst/>
+                        </a:rPr>
+                        <a:t>EnhBiv</a:t>
+                      </a:r>
+                      <a:r>
+                        <a:rPr lang="en-US" sz="1600" b="1" dirty="0">
+                          <a:effectLst/>
+                        </a:rPr>
+                        <a:t> (12)</a:t>
+                      </a:r>
+                      <a:endParaRPr lang="en-US" sz="1600" dirty="0">
+                        <a:effectLst/>
+                      </a:endParaRPr>
+                    </a:p>
+                  </a:txBody>
+                  <a:tcPr>
+                    <a:lnL w="6350" cap="flat" cmpd="sng" algn="ctr">
+                      <a:solidFill>
+                        <a:srgbClr val="000000"/>
+                      </a:solidFill>
+                      <a:prstDash val="solid"/>
+                      <a:round/>
+                      <a:headEnd type="none" w="med" len="med"/>
+                      <a:tailEnd type="none" w="med" len="med"/>
+                    </a:lnL>
+                    <a:lnR w="6350" cap="flat" cmpd="sng" algn="ctr">
+                      <a:solidFill>
+                        <a:srgbClr val="000000"/>
+                      </a:solidFill>
+                      <a:prstDash val="solid"/>
+                      <a:round/>
+                      <a:headEnd type="none" w="med" len="med"/>
+                      <a:tailEnd type="none" w="med" len="med"/>
+                    </a:lnR>
+                    <a:lnT w="6350" cap="flat" cmpd="sng" algn="ctr">
+                      <a:solidFill>
+                        <a:srgbClr val="000000"/>
+                      </a:solidFill>
+                      <a:prstDash val="solid"/>
+                      <a:round/>
+                      <a:headEnd type="none" w="med" len="med"/>
+                      <a:tailEnd type="none" w="med" len="med"/>
+                    </a:lnT>
+                    <a:lnB w="6350" cap="flat" cmpd="sng" algn="ctr">
+                      <a:solidFill>
+                        <a:srgbClr val="000000"/>
+                      </a:solidFill>
+                      <a:prstDash val="solid"/>
+                      <a:round/>
+                      <a:headEnd type="none" w="med" len="med"/>
+                      <a:tailEnd type="none" w="med" len="med"/>
+                    </a:lnB>
+                    <a:solidFill>
+                      <a:srgbClr val="FFFFFF"/>
+                    </a:solidFill>
+                  </a:tcPr>
+                </a:tc>
+                <a:tc>
+                  <a:txBody>
+                    <a:bodyPr/>
+                    <a:lstStyle/>
+                    <a:p>
+                      <a:pPr algn="l"/>
+                      <a:r>
+                        <a:rPr lang="nl-NL" sz="1600" b="1" dirty="0">
+                          <a:effectLst/>
+                        </a:rPr>
+                        <a:t>TxWk (5), </a:t>
+                      </a:r>
+                      <a:r>
+                        <a:rPr lang="nl-NL" sz="1600" b="1" u="sng" dirty="0">
+                          <a:effectLst/>
+                        </a:rPr>
+                        <a:t>Het (9),</a:t>
+                      </a:r>
+                      <a:br>
+                        <a:rPr lang="nl-NL" sz="1600" b="1" u="sng" dirty="0">
+                          <a:effectLst/>
+                        </a:rPr>
+                      </a:br>
+                      <a:r>
+                        <a:rPr lang="nl-NL" sz="1600" b="1" u="sng" dirty="0">
+                          <a:effectLst/>
+                        </a:rPr>
+                        <a:t>ReprPCWk (14),</a:t>
+                      </a:r>
+                      <a:r>
+                        <a:rPr lang="nl-NL" sz="1600" b="1" dirty="0">
+                          <a:effectLst/>
+                        </a:rPr>
+                        <a:t>Quies (15)</a:t>
+                      </a:r>
+                      <a:endParaRPr lang="nl-NL" sz="1600" dirty="0">
+                        <a:effectLst/>
+                      </a:endParaRPr>
+                    </a:p>
+                  </a:txBody>
+                  <a:tcPr>
+                    <a:lnL w="6350" cap="flat" cmpd="sng" algn="ctr">
+                      <a:solidFill>
+                        <a:srgbClr val="000000"/>
+                      </a:solidFill>
+                      <a:prstDash val="solid"/>
+                      <a:round/>
+                      <a:headEnd type="none" w="med" len="med"/>
+                      <a:tailEnd type="none" w="med" len="med"/>
+                    </a:lnL>
+                    <a:lnR w="6350" cap="flat" cmpd="sng" algn="ctr">
+                      <a:solidFill>
+                        <a:srgbClr val="000000"/>
+                      </a:solidFill>
+                      <a:prstDash val="solid"/>
+                      <a:round/>
+                      <a:headEnd type="none" w="med" len="med"/>
+                      <a:tailEnd type="none" w="med" len="med"/>
+                    </a:lnR>
+                    <a:lnT w="6350" cap="flat" cmpd="sng" algn="ctr">
+                      <a:solidFill>
+                        <a:srgbClr val="000000"/>
+                      </a:solidFill>
+                      <a:prstDash val="solid"/>
+                      <a:round/>
+                      <a:headEnd type="none" w="med" len="med"/>
+                      <a:tailEnd type="none" w="med" len="med"/>
+                    </a:lnT>
+                    <a:lnB w="6350" cap="flat" cmpd="sng" algn="ctr">
+                      <a:solidFill>
+                        <a:srgbClr val="000000"/>
+                      </a:solidFill>
+                      <a:prstDash val="solid"/>
+                      <a:round/>
+                      <a:headEnd type="none" w="med" len="med"/>
+                      <a:tailEnd type="none" w="med" len="med"/>
+                    </a:lnB>
+                    <a:solidFill>
+                      <a:srgbClr val="FFFFFF"/>
+                    </a:solidFill>
+                  </a:tcPr>
+                </a:tc>
+                <a:extLst>
+                  <a:ext uri="{0D108BD9-81ED-4DB2-BD59-A6C34878D82A}">
+                    <a16:rowId xmlns:a16="http://schemas.microsoft.com/office/drawing/2014/main" val="1538685271"/>
+                  </a:ext>
+                </a:extLst>
+              </a:tr>
+              <a:tr h="0">
+                <a:tc>
+                  <a:txBody>
+                    <a:bodyPr/>
+                    <a:lstStyle/>
+                    <a:p>
+                      <a:pPr algn="l"/>
+                      <a:r>
+                        <a:rPr lang="en-US" sz="1600" dirty="0">
+                          <a:effectLst/>
+                        </a:rPr>
+                        <a:t>CpG Classifiers</a:t>
+                      </a:r>
+                    </a:p>
+                  </a:txBody>
+                  <a:tcPr>
+                    <a:lnL w="6350" cap="flat" cmpd="sng" algn="ctr">
+                      <a:solidFill>
+                        <a:srgbClr val="000000"/>
+                      </a:solidFill>
+                      <a:prstDash val="solid"/>
+                      <a:round/>
+                      <a:headEnd type="none" w="med" len="med"/>
+                      <a:tailEnd type="none" w="med" len="med"/>
+                    </a:lnL>
+                    <a:lnR w="6350" cap="flat" cmpd="sng" algn="ctr">
+                      <a:solidFill>
+                        <a:srgbClr val="000000"/>
+                      </a:solidFill>
+                      <a:prstDash val="solid"/>
+                      <a:round/>
+                      <a:headEnd type="none" w="med" len="med"/>
+                      <a:tailEnd type="none" w="med" len="med"/>
+                    </a:lnR>
+                    <a:lnT w="6350" cap="flat" cmpd="sng" algn="ctr">
+                      <a:solidFill>
+                        <a:srgbClr val="000000"/>
+                      </a:solidFill>
+                      <a:prstDash val="solid"/>
+                      <a:round/>
+                      <a:headEnd type="none" w="med" len="med"/>
+                      <a:tailEnd type="none" w="med" len="med"/>
+                    </a:lnT>
+                    <a:lnB w="6350" cap="flat" cmpd="sng" algn="ctr">
+                      <a:solidFill>
+                        <a:srgbClr val="000000"/>
+                      </a:solidFill>
+                      <a:prstDash val="solid"/>
+                      <a:round/>
+                      <a:headEnd type="none" w="med" len="med"/>
+                      <a:tailEnd type="none" w="med" len="med"/>
+                    </a:lnB>
+                    <a:solidFill>
+                      <a:srgbClr val="FFFFFF"/>
+                    </a:solidFill>
+                  </a:tcPr>
+                </a:tc>
+                <a:tc>
+                  <a:txBody>
+                    <a:bodyPr/>
+                    <a:lstStyle/>
+                    <a:p>
+                      <a:pPr algn="l"/>
+                      <a:r>
+                        <a:rPr lang="en-US" sz="1600" u="sng">
+                          <a:effectLst/>
+                        </a:rPr>
+                        <a:t>South Shore</a:t>
+                      </a:r>
+                      <a:endParaRPr lang="en-US" sz="1600">
+                        <a:effectLst/>
+                      </a:endParaRPr>
+                    </a:p>
+                  </a:txBody>
+                  <a:tcPr>
+                    <a:lnL w="6350" cap="flat" cmpd="sng" algn="ctr">
+                      <a:solidFill>
+                        <a:srgbClr val="000000"/>
+                      </a:solidFill>
+                      <a:prstDash val="solid"/>
+                      <a:round/>
+                      <a:headEnd type="none" w="med" len="med"/>
+                      <a:tailEnd type="none" w="med" len="med"/>
+                    </a:lnL>
+                    <a:lnR w="6350" cap="flat" cmpd="sng" algn="ctr">
+                      <a:solidFill>
+                        <a:srgbClr val="000000"/>
+                      </a:solidFill>
+                      <a:prstDash val="solid"/>
+                      <a:round/>
+                      <a:headEnd type="none" w="med" len="med"/>
+                      <a:tailEnd type="none" w="med" len="med"/>
+                    </a:lnR>
+                    <a:lnT w="6350" cap="flat" cmpd="sng" algn="ctr">
+                      <a:solidFill>
+                        <a:srgbClr val="000000"/>
+                      </a:solidFill>
+                      <a:prstDash val="solid"/>
+                      <a:round/>
+                      <a:headEnd type="none" w="med" len="med"/>
+                      <a:tailEnd type="none" w="med" len="med"/>
+                    </a:lnT>
+                    <a:lnB w="6350" cap="flat" cmpd="sng" algn="ctr">
+                      <a:solidFill>
+                        <a:srgbClr val="000000"/>
+                      </a:solidFill>
+                      <a:prstDash val="solid"/>
+                      <a:round/>
+                      <a:headEnd type="none" w="med" len="med"/>
+                      <a:tailEnd type="none" w="med" len="med"/>
+                    </a:lnB>
+                    <a:solidFill>
+                      <a:srgbClr val="FFFFFF"/>
+                    </a:solidFill>
+                  </a:tcPr>
+                </a:tc>
+                <a:tc>
+                  <a:txBody>
+                    <a:bodyPr/>
+                    <a:lstStyle/>
+                    <a:p>
+                      <a:pPr algn="ctr"/>
+                      <a:r>
+                        <a:rPr lang="en-US" sz="1600">
+                          <a:effectLst/>
+                        </a:rPr>
+                        <a:t> </a:t>
+                      </a:r>
+                    </a:p>
+                  </a:txBody>
+                  <a:tcPr>
+                    <a:lnL w="6350" cap="flat" cmpd="sng" algn="ctr">
+                      <a:solidFill>
+                        <a:srgbClr val="000000"/>
+                      </a:solidFill>
+                      <a:prstDash val="solid"/>
+                      <a:round/>
+                      <a:headEnd type="none" w="med" len="med"/>
+                      <a:tailEnd type="none" w="med" len="med"/>
+                    </a:lnL>
+                    <a:lnR w="6350" cap="flat" cmpd="sng" algn="ctr">
+                      <a:solidFill>
+                        <a:srgbClr val="000000"/>
+                      </a:solidFill>
+                      <a:prstDash val="solid"/>
+                      <a:round/>
+                      <a:headEnd type="none" w="med" len="med"/>
+                      <a:tailEnd type="none" w="med" len="med"/>
+                    </a:lnR>
+                    <a:lnT w="6350" cap="flat" cmpd="sng" algn="ctr">
+                      <a:solidFill>
+                        <a:srgbClr val="000000"/>
+                      </a:solidFill>
+                      <a:prstDash val="solid"/>
+                      <a:round/>
+                      <a:headEnd type="none" w="med" len="med"/>
+                      <a:tailEnd type="none" w="med" len="med"/>
+                    </a:lnT>
+                    <a:lnB w="6350" cap="flat" cmpd="sng" algn="ctr">
+                      <a:solidFill>
+                        <a:srgbClr val="000000"/>
+                      </a:solidFill>
+                      <a:prstDash val="solid"/>
+                      <a:round/>
+                      <a:headEnd type="none" w="med" len="med"/>
+                      <a:tailEnd type="none" w="med" len="med"/>
+                    </a:lnB>
+                    <a:solidFill>
+                      <a:srgbClr val="FFFFFF"/>
+                    </a:solidFill>
+                  </a:tcPr>
+                </a:tc>
+                <a:tc>
+                  <a:txBody>
+                    <a:bodyPr/>
+                    <a:lstStyle/>
+                    <a:p>
+                      <a:pPr algn="l"/>
+                      <a:r>
+                        <a:rPr lang="en-US" sz="1600" b="1">
+                          <a:effectLst/>
+                        </a:rPr>
+                        <a:t>North shore</a:t>
+                      </a:r>
+                      <a:r>
+                        <a:rPr lang="en-US" sz="1600">
+                          <a:effectLst/>
+                        </a:rPr>
+                        <a:t>, </a:t>
+                      </a:r>
+                      <a:r>
+                        <a:rPr lang="en-US" sz="1600" u="sng">
+                          <a:effectLst/>
+                        </a:rPr>
+                        <a:t>South shore</a:t>
+                      </a:r>
+                      <a:endParaRPr lang="en-US" sz="1600">
+                        <a:effectLst/>
+                      </a:endParaRPr>
+                    </a:p>
+                  </a:txBody>
+                  <a:tcPr>
+                    <a:lnL w="6350" cap="flat" cmpd="sng" algn="ctr">
+                      <a:solidFill>
+                        <a:srgbClr val="000000"/>
+                      </a:solidFill>
+                      <a:prstDash val="solid"/>
+                      <a:round/>
+                      <a:headEnd type="none" w="med" len="med"/>
+                      <a:tailEnd type="none" w="med" len="med"/>
+                    </a:lnL>
+                    <a:lnR w="6350" cap="flat" cmpd="sng" algn="ctr">
+                      <a:solidFill>
+                        <a:srgbClr val="000000"/>
+                      </a:solidFill>
+                      <a:prstDash val="solid"/>
+                      <a:round/>
+                      <a:headEnd type="none" w="med" len="med"/>
+                      <a:tailEnd type="none" w="med" len="med"/>
+                    </a:lnR>
+                    <a:lnT w="6350" cap="flat" cmpd="sng" algn="ctr">
+                      <a:solidFill>
+                        <a:srgbClr val="000000"/>
+                      </a:solidFill>
+                      <a:prstDash val="solid"/>
+                      <a:round/>
+                      <a:headEnd type="none" w="med" len="med"/>
+                      <a:tailEnd type="none" w="med" len="med"/>
+                    </a:lnT>
+                    <a:lnB w="6350" cap="flat" cmpd="sng" algn="ctr">
+                      <a:solidFill>
+                        <a:srgbClr val="000000"/>
+                      </a:solidFill>
+                      <a:prstDash val="solid"/>
+                      <a:round/>
+                      <a:headEnd type="none" w="med" len="med"/>
+                      <a:tailEnd type="none" w="med" len="med"/>
+                    </a:lnB>
+                    <a:solidFill>
+                      <a:srgbClr val="FFFFFF"/>
+                    </a:solidFill>
+                  </a:tcPr>
+                </a:tc>
+                <a:tc>
+                  <a:txBody>
+                    <a:bodyPr/>
+                    <a:lstStyle/>
+                    <a:p>
+                      <a:pPr algn="l"/>
+                      <a:r>
+                        <a:rPr lang="en-US" sz="1600" b="1" u="sng">
+                          <a:effectLst/>
+                        </a:rPr>
+                        <a:t>Island</a:t>
+                      </a:r>
+                      <a:endParaRPr lang="en-US" sz="1600">
+                        <a:effectLst/>
+                      </a:endParaRPr>
+                    </a:p>
+                  </a:txBody>
+                  <a:tcPr>
+                    <a:lnL w="6350" cap="flat" cmpd="sng" algn="ctr">
+                      <a:solidFill>
+                        <a:srgbClr val="000000"/>
+                      </a:solidFill>
+                      <a:prstDash val="solid"/>
+                      <a:round/>
+                      <a:headEnd type="none" w="med" len="med"/>
+                      <a:tailEnd type="none" w="med" len="med"/>
+                    </a:lnL>
+                    <a:lnR w="6350" cap="flat" cmpd="sng" algn="ctr">
+                      <a:solidFill>
+                        <a:srgbClr val="000000"/>
+                      </a:solidFill>
+                      <a:prstDash val="solid"/>
+                      <a:round/>
+                      <a:headEnd type="none" w="med" len="med"/>
+                      <a:tailEnd type="none" w="med" len="med"/>
+                    </a:lnR>
+                    <a:lnT w="6350" cap="flat" cmpd="sng" algn="ctr">
+                      <a:solidFill>
+                        <a:srgbClr val="000000"/>
+                      </a:solidFill>
+                      <a:prstDash val="solid"/>
+                      <a:round/>
+                      <a:headEnd type="none" w="med" len="med"/>
+                      <a:tailEnd type="none" w="med" len="med"/>
+                    </a:lnT>
+                    <a:lnB w="6350" cap="flat" cmpd="sng" algn="ctr">
+                      <a:solidFill>
+                        <a:srgbClr val="000000"/>
+                      </a:solidFill>
+                      <a:prstDash val="solid"/>
+                      <a:round/>
+                      <a:headEnd type="none" w="med" len="med"/>
+                      <a:tailEnd type="none" w="med" len="med"/>
+                    </a:lnB>
+                    <a:solidFill>
+                      <a:srgbClr val="FFFFFF"/>
+                    </a:solidFill>
+                  </a:tcPr>
+                </a:tc>
+                <a:extLst>
+                  <a:ext uri="{0D108BD9-81ED-4DB2-BD59-A6C34878D82A}">
+                    <a16:rowId xmlns:a16="http://schemas.microsoft.com/office/drawing/2014/main" val="861231157"/>
+                  </a:ext>
+                </a:extLst>
+              </a:tr>
+              <a:tr h="0">
+                <a:tc>
+                  <a:txBody>
+                    <a:bodyPr/>
+                    <a:lstStyle/>
+                    <a:p>
+                      <a:pPr algn="l"/>
+                      <a:r>
+                        <a:rPr lang="en-US" sz="1600" dirty="0">
+                          <a:effectLst/>
+                        </a:rPr>
+                        <a:t>Gene Regions</a:t>
+                      </a:r>
+                    </a:p>
+                  </a:txBody>
+                  <a:tcPr>
+                    <a:lnL w="6350" cap="flat" cmpd="sng" algn="ctr">
+                      <a:solidFill>
+                        <a:srgbClr val="000000"/>
+                      </a:solidFill>
+                      <a:prstDash val="solid"/>
+                      <a:round/>
+                      <a:headEnd type="none" w="med" len="med"/>
+                      <a:tailEnd type="none" w="med" len="med"/>
+                    </a:lnL>
+                    <a:lnR w="6350" cap="flat" cmpd="sng" algn="ctr">
+                      <a:solidFill>
+                        <a:srgbClr val="000000"/>
+                      </a:solidFill>
+                      <a:prstDash val="solid"/>
+                      <a:round/>
+                      <a:headEnd type="none" w="med" len="med"/>
+                      <a:tailEnd type="none" w="med" len="med"/>
+                    </a:lnR>
+                    <a:lnT w="6350" cap="flat" cmpd="sng" algn="ctr">
+                      <a:solidFill>
+                        <a:srgbClr val="000000"/>
+                      </a:solidFill>
+                      <a:prstDash val="solid"/>
+                      <a:round/>
+                      <a:headEnd type="none" w="med" len="med"/>
+                      <a:tailEnd type="none" w="med" len="med"/>
+                    </a:lnT>
+                    <a:lnB w="6350" cap="flat" cmpd="sng" algn="ctr">
+                      <a:solidFill>
+                        <a:srgbClr val="000000"/>
+                      </a:solidFill>
+                      <a:prstDash val="solid"/>
+                      <a:round/>
+                      <a:headEnd type="none" w="med" len="med"/>
+                      <a:tailEnd type="none" w="med" len="med"/>
+                    </a:lnB>
+                    <a:solidFill>
+                      <a:srgbClr val="FFFFFF"/>
+                    </a:solidFill>
+                  </a:tcPr>
+                </a:tc>
+                <a:tc>
+                  <a:txBody>
+                    <a:bodyPr/>
+                    <a:lstStyle/>
+                    <a:p>
+                      <a:pPr algn="l"/>
+                      <a:r>
+                        <a:rPr lang="en-US" sz="1600">
+                          <a:effectLst/>
+                        </a:rPr>
+                        <a:t> </a:t>
+                      </a:r>
+                    </a:p>
+                  </a:txBody>
+                  <a:tcPr>
+                    <a:lnL w="6350" cap="flat" cmpd="sng" algn="ctr">
+                      <a:solidFill>
+                        <a:srgbClr val="000000"/>
+                      </a:solidFill>
+                      <a:prstDash val="solid"/>
+                      <a:round/>
+                      <a:headEnd type="none" w="med" len="med"/>
+                      <a:tailEnd type="none" w="med" len="med"/>
+                    </a:lnL>
+                    <a:lnR w="6350" cap="flat" cmpd="sng" algn="ctr">
+                      <a:solidFill>
+                        <a:srgbClr val="000000"/>
+                      </a:solidFill>
+                      <a:prstDash val="solid"/>
+                      <a:round/>
+                      <a:headEnd type="none" w="med" len="med"/>
+                      <a:tailEnd type="none" w="med" len="med"/>
+                    </a:lnR>
+                    <a:lnT w="6350" cap="flat" cmpd="sng" algn="ctr">
+                      <a:solidFill>
+                        <a:srgbClr val="000000"/>
+                      </a:solidFill>
+                      <a:prstDash val="solid"/>
+                      <a:round/>
+                      <a:headEnd type="none" w="med" len="med"/>
+                      <a:tailEnd type="none" w="med" len="med"/>
+                    </a:lnT>
+                    <a:lnB w="6350" cap="flat" cmpd="sng" algn="ctr">
+                      <a:solidFill>
+                        <a:srgbClr val="000000"/>
+                      </a:solidFill>
+                      <a:prstDash val="solid"/>
+                      <a:round/>
+                      <a:headEnd type="none" w="med" len="med"/>
+                      <a:tailEnd type="none" w="med" len="med"/>
+                    </a:lnB>
+                    <a:solidFill>
+                      <a:srgbClr val="FFFFFF"/>
+                    </a:solidFill>
+                  </a:tcPr>
+                </a:tc>
+                <a:tc>
+                  <a:txBody>
+                    <a:bodyPr/>
+                    <a:lstStyle/>
+                    <a:p>
+                      <a:pPr algn="ctr"/>
+                      <a:r>
+                        <a:rPr lang="en-US" sz="1600">
+                          <a:effectLst/>
+                        </a:rPr>
+                        <a:t> </a:t>
+                      </a:r>
+                    </a:p>
+                  </a:txBody>
+                  <a:tcPr>
+                    <a:lnL w="6350" cap="flat" cmpd="sng" algn="ctr">
+                      <a:solidFill>
+                        <a:srgbClr val="000000"/>
+                      </a:solidFill>
+                      <a:prstDash val="solid"/>
+                      <a:round/>
+                      <a:headEnd type="none" w="med" len="med"/>
+                      <a:tailEnd type="none" w="med" len="med"/>
+                    </a:lnL>
+                    <a:lnR w="6350" cap="flat" cmpd="sng" algn="ctr">
+                      <a:solidFill>
+                        <a:srgbClr val="000000"/>
+                      </a:solidFill>
+                      <a:prstDash val="solid"/>
+                      <a:round/>
+                      <a:headEnd type="none" w="med" len="med"/>
+                      <a:tailEnd type="none" w="med" len="med"/>
+                    </a:lnR>
+                    <a:lnT w="6350" cap="flat" cmpd="sng" algn="ctr">
+                      <a:solidFill>
+                        <a:srgbClr val="000000"/>
+                      </a:solidFill>
+                      <a:prstDash val="solid"/>
+                      <a:round/>
+                      <a:headEnd type="none" w="med" len="med"/>
+                      <a:tailEnd type="none" w="med" len="med"/>
+                    </a:lnT>
+                    <a:lnB w="6350" cap="flat" cmpd="sng" algn="ctr">
+                      <a:solidFill>
+                        <a:srgbClr val="000000"/>
+                      </a:solidFill>
+                      <a:prstDash val="solid"/>
+                      <a:round/>
+                      <a:headEnd type="none" w="med" len="med"/>
+                      <a:tailEnd type="none" w="med" len="med"/>
+                    </a:lnB>
+                    <a:solidFill>
+                      <a:srgbClr val="FFFFFF"/>
+                    </a:solidFill>
+                  </a:tcPr>
+                </a:tc>
+                <a:tc>
+                  <a:txBody>
+                    <a:bodyPr/>
+                    <a:lstStyle/>
+                    <a:p>
+                      <a:pPr algn="l"/>
+                      <a:r>
+                        <a:rPr lang="en-US" sz="1600">
+                          <a:effectLst/>
+                        </a:rPr>
+                        <a:t>Exons</a:t>
+                      </a:r>
+                    </a:p>
+                  </a:txBody>
+                  <a:tcPr>
+                    <a:lnL w="6350" cap="flat" cmpd="sng" algn="ctr">
+                      <a:solidFill>
+                        <a:srgbClr val="000000"/>
+                      </a:solidFill>
+                      <a:prstDash val="solid"/>
+                      <a:round/>
+                      <a:headEnd type="none" w="med" len="med"/>
+                      <a:tailEnd type="none" w="med" len="med"/>
+                    </a:lnL>
+                    <a:lnR w="6350" cap="flat" cmpd="sng" algn="ctr">
+                      <a:solidFill>
+                        <a:srgbClr val="000000"/>
+                      </a:solidFill>
+                      <a:prstDash val="solid"/>
+                      <a:round/>
+                      <a:headEnd type="none" w="med" len="med"/>
+                      <a:tailEnd type="none" w="med" len="med"/>
+                    </a:lnR>
+                    <a:lnT w="6350" cap="flat" cmpd="sng" algn="ctr">
+                      <a:solidFill>
+                        <a:srgbClr val="000000"/>
+                      </a:solidFill>
+                      <a:prstDash val="solid"/>
+                      <a:round/>
+                      <a:headEnd type="none" w="med" len="med"/>
+                      <a:tailEnd type="none" w="med" len="med"/>
+                    </a:lnT>
+                    <a:lnB w="6350" cap="flat" cmpd="sng" algn="ctr">
+                      <a:solidFill>
+                        <a:srgbClr val="000000"/>
+                      </a:solidFill>
+                      <a:prstDash val="solid"/>
+                      <a:round/>
+                      <a:headEnd type="none" w="med" len="med"/>
+                      <a:tailEnd type="none" w="med" len="med"/>
+                    </a:lnB>
+                    <a:solidFill>
+                      <a:srgbClr val="FFFFFF"/>
+                    </a:solidFill>
+                  </a:tcPr>
+                </a:tc>
+                <a:tc>
+                  <a:txBody>
+                    <a:bodyPr/>
+                    <a:lstStyle/>
+                    <a:p>
+                      <a:pPr algn="l"/>
+                      <a:r>
+                        <a:rPr lang="en-US" sz="1600" u="sng">
+                          <a:effectLst/>
+                        </a:rPr>
+                        <a:t>Promoters,</a:t>
+                      </a:r>
+                      <a:r>
+                        <a:rPr lang="en-US" sz="1600">
+                          <a:effectLst/>
+                        </a:rPr>
+                        <a:t> 3’-UTRs</a:t>
+                      </a:r>
+                    </a:p>
+                  </a:txBody>
+                  <a:tcPr>
+                    <a:lnL w="6350" cap="flat" cmpd="sng" algn="ctr">
+                      <a:solidFill>
+                        <a:srgbClr val="000000"/>
+                      </a:solidFill>
+                      <a:prstDash val="solid"/>
+                      <a:round/>
+                      <a:headEnd type="none" w="med" len="med"/>
+                      <a:tailEnd type="none" w="med" len="med"/>
+                    </a:lnL>
+                    <a:lnR w="6350" cap="flat" cmpd="sng" algn="ctr">
+                      <a:solidFill>
+                        <a:srgbClr val="000000"/>
+                      </a:solidFill>
+                      <a:prstDash val="solid"/>
+                      <a:round/>
+                      <a:headEnd type="none" w="med" len="med"/>
+                      <a:tailEnd type="none" w="med" len="med"/>
+                    </a:lnR>
+                    <a:lnT w="6350" cap="flat" cmpd="sng" algn="ctr">
+                      <a:solidFill>
+                        <a:srgbClr val="000000"/>
+                      </a:solidFill>
+                      <a:prstDash val="solid"/>
+                      <a:round/>
+                      <a:headEnd type="none" w="med" len="med"/>
+                      <a:tailEnd type="none" w="med" len="med"/>
+                    </a:lnT>
+                    <a:lnB w="6350" cap="flat" cmpd="sng" algn="ctr">
+                      <a:solidFill>
+                        <a:srgbClr val="000000"/>
+                      </a:solidFill>
+                      <a:prstDash val="solid"/>
+                      <a:round/>
+                      <a:headEnd type="none" w="med" len="med"/>
+                      <a:tailEnd type="none" w="med" len="med"/>
+                    </a:lnB>
+                    <a:solidFill>
+                      <a:srgbClr val="FFFFFF"/>
+                    </a:solidFill>
+                  </a:tcPr>
+                </a:tc>
+                <a:extLst>
+                  <a:ext uri="{0D108BD9-81ED-4DB2-BD59-A6C34878D82A}">
+                    <a16:rowId xmlns:a16="http://schemas.microsoft.com/office/drawing/2014/main" val="1406011549"/>
+                  </a:ext>
+                </a:extLst>
+              </a:tr>
+              <a:tr h="0">
+                <a:tc>
+                  <a:txBody>
+                    <a:bodyPr/>
+                    <a:lstStyle/>
+                    <a:p>
+                      <a:pPr algn="l"/>
+                      <a:r>
+                        <a:rPr lang="en-US" sz="1600" dirty="0">
+                          <a:effectLst/>
+                        </a:rPr>
+                        <a:t>Other</a:t>
+                      </a:r>
+                    </a:p>
+                  </a:txBody>
+                  <a:tcPr>
+                    <a:lnL w="6350" cap="flat" cmpd="sng" algn="ctr">
+                      <a:solidFill>
+                        <a:srgbClr val="000000"/>
+                      </a:solidFill>
+                      <a:prstDash val="solid"/>
+                      <a:round/>
+                      <a:headEnd type="none" w="med" len="med"/>
+                      <a:tailEnd type="none" w="med" len="med"/>
+                    </a:lnL>
+                    <a:lnR w="6350" cap="flat" cmpd="sng" algn="ctr">
+                      <a:solidFill>
+                        <a:srgbClr val="000000"/>
+                      </a:solidFill>
+                      <a:prstDash val="solid"/>
+                      <a:round/>
+                      <a:headEnd type="none" w="med" len="med"/>
+                      <a:tailEnd type="none" w="med" len="med"/>
+                    </a:lnR>
+                    <a:lnT w="6350" cap="flat" cmpd="sng" algn="ctr">
+                      <a:solidFill>
+                        <a:srgbClr val="000000"/>
+                      </a:solidFill>
+                      <a:prstDash val="solid"/>
+                      <a:round/>
+                      <a:headEnd type="none" w="med" len="med"/>
+                      <a:tailEnd type="none" w="med" len="med"/>
+                    </a:lnT>
+                    <a:lnB w="6350" cap="flat" cmpd="sng" algn="ctr">
+                      <a:solidFill>
+                        <a:srgbClr val="000000"/>
+                      </a:solidFill>
+                      <a:prstDash val="solid"/>
+                      <a:round/>
+                      <a:headEnd type="none" w="med" len="med"/>
+                      <a:tailEnd type="none" w="med" len="med"/>
+                    </a:lnB>
+                    <a:solidFill>
+                      <a:srgbClr val="FFFFFF"/>
+                    </a:solidFill>
+                  </a:tcPr>
+                </a:tc>
+                <a:tc>
+                  <a:txBody>
+                    <a:bodyPr/>
+                    <a:lstStyle/>
+                    <a:p>
+                      <a:pPr algn="l"/>
+                      <a:r>
+                        <a:rPr lang="en-US" sz="1600" b="1" u="sng">
+                          <a:effectLst/>
+                        </a:rPr>
+                        <a:t>TF binding</a:t>
+                      </a:r>
+                      <a:endParaRPr lang="en-US" sz="1600">
+                        <a:effectLst/>
+                      </a:endParaRPr>
+                    </a:p>
+                  </a:txBody>
+                  <a:tcPr>
+                    <a:lnL w="6350" cap="flat" cmpd="sng" algn="ctr">
+                      <a:solidFill>
+                        <a:srgbClr val="000000"/>
+                      </a:solidFill>
+                      <a:prstDash val="solid"/>
+                      <a:round/>
+                      <a:headEnd type="none" w="med" len="med"/>
+                      <a:tailEnd type="none" w="med" len="med"/>
+                    </a:lnL>
+                    <a:lnR w="6350" cap="flat" cmpd="sng" algn="ctr">
+                      <a:solidFill>
+                        <a:srgbClr val="000000"/>
+                      </a:solidFill>
+                      <a:prstDash val="solid"/>
+                      <a:round/>
+                      <a:headEnd type="none" w="med" len="med"/>
+                      <a:tailEnd type="none" w="med" len="med"/>
+                    </a:lnR>
+                    <a:lnT w="6350" cap="flat" cmpd="sng" algn="ctr">
+                      <a:solidFill>
+                        <a:srgbClr val="000000"/>
+                      </a:solidFill>
+                      <a:prstDash val="solid"/>
+                      <a:round/>
+                      <a:headEnd type="none" w="med" len="med"/>
+                      <a:tailEnd type="none" w="med" len="med"/>
+                    </a:lnT>
+                    <a:lnB w="6350" cap="flat" cmpd="sng" algn="ctr">
+                      <a:solidFill>
+                        <a:srgbClr val="000000"/>
+                      </a:solidFill>
+                      <a:prstDash val="solid"/>
+                      <a:round/>
+                      <a:headEnd type="none" w="med" len="med"/>
+                      <a:tailEnd type="none" w="med" len="med"/>
+                    </a:lnB>
+                    <a:solidFill>
+                      <a:srgbClr val="FFFFFF"/>
+                    </a:solidFill>
+                  </a:tcPr>
+                </a:tc>
+                <a:tc>
+                  <a:txBody>
+                    <a:bodyPr/>
+                    <a:lstStyle/>
+                    <a:p>
+                      <a:pPr algn="ctr"/>
+                      <a:r>
+                        <a:rPr lang="en-US" sz="1600">
+                          <a:effectLst/>
+                        </a:rPr>
+                        <a:t> </a:t>
+                      </a:r>
+                    </a:p>
+                  </a:txBody>
+                  <a:tcPr>
+                    <a:lnL w="6350" cap="flat" cmpd="sng" algn="ctr">
+                      <a:solidFill>
+                        <a:srgbClr val="000000"/>
+                      </a:solidFill>
+                      <a:prstDash val="solid"/>
+                      <a:round/>
+                      <a:headEnd type="none" w="med" len="med"/>
+                      <a:tailEnd type="none" w="med" len="med"/>
+                    </a:lnL>
+                    <a:lnR w="6350" cap="flat" cmpd="sng" algn="ctr">
+                      <a:solidFill>
+                        <a:srgbClr val="000000"/>
+                      </a:solidFill>
+                      <a:prstDash val="solid"/>
+                      <a:round/>
+                      <a:headEnd type="none" w="med" len="med"/>
+                      <a:tailEnd type="none" w="med" len="med"/>
+                    </a:lnR>
+                    <a:lnT w="6350" cap="flat" cmpd="sng" algn="ctr">
+                      <a:solidFill>
+                        <a:srgbClr val="000000"/>
+                      </a:solidFill>
+                      <a:prstDash val="solid"/>
+                      <a:round/>
+                      <a:headEnd type="none" w="med" len="med"/>
+                      <a:tailEnd type="none" w="med" len="med"/>
+                    </a:lnT>
+                    <a:lnB w="6350" cap="flat" cmpd="sng" algn="ctr">
+                      <a:solidFill>
+                        <a:srgbClr val="000000"/>
+                      </a:solidFill>
+                      <a:prstDash val="solid"/>
+                      <a:round/>
+                      <a:headEnd type="none" w="med" len="med"/>
+                      <a:tailEnd type="none" w="med" len="med"/>
+                    </a:lnB>
+                    <a:solidFill>
+                      <a:srgbClr val="FFFFFF"/>
+                    </a:solidFill>
+                  </a:tcPr>
+                </a:tc>
+                <a:tc>
+                  <a:txBody>
+                    <a:bodyPr/>
+                    <a:lstStyle/>
+                    <a:p>
+                      <a:pPr algn="l"/>
+                      <a:r>
+                        <a:rPr lang="en-US" sz="1600" b="1" u="sng" dirty="0">
+                          <a:effectLst/>
+                        </a:rPr>
+                        <a:t>Enhancers, TF binding</a:t>
+                      </a:r>
+                      <a:endParaRPr lang="en-US" sz="1600" dirty="0">
+                        <a:effectLst/>
+                      </a:endParaRPr>
+                    </a:p>
+                  </a:txBody>
+                  <a:tcPr>
+                    <a:lnL w="6350" cap="flat" cmpd="sng" algn="ctr">
+                      <a:solidFill>
+                        <a:srgbClr val="000000"/>
+                      </a:solidFill>
+                      <a:prstDash val="solid"/>
+                      <a:round/>
+                      <a:headEnd type="none" w="med" len="med"/>
+                      <a:tailEnd type="none" w="med" len="med"/>
+                    </a:lnL>
+                    <a:lnR w="6350" cap="flat" cmpd="sng" algn="ctr">
+                      <a:solidFill>
+                        <a:srgbClr val="000000"/>
+                      </a:solidFill>
+                      <a:prstDash val="solid"/>
+                      <a:round/>
+                      <a:headEnd type="none" w="med" len="med"/>
+                      <a:tailEnd type="none" w="med" len="med"/>
+                    </a:lnR>
+                    <a:lnT w="6350" cap="flat" cmpd="sng" algn="ctr">
+                      <a:solidFill>
+                        <a:srgbClr val="000000"/>
+                      </a:solidFill>
+                      <a:prstDash val="solid"/>
+                      <a:round/>
+                      <a:headEnd type="none" w="med" len="med"/>
+                      <a:tailEnd type="none" w="med" len="med"/>
+                    </a:lnT>
+                    <a:lnB w="6350" cap="flat" cmpd="sng" algn="ctr">
+                      <a:solidFill>
+                        <a:srgbClr val="000000"/>
+                      </a:solidFill>
+                      <a:prstDash val="solid"/>
+                      <a:round/>
+                      <a:headEnd type="none" w="med" len="med"/>
+                      <a:tailEnd type="none" w="med" len="med"/>
+                    </a:lnB>
+                    <a:solidFill>
+                      <a:srgbClr val="FFFFFF"/>
+                    </a:solidFill>
+                  </a:tcPr>
+                </a:tc>
+                <a:tc>
+                  <a:txBody>
+                    <a:bodyPr/>
+                    <a:lstStyle/>
+                    <a:p>
+                      <a:pPr algn="l"/>
+                      <a:r>
+                        <a:rPr lang="en-US" sz="1600" dirty="0">
+                          <a:effectLst/>
+                        </a:rPr>
+                        <a:t> </a:t>
+                      </a:r>
+                    </a:p>
+                  </a:txBody>
+                  <a:tcPr>
+                    <a:lnL w="6350" cap="flat" cmpd="sng" algn="ctr">
+                      <a:solidFill>
+                        <a:srgbClr val="000000"/>
+                      </a:solidFill>
+                      <a:prstDash val="solid"/>
+                      <a:round/>
+                      <a:headEnd type="none" w="med" len="med"/>
+                      <a:tailEnd type="none" w="med" len="med"/>
+                    </a:lnL>
+                    <a:lnR w="6350" cap="flat" cmpd="sng" algn="ctr">
+                      <a:solidFill>
+                        <a:srgbClr val="000000"/>
+                      </a:solidFill>
+                      <a:prstDash val="solid"/>
+                      <a:round/>
+                      <a:headEnd type="none" w="med" len="med"/>
+                      <a:tailEnd type="none" w="med" len="med"/>
+                    </a:lnR>
+                    <a:lnT w="6350" cap="flat" cmpd="sng" algn="ctr">
+                      <a:solidFill>
+                        <a:srgbClr val="000000"/>
+                      </a:solidFill>
+                      <a:prstDash val="solid"/>
+                      <a:round/>
+                      <a:headEnd type="none" w="med" len="med"/>
+                      <a:tailEnd type="none" w="med" len="med"/>
+                    </a:lnT>
+                    <a:lnB w="6350" cap="flat" cmpd="sng" algn="ctr">
+                      <a:solidFill>
+                        <a:srgbClr val="000000"/>
+                      </a:solidFill>
+                      <a:prstDash val="solid"/>
+                      <a:round/>
+                      <a:headEnd type="none" w="med" len="med"/>
+                      <a:tailEnd type="none" w="med" len="med"/>
+                    </a:lnB>
+                    <a:solidFill>
+                      <a:srgbClr val="FFFFFF"/>
+                    </a:solidFill>
+                  </a:tcPr>
+                </a:tc>
+                <a:extLst>
+                  <a:ext uri="{0D108BD9-81ED-4DB2-BD59-A6C34878D82A}">
+                    <a16:rowId xmlns:a16="http://schemas.microsoft.com/office/drawing/2014/main" val="2625101203"/>
+                  </a:ext>
+                </a:extLst>
+              </a:tr>
+              <a:tr h="0">
+                <a:tc>
+                  <a:txBody>
+                    <a:bodyPr/>
+                    <a:lstStyle/>
+                    <a:p>
+                      <a:pPr algn="l"/>
+                      <a:r>
+                        <a:rPr lang="en-US" sz="1600" b="1" dirty="0">
+                          <a:effectLst/>
+                        </a:rPr>
+                        <a:t>AYATS</a:t>
+                      </a:r>
+                    </a:p>
+                    <a:p>
+                      <a:pPr algn="l"/>
+                      <a:r>
+                        <a:rPr lang="en-US" sz="1600" dirty="0">
+                          <a:effectLst/>
+                        </a:rPr>
+                        <a:t>Chromatin States</a:t>
+                      </a:r>
+                    </a:p>
+                  </a:txBody>
+                  <a:tcPr>
+                    <a:lnL w="6350" cap="flat" cmpd="sng" algn="ctr">
+                      <a:solidFill>
+                        <a:srgbClr val="000000"/>
+                      </a:solidFill>
+                      <a:prstDash val="solid"/>
+                      <a:round/>
+                      <a:headEnd type="none" w="med" len="med"/>
+                      <a:tailEnd type="none" w="med" len="med"/>
+                    </a:lnL>
+                    <a:lnR w="6350" cap="flat" cmpd="sng" algn="ctr">
+                      <a:solidFill>
+                        <a:srgbClr val="000000"/>
+                      </a:solidFill>
+                      <a:prstDash val="solid"/>
+                      <a:round/>
+                      <a:headEnd type="none" w="med" len="med"/>
+                      <a:tailEnd type="none" w="med" len="med"/>
+                    </a:lnR>
+                    <a:lnT w="6350" cap="flat" cmpd="sng" algn="ctr">
+                      <a:solidFill>
+                        <a:srgbClr val="000000"/>
+                      </a:solidFill>
+                      <a:prstDash val="solid"/>
+                      <a:round/>
+                      <a:headEnd type="none" w="med" len="med"/>
+                      <a:tailEnd type="none" w="med" len="med"/>
+                    </a:lnT>
+                    <a:lnB w="6350" cap="flat" cmpd="sng" algn="ctr">
+                      <a:solidFill>
+                        <a:srgbClr val="000000"/>
+                      </a:solidFill>
+                      <a:prstDash val="solid"/>
+                      <a:round/>
+                      <a:headEnd type="none" w="med" len="med"/>
+                      <a:tailEnd type="none" w="med" len="med"/>
+                    </a:lnB>
+                    <a:solidFill>
+                      <a:schemeClr val="accent5">
+                        <a:lumMod val="20000"/>
+                        <a:lumOff val="80000"/>
+                      </a:schemeClr>
+                    </a:solidFill>
+                  </a:tcPr>
+                </a:tc>
+                <a:tc>
+                  <a:txBody>
+                    <a:bodyPr/>
+                    <a:lstStyle/>
+                    <a:p>
+                      <a:pPr algn="l"/>
+                      <a:r>
+                        <a:rPr lang="en-US" sz="1600" b="1" dirty="0" err="1">
+                          <a:effectLst/>
+                        </a:rPr>
+                        <a:t>TxFlnk</a:t>
+                      </a:r>
+                      <a:r>
+                        <a:rPr lang="en-US" sz="1600" b="1" dirty="0">
+                          <a:effectLst/>
+                        </a:rPr>
+                        <a:t> (3),</a:t>
+                      </a:r>
+                      <a:br>
+                        <a:rPr lang="en-US" sz="1600" b="1" dirty="0">
+                          <a:effectLst/>
+                        </a:rPr>
+                      </a:br>
+                      <a:r>
+                        <a:rPr lang="en-US" sz="1600" b="1" u="sng" dirty="0">
+                          <a:effectLst/>
+                        </a:rPr>
+                        <a:t>ZNF/</a:t>
+                      </a:r>
+                      <a:r>
+                        <a:rPr lang="en-US" sz="1600" b="1" u="sng" dirty="0" err="1">
+                          <a:effectLst/>
+                        </a:rPr>
+                        <a:t>Rpts</a:t>
+                      </a:r>
+                      <a:r>
+                        <a:rPr lang="en-US" sz="1600" b="1" u="sng" dirty="0">
+                          <a:effectLst/>
+                        </a:rPr>
+                        <a:t> (8)</a:t>
+                      </a:r>
+                      <a:endParaRPr lang="en-US" sz="1600" dirty="0">
+                        <a:effectLst/>
+                      </a:endParaRPr>
+                    </a:p>
+                  </a:txBody>
+                  <a:tcPr>
+                    <a:lnL w="6350" cap="flat" cmpd="sng" algn="ctr">
+                      <a:solidFill>
+                        <a:srgbClr val="000000"/>
+                      </a:solidFill>
+                      <a:prstDash val="solid"/>
+                      <a:round/>
+                      <a:headEnd type="none" w="med" len="med"/>
+                      <a:tailEnd type="none" w="med" len="med"/>
+                    </a:lnL>
+                    <a:lnR w="6350" cap="flat" cmpd="sng" algn="ctr">
+                      <a:solidFill>
+                        <a:srgbClr val="000000"/>
+                      </a:solidFill>
+                      <a:prstDash val="solid"/>
+                      <a:round/>
+                      <a:headEnd type="none" w="med" len="med"/>
+                      <a:tailEnd type="none" w="med" len="med"/>
+                    </a:lnR>
+                    <a:lnT w="6350" cap="flat" cmpd="sng" algn="ctr">
+                      <a:solidFill>
+                        <a:srgbClr val="000000"/>
+                      </a:solidFill>
+                      <a:prstDash val="solid"/>
+                      <a:round/>
+                      <a:headEnd type="none" w="med" len="med"/>
+                      <a:tailEnd type="none" w="med" len="med"/>
+                    </a:lnT>
+                    <a:lnB w="6350" cap="flat" cmpd="sng" algn="ctr">
+                      <a:solidFill>
+                        <a:srgbClr val="000000"/>
+                      </a:solidFill>
+                      <a:prstDash val="solid"/>
+                      <a:round/>
+                      <a:headEnd type="none" w="med" len="med"/>
+                      <a:tailEnd type="none" w="med" len="med"/>
+                    </a:lnB>
+                    <a:solidFill>
+                      <a:schemeClr val="accent5">
+                        <a:lumMod val="20000"/>
+                        <a:lumOff val="80000"/>
+                      </a:schemeClr>
+                    </a:solidFill>
+                  </a:tcPr>
+                </a:tc>
+                <a:tc>
+                  <a:txBody>
+                    <a:bodyPr/>
+                    <a:lstStyle/>
+                    <a:p>
+                      <a:pPr algn="l"/>
+                      <a:r>
+                        <a:rPr lang="en-US" sz="1600" b="1" u="sng">
+                          <a:effectLst/>
+                        </a:rPr>
+                        <a:t>Tx (4),</a:t>
+                      </a:r>
+                      <a:br>
+                        <a:rPr lang="en-US" sz="1600" b="1">
+                          <a:effectLst/>
+                        </a:rPr>
+                      </a:br>
+                      <a:r>
+                        <a:rPr lang="en-US" sz="1600" b="1">
+                          <a:effectLst/>
+                        </a:rPr>
+                        <a:t>TxWk (5),</a:t>
+                      </a:r>
+                      <a:br>
+                        <a:rPr lang="en-US" sz="1600">
+                          <a:effectLst/>
+                        </a:rPr>
+                      </a:br>
+                      <a:r>
+                        <a:rPr lang="en-US" sz="1600">
+                          <a:effectLst/>
+                        </a:rPr>
+                        <a:t>Quies (15)</a:t>
+                      </a:r>
+                    </a:p>
+                  </a:txBody>
+                  <a:tcPr>
+                    <a:lnL w="6350" cap="flat" cmpd="sng" algn="ctr">
+                      <a:solidFill>
+                        <a:srgbClr val="000000"/>
+                      </a:solidFill>
+                      <a:prstDash val="solid"/>
+                      <a:round/>
+                      <a:headEnd type="none" w="med" len="med"/>
+                      <a:tailEnd type="none" w="med" len="med"/>
+                    </a:lnL>
+                    <a:lnR w="6350" cap="flat" cmpd="sng" algn="ctr">
+                      <a:solidFill>
+                        <a:srgbClr val="000000"/>
+                      </a:solidFill>
+                      <a:prstDash val="solid"/>
+                      <a:round/>
+                      <a:headEnd type="none" w="med" len="med"/>
+                      <a:tailEnd type="none" w="med" len="med"/>
+                    </a:lnR>
+                    <a:lnT w="6350" cap="flat" cmpd="sng" algn="ctr">
+                      <a:solidFill>
+                        <a:srgbClr val="000000"/>
+                      </a:solidFill>
+                      <a:prstDash val="solid"/>
+                      <a:round/>
+                      <a:headEnd type="none" w="med" len="med"/>
+                      <a:tailEnd type="none" w="med" len="med"/>
+                    </a:lnT>
+                    <a:lnB w="6350" cap="flat" cmpd="sng" algn="ctr">
+                      <a:solidFill>
+                        <a:srgbClr val="000000"/>
+                      </a:solidFill>
+                      <a:prstDash val="solid"/>
+                      <a:round/>
+                      <a:headEnd type="none" w="med" len="med"/>
+                      <a:tailEnd type="none" w="med" len="med"/>
+                    </a:lnB>
+                    <a:solidFill>
+                      <a:schemeClr val="accent5">
+                        <a:lumMod val="20000"/>
+                        <a:lumOff val="80000"/>
+                      </a:schemeClr>
+                    </a:solidFill>
+                  </a:tcPr>
+                </a:tc>
+                <a:tc>
+                  <a:txBody>
+                    <a:bodyPr/>
+                    <a:lstStyle/>
+                    <a:p>
+                      <a:pPr algn="l"/>
+                      <a:r>
+                        <a:rPr lang="en-US" sz="1600" b="1" u="sng" dirty="0" err="1">
+                          <a:effectLst/>
+                        </a:rPr>
+                        <a:t>TssAFlnk</a:t>
+                      </a:r>
+                      <a:r>
+                        <a:rPr lang="en-US" sz="1600" b="1" u="sng" dirty="0">
+                          <a:effectLst/>
+                        </a:rPr>
+                        <a:t>(2),</a:t>
+                      </a:r>
+                      <a:r>
+                        <a:rPr lang="en-US" sz="1600" b="1" u="sng" dirty="0" err="1">
+                          <a:effectLst/>
+                        </a:rPr>
+                        <a:t>TxFlnk</a:t>
+                      </a:r>
+                      <a:r>
+                        <a:rPr lang="en-US" sz="1600" b="1" u="sng" dirty="0">
+                          <a:effectLst/>
+                        </a:rPr>
+                        <a:t> (3),</a:t>
+                      </a:r>
+                      <a:br>
+                        <a:rPr lang="en-US" sz="1600" b="1" dirty="0">
+                          <a:effectLst/>
+                        </a:rPr>
+                      </a:br>
+                      <a:r>
+                        <a:rPr lang="en-US" sz="1600" b="1" dirty="0" err="1">
+                          <a:effectLst/>
+                        </a:rPr>
+                        <a:t>TxWk</a:t>
+                      </a:r>
+                      <a:r>
+                        <a:rPr lang="en-US" sz="1600" b="1" dirty="0">
+                          <a:effectLst/>
+                        </a:rPr>
+                        <a:t> (5), </a:t>
+                      </a:r>
+                      <a:r>
+                        <a:rPr lang="en-US" sz="1600" b="1" dirty="0" err="1">
+                          <a:effectLst/>
+                        </a:rPr>
+                        <a:t>EnhG</a:t>
+                      </a:r>
+                      <a:r>
+                        <a:rPr lang="en-US" sz="1600" b="1" dirty="0">
+                          <a:effectLst/>
+                        </a:rPr>
+                        <a:t> (6),</a:t>
+                      </a:r>
+                      <a:br>
+                        <a:rPr lang="en-US" sz="1600" b="1" dirty="0">
+                          <a:effectLst/>
+                        </a:rPr>
+                      </a:br>
+                      <a:r>
+                        <a:rPr lang="en-US" sz="1600" b="1" u="sng" dirty="0" err="1">
+                          <a:effectLst/>
+                        </a:rPr>
+                        <a:t>Enh</a:t>
+                      </a:r>
+                      <a:r>
+                        <a:rPr lang="en-US" sz="1600" b="1" u="sng" dirty="0">
+                          <a:effectLst/>
+                        </a:rPr>
+                        <a:t> (7)</a:t>
+                      </a:r>
+                      <a:endParaRPr lang="en-US" sz="1600" dirty="0">
+                        <a:effectLst/>
+                      </a:endParaRPr>
+                    </a:p>
+                  </a:txBody>
+                  <a:tcPr>
+                    <a:lnL w="6350" cap="flat" cmpd="sng" algn="ctr">
+                      <a:solidFill>
+                        <a:srgbClr val="000000"/>
+                      </a:solidFill>
+                      <a:prstDash val="solid"/>
+                      <a:round/>
+                      <a:headEnd type="none" w="med" len="med"/>
+                      <a:tailEnd type="none" w="med" len="med"/>
+                    </a:lnL>
+                    <a:lnR w="6350" cap="flat" cmpd="sng" algn="ctr">
+                      <a:solidFill>
+                        <a:srgbClr val="000000"/>
+                      </a:solidFill>
+                      <a:prstDash val="solid"/>
+                      <a:round/>
+                      <a:headEnd type="none" w="med" len="med"/>
+                      <a:tailEnd type="none" w="med" len="med"/>
+                    </a:lnR>
+                    <a:lnT w="6350" cap="flat" cmpd="sng" algn="ctr">
+                      <a:solidFill>
+                        <a:srgbClr val="000000"/>
+                      </a:solidFill>
+                      <a:prstDash val="solid"/>
+                      <a:round/>
+                      <a:headEnd type="none" w="med" len="med"/>
+                      <a:tailEnd type="none" w="med" len="med"/>
+                    </a:lnT>
+                    <a:lnB w="6350" cap="flat" cmpd="sng" algn="ctr">
+                      <a:solidFill>
+                        <a:srgbClr val="000000"/>
+                      </a:solidFill>
+                      <a:prstDash val="solid"/>
+                      <a:round/>
+                      <a:headEnd type="none" w="med" len="med"/>
+                      <a:tailEnd type="none" w="med" len="med"/>
+                    </a:lnB>
+                    <a:solidFill>
+                      <a:schemeClr val="accent5">
+                        <a:lumMod val="20000"/>
+                        <a:lumOff val="80000"/>
+                      </a:schemeClr>
+                    </a:solidFill>
+                  </a:tcPr>
+                </a:tc>
+                <a:tc>
+                  <a:txBody>
+                    <a:bodyPr/>
+                    <a:lstStyle/>
+                    <a:p>
+                      <a:pPr algn="l"/>
+                      <a:r>
+                        <a:rPr lang="en-US" sz="1600" b="1" dirty="0" err="1">
+                          <a:effectLst/>
+                        </a:rPr>
+                        <a:t>TssA</a:t>
+                      </a:r>
+                      <a:r>
+                        <a:rPr lang="en-US" sz="1600" b="1" dirty="0">
+                          <a:effectLst/>
+                        </a:rPr>
+                        <a:t> (1) </a:t>
+                      </a:r>
+                      <a:r>
+                        <a:rPr lang="en-US" sz="1600" b="1" u="sng" dirty="0">
+                          <a:effectLst/>
+                        </a:rPr>
+                        <a:t>Het (9),</a:t>
+                      </a:r>
+                      <a:r>
+                        <a:rPr lang="en-US" sz="1600" dirty="0" err="1">
+                          <a:effectLst/>
+                        </a:rPr>
+                        <a:t>TssBiv</a:t>
+                      </a:r>
+                      <a:r>
+                        <a:rPr lang="en-US" sz="1600" dirty="0">
+                          <a:effectLst/>
+                        </a:rPr>
+                        <a:t> (10), </a:t>
+                      </a:r>
+                      <a:r>
+                        <a:rPr lang="en-US" sz="1600" dirty="0" err="1">
+                          <a:effectLst/>
+                        </a:rPr>
+                        <a:t>BivFlnk</a:t>
+                      </a:r>
+                      <a:r>
+                        <a:rPr lang="en-US" sz="1600" dirty="0">
+                          <a:effectLst/>
+                        </a:rPr>
+                        <a:t> (11),</a:t>
+                      </a:r>
+                      <a:r>
+                        <a:rPr lang="en-US" sz="1600" b="1" dirty="0" err="1">
+                          <a:effectLst/>
+                        </a:rPr>
+                        <a:t>ReprPC</a:t>
+                      </a:r>
+                      <a:r>
+                        <a:rPr lang="en-US" sz="1600" b="1" dirty="0">
+                          <a:effectLst/>
+                        </a:rPr>
+                        <a:t> (13), </a:t>
+                      </a:r>
+                      <a:r>
+                        <a:rPr lang="en-US" sz="1600" b="1" u="sng" dirty="0" err="1">
+                          <a:effectLst/>
+                        </a:rPr>
+                        <a:t>ReprPCWk</a:t>
+                      </a:r>
+                      <a:r>
+                        <a:rPr lang="en-US" sz="1600" b="1" u="sng" dirty="0">
+                          <a:effectLst/>
+                        </a:rPr>
+                        <a:t> (14)</a:t>
+                      </a:r>
+                      <a:endParaRPr lang="en-US" sz="1600" dirty="0">
+                        <a:effectLst/>
+                      </a:endParaRPr>
+                    </a:p>
+                  </a:txBody>
+                  <a:tcPr>
+                    <a:lnL w="6350" cap="flat" cmpd="sng" algn="ctr">
+                      <a:solidFill>
+                        <a:srgbClr val="000000"/>
+                      </a:solidFill>
+                      <a:prstDash val="solid"/>
+                      <a:round/>
+                      <a:headEnd type="none" w="med" len="med"/>
+                      <a:tailEnd type="none" w="med" len="med"/>
+                    </a:lnL>
+                    <a:lnR w="6350" cap="flat" cmpd="sng" algn="ctr">
+                      <a:solidFill>
+                        <a:srgbClr val="000000"/>
+                      </a:solidFill>
+                      <a:prstDash val="solid"/>
+                      <a:round/>
+                      <a:headEnd type="none" w="med" len="med"/>
+                      <a:tailEnd type="none" w="med" len="med"/>
+                    </a:lnR>
+                    <a:lnT w="6350" cap="flat" cmpd="sng" algn="ctr">
+                      <a:solidFill>
+                        <a:srgbClr val="000000"/>
+                      </a:solidFill>
+                      <a:prstDash val="solid"/>
+                      <a:round/>
+                      <a:headEnd type="none" w="med" len="med"/>
+                      <a:tailEnd type="none" w="med" len="med"/>
+                    </a:lnT>
+                    <a:lnB w="6350" cap="flat" cmpd="sng" algn="ctr">
+                      <a:solidFill>
+                        <a:srgbClr val="000000"/>
+                      </a:solidFill>
+                      <a:prstDash val="solid"/>
+                      <a:round/>
+                      <a:headEnd type="none" w="med" len="med"/>
+                      <a:tailEnd type="none" w="med" len="med"/>
+                    </a:lnB>
+                    <a:solidFill>
+                      <a:schemeClr val="accent5">
+                        <a:lumMod val="20000"/>
+                        <a:lumOff val="80000"/>
+                      </a:schemeClr>
+                    </a:solidFill>
+                  </a:tcPr>
+                </a:tc>
+                <a:extLst>
+                  <a:ext uri="{0D108BD9-81ED-4DB2-BD59-A6C34878D82A}">
+                    <a16:rowId xmlns:a16="http://schemas.microsoft.com/office/drawing/2014/main" val="3878685157"/>
+                  </a:ext>
+                </a:extLst>
+              </a:tr>
+              <a:tr h="0">
+                <a:tc>
+                  <a:txBody>
+                    <a:bodyPr/>
+                    <a:lstStyle/>
+                    <a:p>
+                      <a:pPr algn="l"/>
+                      <a:r>
+                        <a:rPr lang="en-US" sz="1600" dirty="0">
+                          <a:effectLst/>
+                        </a:rPr>
+                        <a:t>CpG Classifiers</a:t>
+                      </a:r>
+                    </a:p>
+                  </a:txBody>
+                  <a:tcPr>
+                    <a:lnL w="6350" cap="flat" cmpd="sng" algn="ctr">
+                      <a:solidFill>
+                        <a:srgbClr val="000000"/>
+                      </a:solidFill>
+                      <a:prstDash val="solid"/>
+                      <a:round/>
+                      <a:headEnd type="none" w="med" len="med"/>
+                      <a:tailEnd type="none" w="med" len="med"/>
+                    </a:lnL>
+                    <a:lnR w="6350" cap="flat" cmpd="sng" algn="ctr">
+                      <a:solidFill>
+                        <a:srgbClr val="000000"/>
+                      </a:solidFill>
+                      <a:prstDash val="solid"/>
+                      <a:round/>
+                      <a:headEnd type="none" w="med" len="med"/>
+                      <a:tailEnd type="none" w="med" len="med"/>
+                    </a:lnR>
+                    <a:lnT w="6350" cap="flat" cmpd="sng" algn="ctr">
+                      <a:solidFill>
+                        <a:srgbClr val="000000"/>
+                      </a:solidFill>
+                      <a:prstDash val="solid"/>
+                      <a:round/>
+                      <a:headEnd type="none" w="med" len="med"/>
+                      <a:tailEnd type="none" w="med" len="med"/>
+                    </a:lnT>
+                    <a:lnB w="6350" cap="flat" cmpd="sng" algn="ctr">
+                      <a:solidFill>
+                        <a:srgbClr val="000000"/>
+                      </a:solidFill>
+                      <a:prstDash val="solid"/>
+                      <a:round/>
+                      <a:headEnd type="none" w="med" len="med"/>
+                      <a:tailEnd type="none" w="med" len="med"/>
+                    </a:lnB>
+                    <a:solidFill>
+                      <a:schemeClr val="accent5">
+                        <a:lumMod val="20000"/>
+                        <a:lumOff val="80000"/>
+                      </a:schemeClr>
+                    </a:solidFill>
+                  </a:tcPr>
+                </a:tc>
+                <a:tc>
+                  <a:txBody>
+                    <a:bodyPr/>
+                    <a:lstStyle/>
+                    <a:p>
+                      <a:pPr algn="l"/>
+                      <a:r>
+                        <a:rPr lang="en-US" sz="1600" u="sng" dirty="0">
+                          <a:effectLst/>
+                        </a:rPr>
+                        <a:t>South Shore</a:t>
+                      </a:r>
+                      <a:endParaRPr lang="en-US" sz="1600" dirty="0">
+                        <a:effectLst/>
+                      </a:endParaRPr>
+                    </a:p>
+                  </a:txBody>
+                  <a:tcPr>
+                    <a:lnL w="6350" cap="flat" cmpd="sng" algn="ctr">
+                      <a:solidFill>
+                        <a:srgbClr val="000000"/>
+                      </a:solidFill>
+                      <a:prstDash val="solid"/>
+                      <a:round/>
+                      <a:headEnd type="none" w="med" len="med"/>
+                      <a:tailEnd type="none" w="med" len="med"/>
+                    </a:lnL>
+                    <a:lnR w="6350" cap="flat" cmpd="sng" algn="ctr">
+                      <a:solidFill>
+                        <a:srgbClr val="000000"/>
+                      </a:solidFill>
+                      <a:prstDash val="solid"/>
+                      <a:round/>
+                      <a:headEnd type="none" w="med" len="med"/>
+                      <a:tailEnd type="none" w="med" len="med"/>
+                    </a:lnR>
+                    <a:lnT w="6350" cap="flat" cmpd="sng" algn="ctr">
+                      <a:solidFill>
+                        <a:srgbClr val="000000"/>
+                      </a:solidFill>
+                      <a:prstDash val="solid"/>
+                      <a:round/>
+                      <a:headEnd type="none" w="med" len="med"/>
+                      <a:tailEnd type="none" w="med" len="med"/>
+                    </a:lnT>
+                    <a:lnB w="6350" cap="flat" cmpd="sng" algn="ctr">
+                      <a:solidFill>
+                        <a:srgbClr val="000000"/>
+                      </a:solidFill>
+                      <a:prstDash val="solid"/>
+                      <a:round/>
+                      <a:headEnd type="none" w="med" len="med"/>
+                      <a:tailEnd type="none" w="med" len="med"/>
+                    </a:lnB>
+                    <a:solidFill>
+                      <a:schemeClr val="accent5">
+                        <a:lumMod val="20000"/>
+                        <a:lumOff val="80000"/>
+                      </a:schemeClr>
+                    </a:solidFill>
+                  </a:tcPr>
+                </a:tc>
+                <a:tc>
+                  <a:txBody>
+                    <a:bodyPr/>
+                    <a:lstStyle/>
+                    <a:p>
+                      <a:pPr algn="l"/>
+                      <a:r>
+                        <a:rPr lang="en-US" sz="1600" dirty="0">
+                          <a:effectLst/>
+                        </a:rPr>
+                        <a:t>North shore,</a:t>
+                      </a:r>
+                      <a:br>
+                        <a:rPr lang="en-US" sz="1600" dirty="0">
+                          <a:effectLst/>
+                        </a:rPr>
+                      </a:br>
+                      <a:r>
+                        <a:rPr lang="en-US" sz="1600" b="1" dirty="0">
+                          <a:effectLst/>
+                        </a:rPr>
+                        <a:t>Island</a:t>
+                      </a:r>
+                      <a:endParaRPr lang="en-US" sz="1600" dirty="0">
+                        <a:effectLst/>
+                      </a:endParaRPr>
+                    </a:p>
+                  </a:txBody>
+                  <a:tcPr>
+                    <a:lnL w="6350" cap="flat" cmpd="sng" algn="ctr">
+                      <a:solidFill>
+                        <a:srgbClr val="000000"/>
+                      </a:solidFill>
+                      <a:prstDash val="solid"/>
+                      <a:round/>
+                      <a:headEnd type="none" w="med" len="med"/>
+                      <a:tailEnd type="none" w="med" len="med"/>
+                    </a:lnL>
+                    <a:lnR w="6350" cap="flat" cmpd="sng" algn="ctr">
+                      <a:solidFill>
+                        <a:srgbClr val="000000"/>
+                      </a:solidFill>
+                      <a:prstDash val="solid"/>
+                      <a:round/>
+                      <a:headEnd type="none" w="med" len="med"/>
+                      <a:tailEnd type="none" w="med" len="med"/>
+                    </a:lnR>
+                    <a:lnT w="6350" cap="flat" cmpd="sng" algn="ctr">
+                      <a:solidFill>
+                        <a:srgbClr val="000000"/>
+                      </a:solidFill>
+                      <a:prstDash val="solid"/>
+                      <a:round/>
+                      <a:headEnd type="none" w="med" len="med"/>
+                      <a:tailEnd type="none" w="med" len="med"/>
+                    </a:lnT>
+                    <a:lnB w="6350" cap="flat" cmpd="sng" algn="ctr">
+                      <a:solidFill>
+                        <a:srgbClr val="000000"/>
+                      </a:solidFill>
+                      <a:prstDash val="solid"/>
+                      <a:round/>
+                      <a:headEnd type="none" w="med" len="med"/>
+                      <a:tailEnd type="none" w="med" len="med"/>
+                    </a:lnB>
+                    <a:solidFill>
+                      <a:schemeClr val="accent5">
+                        <a:lumMod val="20000"/>
+                        <a:lumOff val="80000"/>
+                      </a:schemeClr>
+                    </a:solidFill>
+                  </a:tcPr>
+                </a:tc>
+                <a:tc>
+                  <a:txBody>
+                    <a:bodyPr/>
+                    <a:lstStyle/>
+                    <a:p>
+                      <a:pPr algn="l"/>
+                      <a:r>
+                        <a:rPr lang="en-US" sz="1600" b="1" u="sng" dirty="0">
+                          <a:effectLst/>
+                        </a:rPr>
+                        <a:t>South shore,</a:t>
+                      </a:r>
+                      <a:br>
+                        <a:rPr lang="en-US" sz="1600" dirty="0">
+                          <a:effectLst/>
+                        </a:rPr>
+                      </a:br>
+                      <a:r>
+                        <a:rPr lang="en-US" sz="1600" b="1" dirty="0">
+                          <a:effectLst/>
+                        </a:rPr>
+                        <a:t>Open sea</a:t>
+                      </a:r>
+                      <a:endParaRPr lang="en-US" sz="1600" dirty="0">
+                        <a:effectLst/>
+                      </a:endParaRPr>
+                    </a:p>
+                  </a:txBody>
+                  <a:tcPr>
+                    <a:lnL w="6350" cap="flat" cmpd="sng" algn="ctr">
+                      <a:solidFill>
+                        <a:srgbClr val="000000"/>
+                      </a:solidFill>
+                      <a:prstDash val="solid"/>
+                      <a:round/>
+                      <a:headEnd type="none" w="med" len="med"/>
+                      <a:tailEnd type="none" w="med" len="med"/>
+                    </a:lnL>
+                    <a:lnR w="6350" cap="flat" cmpd="sng" algn="ctr">
+                      <a:solidFill>
+                        <a:srgbClr val="000000"/>
+                      </a:solidFill>
+                      <a:prstDash val="solid"/>
+                      <a:round/>
+                      <a:headEnd type="none" w="med" len="med"/>
+                      <a:tailEnd type="none" w="med" len="med"/>
+                    </a:lnR>
+                    <a:lnT w="6350" cap="flat" cmpd="sng" algn="ctr">
+                      <a:solidFill>
+                        <a:srgbClr val="000000"/>
+                      </a:solidFill>
+                      <a:prstDash val="solid"/>
+                      <a:round/>
+                      <a:headEnd type="none" w="med" len="med"/>
+                      <a:tailEnd type="none" w="med" len="med"/>
+                    </a:lnT>
+                    <a:lnB w="6350" cap="flat" cmpd="sng" algn="ctr">
+                      <a:solidFill>
+                        <a:srgbClr val="000000"/>
+                      </a:solidFill>
+                      <a:prstDash val="solid"/>
+                      <a:round/>
+                      <a:headEnd type="none" w="med" len="med"/>
+                      <a:tailEnd type="none" w="med" len="med"/>
+                    </a:lnB>
+                    <a:solidFill>
+                      <a:schemeClr val="accent5">
+                        <a:lumMod val="20000"/>
+                        <a:lumOff val="80000"/>
+                      </a:schemeClr>
+                    </a:solidFill>
+                  </a:tcPr>
+                </a:tc>
+                <a:tc>
+                  <a:txBody>
+                    <a:bodyPr/>
+                    <a:lstStyle/>
+                    <a:p>
+                      <a:pPr algn="l"/>
+                      <a:r>
+                        <a:rPr lang="en-US" sz="1600" b="1" dirty="0">
+                          <a:effectLst/>
+                        </a:rPr>
+                        <a:t>North </a:t>
+                      </a:r>
+                      <a:r>
+                        <a:rPr lang="en-US" sz="1600" b="1" dirty="0" err="1">
+                          <a:effectLst/>
+                        </a:rPr>
+                        <a:t>shelf,North</a:t>
+                      </a:r>
+                      <a:r>
+                        <a:rPr lang="en-US" sz="1600" b="1" dirty="0">
+                          <a:effectLst/>
+                        </a:rPr>
+                        <a:t> shore,</a:t>
+                      </a:r>
+                      <a:br>
+                        <a:rPr lang="en-US" sz="1600" b="1" dirty="0">
+                          <a:effectLst/>
+                        </a:rPr>
+                      </a:br>
+                      <a:r>
+                        <a:rPr lang="en-US" sz="1600" b="1" u="sng" dirty="0">
+                          <a:effectLst/>
+                        </a:rPr>
+                        <a:t>Island</a:t>
+                      </a:r>
+                      <a:endParaRPr lang="en-US" sz="1600" dirty="0">
+                        <a:effectLst/>
+                      </a:endParaRPr>
+                    </a:p>
+                  </a:txBody>
+                  <a:tcPr>
+                    <a:lnL w="6350" cap="flat" cmpd="sng" algn="ctr">
+                      <a:solidFill>
+                        <a:srgbClr val="000000"/>
+                      </a:solidFill>
+                      <a:prstDash val="solid"/>
+                      <a:round/>
+                      <a:headEnd type="none" w="med" len="med"/>
+                      <a:tailEnd type="none" w="med" len="med"/>
+                    </a:lnL>
+                    <a:lnR w="6350" cap="flat" cmpd="sng" algn="ctr">
+                      <a:solidFill>
+                        <a:srgbClr val="000000"/>
+                      </a:solidFill>
+                      <a:prstDash val="solid"/>
+                      <a:round/>
+                      <a:headEnd type="none" w="med" len="med"/>
+                      <a:tailEnd type="none" w="med" len="med"/>
+                    </a:lnR>
+                    <a:lnT w="6350" cap="flat" cmpd="sng" algn="ctr">
+                      <a:solidFill>
+                        <a:srgbClr val="000000"/>
+                      </a:solidFill>
+                      <a:prstDash val="solid"/>
+                      <a:round/>
+                      <a:headEnd type="none" w="med" len="med"/>
+                      <a:tailEnd type="none" w="med" len="med"/>
+                    </a:lnT>
+                    <a:lnB w="6350" cap="flat" cmpd="sng" algn="ctr">
+                      <a:solidFill>
+                        <a:srgbClr val="000000"/>
+                      </a:solidFill>
+                      <a:prstDash val="solid"/>
+                      <a:round/>
+                      <a:headEnd type="none" w="med" len="med"/>
+                      <a:tailEnd type="none" w="med" len="med"/>
+                    </a:lnB>
+                    <a:solidFill>
+                      <a:schemeClr val="accent5">
+                        <a:lumMod val="20000"/>
+                        <a:lumOff val="80000"/>
+                      </a:schemeClr>
+                    </a:solidFill>
+                  </a:tcPr>
+                </a:tc>
+                <a:extLst>
+                  <a:ext uri="{0D108BD9-81ED-4DB2-BD59-A6C34878D82A}">
+                    <a16:rowId xmlns:a16="http://schemas.microsoft.com/office/drawing/2014/main" val="2951787142"/>
+                  </a:ext>
+                </a:extLst>
+              </a:tr>
+              <a:tr h="0">
+                <a:tc>
+                  <a:txBody>
+                    <a:bodyPr/>
+                    <a:lstStyle/>
+                    <a:p>
+                      <a:pPr algn="l"/>
+                      <a:r>
+                        <a:rPr lang="en-US" sz="1600" dirty="0">
+                          <a:effectLst/>
+                        </a:rPr>
+                        <a:t>Gene Regions</a:t>
+                      </a:r>
+                    </a:p>
+                  </a:txBody>
+                  <a:tcPr>
+                    <a:lnL w="6350" cap="flat" cmpd="sng" algn="ctr">
+                      <a:solidFill>
+                        <a:srgbClr val="000000"/>
+                      </a:solidFill>
+                      <a:prstDash val="solid"/>
+                      <a:round/>
+                      <a:headEnd type="none" w="med" len="med"/>
+                      <a:tailEnd type="none" w="med" len="med"/>
+                    </a:lnL>
+                    <a:lnR w="6350" cap="flat" cmpd="sng" algn="ctr">
+                      <a:solidFill>
+                        <a:srgbClr val="000000"/>
+                      </a:solidFill>
+                      <a:prstDash val="solid"/>
+                      <a:round/>
+                      <a:headEnd type="none" w="med" len="med"/>
+                      <a:tailEnd type="none" w="med" len="med"/>
+                    </a:lnR>
+                    <a:lnT w="6350" cap="flat" cmpd="sng" algn="ctr">
+                      <a:solidFill>
+                        <a:srgbClr val="000000"/>
+                      </a:solidFill>
+                      <a:prstDash val="solid"/>
+                      <a:round/>
+                      <a:headEnd type="none" w="med" len="med"/>
+                      <a:tailEnd type="none" w="med" len="med"/>
+                    </a:lnT>
+                    <a:lnB w="6350" cap="flat" cmpd="sng" algn="ctr">
+                      <a:solidFill>
+                        <a:srgbClr val="000000"/>
+                      </a:solidFill>
+                      <a:prstDash val="solid"/>
+                      <a:round/>
+                      <a:headEnd type="none" w="med" len="med"/>
+                      <a:tailEnd type="none" w="med" len="med"/>
+                    </a:lnB>
+                    <a:solidFill>
+                      <a:schemeClr val="accent5">
+                        <a:lumMod val="20000"/>
+                        <a:lumOff val="80000"/>
+                      </a:schemeClr>
+                    </a:solidFill>
+                  </a:tcPr>
+                </a:tc>
+                <a:tc>
+                  <a:txBody>
+                    <a:bodyPr/>
+                    <a:lstStyle/>
+                    <a:p>
+                      <a:pPr algn="l"/>
+                      <a:r>
+                        <a:rPr lang="en-US" sz="1600">
+                          <a:effectLst/>
+                        </a:rPr>
+                        <a:t> </a:t>
+                      </a:r>
+                    </a:p>
+                  </a:txBody>
+                  <a:tcPr>
+                    <a:lnL w="6350" cap="flat" cmpd="sng" algn="ctr">
+                      <a:solidFill>
+                        <a:srgbClr val="000000"/>
+                      </a:solidFill>
+                      <a:prstDash val="solid"/>
+                      <a:round/>
+                      <a:headEnd type="none" w="med" len="med"/>
+                      <a:tailEnd type="none" w="med" len="med"/>
+                    </a:lnL>
+                    <a:lnR w="6350" cap="flat" cmpd="sng" algn="ctr">
+                      <a:solidFill>
+                        <a:srgbClr val="000000"/>
+                      </a:solidFill>
+                      <a:prstDash val="solid"/>
+                      <a:round/>
+                      <a:headEnd type="none" w="med" len="med"/>
+                      <a:tailEnd type="none" w="med" len="med"/>
+                    </a:lnR>
+                    <a:lnT w="6350" cap="flat" cmpd="sng" algn="ctr">
+                      <a:solidFill>
+                        <a:srgbClr val="000000"/>
+                      </a:solidFill>
+                      <a:prstDash val="solid"/>
+                      <a:round/>
+                      <a:headEnd type="none" w="med" len="med"/>
+                      <a:tailEnd type="none" w="med" len="med"/>
+                    </a:lnT>
+                    <a:lnB w="6350" cap="flat" cmpd="sng" algn="ctr">
+                      <a:solidFill>
+                        <a:srgbClr val="000000"/>
+                      </a:solidFill>
+                      <a:prstDash val="solid"/>
+                      <a:round/>
+                      <a:headEnd type="none" w="med" len="med"/>
+                      <a:tailEnd type="none" w="med" len="med"/>
+                    </a:lnB>
+                    <a:solidFill>
+                      <a:schemeClr val="accent5">
+                        <a:lumMod val="20000"/>
+                        <a:lumOff val="80000"/>
+                      </a:schemeClr>
+                    </a:solidFill>
+                  </a:tcPr>
+                </a:tc>
+                <a:tc>
+                  <a:txBody>
+                    <a:bodyPr/>
+                    <a:lstStyle/>
+                    <a:p>
+                      <a:pPr algn="l"/>
+                      <a:r>
+                        <a:rPr lang="en-US" sz="1600" b="1" dirty="0">
+                          <a:effectLst/>
+                        </a:rPr>
+                        <a:t>5’-UTRs, Promoters</a:t>
+                      </a:r>
+                      <a:endParaRPr lang="en-US" sz="1600" dirty="0">
+                        <a:effectLst/>
+                      </a:endParaRPr>
+                    </a:p>
+                  </a:txBody>
+                  <a:tcPr>
+                    <a:lnL w="6350" cap="flat" cmpd="sng" algn="ctr">
+                      <a:solidFill>
+                        <a:srgbClr val="000000"/>
+                      </a:solidFill>
+                      <a:prstDash val="solid"/>
+                      <a:round/>
+                      <a:headEnd type="none" w="med" len="med"/>
+                      <a:tailEnd type="none" w="med" len="med"/>
+                    </a:lnL>
+                    <a:lnR w="6350" cap="flat" cmpd="sng" algn="ctr">
+                      <a:solidFill>
+                        <a:srgbClr val="000000"/>
+                      </a:solidFill>
+                      <a:prstDash val="solid"/>
+                      <a:round/>
+                      <a:headEnd type="none" w="med" len="med"/>
+                      <a:tailEnd type="none" w="med" len="med"/>
+                    </a:lnR>
+                    <a:lnT w="6350" cap="flat" cmpd="sng" algn="ctr">
+                      <a:solidFill>
+                        <a:srgbClr val="000000"/>
+                      </a:solidFill>
+                      <a:prstDash val="solid"/>
+                      <a:round/>
+                      <a:headEnd type="none" w="med" len="med"/>
+                      <a:tailEnd type="none" w="med" len="med"/>
+                    </a:lnT>
+                    <a:lnB w="6350" cap="flat" cmpd="sng" algn="ctr">
+                      <a:solidFill>
+                        <a:srgbClr val="000000"/>
+                      </a:solidFill>
+                      <a:prstDash val="solid"/>
+                      <a:round/>
+                      <a:headEnd type="none" w="med" len="med"/>
+                      <a:tailEnd type="none" w="med" len="med"/>
+                    </a:lnB>
+                    <a:solidFill>
+                      <a:schemeClr val="accent5">
+                        <a:lumMod val="20000"/>
+                        <a:lumOff val="80000"/>
+                      </a:schemeClr>
+                    </a:solidFill>
+                  </a:tcPr>
+                </a:tc>
+                <a:tc>
+                  <a:txBody>
+                    <a:bodyPr/>
+                    <a:lstStyle/>
+                    <a:p>
+                      <a:pPr algn="l"/>
+                      <a:r>
+                        <a:rPr lang="en-US" sz="1600" b="1" dirty="0">
+                          <a:effectLst/>
+                        </a:rPr>
+                        <a:t>Introns</a:t>
+                      </a:r>
+                      <a:endParaRPr lang="en-US" sz="1600" dirty="0">
+                        <a:effectLst/>
+                      </a:endParaRPr>
+                    </a:p>
+                  </a:txBody>
+                  <a:tcPr>
+                    <a:lnL w="6350" cap="flat" cmpd="sng" algn="ctr">
+                      <a:solidFill>
+                        <a:srgbClr val="000000"/>
+                      </a:solidFill>
+                      <a:prstDash val="solid"/>
+                      <a:round/>
+                      <a:headEnd type="none" w="med" len="med"/>
+                      <a:tailEnd type="none" w="med" len="med"/>
+                    </a:lnL>
+                    <a:lnR w="6350" cap="flat" cmpd="sng" algn="ctr">
+                      <a:solidFill>
+                        <a:srgbClr val="000000"/>
+                      </a:solidFill>
+                      <a:prstDash val="solid"/>
+                      <a:round/>
+                      <a:headEnd type="none" w="med" len="med"/>
+                      <a:tailEnd type="none" w="med" len="med"/>
+                    </a:lnR>
+                    <a:lnT w="6350" cap="flat" cmpd="sng" algn="ctr">
+                      <a:solidFill>
+                        <a:srgbClr val="000000"/>
+                      </a:solidFill>
+                      <a:prstDash val="solid"/>
+                      <a:round/>
+                      <a:headEnd type="none" w="med" len="med"/>
+                      <a:tailEnd type="none" w="med" len="med"/>
+                    </a:lnT>
+                    <a:lnB w="6350" cap="flat" cmpd="sng" algn="ctr">
+                      <a:solidFill>
+                        <a:srgbClr val="000000"/>
+                      </a:solidFill>
+                      <a:prstDash val="solid"/>
+                      <a:round/>
+                      <a:headEnd type="none" w="med" len="med"/>
+                      <a:tailEnd type="none" w="med" len="med"/>
+                    </a:lnB>
+                    <a:solidFill>
+                      <a:schemeClr val="accent5">
+                        <a:lumMod val="20000"/>
+                        <a:lumOff val="80000"/>
+                      </a:schemeClr>
+                    </a:solidFill>
+                  </a:tcPr>
+                </a:tc>
+                <a:tc>
+                  <a:txBody>
+                    <a:bodyPr/>
+                    <a:lstStyle/>
+                    <a:p>
+                      <a:pPr algn="l"/>
+                      <a:r>
+                        <a:rPr lang="en-US" sz="1600" dirty="0">
+                          <a:effectLst/>
+                        </a:rPr>
+                        <a:t>5’-UTRs,</a:t>
+                      </a:r>
+                      <a:br>
+                        <a:rPr lang="en-US" sz="1600" dirty="0">
+                          <a:effectLst/>
+                        </a:rPr>
+                      </a:br>
+                      <a:r>
+                        <a:rPr lang="en-US" sz="1600" b="1" u="sng" dirty="0">
+                          <a:effectLst/>
+                        </a:rPr>
+                        <a:t>Promoters</a:t>
+                      </a:r>
+                      <a:endParaRPr lang="en-US" sz="1600" dirty="0">
+                        <a:effectLst/>
+                      </a:endParaRPr>
+                    </a:p>
+                  </a:txBody>
+                  <a:tcPr>
+                    <a:lnL w="6350" cap="flat" cmpd="sng" algn="ctr">
+                      <a:solidFill>
+                        <a:srgbClr val="000000"/>
+                      </a:solidFill>
+                      <a:prstDash val="solid"/>
+                      <a:round/>
+                      <a:headEnd type="none" w="med" len="med"/>
+                      <a:tailEnd type="none" w="med" len="med"/>
+                    </a:lnL>
+                    <a:lnR w="6350" cap="flat" cmpd="sng" algn="ctr">
+                      <a:solidFill>
+                        <a:srgbClr val="000000"/>
+                      </a:solidFill>
+                      <a:prstDash val="solid"/>
+                      <a:round/>
+                      <a:headEnd type="none" w="med" len="med"/>
+                      <a:tailEnd type="none" w="med" len="med"/>
+                    </a:lnR>
+                    <a:lnT w="6350" cap="flat" cmpd="sng" algn="ctr">
+                      <a:solidFill>
+                        <a:srgbClr val="000000"/>
+                      </a:solidFill>
+                      <a:prstDash val="solid"/>
+                      <a:round/>
+                      <a:headEnd type="none" w="med" len="med"/>
+                      <a:tailEnd type="none" w="med" len="med"/>
+                    </a:lnT>
+                    <a:lnB w="6350" cap="flat" cmpd="sng" algn="ctr">
+                      <a:solidFill>
+                        <a:srgbClr val="000000"/>
+                      </a:solidFill>
+                      <a:prstDash val="solid"/>
+                      <a:round/>
+                      <a:headEnd type="none" w="med" len="med"/>
+                      <a:tailEnd type="none" w="med" len="med"/>
+                    </a:lnB>
+                    <a:solidFill>
+                      <a:schemeClr val="accent5">
+                        <a:lumMod val="20000"/>
+                        <a:lumOff val="80000"/>
+                      </a:schemeClr>
+                    </a:solidFill>
+                  </a:tcPr>
+                </a:tc>
+                <a:extLst>
+                  <a:ext uri="{0D108BD9-81ED-4DB2-BD59-A6C34878D82A}">
+                    <a16:rowId xmlns:a16="http://schemas.microsoft.com/office/drawing/2014/main" val="296526563"/>
+                  </a:ext>
+                </a:extLst>
+              </a:tr>
+              <a:tr h="0">
+                <a:tc>
+                  <a:txBody>
+                    <a:bodyPr/>
+                    <a:lstStyle/>
+                    <a:p>
+                      <a:pPr algn="l"/>
+                      <a:r>
+                        <a:rPr lang="en-US" sz="1600" dirty="0">
+                          <a:effectLst/>
+                        </a:rPr>
+                        <a:t>Other</a:t>
+                      </a:r>
+                    </a:p>
+                  </a:txBody>
+                  <a:tcPr>
+                    <a:lnL w="6350" cap="flat" cmpd="sng" algn="ctr">
+                      <a:solidFill>
+                        <a:srgbClr val="000000"/>
+                      </a:solidFill>
+                      <a:prstDash val="solid"/>
+                      <a:round/>
+                      <a:headEnd type="none" w="med" len="med"/>
+                      <a:tailEnd type="none" w="med" len="med"/>
+                    </a:lnL>
+                    <a:lnR w="6350" cap="flat" cmpd="sng" algn="ctr">
+                      <a:solidFill>
+                        <a:srgbClr val="000000"/>
+                      </a:solidFill>
+                      <a:prstDash val="solid"/>
+                      <a:round/>
+                      <a:headEnd type="none" w="med" len="med"/>
+                      <a:tailEnd type="none" w="med" len="med"/>
+                    </a:lnR>
+                    <a:lnT w="6350" cap="flat" cmpd="sng" algn="ctr">
+                      <a:solidFill>
+                        <a:srgbClr val="000000"/>
+                      </a:solidFill>
+                      <a:prstDash val="solid"/>
+                      <a:round/>
+                      <a:headEnd type="none" w="med" len="med"/>
+                      <a:tailEnd type="none" w="med" len="med"/>
+                    </a:lnT>
+                    <a:lnB w="6350" cap="flat" cmpd="sng" algn="ctr">
+                      <a:solidFill>
+                        <a:srgbClr val="000000"/>
+                      </a:solidFill>
+                      <a:prstDash val="solid"/>
+                      <a:round/>
+                      <a:headEnd type="none" w="med" len="med"/>
+                      <a:tailEnd type="none" w="med" len="med"/>
+                    </a:lnB>
+                    <a:solidFill>
+                      <a:schemeClr val="accent5">
+                        <a:lumMod val="20000"/>
+                        <a:lumOff val="80000"/>
+                      </a:schemeClr>
+                    </a:solidFill>
+                  </a:tcPr>
+                </a:tc>
+                <a:tc>
+                  <a:txBody>
+                    <a:bodyPr/>
+                    <a:lstStyle/>
+                    <a:p>
+                      <a:pPr algn="l"/>
+                      <a:r>
+                        <a:rPr lang="en-US" sz="1600" dirty="0">
+                          <a:effectLst/>
+                        </a:rPr>
+                        <a:t>Enhancers,</a:t>
+                      </a:r>
+                      <a:br>
+                        <a:rPr lang="en-US" sz="1600" dirty="0">
+                          <a:effectLst/>
+                        </a:rPr>
+                      </a:br>
+                      <a:r>
+                        <a:rPr lang="en-US" sz="1600" b="1" u="sng" dirty="0">
+                          <a:effectLst/>
+                        </a:rPr>
+                        <a:t>TF binding</a:t>
+                      </a:r>
+                      <a:endParaRPr lang="en-US" sz="1600" u="sng" dirty="0">
+                        <a:effectLst/>
+                      </a:endParaRPr>
+                    </a:p>
+                  </a:txBody>
+                  <a:tcPr>
+                    <a:lnL w="6350" cap="flat" cmpd="sng" algn="ctr">
+                      <a:solidFill>
+                        <a:srgbClr val="000000"/>
+                      </a:solidFill>
+                      <a:prstDash val="solid"/>
+                      <a:round/>
+                      <a:headEnd type="none" w="med" len="med"/>
+                      <a:tailEnd type="none" w="med" len="med"/>
+                    </a:lnL>
+                    <a:lnR w="6350" cap="flat" cmpd="sng" algn="ctr">
+                      <a:solidFill>
+                        <a:srgbClr val="000000"/>
+                      </a:solidFill>
+                      <a:prstDash val="solid"/>
+                      <a:round/>
+                      <a:headEnd type="none" w="med" len="med"/>
+                      <a:tailEnd type="none" w="med" len="med"/>
+                    </a:lnR>
+                    <a:lnT w="6350" cap="flat" cmpd="sng" algn="ctr">
+                      <a:solidFill>
+                        <a:srgbClr val="000000"/>
+                      </a:solidFill>
+                      <a:prstDash val="solid"/>
+                      <a:round/>
+                      <a:headEnd type="none" w="med" len="med"/>
+                      <a:tailEnd type="none" w="med" len="med"/>
+                    </a:lnT>
+                    <a:lnB w="6350" cap="flat" cmpd="sng" algn="ctr">
+                      <a:solidFill>
+                        <a:srgbClr val="000000"/>
+                      </a:solidFill>
+                      <a:prstDash val="solid"/>
+                      <a:round/>
+                      <a:headEnd type="none" w="med" len="med"/>
+                      <a:tailEnd type="none" w="med" len="med"/>
+                    </a:lnB>
+                    <a:solidFill>
+                      <a:schemeClr val="accent5">
+                        <a:lumMod val="20000"/>
+                        <a:lumOff val="80000"/>
+                      </a:schemeClr>
+                    </a:solidFill>
+                  </a:tcPr>
+                </a:tc>
+                <a:tc>
+                  <a:txBody>
+                    <a:bodyPr/>
+                    <a:lstStyle/>
+                    <a:p>
+                      <a:pPr algn="l"/>
+                      <a:r>
+                        <a:rPr lang="en-US" sz="1600">
+                          <a:effectLst/>
+                        </a:rPr>
+                        <a:t>lncRNAs</a:t>
+                      </a:r>
+                    </a:p>
+                  </a:txBody>
+                  <a:tcPr>
+                    <a:lnL w="6350" cap="flat" cmpd="sng" algn="ctr">
+                      <a:solidFill>
+                        <a:srgbClr val="000000"/>
+                      </a:solidFill>
+                      <a:prstDash val="solid"/>
+                      <a:round/>
+                      <a:headEnd type="none" w="med" len="med"/>
+                      <a:tailEnd type="none" w="med" len="med"/>
+                    </a:lnL>
+                    <a:lnR w="6350" cap="flat" cmpd="sng" algn="ctr">
+                      <a:solidFill>
+                        <a:srgbClr val="000000"/>
+                      </a:solidFill>
+                      <a:prstDash val="solid"/>
+                      <a:round/>
+                      <a:headEnd type="none" w="med" len="med"/>
+                      <a:tailEnd type="none" w="med" len="med"/>
+                    </a:lnR>
+                    <a:lnT w="6350" cap="flat" cmpd="sng" algn="ctr">
+                      <a:solidFill>
+                        <a:srgbClr val="000000"/>
+                      </a:solidFill>
+                      <a:prstDash val="solid"/>
+                      <a:round/>
+                      <a:headEnd type="none" w="med" len="med"/>
+                      <a:tailEnd type="none" w="med" len="med"/>
+                    </a:lnT>
+                    <a:lnB w="6350" cap="flat" cmpd="sng" algn="ctr">
+                      <a:solidFill>
+                        <a:srgbClr val="000000"/>
+                      </a:solidFill>
+                      <a:prstDash val="solid"/>
+                      <a:round/>
+                      <a:headEnd type="none" w="med" len="med"/>
+                      <a:tailEnd type="none" w="med" len="med"/>
+                    </a:lnB>
+                    <a:solidFill>
+                      <a:schemeClr val="accent5">
+                        <a:lumMod val="20000"/>
+                        <a:lumOff val="80000"/>
+                      </a:schemeClr>
+                    </a:solidFill>
+                  </a:tcPr>
+                </a:tc>
+                <a:tc>
+                  <a:txBody>
+                    <a:bodyPr/>
+                    <a:lstStyle/>
+                    <a:p>
+                      <a:pPr algn="l"/>
+                      <a:r>
+                        <a:rPr lang="en-US" sz="1600" b="1" u="sng">
+                          <a:effectLst/>
+                        </a:rPr>
+                        <a:t>Enhancers</a:t>
+                      </a:r>
+                      <a:endParaRPr lang="en-US" sz="1600">
+                        <a:effectLst/>
+                      </a:endParaRPr>
+                    </a:p>
+                  </a:txBody>
+                  <a:tcPr>
+                    <a:lnL w="6350" cap="flat" cmpd="sng" algn="ctr">
+                      <a:solidFill>
+                        <a:srgbClr val="000000"/>
+                      </a:solidFill>
+                      <a:prstDash val="solid"/>
+                      <a:round/>
+                      <a:headEnd type="none" w="med" len="med"/>
+                      <a:tailEnd type="none" w="med" len="med"/>
+                    </a:lnL>
+                    <a:lnR w="6350" cap="flat" cmpd="sng" algn="ctr">
+                      <a:solidFill>
+                        <a:srgbClr val="000000"/>
+                      </a:solidFill>
+                      <a:prstDash val="solid"/>
+                      <a:round/>
+                      <a:headEnd type="none" w="med" len="med"/>
+                      <a:tailEnd type="none" w="med" len="med"/>
+                    </a:lnR>
+                    <a:lnT w="6350" cap="flat" cmpd="sng" algn="ctr">
+                      <a:solidFill>
+                        <a:srgbClr val="000000"/>
+                      </a:solidFill>
+                      <a:prstDash val="solid"/>
+                      <a:round/>
+                      <a:headEnd type="none" w="med" len="med"/>
+                      <a:tailEnd type="none" w="med" len="med"/>
+                    </a:lnT>
+                    <a:lnB w="6350" cap="flat" cmpd="sng" algn="ctr">
+                      <a:solidFill>
+                        <a:srgbClr val="000000"/>
+                      </a:solidFill>
+                      <a:prstDash val="solid"/>
+                      <a:round/>
+                      <a:headEnd type="none" w="med" len="med"/>
+                      <a:tailEnd type="none" w="med" len="med"/>
+                    </a:lnB>
+                    <a:solidFill>
+                      <a:schemeClr val="accent5">
+                        <a:lumMod val="20000"/>
+                        <a:lumOff val="80000"/>
+                      </a:schemeClr>
+                    </a:solidFill>
+                  </a:tcPr>
+                </a:tc>
+                <a:tc>
+                  <a:txBody>
+                    <a:bodyPr/>
+                    <a:lstStyle/>
+                    <a:p>
+                      <a:pPr algn="l"/>
+                      <a:r>
+                        <a:rPr lang="en-US" sz="1600" b="1" dirty="0" err="1">
+                          <a:effectLst/>
+                        </a:rPr>
+                        <a:t>lncRNAs</a:t>
+                      </a:r>
+                      <a:r>
+                        <a:rPr lang="en-US" sz="1600" b="1" dirty="0">
+                          <a:effectLst/>
+                        </a:rPr>
+                        <a:t>, Insulators</a:t>
+                      </a:r>
+                      <a:endParaRPr lang="en-US" sz="1600" dirty="0">
+                        <a:effectLst/>
+                      </a:endParaRPr>
+                    </a:p>
+                  </a:txBody>
+                  <a:tcPr>
+                    <a:lnL w="6350" cap="flat" cmpd="sng" algn="ctr">
+                      <a:solidFill>
+                        <a:srgbClr val="000000"/>
+                      </a:solidFill>
+                      <a:prstDash val="solid"/>
+                      <a:round/>
+                      <a:headEnd type="none" w="med" len="med"/>
+                      <a:tailEnd type="none" w="med" len="med"/>
+                    </a:lnL>
+                    <a:lnR w="6350" cap="flat" cmpd="sng" algn="ctr">
+                      <a:solidFill>
+                        <a:srgbClr val="000000"/>
+                      </a:solidFill>
+                      <a:prstDash val="solid"/>
+                      <a:round/>
+                      <a:headEnd type="none" w="med" len="med"/>
+                      <a:tailEnd type="none" w="med" len="med"/>
+                    </a:lnR>
+                    <a:lnT w="6350" cap="flat" cmpd="sng" algn="ctr">
+                      <a:solidFill>
+                        <a:srgbClr val="000000"/>
+                      </a:solidFill>
+                      <a:prstDash val="solid"/>
+                      <a:round/>
+                      <a:headEnd type="none" w="med" len="med"/>
+                      <a:tailEnd type="none" w="med" len="med"/>
+                    </a:lnT>
+                    <a:lnB w="6350" cap="flat" cmpd="sng" algn="ctr">
+                      <a:solidFill>
+                        <a:srgbClr val="000000"/>
+                      </a:solidFill>
+                      <a:prstDash val="solid"/>
+                      <a:round/>
+                      <a:headEnd type="none" w="med" len="med"/>
+                      <a:tailEnd type="none" w="med" len="med"/>
+                    </a:lnB>
+                    <a:solidFill>
+                      <a:schemeClr val="accent5">
+                        <a:lumMod val="20000"/>
+                        <a:lumOff val="80000"/>
+                      </a:schemeClr>
+                    </a:solidFill>
+                  </a:tcPr>
+                </a:tc>
+                <a:extLst>
+                  <a:ext uri="{0D108BD9-81ED-4DB2-BD59-A6C34878D82A}">
+                    <a16:rowId xmlns:a16="http://schemas.microsoft.com/office/drawing/2014/main" val="1219987803"/>
+                  </a:ext>
+                </a:extLst>
+              </a:tr>
+            </a:tbl>
+          </a:graphicData>
+        </a:graphic>
+      </p:graphicFrame>
+      <p:sp>
+        <p:nvSpPr>
+          <p:cNvPr id="6" name="TextBox 5">
+            <a:extLst>
+              <a:ext uri="{FF2B5EF4-FFF2-40B4-BE49-F238E27FC236}">
+                <a16:creationId xmlns:a16="http://schemas.microsoft.com/office/drawing/2014/main" id="{937FDB6D-E1CE-3A3C-0B0B-29A02FE41D15}"/>
+              </a:ext>
+            </a:extLst>
+          </p:cNvPr>
+          <p:cNvSpPr txBox="1"/>
+          <p:nvPr/>
+        </p:nvSpPr>
+        <p:spPr>
+          <a:xfrm>
+            <a:off x="3503712" y="6367454"/>
+            <a:ext cx="8280920" cy="369332"/>
+          </a:xfrm>
+          <a:prstGeom prst="rect">
+            <a:avLst/>
+          </a:prstGeom>
+          <a:noFill/>
+        </p:spPr>
+        <p:txBody>
+          <a:bodyPr wrap="square">
+            <a:spAutoFit/>
+          </a:bodyPr>
+          <a:lstStyle/>
+          <a:p>
+            <a:r>
+              <a:rPr lang="en-CA" sz="1800" u="sng" dirty="0">
+                <a:latin typeface="+mn-lt"/>
+              </a:rPr>
+              <a:t>Underlined</a:t>
+            </a:r>
+            <a:r>
+              <a:rPr lang="en-CA" sz="1800" dirty="0">
+                <a:latin typeface="+mn-lt"/>
+              </a:rPr>
+              <a:t>: in common    </a:t>
+            </a:r>
+            <a:r>
+              <a:rPr lang="en-CA" sz="1800" b="1" dirty="0">
+                <a:latin typeface="+mn-lt"/>
+              </a:rPr>
+              <a:t>Bold</a:t>
+            </a:r>
+            <a:r>
+              <a:rPr lang="en-CA" sz="1800" dirty="0">
+                <a:latin typeface="+mn-lt"/>
+              </a:rPr>
+              <a:t>: Bonferroni p &lt; 0.05</a:t>
+            </a:r>
+            <a:endParaRPr lang="en-US" sz="1800" b="1" dirty="0"/>
+          </a:p>
+        </p:txBody>
+      </p:sp>
+    </p:spTree>
+    <p:extLst>
+      <p:ext uri="{BB962C8B-B14F-4D97-AF65-F5344CB8AC3E}">
+        <p14:creationId xmlns:p14="http://schemas.microsoft.com/office/powerpoint/2010/main" val="4096200350"/>
+      </p:ext>
+    </p:extLst>
+  </p:cSld>
+  <p:clrMapOvr>
+    <a:masterClrMapping/>
+  </p:clrMapOvr>
+  <p:transition spd="med"/>
+</p:sld>
+</file>
+
+<file path=ppt/slides/slide9.xml><?xml version="1.0" encoding="utf-8"?>
+<p:sld xmlns:a="http://schemas.openxmlformats.org/drawingml/2006/main" xmlns:r="http://schemas.openxmlformats.org/officeDocument/2006/relationships" xmlns:p="http://schemas.openxmlformats.org/presentationml/2006/main">
+  <p:cSld>
+    <p:spTree>
+      <p:nvGrpSpPr>
+        <p:cNvPr id="1" name=""/>
+        <p:cNvGrpSpPr/>
+        <p:nvPr/>
+      </p:nvGrpSpPr>
+      <p:grpSpPr>
+        <a:xfrm>
+          <a:off x="0" y="0"/>
+          <a:ext cx="0" cy="0"/>
+          <a:chOff x="0" y="0"/>
+          <a:chExt cx="0" cy="0"/>
+        </a:xfrm>
+      </p:grpSpPr>
+      <p:sp>
+        <p:nvSpPr>
+          <p:cNvPr id="2" name="Title 1">
+            <a:extLst>
+              <a:ext uri="{FF2B5EF4-FFF2-40B4-BE49-F238E27FC236}">
+                <a16:creationId xmlns:a16="http://schemas.microsoft.com/office/drawing/2014/main" id="{3922B910-B2DF-631D-CCD1-94D4AC2E7E63}"/>
+              </a:ext>
+            </a:extLst>
+          </p:cNvPr>
+          <p:cNvSpPr>
+            <a:spLocks noGrp="1"/>
+          </p:cNvSpPr>
+          <p:nvPr>
+            <p:ph type="title"/>
+          </p:nvPr>
+        </p:nvSpPr>
+        <p:spPr/>
+        <p:txBody>
+          <a:bodyPr/>
+          <a:lstStyle/>
+          <a:p>
+            <a:r>
+              <a:rPr lang="en-CA" dirty="0"/>
+              <a:t>Linking </a:t>
+            </a:r>
+            <a:r>
+              <a:rPr lang="en-CA" dirty="0" err="1"/>
+              <a:t>DNAm</a:t>
+            </a:r>
+            <a:r>
+              <a:rPr lang="en-CA" dirty="0"/>
+              <a:t> sites to genes, cont.</a:t>
+            </a:r>
+            <a:endParaRPr lang="en-US" dirty="0"/>
+          </a:p>
+        </p:txBody>
+      </p:sp>
+      <p:sp>
+        <p:nvSpPr>
+          <p:cNvPr id="3" name="Content Placeholder 2">
+            <a:extLst>
+              <a:ext uri="{FF2B5EF4-FFF2-40B4-BE49-F238E27FC236}">
+                <a16:creationId xmlns:a16="http://schemas.microsoft.com/office/drawing/2014/main" id="{A871557F-A7E8-8159-8AF7-DC1396C013D6}"/>
+              </a:ext>
+            </a:extLst>
+          </p:cNvPr>
+          <p:cNvSpPr>
+            <a:spLocks noGrp="1"/>
+          </p:cNvSpPr>
+          <p:nvPr>
+            <p:ph idx="1"/>
+          </p:nvPr>
+        </p:nvSpPr>
+        <p:spPr/>
+        <p:txBody>
+          <a:bodyPr/>
+          <a:lstStyle/>
+          <a:p>
+            <a:pPr marL="0" indent="0">
+              <a:buNone/>
+            </a:pPr>
+            <a:r>
+              <a:rPr lang="en-CA" dirty="0"/>
+              <a:t>(My) conclusions</a:t>
+            </a:r>
+          </a:p>
+          <a:p>
+            <a:pPr>
+              <a:buFontTx/>
+              <a:buChar char="-"/>
+            </a:pPr>
+            <a:r>
+              <a:rPr lang="en-US" dirty="0"/>
+              <a:t>Surprisingly little agreement between datasets (but likely because they were small so associations tend to be dataset-specific)</a:t>
+            </a:r>
+          </a:p>
+          <a:p>
+            <a:pPr>
+              <a:buFontTx/>
+              <a:buChar char="-"/>
+            </a:pPr>
+            <a:r>
+              <a:rPr lang="en-US" dirty="0"/>
+              <a:t>If disagreement is ‘real’, then really suggests that you need matched gene expression data to know which genes are regulated by </a:t>
+            </a:r>
+            <a:r>
+              <a:rPr lang="en-US" dirty="0" err="1"/>
+              <a:t>DNAm</a:t>
+            </a:r>
+            <a:r>
+              <a:rPr lang="en-US" dirty="0"/>
+              <a:t> sites – but this seems unlikely</a:t>
+            </a:r>
+          </a:p>
+          <a:p>
+            <a:pPr>
+              <a:buFontTx/>
+              <a:buChar char="-"/>
+            </a:pPr>
+            <a:r>
+              <a:rPr lang="en-US" dirty="0"/>
+              <a:t>Certainly, we should understand that trans associations lacking from gene enrichment studies</a:t>
+            </a:r>
+            <a:endParaRPr lang="en-CA" dirty="0"/>
+          </a:p>
+        </p:txBody>
+      </p:sp>
+    </p:spTree>
+    <p:extLst>
+      <p:ext uri="{BB962C8B-B14F-4D97-AF65-F5344CB8AC3E}">
+        <p14:creationId xmlns:p14="http://schemas.microsoft.com/office/powerpoint/2010/main" val="1747418047"/>
       </p:ext>
     </p:extLst>
   </p:cSld>
@@ -23003,21 +32068,6 @@
 </file>
 
 <file path=customXml/item1.xml><?xml version="1.0" encoding="utf-8"?>
-<p:properties xmlns:p="http://schemas.microsoft.com/office/2006/metadata/properties" xmlns:xsi="http://www.w3.org/2001/XMLSchema-instance" xmlns:pc="http://schemas.microsoft.com/office/infopath/2007/PartnerControls">
-  <documentManagement/>
-</p:properties>
-</file>
-
-<file path=customXml/item2.xml><?xml version="1.0" encoding="utf-8"?>
-<?mso-contentType ?>
-<FormTemplates xmlns="http://schemas.microsoft.com/sharepoint/v3/contenttype/forms">
-  <Display>DocumentLibraryForm</Display>
-  <Edit>DocumentLibraryForm</Edit>
-  <New>DocumentLibraryForm</New>
-</FormTemplates>
-</file>
-
-<file path=customXml/item3.xml><?xml version="1.0" encoding="utf-8"?>
 <ct:contentTypeSchema xmlns:ct="http://schemas.microsoft.com/office/2006/metadata/contentType" xmlns:ma="http://schemas.microsoft.com/office/2006/metadata/properties/metaAttributes" ct:_="" ma:_="" ma:contentTypeName="Document" ma:contentTypeID="0x010100A793F08E06F4AA448AC00C0C02C94845" ma:contentTypeVersion="4" ma:contentTypeDescription="Create a new document." ma:contentTypeScope="" ma:versionID="8ae8c0bcb362956bfd30c2611ca3a1f1">
   <xsd:schema xmlns:xsd="http://www.w3.org/2001/XMLSchema" xmlns:xs="http://www.w3.org/2001/XMLSchema" xmlns:p="http://schemas.microsoft.com/office/2006/metadata/properties" xmlns:ns2="2335683b-688a-4d49-ab37-bd32983a32ac" targetNamespace="http://schemas.microsoft.com/office/2006/metadata/properties" ma:root="true" ma:fieldsID="3c27dae60892398fbb9ade460898c2bd" ns2:_="">
     <xsd:import namespace="2335683b-688a-4d49-ab37-bd32983a32ac"/>
@@ -23163,24 +32213,22 @@
 </ct:contentTypeSchema>
 </file>
 
-<file path=customXml/itemProps1.xml><?xml version="1.0" encoding="utf-8"?>
-<ds:datastoreItem xmlns:ds="http://schemas.openxmlformats.org/officeDocument/2006/customXml" ds:itemID="{958A2EA8-4641-42F6-A17F-431287DED999}">
-  <ds:schemaRefs>
-    <ds:schemaRef ds:uri="http://schemas.microsoft.com/office/2006/metadata/properties"/>
-    <ds:schemaRef ds:uri="http://schemas.microsoft.com/office/infopath/2007/PartnerControls"/>
-  </ds:schemaRefs>
-</ds:datastoreItem>
+<file path=customXml/item2.xml><?xml version="1.0" encoding="utf-8"?>
+<?mso-contentType ?>
+<FormTemplates xmlns="http://schemas.microsoft.com/sharepoint/v3/contenttype/forms">
+  <Display>DocumentLibraryForm</Display>
+  <Edit>DocumentLibraryForm</Edit>
+  <New>DocumentLibraryForm</New>
+</FormTemplates>
 </file>
 
-<file path=customXml/itemProps2.xml><?xml version="1.0" encoding="utf-8"?>
-<ds:datastoreItem xmlns:ds="http://schemas.openxmlformats.org/officeDocument/2006/customXml" ds:itemID="{3AA12886-63C9-4300-8B68-1ADB4934159B}">
-  <ds:schemaRefs>
-    <ds:schemaRef ds:uri="http://schemas.microsoft.com/sharepoint/v3/contenttype/forms"/>
-  </ds:schemaRefs>
-</ds:datastoreItem>
+<file path=customXml/item3.xml><?xml version="1.0" encoding="utf-8"?>
+<p:properties xmlns:p="http://schemas.microsoft.com/office/2006/metadata/properties" xmlns:xsi="http://www.w3.org/2001/XMLSchema-instance" xmlns:pc="http://schemas.microsoft.com/office/infopath/2007/PartnerControls">
+  <documentManagement/>
+</p:properties>
 </file>
 
-<file path=customXml/itemProps3.xml><?xml version="1.0" encoding="utf-8"?>
+<file path=customXml/itemProps1.xml><?xml version="1.0" encoding="utf-8"?>
 <ds:datastoreItem xmlns:ds="http://schemas.openxmlformats.org/officeDocument/2006/customXml" ds:itemID="{741BB8E0-F7E5-448E-9DB1-27528C7937F6}">
   <ds:schemaRefs>
     <ds:schemaRef ds:uri="http://schemas.microsoft.com/office/2006/metadata/contentType"/>
@@ -23196,4 +32244,21 @@
     <ds:schemaRef ds:uri="http://schemas.microsoft.com/internal/obd"/>
   </ds:schemaRefs>
 </ds:datastoreItem>
+</file>
+
+<file path=customXml/itemProps2.xml><?xml version="1.0" encoding="utf-8"?>
+<ds:datastoreItem xmlns:ds="http://schemas.openxmlformats.org/officeDocument/2006/customXml" ds:itemID="{3AA12886-63C9-4300-8B68-1ADB4934159B}">
+  <ds:schemaRefs>
+    <ds:schemaRef ds:uri="http://schemas.microsoft.com/sharepoint/v3/contenttype/forms"/>
+  </ds:schemaRefs>
+</ds:datastoreItem>
+</file>
+
+<file path=customXml/itemProps3.xml><?xml version="1.0" encoding="utf-8"?>
+<ds:datastoreItem xmlns:ds="http://schemas.openxmlformats.org/officeDocument/2006/customXml" ds:itemID="{958A2EA8-4641-42F6-A17F-431287DED999}">
+  <ds:schemaRefs>
+    <ds:schemaRef ds:uri="http://schemas.microsoft.com/office/2006/metadata/properties"/>
+    <ds:schemaRef ds:uri="http://schemas.microsoft.com/office/infopath/2007/PartnerControls"/>
+  </ds:schemaRefs>
+</ds:datastoreItem>
 </file>